--- a/Presentation/Shift_Reduce_Parsers_Presentation.pptx
+++ b/Presentation/Shift_Reduce_Parsers_Presentation.pptx
@@ -695,7 +695,7 @@
           <a:p>
             <a:fld id="{6F087016-4366-41E0-84B0-E1E9AB4072CA}" type="datetimeFigureOut">
               <a:rPr lang="en-US" smtClean="0"/>
-              <a:t>2022-05-12</a:t>
+              <a:t>2022-05-16</a:t>
             </a:fld>
             <a:endParaRPr lang="en-US"/>
           </a:p>
@@ -893,7 +893,7 @@
           <a:p>
             <a:fld id="{6F087016-4366-41E0-84B0-E1E9AB4072CA}" type="datetimeFigureOut">
               <a:rPr lang="en-US" smtClean="0"/>
-              <a:t>2022-05-12</a:t>
+              <a:t>2022-05-16</a:t>
             </a:fld>
             <a:endParaRPr lang="en-US"/>
           </a:p>
@@ -1101,7 +1101,7 @@
           <a:p>
             <a:fld id="{6F087016-4366-41E0-84B0-E1E9AB4072CA}" type="datetimeFigureOut">
               <a:rPr lang="en-US" smtClean="0"/>
-              <a:t>2022-05-12</a:t>
+              <a:t>2022-05-16</a:t>
             </a:fld>
             <a:endParaRPr lang="en-US"/>
           </a:p>
@@ -2617,7 +2617,7 @@
           <a:p>
             <a:fld id="{6F087016-4366-41E0-84B0-E1E9AB4072CA}" type="datetimeFigureOut">
               <a:rPr lang="en-US" smtClean="0"/>
-              <a:t>2022-05-12</a:t>
+              <a:t>2022-05-16</a:t>
             </a:fld>
             <a:endParaRPr lang="en-US"/>
           </a:p>
@@ -3654,7 +3654,7 @@
           <a:p>
             <a:fld id="{6F087016-4366-41E0-84B0-E1E9AB4072CA}" type="datetimeFigureOut">
               <a:rPr lang="en-US" smtClean="0"/>
-              <a:t>2022-05-12</a:t>
+              <a:t>2022-05-16</a:t>
             </a:fld>
             <a:endParaRPr lang="en-US"/>
           </a:p>
@@ -3919,7 +3919,7 @@
           <a:p>
             <a:fld id="{6F087016-4366-41E0-84B0-E1E9AB4072CA}" type="datetimeFigureOut">
               <a:rPr lang="en-US" smtClean="0"/>
-              <a:t>2022-05-12</a:t>
+              <a:t>2022-05-16</a:t>
             </a:fld>
             <a:endParaRPr lang="en-US"/>
           </a:p>
@@ -4331,7 +4331,7 @@
           <a:p>
             <a:fld id="{6F087016-4366-41E0-84B0-E1E9AB4072CA}" type="datetimeFigureOut">
               <a:rPr lang="en-US" smtClean="0"/>
-              <a:t>2022-05-12</a:t>
+              <a:t>2022-05-16</a:t>
             </a:fld>
             <a:endParaRPr lang="en-US"/>
           </a:p>
@@ -4472,7 +4472,7 @@
           <a:p>
             <a:fld id="{6F087016-4366-41E0-84B0-E1E9AB4072CA}" type="datetimeFigureOut">
               <a:rPr lang="en-US" smtClean="0"/>
-              <a:t>2022-05-12</a:t>
+              <a:t>2022-05-16</a:t>
             </a:fld>
             <a:endParaRPr lang="en-US"/>
           </a:p>
@@ -4585,7 +4585,7 @@
           <a:p>
             <a:fld id="{6F087016-4366-41E0-84B0-E1E9AB4072CA}" type="datetimeFigureOut">
               <a:rPr lang="en-US" smtClean="0"/>
-              <a:t>2022-05-12</a:t>
+              <a:t>2022-05-16</a:t>
             </a:fld>
             <a:endParaRPr lang="en-US"/>
           </a:p>
@@ -4896,7 +4896,7 @@
           <a:p>
             <a:fld id="{6F087016-4366-41E0-84B0-E1E9AB4072CA}" type="datetimeFigureOut">
               <a:rPr lang="en-US" smtClean="0"/>
-              <a:t>2022-05-12</a:t>
+              <a:t>2022-05-16</a:t>
             </a:fld>
             <a:endParaRPr lang="en-US"/>
           </a:p>
@@ -5184,7 +5184,7 @@
           <a:p>
             <a:fld id="{6F087016-4366-41E0-84B0-E1E9AB4072CA}" type="datetimeFigureOut">
               <a:rPr lang="en-US" smtClean="0"/>
-              <a:t>2022-05-12</a:t>
+              <a:t>2022-05-16</a:t>
             </a:fld>
             <a:endParaRPr lang="en-US"/>
           </a:p>
@@ -5425,7 +5425,7 @@
           <a:p>
             <a:fld id="{6F087016-4366-41E0-84B0-E1E9AB4072CA}" type="datetimeFigureOut">
               <a:rPr lang="en-US" smtClean="0"/>
-              <a:t>2022-05-12</a:t>
+              <a:t>2022-05-16</a:t>
             </a:fld>
             <a:endParaRPr lang="en-US"/>
           </a:p>
@@ -5908,7 +5908,7 @@
         <p:spPr>
           <a:xfrm>
             <a:off x="1" y="2843662"/>
-            <a:ext cx="12192000" cy="933589"/>
+            <a:ext cx="12192000" cy="1590179"/>
           </a:xfrm>
           <a:prstGeom prst="rect">
             <a:avLst/>
@@ -5927,85 +5927,85 @@
               </a:spcBef>
             </a:pPr>
             <a:r>
-              <a:rPr lang="en-US" sz="3600" spc="150" dirty="0" err="1">
+              <a:rPr lang="en-US" sz="3600" spc="150" dirty="0" err="1" smtClean="0">
                 <a:latin typeface="Montserrat SemiBold" panose="00000700000000000000" pitchFamily="50" charset="0"/>
               </a:rPr>
               <a:t>Xây</a:t>
             </a:r>
             <a:r>
-              <a:rPr lang="en-US" sz="3600" spc="150" dirty="0">
+              <a:rPr lang="en-US" sz="3600" spc="150" dirty="0" smtClean="0">
                 <a:latin typeface="Montserrat SemiBold" panose="00000700000000000000" pitchFamily="50" charset="0"/>
               </a:rPr>
               <a:t> </a:t>
             </a:r>
             <a:r>
-              <a:rPr lang="en-US" sz="3600" spc="150" dirty="0" err="1">
+              <a:rPr lang="en-US" sz="3600" spc="150" dirty="0" err="1" smtClean="0">
                 <a:latin typeface="Montserrat SemiBold" panose="00000700000000000000" pitchFamily="50" charset="0"/>
               </a:rPr>
               <a:t>Dựng</a:t>
             </a:r>
             <a:r>
-              <a:rPr lang="en-US" sz="3600" spc="150" dirty="0">
+              <a:rPr lang="en-US" sz="3600" spc="150" dirty="0" smtClean="0">
                 <a:latin typeface="Montserrat SemiBold" panose="00000700000000000000" pitchFamily="50" charset="0"/>
               </a:rPr>
               <a:t> </a:t>
             </a:r>
             <a:r>
-              <a:rPr lang="en-US" sz="3600" spc="150" dirty="0" err="1">
+              <a:rPr lang="en-US" sz="3600" spc="150" dirty="0" err="1" smtClean="0">
                 <a:latin typeface="Montserrat SemiBold" panose="00000700000000000000" pitchFamily="50" charset="0"/>
               </a:rPr>
               <a:t>Bộ</a:t>
             </a:r>
             <a:r>
-              <a:rPr lang="en-US" sz="3600" spc="150" dirty="0">
+              <a:rPr lang="en-US" sz="3600" spc="150" dirty="0" smtClean="0">
                 <a:latin typeface="Montserrat SemiBold" panose="00000700000000000000" pitchFamily="50" charset="0"/>
               </a:rPr>
               <a:t> </a:t>
             </a:r>
             <a:r>
-              <a:rPr lang="en-US" sz="3600" spc="150" dirty="0" err="1">
+              <a:rPr lang="en-US" sz="3600" spc="150" dirty="0" err="1" smtClean="0">
                 <a:latin typeface="Montserrat SemiBold" panose="00000700000000000000" pitchFamily="50" charset="0"/>
               </a:rPr>
               <a:t>Phân</a:t>
             </a:r>
             <a:r>
-              <a:rPr lang="en-US" sz="3600" spc="150" dirty="0">
+              <a:rPr lang="en-US" sz="3600" spc="150" dirty="0" smtClean="0">
                 <a:latin typeface="Montserrat SemiBold" panose="00000700000000000000" pitchFamily="50" charset="0"/>
               </a:rPr>
               <a:t> </a:t>
             </a:r>
             <a:r>
-              <a:rPr lang="en-US" sz="3600" spc="150" dirty="0" err="1">
+              <a:rPr lang="en-US" sz="3600" spc="150" dirty="0" err="1" smtClean="0">
                 <a:latin typeface="Montserrat SemiBold" panose="00000700000000000000" pitchFamily="50" charset="0"/>
               </a:rPr>
               <a:t>Tích</a:t>
             </a:r>
             <a:r>
-              <a:rPr lang="en-US" sz="3600" spc="150" dirty="0">
+              <a:rPr lang="en-US" sz="3600" spc="150" dirty="0" smtClean="0">
                 <a:latin typeface="Montserrat SemiBold" panose="00000700000000000000" pitchFamily="50" charset="0"/>
               </a:rPr>
               <a:t> </a:t>
             </a:r>
             <a:r>
-              <a:rPr lang="en-US" sz="3600" spc="150" dirty="0" err="1">
+              <a:rPr lang="en-US" sz="3600" spc="150" dirty="0" err="1" smtClean="0">
                 <a:latin typeface="Montserrat SemiBold" panose="00000700000000000000" pitchFamily="50" charset="0"/>
               </a:rPr>
               <a:t>Cú</a:t>
             </a:r>
             <a:r>
-              <a:rPr lang="en-US" sz="3600" spc="150" dirty="0">
+              <a:rPr lang="en-US" sz="3600" spc="150" dirty="0" smtClean="0">
                 <a:latin typeface="Montserrat SemiBold" panose="00000700000000000000" pitchFamily="50" charset="0"/>
               </a:rPr>
               <a:t> </a:t>
             </a:r>
             <a:r>
-              <a:rPr lang="en-US" sz="3600" spc="150" dirty="0" err="1">
+              <a:rPr lang="en-US" sz="3600" spc="150" dirty="0" err="1" smtClean="0">
                 <a:latin typeface="Montserrat SemiBold" panose="00000700000000000000" pitchFamily="50" charset="0"/>
               </a:rPr>
               <a:t>Pháp</a:t>
             </a:r>
             <a:r>
-              <a:rPr lang="en-US" sz="3600" spc="150" dirty="0">
+              <a:rPr lang="en-US" sz="3600" spc="150" dirty="0" smtClean="0">
                 <a:latin typeface="Montserrat SemiBold" panose="00000700000000000000" pitchFamily="50" charset="0"/>
               </a:rPr>
               <a:t> </a:t>
@@ -6018,11 +6018,55 @@
               </a:spcBef>
             </a:pPr>
             <a:r>
+              <a:rPr lang="en-US" sz="3600" spc="150" dirty="0" smtClean="0">
+                <a:latin typeface="Montserrat SemiBold" panose="00000700000000000000" pitchFamily="50" charset="0"/>
+              </a:rPr>
+              <a:t>Cho </a:t>
+            </a:r>
+            <a:r>
+              <a:rPr lang="en-US" sz="3600" spc="150" dirty="0" err="1" smtClean="0">
+                <a:latin typeface="Montserrat SemiBold" panose="00000700000000000000" pitchFamily="50" charset="0"/>
+              </a:rPr>
+              <a:t>Ngôn</a:t>
+            </a:r>
+            <a:r>
+              <a:rPr lang="en-US" sz="3600" spc="150" dirty="0" smtClean="0">
+                <a:latin typeface="Montserrat SemiBold" panose="00000700000000000000" pitchFamily="50" charset="0"/>
+              </a:rPr>
+              <a:t> </a:t>
+            </a:r>
+            <a:r>
+              <a:rPr lang="en-US" sz="3600" spc="150" dirty="0" err="1" smtClean="0">
+                <a:latin typeface="Montserrat SemiBold" panose="00000700000000000000" pitchFamily="50" charset="0"/>
+              </a:rPr>
+              <a:t>Ngữ</a:t>
+            </a:r>
+            <a:r>
+              <a:rPr lang="en-US" sz="3600" spc="150" dirty="0" smtClean="0">
+                <a:latin typeface="Montserrat SemiBold" panose="00000700000000000000" pitchFamily="50" charset="0"/>
+              </a:rPr>
+              <a:t> Python </a:t>
+            </a:r>
+          </a:p>
+          <a:p>
+            <a:pPr algn="ctr">
+              <a:spcBef>
+                <a:spcPts val="800"/>
+              </a:spcBef>
+            </a:pPr>
+            <a:r>
+              <a:rPr lang="en-US" sz="1200" spc="200" dirty="0" smtClean="0">
+                <a:latin typeface="Times New Roman" panose="02020603050405020304" pitchFamily="18" charset="0"/>
+                <a:cs typeface="Times New Roman" panose="02020603050405020304" pitchFamily="18" charset="0"/>
+              </a:rPr>
+              <a:t>NGUYỄN </a:t>
+            </a:r>
+            <a:r>
               <a:rPr lang="en-US" sz="1200" spc="200" dirty="0">
                 <a:latin typeface="Times New Roman" panose="02020603050405020304" pitchFamily="18" charset="0"/>
                 <a:cs typeface="Times New Roman" panose="02020603050405020304" pitchFamily="18" charset="0"/>
               </a:rPr>
-              <a:t>NGUYỄN HUỲNH HẢI ĐĂNG</a:t>
+              <a:t>HUỲNH HẢI ĐĂNG</a:t>
             </a:r>
             <a:endParaRPr lang="ru-RU" sz="1200" spc="200" dirty="0">
               <a:latin typeface="Times New Roman" panose="02020603050405020304" pitchFamily="18" charset="0"/>
@@ -33202,18 +33246,18 @@
 </file>
 
 <file path=customXml/item1.xml><?xml version="1.0" encoding="utf-8"?>
-<p:properties xmlns:p="http://schemas.microsoft.com/office/2006/metadata/properties" xmlns:xsi="http://www.w3.org/2001/XMLSchema-instance" xmlns:pc="http://schemas.microsoft.com/office/infopath/2007/PartnerControls">
-  <documentManagement/>
-</p:properties>
-</file>
-
-<file path=customXml/item2.xml><?xml version="1.0" encoding="utf-8"?>
 <?mso-contentType ?>
 <FormTemplates xmlns="http://schemas.microsoft.com/sharepoint/v3/contenttype/forms">
   <Display>DocumentLibraryForm</Display>
   <Edit>DocumentLibraryForm</Edit>
   <New>DocumentLibraryForm</New>
 </FormTemplates>
+</file>
+
+<file path=customXml/item2.xml><?xml version="1.0" encoding="utf-8"?>
+<p:properties xmlns:p="http://schemas.microsoft.com/office/2006/metadata/properties" xmlns:xsi="http://www.w3.org/2001/XMLSchema-instance" xmlns:pc="http://schemas.microsoft.com/office/infopath/2007/PartnerControls">
+  <documentManagement/>
+</p:properties>
 </file>
 
 <file path=customXml/item3.xml><?xml version="1.0" encoding="utf-8"?>
@@ -33440,6 +33484,14 @@
 </file>
 
 <file path=customXml/itemProps1.xml><?xml version="1.0" encoding="utf-8"?>
+<ds:datastoreItem xmlns:ds="http://schemas.openxmlformats.org/officeDocument/2006/customXml" ds:itemID="{4DBC78AF-8D5F-449F-9C4B-7B4E40B9D768}">
+  <ds:schemaRefs>
+    <ds:schemaRef ds:uri="http://schemas.microsoft.com/sharepoint/v3/contenttype/forms"/>
+  </ds:schemaRefs>
+</ds:datastoreItem>
+</file>
+
+<file path=customXml/itemProps2.xml><?xml version="1.0" encoding="utf-8"?>
 <ds:datastoreItem xmlns:ds="http://schemas.openxmlformats.org/officeDocument/2006/customXml" ds:itemID="{20610878-2683-4048-B88F-503163D654A3}">
   <ds:schemaRefs>
     <ds:schemaRef ds:uri="http://schemas.microsoft.com/office/2006/metadata/properties"/>
@@ -33452,14 +33504,6 @@
     <ds:schemaRef ds:uri="http://purl.org/dc/dcmitype/"/>
     <ds:schemaRef ds:uri="http://purl.org/dc/terms/"/>
     <ds:schemaRef ds:uri="191f001b-63df-4d49-aa15-0ce731e78454"/>
-  </ds:schemaRefs>
-</ds:datastoreItem>
-</file>
-
-<file path=customXml/itemProps2.xml><?xml version="1.0" encoding="utf-8"?>
-<ds:datastoreItem xmlns:ds="http://schemas.openxmlformats.org/officeDocument/2006/customXml" ds:itemID="{4DBC78AF-8D5F-449F-9C4B-7B4E40B9D768}">
-  <ds:schemaRefs>
-    <ds:schemaRef ds:uri="http://schemas.microsoft.com/sharepoint/v3/contenttype/forms"/>
   </ds:schemaRefs>
 </ds:datastoreItem>
 </file>

--- a/Presentation/Shift_Reduce_Parsers_Presentation.pptx
+++ b/Presentation/Shift_Reduce_Parsers_Presentation.pptx
@@ -15,16 +15,18 @@
     <p:sldId id="380" r:id="rId12"/>
     <p:sldId id="385" r:id="rId13"/>
     <p:sldId id="387" r:id="rId14"/>
-    <p:sldId id="353" r:id="rId15"/>
-    <p:sldId id="356" r:id="rId16"/>
-    <p:sldId id="261" r:id="rId17"/>
-    <p:sldId id="268" r:id="rId18"/>
-    <p:sldId id="392" r:id="rId19"/>
-    <p:sldId id="347" r:id="rId20"/>
-    <p:sldId id="390" r:id="rId21"/>
-    <p:sldId id="388" r:id="rId22"/>
-    <p:sldId id="389" r:id="rId23"/>
-    <p:sldId id="393" r:id="rId24"/>
+    <p:sldId id="395" r:id="rId15"/>
+    <p:sldId id="394" r:id="rId16"/>
+    <p:sldId id="353" r:id="rId17"/>
+    <p:sldId id="356" r:id="rId18"/>
+    <p:sldId id="261" r:id="rId19"/>
+    <p:sldId id="268" r:id="rId20"/>
+    <p:sldId id="392" r:id="rId21"/>
+    <p:sldId id="347" r:id="rId22"/>
+    <p:sldId id="390" r:id="rId23"/>
+    <p:sldId id="388" r:id="rId24"/>
+    <p:sldId id="389" r:id="rId25"/>
+    <p:sldId id="393" r:id="rId26"/>
   </p:sldIdLst>
   <p:sldSz cx="12192000" cy="6858000"/>
   <p:notesSz cx="6858000" cy="9144000"/>
@@ -695,7 +697,7 @@
           <a:p>
             <a:fld id="{6F087016-4366-41E0-84B0-E1E9AB4072CA}" type="datetimeFigureOut">
               <a:rPr lang="en-US" smtClean="0"/>
-              <a:t>2022-05-16</a:t>
+              <a:t>5/17/2022</a:t>
             </a:fld>
             <a:endParaRPr lang="en-US"/>
           </a:p>
@@ -893,7 +895,7 @@
           <a:p>
             <a:fld id="{6F087016-4366-41E0-84B0-E1E9AB4072CA}" type="datetimeFigureOut">
               <a:rPr lang="en-US" smtClean="0"/>
-              <a:t>2022-05-16</a:t>
+              <a:t>5/17/2022</a:t>
             </a:fld>
             <a:endParaRPr lang="en-US"/>
           </a:p>
@@ -1101,7 +1103,7 @@
           <a:p>
             <a:fld id="{6F087016-4366-41E0-84B0-E1E9AB4072CA}" type="datetimeFigureOut">
               <a:rPr lang="en-US" smtClean="0"/>
-              <a:t>2022-05-16</a:t>
+              <a:t>5/17/2022</a:t>
             </a:fld>
             <a:endParaRPr lang="en-US"/>
           </a:p>
@@ -2617,7 +2619,7 @@
           <a:p>
             <a:fld id="{6F087016-4366-41E0-84B0-E1E9AB4072CA}" type="datetimeFigureOut">
               <a:rPr lang="en-US" smtClean="0"/>
-              <a:t>2022-05-16</a:t>
+              <a:t>5/17/2022</a:t>
             </a:fld>
             <a:endParaRPr lang="en-US"/>
           </a:p>
@@ -3654,7 +3656,7 @@
           <a:p>
             <a:fld id="{6F087016-4366-41E0-84B0-E1E9AB4072CA}" type="datetimeFigureOut">
               <a:rPr lang="en-US" smtClean="0"/>
-              <a:t>2022-05-16</a:t>
+              <a:t>5/17/2022</a:t>
             </a:fld>
             <a:endParaRPr lang="en-US"/>
           </a:p>
@@ -3919,7 +3921,7 @@
           <a:p>
             <a:fld id="{6F087016-4366-41E0-84B0-E1E9AB4072CA}" type="datetimeFigureOut">
               <a:rPr lang="en-US" smtClean="0"/>
-              <a:t>2022-05-16</a:t>
+              <a:t>5/17/2022</a:t>
             </a:fld>
             <a:endParaRPr lang="en-US"/>
           </a:p>
@@ -4331,7 +4333,7 @@
           <a:p>
             <a:fld id="{6F087016-4366-41E0-84B0-E1E9AB4072CA}" type="datetimeFigureOut">
               <a:rPr lang="en-US" smtClean="0"/>
-              <a:t>2022-05-16</a:t>
+              <a:t>5/17/2022</a:t>
             </a:fld>
             <a:endParaRPr lang="en-US"/>
           </a:p>
@@ -4472,7 +4474,7 @@
           <a:p>
             <a:fld id="{6F087016-4366-41E0-84B0-E1E9AB4072CA}" type="datetimeFigureOut">
               <a:rPr lang="en-US" smtClean="0"/>
-              <a:t>2022-05-16</a:t>
+              <a:t>5/17/2022</a:t>
             </a:fld>
             <a:endParaRPr lang="en-US"/>
           </a:p>
@@ -4585,7 +4587,7 @@
           <a:p>
             <a:fld id="{6F087016-4366-41E0-84B0-E1E9AB4072CA}" type="datetimeFigureOut">
               <a:rPr lang="en-US" smtClean="0"/>
-              <a:t>2022-05-16</a:t>
+              <a:t>5/17/2022</a:t>
             </a:fld>
             <a:endParaRPr lang="en-US"/>
           </a:p>
@@ -4896,7 +4898,7 @@
           <a:p>
             <a:fld id="{6F087016-4366-41E0-84B0-E1E9AB4072CA}" type="datetimeFigureOut">
               <a:rPr lang="en-US" smtClean="0"/>
-              <a:t>2022-05-16</a:t>
+              <a:t>5/17/2022</a:t>
             </a:fld>
             <a:endParaRPr lang="en-US"/>
           </a:p>
@@ -5184,7 +5186,7 @@
           <a:p>
             <a:fld id="{6F087016-4366-41E0-84B0-E1E9AB4072CA}" type="datetimeFigureOut">
               <a:rPr lang="en-US" smtClean="0"/>
-              <a:t>2022-05-16</a:t>
+              <a:t>5/17/2022</a:t>
             </a:fld>
             <a:endParaRPr lang="en-US"/>
           </a:p>
@@ -5425,7 +5427,7 @@
           <a:p>
             <a:fld id="{6F087016-4366-41E0-84B0-E1E9AB4072CA}" type="datetimeFigureOut">
               <a:rPr lang="en-US" smtClean="0"/>
-              <a:t>2022-05-16</a:t>
+              <a:t>5/17/2022</a:t>
             </a:fld>
             <a:endParaRPr lang="en-US"/>
           </a:p>
@@ -5927,85 +5929,85 @@
               </a:spcBef>
             </a:pPr>
             <a:r>
-              <a:rPr lang="en-US" sz="3600" spc="150" dirty="0" err="1" smtClean="0">
+              <a:rPr lang="en-US" sz="3600" spc="150" dirty="0" err="1">
                 <a:latin typeface="Montserrat SemiBold" panose="00000700000000000000" pitchFamily="50" charset="0"/>
               </a:rPr>
               <a:t>Xây</a:t>
             </a:r>
             <a:r>
-              <a:rPr lang="en-US" sz="3600" spc="150" dirty="0" smtClean="0">
+              <a:rPr lang="en-US" sz="3600" spc="150" dirty="0">
                 <a:latin typeface="Montserrat SemiBold" panose="00000700000000000000" pitchFamily="50" charset="0"/>
               </a:rPr>
               <a:t> </a:t>
             </a:r>
             <a:r>
-              <a:rPr lang="en-US" sz="3600" spc="150" dirty="0" err="1" smtClean="0">
+              <a:rPr lang="en-US" sz="3600" spc="150" dirty="0" err="1">
                 <a:latin typeface="Montserrat SemiBold" panose="00000700000000000000" pitchFamily="50" charset="0"/>
               </a:rPr>
               <a:t>Dựng</a:t>
             </a:r>
             <a:r>
-              <a:rPr lang="en-US" sz="3600" spc="150" dirty="0" smtClean="0">
+              <a:rPr lang="en-US" sz="3600" spc="150" dirty="0">
                 <a:latin typeface="Montserrat SemiBold" panose="00000700000000000000" pitchFamily="50" charset="0"/>
               </a:rPr>
               <a:t> </a:t>
             </a:r>
             <a:r>
-              <a:rPr lang="en-US" sz="3600" spc="150" dirty="0" err="1" smtClean="0">
+              <a:rPr lang="en-US" sz="3600" spc="150" dirty="0" err="1">
                 <a:latin typeface="Montserrat SemiBold" panose="00000700000000000000" pitchFamily="50" charset="0"/>
               </a:rPr>
               <a:t>Bộ</a:t>
             </a:r>
             <a:r>
-              <a:rPr lang="en-US" sz="3600" spc="150" dirty="0" smtClean="0">
+              <a:rPr lang="en-US" sz="3600" spc="150" dirty="0">
                 <a:latin typeface="Montserrat SemiBold" panose="00000700000000000000" pitchFamily="50" charset="0"/>
               </a:rPr>
               <a:t> </a:t>
             </a:r>
             <a:r>
-              <a:rPr lang="en-US" sz="3600" spc="150" dirty="0" err="1" smtClean="0">
+              <a:rPr lang="en-US" sz="3600" spc="150" dirty="0" err="1">
                 <a:latin typeface="Montserrat SemiBold" panose="00000700000000000000" pitchFamily="50" charset="0"/>
               </a:rPr>
               <a:t>Phân</a:t>
             </a:r>
             <a:r>
-              <a:rPr lang="en-US" sz="3600" spc="150" dirty="0" smtClean="0">
+              <a:rPr lang="en-US" sz="3600" spc="150" dirty="0">
                 <a:latin typeface="Montserrat SemiBold" panose="00000700000000000000" pitchFamily="50" charset="0"/>
               </a:rPr>
               <a:t> </a:t>
             </a:r>
             <a:r>
-              <a:rPr lang="en-US" sz="3600" spc="150" dirty="0" err="1" smtClean="0">
+              <a:rPr lang="en-US" sz="3600" spc="150" dirty="0" err="1">
                 <a:latin typeface="Montserrat SemiBold" panose="00000700000000000000" pitchFamily="50" charset="0"/>
               </a:rPr>
               <a:t>Tích</a:t>
             </a:r>
             <a:r>
-              <a:rPr lang="en-US" sz="3600" spc="150" dirty="0" smtClean="0">
+              <a:rPr lang="en-US" sz="3600" spc="150" dirty="0">
                 <a:latin typeface="Montserrat SemiBold" panose="00000700000000000000" pitchFamily="50" charset="0"/>
               </a:rPr>
               <a:t> </a:t>
             </a:r>
             <a:r>
-              <a:rPr lang="en-US" sz="3600" spc="150" dirty="0" err="1" smtClean="0">
+              <a:rPr lang="en-US" sz="3600" spc="150" dirty="0" err="1">
                 <a:latin typeface="Montserrat SemiBold" panose="00000700000000000000" pitchFamily="50" charset="0"/>
               </a:rPr>
               <a:t>Cú</a:t>
             </a:r>
             <a:r>
-              <a:rPr lang="en-US" sz="3600" spc="150" dirty="0" smtClean="0">
+              <a:rPr lang="en-US" sz="3600" spc="150" dirty="0">
                 <a:latin typeface="Montserrat SemiBold" panose="00000700000000000000" pitchFamily="50" charset="0"/>
               </a:rPr>
               <a:t> </a:t>
             </a:r>
             <a:r>
-              <a:rPr lang="en-US" sz="3600" spc="150" dirty="0" err="1" smtClean="0">
+              <a:rPr lang="en-US" sz="3600" spc="150" dirty="0" err="1">
                 <a:latin typeface="Montserrat SemiBold" panose="00000700000000000000" pitchFamily="50" charset="0"/>
               </a:rPr>
               <a:t>Pháp</a:t>
             </a:r>
             <a:r>
-              <a:rPr lang="en-US" sz="3600" spc="150" dirty="0" smtClean="0">
+              <a:rPr lang="en-US" sz="3600" spc="150" dirty="0">
                 <a:latin typeface="Montserrat SemiBold" panose="00000700000000000000" pitchFamily="50" charset="0"/>
               </a:rPr>
               <a:t> </a:t>
@@ -6018,31 +6020,31 @@
               </a:spcBef>
             </a:pPr>
             <a:r>
-              <a:rPr lang="en-US" sz="3600" spc="150" dirty="0" smtClean="0">
+              <a:rPr lang="en-US" sz="3600" spc="150" dirty="0">
                 <a:latin typeface="Montserrat SemiBold" panose="00000700000000000000" pitchFamily="50" charset="0"/>
               </a:rPr>
               <a:t>Cho </a:t>
             </a:r>
             <a:r>
-              <a:rPr lang="en-US" sz="3600" spc="150" dirty="0" err="1" smtClean="0">
+              <a:rPr lang="en-US" sz="3600" spc="150" dirty="0" err="1">
                 <a:latin typeface="Montserrat SemiBold" panose="00000700000000000000" pitchFamily="50" charset="0"/>
               </a:rPr>
               <a:t>Ngôn</a:t>
             </a:r>
             <a:r>
-              <a:rPr lang="en-US" sz="3600" spc="150" dirty="0" smtClean="0">
+              <a:rPr lang="en-US" sz="3600" spc="150" dirty="0">
                 <a:latin typeface="Montserrat SemiBold" panose="00000700000000000000" pitchFamily="50" charset="0"/>
               </a:rPr>
               <a:t> </a:t>
             </a:r>
             <a:r>
-              <a:rPr lang="en-US" sz="3600" spc="150" dirty="0" err="1" smtClean="0">
+              <a:rPr lang="en-US" sz="3600" spc="150" dirty="0" err="1">
                 <a:latin typeface="Montserrat SemiBold" panose="00000700000000000000" pitchFamily="50" charset="0"/>
               </a:rPr>
               <a:t>Ngữ</a:t>
             </a:r>
             <a:r>
-              <a:rPr lang="en-US" sz="3600" spc="150" dirty="0" smtClean="0">
+              <a:rPr lang="en-US" sz="3600" spc="150" dirty="0">
                 <a:latin typeface="Montserrat SemiBold" panose="00000700000000000000" pitchFamily="50" charset="0"/>
               </a:rPr>
               <a:t> Python </a:t>
@@ -6055,18 +6057,11 @@
               </a:spcBef>
             </a:pPr>
             <a:r>
-              <a:rPr lang="en-US" sz="1200" spc="200" dirty="0" smtClean="0">
-                <a:latin typeface="Times New Roman" panose="02020603050405020304" pitchFamily="18" charset="0"/>
-                <a:cs typeface="Times New Roman" panose="02020603050405020304" pitchFamily="18" charset="0"/>
-              </a:rPr>
-              <a:t>NGUYỄN </a:t>
-            </a:r>
-            <a:r>
               <a:rPr lang="en-US" sz="1200" spc="200" dirty="0">
                 <a:latin typeface="Times New Roman" panose="02020603050405020304" pitchFamily="18" charset="0"/>
                 <a:cs typeface="Times New Roman" panose="02020603050405020304" pitchFamily="18" charset="0"/>
               </a:rPr>
-              <a:t>HUỲNH HẢI ĐĂNG</a:t>
+              <a:t>NGUYỄN HUỲNH HẢI ĐĂNG</a:t>
             </a:r>
             <a:endParaRPr lang="ru-RU" sz="1200" spc="200" dirty="0">
               <a:latin typeface="Times New Roman" panose="02020603050405020304" pitchFamily="18" charset="0"/>
@@ -6445,7 +6440,7 @@
         <p:spPr>
           <a:xfrm>
             <a:off x="3061252" y="3198166"/>
-            <a:ext cx="5899868" cy="461665"/>
+            <a:ext cx="5899868" cy="1672253"/>
           </a:xfrm>
           <a:prstGeom prst="rect">
             <a:avLst/>
@@ -6464,10 +6459,162 @@
               </a:spcBef>
             </a:pPr>
             <a:r>
+              <a:rPr lang="en-US" sz="2400" spc="150" dirty="0" err="1">
+                <a:latin typeface="Montserrat SemiBold" panose="00000700000000000000" pitchFamily="50" charset="0"/>
+              </a:rPr>
+              <a:t>Nguyên</a:t>
+            </a:r>
+            <a:r>
               <a:rPr lang="en-US" sz="2400" spc="150" dirty="0">
                 <a:latin typeface="Montserrat SemiBold" panose="00000700000000000000" pitchFamily="50" charset="0"/>
               </a:rPr>
-              <a:t>XÂY DỰNG BỘ PHÂN CÚ PHÁP</a:t>
+              <a:t> </a:t>
+            </a:r>
+            <a:r>
+              <a:rPr lang="en-US" sz="2400" spc="150" dirty="0" err="1">
+                <a:latin typeface="Montserrat SemiBold" panose="00000700000000000000" pitchFamily="50" charset="0"/>
+              </a:rPr>
+              <a:t>Nhân</a:t>
+            </a:r>
+            <a:r>
+              <a:rPr lang="en-US" sz="2400" spc="150" dirty="0">
+                <a:latin typeface="Montserrat SemiBold" panose="00000700000000000000" pitchFamily="50" charset="0"/>
+              </a:rPr>
+              <a:t> </a:t>
+            </a:r>
+            <a:r>
+              <a:rPr lang="en-US" sz="2400" spc="150" dirty="0" err="1">
+                <a:latin typeface="Montserrat SemiBold" panose="00000700000000000000" pitchFamily="50" charset="0"/>
+              </a:rPr>
+              <a:t>Tách</a:t>
+            </a:r>
+            <a:br>
+              <a:rPr lang="en-US" sz="2400" spc="150" dirty="0">
+                <a:latin typeface="Montserrat SemiBold" panose="00000700000000000000" pitchFamily="50" charset="0"/>
+              </a:rPr>
+            </a:br>
+            <a:r>
+              <a:rPr lang="en-US" sz="2400" spc="150" dirty="0" err="1">
+                <a:latin typeface="Montserrat SemiBold" panose="00000700000000000000" pitchFamily="50" charset="0"/>
+              </a:rPr>
+              <a:t>Bộ</a:t>
+            </a:r>
+            <a:r>
+              <a:rPr lang="en-US" sz="2400" spc="150" dirty="0">
+                <a:latin typeface="Montserrat SemiBold" panose="00000700000000000000" pitchFamily="50" charset="0"/>
+              </a:rPr>
+              <a:t> </a:t>
+            </a:r>
+            <a:r>
+              <a:rPr lang="en-US" sz="2400" spc="150" dirty="0" err="1">
+                <a:latin typeface="Montserrat SemiBold" panose="00000700000000000000" pitchFamily="50" charset="0"/>
+              </a:rPr>
+              <a:t>Phân</a:t>
+            </a:r>
+            <a:r>
+              <a:rPr lang="en-US" sz="2400" spc="150" dirty="0">
+                <a:latin typeface="Montserrat SemiBold" panose="00000700000000000000" pitchFamily="50" charset="0"/>
+              </a:rPr>
+              <a:t> </a:t>
+            </a:r>
+            <a:r>
+              <a:rPr lang="en-US" sz="2400" spc="150" dirty="0" err="1">
+                <a:latin typeface="Montserrat SemiBold" panose="00000700000000000000" pitchFamily="50" charset="0"/>
+              </a:rPr>
+              <a:t>Tích</a:t>
+            </a:r>
+            <a:r>
+              <a:rPr lang="en-US" sz="2400" spc="150" dirty="0">
+                <a:latin typeface="Montserrat SemiBold" panose="00000700000000000000" pitchFamily="50" charset="0"/>
+              </a:rPr>
+              <a:t> </a:t>
+            </a:r>
+            <a:r>
+              <a:rPr lang="en-US" sz="2400" spc="150" dirty="0" err="1">
+                <a:latin typeface="Montserrat SemiBold" panose="00000700000000000000" pitchFamily="50" charset="0"/>
+              </a:rPr>
+              <a:t>Cú</a:t>
+            </a:r>
+            <a:r>
+              <a:rPr lang="en-US" sz="2400" spc="150" dirty="0">
+                <a:latin typeface="Montserrat SemiBold" panose="00000700000000000000" pitchFamily="50" charset="0"/>
+              </a:rPr>
+              <a:t> </a:t>
+            </a:r>
+            <a:r>
+              <a:rPr lang="en-US" sz="2400" spc="150" dirty="0" err="1">
+                <a:latin typeface="Montserrat SemiBold" panose="00000700000000000000" pitchFamily="50" charset="0"/>
+              </a:rPr>
+              <a:t>Pháp</a:t>
+            </a:r>
+            <a:br>
+              <a:rPr lang="en-US" sz="2400" spc="150" dirty="0">
+                <a:latin typeface="Montserrat SemiBold" panose="00000700000000000000" pitchFamily="50" charset="0"/>
+              </a:rPr>
+            </a:br>
+            <a:r>
+              <a:rPr lang="en-US" sz="2400" spc="150" dirty="0" err="1">
+                <a:latin typeface="Montserrat SemiBold" panose="00000700000000000000" pitchFamily="50" charset="0"/>
+              </a:rPr>
+              <a:t>và</a:t>
+            </a:r>
+            <a:endParaRPr lang="en-US" sz="2400" spc="150" dirty="0">
+              <a:latin typeface="Montserrat SemiBold" panose="00000700000000000000" pitchFamily="50" charset="0"/>
+            </a:endParaRPr>
+          </a:p>
+          <a:p>
+            <a:pPr algn="ctr">
+              <a:spcBef>
+                <a:spcPts val="800"/>
+              </a:spcBef>
+            </a:pPr>
+            <a:r>
+              <a:rPr lang="en-US" sz="2400" spc="150" dirty="0" err="1">
+                <a:latin typeface="Montserrat SemiBold" panose="00000700000000000000" pitchFamily="50" charset="0"/>
+              </a:rPr>
+              <a:t>Bộ</a:t>
+            </a:r>
+            <a:r>
+              <a:rPr lang="en-US" sz="2400" spc="150" dirty="0">
+                <a:latin typeface="Montserrat SemiBold" panose="00000700000000000000" pitchFamily="50" charset="0"/>
+              </a:rPr>
+              <a:t> </a:t>
+            </a:r>
+            <a:r>
+              <a:rPr lang="en-US" sz="2400" spc="150" dirty="0" err="1">
+                <a:latin typeface="Montserrat SemiBold" panose="00000700000000000000" pitchFamily="50" charset="0"/>
+              </a:rPr>
+              <a:t>Phân</a:t>
+            </a:r>
+            <a:r>
+              <a:rPr lang="en-US" sz="2400" spc="150" dirty="0">
+                <a:latin typeface="Montserrat SemiBold" panose="00000700000000000000" pitchFamily="50" charset="0"/>
+              </a:rPr>
+              <a:t> </a:t>
+            </a:r>
+            <a:r>
+              <a:rPr lang="en-US" sz="2400" spc="150" dirty="0" err="1">
+                <a:latin typeface="Montserrat SemiBold" panose="00000700000000000000" pitchFamily="50" charset="0"/>
+              </a:rPr>
+              <a:t>Tích</a:t>
+            </a:r>
+            <a:r>
+              <a:rPr lang="en-US" sz="2400" spc="150" dirty="0">
+                <a:latin typeface="Montserrat SemiBold" panose="00000700000000000000" pitchFamily="50" charset="0"/>
+              </a:rPr>
+              <a:t> </a:t>
+            </a:r>
+            <a:r>
+              <a:rPr lang="en-US" sz="2400" spc="150" dirty="0" err="1">
+                <a:latin typeface="Montserrat SemiBold" panose="00000700000000000000" pitchFamily="50" charset="0"/>
+              </a:rPr>
+              <a:t>Ngữ</a:t>
+            </a:r>
+            <a:r>
+              <a:rPr lang="en-US" sz="2400" spc="150" dirty="0">
+                <a:latin typeface="Montserrat SemiBold" panose="00000700000000000000" pitchFamily="50" charset="0"/>
+              </a:rPr>
+              <a:t> </a:t>
             </a:r>
           </a:p>
         </p:txBody>
@@ -6678,6 +6825,2082 @@
 </file>
 
 <file path=ppt/slides/slide11.xml><?xml version="1.0" encoding="utf-8"?>
+<p:sld xmlns:a="http://schemas.openxmlformats.org/drawingml/2006/main" xmlns:r="http://schemas.openxmlformats.org/officeDocument/2006/relationships" xmlns:p="http://schemas.openxmlformats.org/presentationml/2006/main">
+  <p:cSld>
+    <p:spTree>
+      <p:nvGrpSpPr>
+        <p:cNvPr id="1" name=""/>
+        <p:cNvGrpSpPr/>
+        <p:nvPr/>
+      </p:nvGrpSpPr>
+      <p:grpSpPr>
+        <a:xfrm>
+          <a:off x="0" y="0"/>
+          <a:ext cx="0" cy="0"/>
+          <a:chOff x="0" y="0"/>
+          <a:chExt cx="0" cy="0"/>
+        </a:xfrm>
+      </p:grpSpPr>
+      <p:sp>
+        <p:nvSpPr>
+          <p:cNvPr id="9" name="Rectangle 8"/>
+          <p:cNvSpPr/>
+          <p:nvPr/>
+        </p:nvSpPr>
+        <p:spPr>
+          <a:xfrm>
+            <a:off x="95480" y="57258"/>
+            <a:ext cx="12078269" cy="764275"/>
+          </a:xfrm>
+          <a:prstGeom prst="rect">
+            <a:avLst/>
+          </a:prstGeom>
+          <a:solidFill>
+            <a:schemeClr val="bg1"/>
+          </a:solidFill>
+          <a:ln>
+            <a:noFill/>
+          </a:ln>
+        </p:spPr>
+        <p:style>
+          <a:lnRef idx="2">
+            <a:schemeClr val="accent1">
+              <a:shade val="50000"/>
+            </a:schemeClr>
+          </a:lnRef>
+          <a:fillRef idx="1">
+            <a:schemeClr val="accent1"/>
+          </a:fillRef>
+          <a:effectRef idx="0">
+            <a:schemeClr val="accent1"/>
+          </a:effectRef>
+          <a:fontRef idx="minor">
+            <a:schemeClr val="lt1"/>
+          </a:fontRef>
+        </p:style>
+        <p:txBody>
+          <a:bodyPr rtlCol="0" anchor="ctr"/>
+          <a:lstStyle/>
+          <a:p>
+            <a:pPr algn="ctr"/>
+            <a:endParaRPr lang="en-US"/>
+          </a:p>
+        </p:txBody>
+      </p:sp>
+      <p:grpSp>
+        <p:nvGrpSpPr>
+          <p:cNvPr id="36" name="Группа 35"/>
+          <p:cNvGrpSpPr/>
+          <p:nvPr/>
+        </p:nvGrpSpPr>
+        <p:grpSpPr>
+          <a:xfrm>
+            <a:off x="629274" y="1178952"/>
+            <a:ext cx="2475221" cy="4466156"/>
+            <a:chOff x="610652" y="1195922"/>
+            <a:chExt cx="2475221" cy="4466156"/>
+          </a:xfrm>
+        </p:grpSpPr>
+        <p:sp>
+          <p:nvSpPr>
+            <p:cNvPr id="5" name="Прямоугольник 4"/>
+            <p:cNvSpPr/>
+            <p:nvPr/>
+          </p:nvSpPr>
+          <p:spPr>
+            <a:xfrm>
+              <a:off x="666523" y="1195922"/>
+              <a:ext cx="2419350" cy="1561380"/>
+            </a:xfrm>
+            <a:prstGeom prst="rect">
+              <a:avLst/>
+            </a:prstGeom>
+            <a:solidFill>
+              <a:schemeClr val="bg2">
+                <a:lumMod val="25000"/>
+              </a:schemeClr>
+            </a:solidFill>
+            <a:ln>
+              <a:noFill/>
+            </a:ln>
+          </p:spPr>
+          <p:style>
+            <a:lnRef idx="2">
+              <a:schemeClr val="accent1">
+                <a:shade val="50000"/>
+              </a:schemeClr>
+            </a:lnRef>
+            <a:fillRef idx="1">
+              <a:schemeClr val="accent1"/>
+            </a:fillRef>
+            <a:effectRef idx="0">
+              <a:schemeClr val="accent1"/>
+            </a:effectRef>
+            <a:fontRef idx="minor">
+              <a:schemeClr val="lt1"/>
+            </a:fontRef>
+          </p:style>
+          <p:txBody>
+            <a:bodyPr rtlCol="0" anchor="ctr"/>
+            <a:lstStyle/>
+            <a:p>
+              <a:pPr algn="ctr"/>
+              <a:endParaRPr lang="ru-RU" dirty="0"/>
+            </a:p>
+          </p:txBody>
+        </p:sp>
+        <p:sp>
+          <p:nvSpPr>
+            <p:cNvPr id="2" name="Прямоугольник 1"/>
+            <p:cNvSpPr/>
+            <p:nvPr/>
+          </p:nvSpPr>
+          <p:spPr>
+            <a:xfrm>
+              <a:off x="647899" y="2754746"/>
+              <a:ext cx="2419350" cy="2907332"/>
+            </a:xfrm>
+            <a:prstGeom prst="rect">
+              <a:avLst/>
+            </a:prstGeom>
+            <a:solidFill>
+              <a:schemeClr val="bg1">
+                <a:lumMod val="95000"/>
+              </a:schemeClr>
+            </a:solidFill>
+            <a:ln>
+              <a:noFill/>
+            </a:ln>
+          </p:spPr>
+          <p:style>
+            <a:lnRef idx="2">
+              <a:schemeClr val="accent1">
+                <a:shade val="50000"/>
+              </a:schemeClr>
+            </a:lnRef>
+            <a:fillRef idx="1">
+              <a:schemeClr val="accent1"/>
+            </a:fillRef>
+            <a:effectRef idx="0">
+              <a:schemeClr val="accent1"/>
+            </a:effectRef>
+            <a:fontRef idx="minor">
+              <a:schemeClr val="lt1"/>
+            </a:fontRef>
+          </p:style>
+          <p:txBody>
+            <a:bodyPr rtlCol="0" anchor="ctr"/>
+            <a:lstStyle/>
+            <a:p>
+              <a:pPr algn="ctr"/>
+              <a:endParaRPr lang="ru-RU" dirty="0"/>
+            </a:p>
+          </p:txBody>
+        </p:sp>
+        <p:sp>
+          <p:nvSpPr>
+            <p:cNvPr id="3" name="Заголовок 1"/>
+            <p:cNvSpPr txBox="1">
+              <a:spLocks/>
+            </p:cNvSpPr>
+            <p:nvPr/>
+          </p:nvSpPr>
+          <p:spPr>
+            <a:xfrm>
+              <a:off x="610652" y="3522249"/>
+              <a:ext cx="2456597" cy="520229"/>
+            </a:xfrm>
+            <a:prstGeom prst="rect">
+              <a:avLst/>
+            </a:prstGeom>
+          </p:spPr>
+          <p:txBody>
+            <a:bodyPr>
+              <a:noAutofit/>
+            </a:bodyPr>
+            <a:lstStyle>
+              <a:defPPr>
+                <a:defRPr lang="en-US"/>
+              </a:defPPr>
+              <a:lvl1pPr algn="ctr">
+                <a:lnSpc>
+                  <a:spcPts val="3400"/>
+                </a:lnSpc>
+                <a:spcBef>
+                  <a:spcPct val="0"/>
+                </a:spcBef>
+                <a:buNone/>
+                <a:defRPr sz="2000" kern="0" spc="150">
+                  <a:latin typeface="Montserrat SemiBold" panose="00000700000000000000" pitchFamily="50" charset="0"/>
+                  <a:ea typeface="+mj-ea"/>
+                  <a:cs typeface="Poppins SemiBold" panose="02000000000000000000" pitchFamily="2" charset="0"/>
+                </a:defRPr>
+              </a:lvl1pPr>
+            </a:lstStyle>
+            <a:p>
+              <a:r>
+                <a:rPr lang="en-US" dirty="0" err="1"/>
+                <a:t>Đơn</a:t>
+              </a:r>
+              <a:r>
+                <a:rPr lang="en-US" dirty="0"/>
+                <a:t> </a:t>
+              </a:r>
+              <a:r>
+                <a:rPr lang="en-US" dirty="0" err="1"/>
+                <a:t>giản</a:t>
+              </a:r>
+              <a:endParaRPr lang="en-US" dirty="0"/>
+            </a:p>
+            <a:p>
+              <a:endParaRPr lang="ru-RU" dirty="0"/>
+            </a:p>
+          </p:txBody>
+        </p:sp>
+        <p:sp>
+          <p:nvSpPr>
+            <p:cNvPr id="6" name="Скругленный прямоугольник 5"/>
+            <p:cNvSpPr/>
+            <p:nvPr/>
+          </p:nvSpPr>
+          <p:spPr>
+            <a:xfrm>
+              <a:off x="1217644" y="5024122"/>
+              <a:ext cx="1286540" cy="361507"/>
+            </a:xfrm>
+            <a:prstGeom prst="roundRect">
+              <a:avLst/>
+            </a:prstGeom>
+            <a:noFill/>
+            <a:ln>
+              <a:solidFill>
+                <a:schemeClr val="bg1">
+                  <a:lumMod val="50000"/>
+                </a:schemeClr>
+              </a:solidFill>
+            </a:ln>
+          </p:spPr>
+          <p:style>
+            <a:lnRef idx="2">
+              <a:schemeClr val="accent1">
+                <a:shade val="50000"/>
+              </a:schemeClr>
+            </a:lnRef>
+            <a:fillRef idx="1">
+              <a:schemeClr val="accent1"/>
+            </a:fillRef>
+            <a:effectRef idx="0">
+              <a:schemeClr val="accent1"/>
+            </a:effectRef>
+            <a:fontRef idx="minor">
+              <a:schemeClr val="lt1"/>
+            </a:fontRef>
+          </p:style>
+          <p:txBody>
+            <a:bodyPr rtlCol="0" anchor="ctr"/>
+            <a:lstStyle/>
+            <a:p>
+              <a:pPr algn="ctr"/>
+              <a:endParaRPr lang="ru-RU" dirty="0"/>
+            </a:p>
+          </p:txBody>
+        </p:sp>
+        <p:sp>
+          <p:nvSpPr>
+            <p:cNvPr id="7" name="Текст 11"/>
+            <p:cNvSpPr txBox="1">
+              <a:spLocks/>
+            </p:cNvSpPr>
+            <p:nvPr/>
+          </p:nvSpPr>
+          <p:spPr>
+            <a:xfrm>
+              <a:off x="987926" y="5052951"/>
+              <a:ext cx="1760561" cy="332678"/>
+            </a:xfrm>
+            <a:prstGeom prst="rect">
+              <a:avLst/>
+            </a:prstGeom>
+          </p:spPr>
+          <p:txBody>
+            <a:bodyPr>
+              <a:normAutofit/>
+            </a:bodyPr>
+            <a:lstStyle>
+              <a:lvl1pPr marL="0" indent="0" algn="l" defTabSz="914400" rtl="0" eaLnBrk="1" latinLnBrk="0" hangingPunct="1">
+                <a:lnSpc>
+                  <a:spcPct val="90000"/>
+                </a:lnSpc>
+                <a:spcBef>
+                  <a:spcPts val="1000"/>
+                </a:spcBef>
+                <a:buFont typeface="Arial" panose="020B0604020202020204" pitchFamily="34" charset="0"/>
+                <a:buNone/>
+                <a:defRPr sz="2800" kern="1200">
+                  <a:solidFill>
+                    <a:schemeClr val="tx1"/>
+                  </a:solidFill>
+                  <a:latin typeface="+mn-lt"/>
+                  <a:ea typeface="+mn-ea"/>
+                  <a:cs typeface="+mn-cs"/>
+                </a:defRPr>
+              </a:lvl1pPr>
+              <a:lvl2pPr marL="685800" indent="-228600" algn="l" defTabSz="914400" rtl="0" eaLnBrk="1" latinLnBrk="0" hangingPunct="1">
+                <a:lnSpc>
+                  <a:spcPct val="90000"/>
+                </a:lnSpc>
+                <a:spcBef>
+                  <a:spcPts val="500"/>
+                </a:spcBef>
+                <a:buFont typeface="Arial" panose="020B0604020202020204" pitchFamily="34" charset="0"/>
+                <a:buChar char="•"/>
+                <a:defRPr sz="2400" kern="1200">
+                  <a:solidFill>
+                    <a:schemeClr val="tx1"/>
+                  </a:solidFill>
+                  <a:latin typeface="+mn-lt"/>
+                  <a:ea typeface="+mn-ea"/>
+                  <a:cs typeface="+mn-cs"/>
+                </a:defRPr>
+              </a:lvl2pPr>
+              <a:lvl3pPr marL="1143000" indent="-228600" algn="l" defTabSz="914400" rtl="0" eaLnBrk="1" latinLnBrk="0" hangingPunct="1">
+                <a:lnSpc>
+                  <a:spcPct val="90000"/>
+                </a:lnSpc>
+                <a:spcBef>
+                  <a:spcPts val="500"/>
+                </a:spcBef>
+                <a:buFont typeface="Arial" panose="020B0604020202020204" pitchFamily="34" charset="0"/>
+                <a:buChar char="•"/>
+                <a:defRPr sz="2000" kern="1200">
+                  <a:solidFill>
+                    <a:schemeClr val="tx1"/>
+                  </a:solidFill>
+                  <a:latin typeface="+mn-lt"/>
+                  <a:ea typeface="+mn-ea"/>
+                  <a:cs typeface="+mn-cs"/>
+                </a:defRPr>
+              </a:lvl3pPr>
+              <a:lvl4pPr marL="1600200" indent="-228600" algn="l" defTabSz="914400" rtl="0" eaLnBrk="1" latinLnBrk="0" hangingPunct="1">
+                <a:lnSpc>
+                  <a:spcPct val="90000"/>
+                </a:lnSpc>
+                <a:spcBef>
+                  <a:spcPts val="500"/>
+                </a:spcBef>
+                <a:buFont typeface="Arial" panose="020B0604020202020204" pitchFamily="34" charset="0"/>
+                <a:buChar char="•"/>
+                <a:defRPr sz="1800" kern="1200">
+                  <a:solidFill>
+                    <a:schemeClr val="tx1"/>
+                  </a:solidFill>
+                  <a:latin typeface="+mn-lt"/>
+                  <a:ea typeface="+mn-ea"/>
+                  <a:cs typeface="+mn-cs"/>
+                </a:defRPr>
+              </a:lvl4pPr>
+              <a:lvl5pPr marL="2057400" indent="-228600" algn="l" defTabSz="914400" rtl="0" eaLnBrk="1" latinLnBrk="0" hangingPunct="1">
+                <a:lnSpc>
+                  <a:spcPct val="90000"/>
+                </a:lnSpc>
+                <a:spcBef>
+                  <a:spcPts val="500"/>
+                </a:spcBef>
+                <a:buFont typeface="Arial" panose="020B0604020202020204" pitchFamily="34" charset="0"/>
+                <a:buChar char="•"/>
+                <a:defRPr sz="1800" kern="1200">
+                  <a:solidFill>
+                    <a:schemeClr val="tx1"/>
+                  </a:solidFill>
+                  <a:latin typeface="+mn-lt"/>
+                  <a:ea typeface="+mn-ea"/>
+                  <a:cs typeface="+mn-cs"/>
+                </a:defRPr>
+              </a:lvl5pPr>
+              <a:lvl6pPr marL="2514600" indent="-228600" algn="l" defTabSz="914400" rtl="0" eaLnBrk="1" latinLnBrk="0" hangingPunct="1">
+                <a:lnSpc>
+                  <a:spcPct val="90000"/>
+                </a:lnSpc>
+                <a:spcBef>
+                  <a:spcPts val="500"/>
+                </a:spcBef>
+                <a:buFont typeface="Arial" panose="020B0604020202020204" pitchFamily="34" charset="0"/>
+                <a:buChar char="•"/>
+                <a:defRPr sz="1800" kern="1200">
+                  <a:solidFill>
+                    <a:schemeClr val="tx1"/>
+                  </a:solidFill>
+                  <a:latin typeface="+mn-lt"/>
+                  <a:ea typeface="+mn-ea"/>
+                  <a:cs typeface="+mn-cs"/>
+                </a:defRPr>
+              </a:lvl6pPr>
+              <a:lvl7pPr marL="2971800" indent="-228600" algn="l" defTabSz="914400" rtl="0" eaLnBrk="1" latinLnBrk="0" hangingPunct="1">
+                <a:lnSpc>
+                  <a:spcPct val="90000"/>
+                </a:lnSpc>
+                <a:spcBef>
+                  <a:spcPts val="500"/>
+                </a:spcBef>
+                <a:buFont typeface="Arial" panose="020B0604020202020204" pitchFamily="34" charset="0"/>
+                <a:buChar char="•"/>
+                <a:defRPr sz="1800" kern="1200">
+                  <a:solidFill>
+                    <a:schemeClr val="tx1"/>
+                  </a:solidFill>
+                  <a:latin typeface="+mn-lt"/>
+                  <a:ea typeface="+mn-ea"/>
+                  <a:cs typeface="+mn-cs"/>
+                </a:defRPr>
+              </a:lvl7pPr>
+              <a:lvl8pPr marL="3429000" indent="-228600" algn="l" defTabSz="914400" rtl="0" eaLnBrk="1" latinLnBrk="0" hangingPunct="1">
+                <a:lnSpc>
+                  <a:spcPct val="90000"/>
+                </a:lnSpc>
+                <a:spcBef>
+                  <a:spcPts val="500"/>
+                </a:spcBef>
+                <a:buFont typeface="Arial" panose="020B0604020202020204" pitchFamily="34" charset="0"/>
+                <a:buChar char="•"/>
+                <a:defRPr sz="1800" kern="1200">
+                  <a:solidFill>
+                    <a:schemeClr val="tx1"/>
+                  </a:solidFill>
+                  <a:latin typeface="+mn-lt"/>
+                  <a:ea typeface="+mn-ea"/>
+                  <a:cs typeface="+mn-cs"/>
+                </a:defRPr>
+              </a:lvl8pPr>
+              <a:lvl9pPr marL="3886200" indent="-228600" algn="l" defTabSz="914400" rtl="0" eaLnBrk="1" latinLnBrk="0" hangingPunct="1">
+                <a:lnSpc>
+                  <a:spcPct val="90000"/>
+                </a:lnSpc>
+                <a:spcBef>
+                  <a:spcPts val="500"/>
+                </a:spcBef>
+                <a:buFont typeface="Arial" panose="020B0604020202020204" pitchFamily="34" charset="0"/>
+                <a:buChar char="•"/>
+                <a:defRPr sz="1800" kern="1200">
+                  <a:solidFill>
+                    <a:schemeClr val="tx1"/>
+                  </a:solidFill>
+                  <a:latin typeface="+mn-lt"/>
+                  <a:ea typeface="+mn-ea"/>
+                  <a:cs typeface="+mn-cs"/>
+                </a:defRPr>
+              </a:lvl9pPr>
+            </a:lstStyle>
+            <a:p>
+              <a:pPr algn="ctr">
+                <a:lnSpc>
+                  <a:spcPts val="1800"/>
+                </a:lnSpc>
+              </a:pPr>
+              <a:r>
+                <a:rPr lang="en-US" sz="1000" kern="0" dirty="0">
+                  <a:solidFill>
+                    <a:schemeClr val="bg2">
+                      <a:lumMod val="25000"/>
+                    </a:schemeClr>
+                  </a:solidFill>
+                  <a:latin typeface="Poppins" panose="02000000000000000000" pitchFamily="2" charset="0"/>
+                  <a:ea typeface="Karla" pitchFamily="2" charset="0"/>
+                  <a:cs typeface="Poppins" panose="02000000000000000000" pitchFamily="2" charset="0"/>
+                </a:rPr>
+                <a:t>Learn More</a:t>
+              </a:r>
+            </a:p>
+            <a:p>
+              <a:pPr algn="ctr">
+                <a:lnSpc>
+                  <a:spcPts val="1800"/>
+                </a:lnSpc>
+              </a:pPr>
+              <a:endParaRPr lang="en-US" sz="1000" b="1" dirty="0">
+                <a:solidFill>
+                  <a:schemeClr val="bg2">
+                    <a:lumMod val="25000"/>
+                  </a:schemeClr>
+                </a:solidFill>
+                <a:latin typeface="Poppins" panose="02000000000000000000" pitchFamily="2" charset="0"/>
+                <a:cs typeface="Poppins" panose="02000000000000000000" pitchFamily="2" charset="0"/>
+              </a:endParaRPr>
+            </a:p>
+          </p:txBody>
+        </p:sp>
+      </p:grpSp>
+      <p:grpSp>
+        <p:nvGrpSpPr>
+          <p:cNvPr id="19" name="Group 18"/>
+          <p:cNvGrpSpPr/>
+          <p:nvPr/>
+        </p:nvGrpSpPr>
+        <p:grpSpPr>
+          <a:xfrm>
+            <a:off x="4849076" y="1161982"/>
+            <a:ext cx="2475221" cy="4483126"/>
+            <a:chOff x="3430942" y="1178952"/>
+            <a:chExt cx="2475221" cy="4483126"/>
+          </a:xfrm>
+        </p:grpSpPr>
+        <p:grpSp>
+          <p:nvGrpSpPr>
+            <p:cNvPr id="37" name="Группа 36"/>
+            <p:cNvGrpSpPr/>
+            <p:nvPr/>
+          </p:nvGrpSpPr>
+          <p:grpSpPr>
+            <a:xfrm>
+              <a:off x="3430942" y="1178952"/>
+              <a:ext cx="2475221" cy="4483126"/>
+              <a:chOff x="3430942" y="1178952"/>
+              <a:chExt cx="2475221" cy="4483126"/>
+            </a:xfrm>
+          </p:grpSpPr>
+          <p:sp>
+            <p:nvSpPr>
+              <p:cNvPr id="11" name="Прямоугольник 10"/>
+              <p:cNvSpPr/>
+              <p:nvPr/>
+            </p:nvSpPr>
+            <p:spPr>
+              <a:xfrm>
+                <a:off x="3486813" y="1178952"/>
+                <a:ext cx="2419350" cy="1561380"/>
+              </a:xfrm>
+              <a:prstGeom prst="rect">
+                <a:avLst/>
+              </a:prstGeom>
+              <a:solidFill>
+                <a:schemeClr val="bg2">
+                  <a:lumMod val="25000"/>
+                </a:schemeClr>
+              </a:solidFill>
+              <a:ln>
+                <a:noFill/>
+              </a:ln>
+            </p:spPr>
+            <p:style>
+              <a:lnRef idx="2">
+                <a:schemeClr val="accent1">
+                  <a:shade val="50000"/>
+                </a:schemeClr>
+              </a:lnRef>
+              <a:fillRef idx="1">
+                <a:schemeClr val="accent1"/>
+              </a:fillRef>
+              <a:effectRef idx="0">
+                <a:schemeClr val="accent1"/>
+              </a:effectRef>
+              <a:fontRef idx="minor">
+                <a:schemeClr val="lt1"/>
+              </a:fontRef>
+            </p:style>
+            <p:txBody>
+              <a:bodyPr rtlCol="0" anchor="ctr"/>
+              <a:lstStyle/>
+              <a:p>
+                <a:pPr algn="ctr"/>
+                <a:endParaRPr lang="ru-RU" dirty="0"/>
+              </a:p>
+            </p:txBody>
+          </p:sp>
+          <p:sp>
+            <p:nvSpPr>
+              <p:cNvPr id="12" name="Прямоугольник 11"/>
+              <p:cNvSpPr/>
+              <p:nvPr/>
+            </p:nvSpPr>
+            <p:spPr>
+              <a:xfrm>
+                <a:off x="3486813" y="2754746"/>
+                <a:ext cx="2419350" cy="2907332"/>
+              </a:xfrm>
+              <a:prstGeom prst="rect">
+                <a:avLst/>
+              </a:prstGeom>
+              <a:solidFill>
+                <a:schemeClr val="bg1">
+                  <a:lumMod val="95000"/>
+                </a:schemeClr>
+              </a:solidFill>
+              <a:ln>
+                <a:noFill/>
+              </a:ln>
+            </p:spPr>
+            <p:style>
+              <a:lnRef idx="2">
+                <a:schemeClr val="accent1">
+                  <a:shade val="50000"/>
+                </a:schemeClr>
+              </a:lnRef>
+              <a:fillRef idx="1">
+                <a:schemeClr val="accent1"/>
+              </a:fillRef>
+              <a:effectRef idx="0">
+                <a:schemeClr val="accent1"/>
+              </a:effectRef>
+              <a:fontRef idx="minor">
+                <a:schemeClr val="lt1"/>
+              </a:fontRef>
+            </p:style>
+            <p:txBody>
+              <a:bodyPr rtlCol="0" anchor="ctr"/>
+              <a:lstStyle/>
+              <a:p>
+                <a:pPr algn="ctr"/>
+                <a:endParaRPr lang="ru-RU" dirty="0"/>
+              </a:p>
+            </p:txBody>
+          </p:sp>
+          <p:sp>
+            <p:nvSpPr>
+              <p:cNvPr id="13" name="Заголовок 1"/>
+              <p:cNvSpPr txBox="1">
+                <a:spLocks/>
+              </p:cNvSpPr>
+              <p:nvPr/>
+            </p:nvSpPr>
+            <p:spPr>
+              <a:xfrm>
+                <a:off x="3430942" y="3522249"/>
+                <a:ext cx="2456597" cy="1009326"/>
+              </a:xfrm>
+              <a:prstGeom prst="rect">
+                <a:avLst/>
+              </a:prstGeom>
+            </p:spPr>
+            <p:txBody>
+              <a:bodyPr>
+                <a:noAutofit/>
+              </a:bodyPr>
+              <a:lstStyle>
+                <a:lvl1pPr algn="l" defTabSz="914400" rtl="0" eaLnBrk="1" latinLnBrk="0" hangingPunct="1">
+                  <a:lnSpc>
+                    <a:spcPct val="90000"/>
+                  </a:lnSpc>
+                  <a:spcBef>
+                    <a:spcPct val="0"/>
+                  </a:spcBef>
+                  <a:buNone/>
+                  <a:defRPr sz="4400" kern="1200">
+                    <a:solidFill>
+                      <a:schemeClr val="tx1"/>
+                    </a:solidFill>
+                    <a:latin typeface="+mj-lt"/>
+                    <a:ea typeface="+mj-ea"/>
+                    <a:cs typeface="+mj-cs"/>
+                  </a:defRPr>
+                </a:lvl1pPr>
+              </a:lstStyle>
+              <a:p>
+                <a:pPr algn="ctr">
+                  <a:lnSpc>
+                    <a:spcPts val="3400"/>
+                  </a:lnSpc>
+                </a:pPr>
+                <a:r>
+                  <a:rPr lang="en-US" sz="2000" kern="0" spc="150" dirty="0" err="1">
+                    <a:latin typeface="Montserrat SemiBold" panose="00000700000000000000" pitchFamily="50" charset="0"/>
+                    <a:cs typeface="Poppins SemiBold" panose="02000000000000000000" pitchFamily="2" charset="0"/>
+                  </a:rPr>
+                  <a:t>Hiệu</a:t>
+                </a:r>
+                <a:r>
+                  <a:rPr lang="en-US" sz="2000" kern="0" spc="150" dirty="0">
+                    <a:latin typeface="Montserrat SemiBold" panose="00000700000000000000" pitchFamily="50" charset="0"/>
+                    <a:cs typeface="Poppins SemiBold" panose="02000000000000000000" pitchFamily="2" charset="0"/>
+                  </a:rPr>
+                  <a:t> </a:t>
+                </a:r>
+                <a:r>
+                  <a:rPr lang="en-US" sz="2000" kern="0" spc="150" dirty="0" err="1">
+                    <a:latin typeface="Montserrat SemiBold" panose="00000700000000000000" pitchFamily="50" charset="0"/>
+                    <a:cs typeface="Poppins SemiBold" panose="02000000000000000000" pitchFamily="2" charset="0"/>
+                  </a:rPr>
+                  <a:t>Quả</a:t>
+                </a:r>
+                <a:endParaRPr lang="en-US" sz="2000" b="1" spc="100" baseline="30000" dirty="0">
+                  <a:latin typeface="Montserrat" panose="02000505000000020004" pitchFamily="2" charset="0"/>
+                  <a:ea typeface="Lato" panose="020F0502020204030203" pitchFamily="34" charset="0"/>
+                  <a:cs typeface="Poppins SemiBold" panose="02000000000000000000" pitchFamily="2" charset="0"/>
+                </a:endParaRPr>
+              </a:p>
+              <a:p>
+                <a:pPr algn="ctr"/>
+                <a:endParaRPr lang="ru-RU" sz="2000" b="1" spc="100" dirty="0">
+                  <a:latin typeface="Nixie"/>
+                  <a:ea typeface="Lato" panose="020F0502020204030203" pitchFamily="34" charset="0"/>
+                  <a:cs typeface="Poppins SemiBold" panose="02000000000000000000" pitchFamily="2" charset="0"/>
+                </a:endParaRPr>
+              </a:p>
+            </p:txBody>
+          </p:sp>
+          <p:sp>
+            <p:nvSpPr>
+              <p:cNvPr id="15" name="Скругленный прямоугольник 14"/>
+              <p:cNvSpPr/>
+              <p:nvPr/>
+            </p:nvSpPr>
+            <p:spPr>
+              <a:xfrm>
+                <a:off x="4056558" y="5024122"/>
+                <a:ext cx="1286540" cy="361507"/>
+              </a:xfrm>
+              <a:prstGeom prst="roundRect">
+                <a:avLst/>
+              </a:prstGeom>
+              <a:noFill/>
+              <a:ln>
+                <a:solidFill>
+                  <a:schemeClr val="bg1">
+                    <a:lumMod val="50000"/>
+                  </a:schemeClr>
+                </a:solidFill>
+              </a:ln>
+            </p:spPr>
+            <p:style>
+              <a:lnRef idx="2">
+                <a:schemeClr val="accent1">
+                  <a:shade val="50000"/>
+                </a:schemeClr>
+              </a:lnRef>
+              <a:fillRef idx="1">
+                <a:schemeClr val="accent1"/>
+              </a:fillRef>
+              <a:effectRef idx="0">
+                <a:schemeClr val="accent1"/>
+              </a:effectRef>
+              <a:fontRef idx="minor">
+                <a:schemeClr val="lt1"/>
+              </a:fontRef>
+            </p:style>
+            <p:txBody>
+              <a:bodyPr rtlCol="0" anchor="ctr"/>
+              <a:lstStyle/>
+              <a:p>
+                <a:pPr algn="ctr"/>
+                <a:endParaRPr lang="ru-RU" dirty="0"/>
+              </a:p>
+            </p:txBody>
+          </p:sp>
+          <p:sp>
+            <p:nvSpPr>
+              <p:cNvPr id="16" name="Текст 11"/>
+              <p:cNvSpPr txBox="1">
+                <a:spLocks/>
+              </p:cNvSpPr>
+              <p:nvPr/>
+            </p:nvSpPr>
+            <p:spPr>
+              <a:xfrm>
+                <a:off x="3826840" y="5052951"/>
+                <a:ext cx="1760561" cy="332678"/>
+              </a:xfrm>
+              <a:prstGeom prst="rect">
+                <a:avLst/>
+              </a:prstGeom>
+            </p:spPr>
+            <p:txBody>
+              <a:bodyPr>
+                <a:normAutofit/>
+              </a:bodyPr>
+              <a:lstStyle>
+                <a:lvl1pPr marL="0" indent="0" algn="l" defTabSz="914400" rtl="0" eaLnBrk="1" latinLnBrk="0" hangingPunct="1">
+                  <a:lnSpc>
+                    <a:spcPct val="90000"/>
+                  </a:lnSpc>
+                  <a:spcBef>
+                    <a:spcPts val="1000"/>
+                  </a:spcBef>
+                  <a:buFont typeface="Arial" panose="020B0604020202020204" pitchFamily="34" charset="0"/>
+                  <a:buNone/>
+                  <a:defRPr sz="2800" kern="1200">
+                    <a:solidFill>
+                      <a:schemeClr val="tx1"/>
+                    </a:solidFill>
+                    <a:latin typeface="+mn-lt"/>
+                    <a:ea typeface="+mn-ea"/>
+                    <a:cs typeface="+mn-cs"/>
+                  </a:defRPr>
+                </a:lvl1pPr>
+                <a:lvl2pPr marL="685800" indent="-228600" algn="l" defTabSz="914400" rtl="0" eaLnBrk="1" latinLnBrk="0" hangingPunct="1">
+                  <a:lnSpc>
+                    <a:spcPct val="90000"/>
+                  </a:lnSpc>
+                  <a:spcBef>
+                    <a:spcPts val="500"/>
+                  </a:spcBef>
+                  <a:buFont typeface="Arial" panose="020B0604020202020204" pitchFamily="34" charset="0"/>
+                  <a:buChar char="•"/>
+                  <a:defRPr sz="2400" kern="1200">
+                    <a:solidFill>
+                      <a:schemeClr val="tx1"/>
+                    </a:solidFill>
+                    <a:latin typeface="+mn-lt"/>
+                    <a:ea typeface="+mn-ea"/>
+                    <a:cs typeface="+mn-cs"/>
+                  </a:defRPr>
+                </a:lvl2pPr>
+                <a:lvl3pPr marL="1143000" indent="-228600" algn="l" defTabSz="914400" rtl="0" eaLnBrk="1" latinLnBrk="0" hangingPunct="1">
+                  <a:lnSpc>
+                    <a:spcPct val="90000"/>
+                  </a:lnSpc>
+                  <a:spcBef>
+                    <a:spcPts val="500"/>
+                  </a:spcBef>
+                  <a:buFont typeface="Arial" panose="020B0604020202020204" pitchFamily="34" charset="0"/>
+                  <a:buChar char="•"/>
+                  <a:defRPr sz="2000" kern="1200">
+                    <a:solidFill>
+                      <a:schemeClr val="tx1"/>
+                    </a:solidFill>
+                    <a:latin typeface="+mn-lt"/>
+                    <a:ea typeface="+mn-ea"/>
+                    <a:cs typeface="+mn-cs"/>
+                  </a:defRPr>
+                </a:lvl3pPr>
+                <a:lvl4pPr marL="1600200" indent="-228600" algn="l" defTabSz="914400" rtl="0" eaLnBrk="1" latinLnBrk="0" hangingPunct="1">
+                  <a:lnSpc>
+                    <a:spcPct val="90000"/>
+                  </a:lnSpc>
+                  <a:spcBef>
+                    <a:spcPts val="500"/>
+                  </a:spcBef>
+                  <a:buFont typeface="Arial" panose="020B0604020202020204" pitchFamily="34" charset="0"/>
+                  <a:buChar char="•"/>
+                  <a:defRPr sz="1800" kern="1200">
+                    <a:solidFill>
+                      <a:schemeClr val="tx1"/>
+                    </a:solidFill>
+                    <a:latin typeface="+mn-lt"/>
+                    <a:ea typeface="+mn-ea"/>
+                    <a:cs typeface="+mn-cs"/>
+                  </a:defRPr>
+                </a:lvl4pPr>
+                <a:lvl5pPr marL="2057400" indent="-228600" algn="l" defTabSz="914400" rtl="0" eaLnBrk="1" latinLnBrk="0" hangingPunct="1">
+                  <a:lnSpc>
+                    <a:spcPct val="90000"/>
+                  </a:lnSpc>
+                  <a:spcBef>
+                    <a:spcPts val="500"/>
+                  </a:spcBef>
+                  <a:buFont typeface="Arial" panose="020B0604020202020204" pitchFamily="34" charset="0"/>
+                  <a:buChar char="•"/>
+                  <a:defRPr sz="1800" kern="1200">
+                    <a:solidFill>
+                      <a:schemeClr val="tx1"/>
+                    </a:solidFill>
+                    <a:latin typeface="+mn-lt"/>
+                    <a:ea typeface="+mn-ea"/>
+                    <a:cs typeface="+mn-cs"/>
+                  </a:defRPr>
+                </a:lvl5pPr>
+                <a:lvl6pPr marL="2514600" indent="-228600" algn="l" defTabSz="914400" rtl="0" eaLnBrk="1" latinLnBrk="0" hangingPunct="1">
+                  <a:lnSpc>
+                    <a:spcPct val="90000"/>
+                  </a:lnSpc>
+                  <a:spcBef>
+                    <a:spcPts val="500"/>
+                  </a:spcBef>
+                  <a:buFont typeface="Arial" panose="020B0604020202020204" pitchFamily="34" charset="0"/>
+                  <a:buChar char="•"/>
+                  <a:defRPr sz="1800" kern="1200">
+                    <a:solidFill>
+                      <a:schemeClr val="tx1"/>
+                    </a:solidFill>
+                    <a:latin typeface="+mn-lt"/>
+                    <a:ea typeface="+mn-ea"/>
+                    <a:cs typeface="+mn-cs"/>
+                  </a:defRPr>
+                </a:lvl6pPr>
+                <a:lvl7pPr marL="2971800" indent="-228600" algn="l" defTabSz="914400" rtl="0" eaLnBrk="1" latinLnBrk="0" hangingPunct="1">
+                  <a:lnSpc>
+                    <a:spcPct val="90000"/>
+                  </a:lnSpc>
+                  <a:spcBef>
+                    <a:spcPts val="500"/>
+                  </a:spcBef>
+                  <a:buFont typeface="Arial" panose="020B0604020202020204" pitchFamily="34" charset="0"/>
+                  <a:buChar char="•"/>
+                  <a:defRPr sz="1800" kern="1200">
+                    <a:solidFill>
+                      <a:schemeClr val="tx1"/>
+                    </a:solidFill>
+                    <a:latin typeface="+mn-lt"/>
+                    <a:ea typeface="+mn-ea"/>
+                    <a:cs typeface="+mn-cs"/>
+                  </a:defRPr>
+                </a:lvl7pPr>
+                <a:lvl8pPr marL="3429000" indent="-228600" algn="l" defTabSz="914400" rtl="0" eaLnBrk="1" latinLnBrk="0" hangingPunct="1">
+                  <a:lnSpc>
+                    <a:spcPct val="90000"/>
+                  </a:lnSpc>
+                  <a:spcBef>
+                    <a:spcPts val="500"/>
+                  </a:spcBef>
+                  <a:buFont typeface="Arial" panose="020B0604020202020204" pitchFamily="34" charset="0"/>
+                  <a:buChar char="•"/>
+                  <a:defRPr sz="1800" kern="1200">
+                    <a:solidFill>
+                      <a:schemeClr val="tx1"/>
+                    </a:solidFill>
+                    <a:latin typeface="+mn-lt"/>
+                    <a:ea typeface="+mn-ea"/>
+                    <a:cs typeface="+mn-cs"/>
+                  </a:defRPr>
+                </a:lvl8pPr>
+                <a:lvl9pPr marL="3886200" indent="-228600" algn="l" defTabSz="914400" rtl="0" eaLnBrk="1" latinLnBrk="0" hangingPunct="1">
+                  <a:lnSpc>
+                    <a:spcPct val="90000"/>
+                  </a:lnSpc>
+                  <a:spcBef>
+                    <a:spcPts val="500"/>
+                  </a:spcBef>
+                  <a:buFont typeface="Arial" panose="020B0604020202020204" pitchFamily="34" charset="0"/>
+                  <a:buChar char="•"/>
+                  <a:defRPr sz="1800" kern="1200">
+                    <a:solidFill>
+                      <a:schemeClr val="tx1"/>
+                    </a:solidFill>
+                    <a:latin typeface="+mn-lt"/>
+                    <a:ea typeface="+mn-ea"/>
+                    <a:cs typeface="+mn-cs"/>
+                  </a:defRPr>
+                </a:lvl9pPr>
+              </a:lstStyle>
+              <a:p>
+                <a:pPr algn="ctr">
+                  <a:lnSpc>
+                    <a:spcPts val="1800"/>
+                  </a:lnSpc>
+                </a:pPr>
+                <a:r>
+                  <a:rPr lang="en-US" sz="1000" kern="0" dirty="0">
+                    <a:solidFill>
+                      <a:schemeClr val="bg2">
+                        <a:lumMod val="25000"/>
+                      </a:schemeClr>
+                    </a:solidFill>
+                    <a:latin typeface="Poppins" panose="02000000000000000000" pitchFamily="2" charset="0"/>
+                    <a:ea typeface="Karla" pitchFamily="2" charset="0"/>
+                    <a:cs typeface="Poppins" panose="02000000000000000000" pitchFamily="2" charset="0"/>
+                  </a:rPr>
+                  <a:t>Learn More</a:t>
+                </a:r>
+              </a:p>
+              <a:p>
+                <a:pPr algn="ctr">
+                  <a:lnSpc>
+                    <a:spcPts val="1800"/>
+                  </a:lnSpc>
+                </a:pPr>
+                <a:endParaRPr lang="en-US" sz="1000" b="1" dirty="0">
+                  <a:solidFill>
+                    <a:schemeClr val="bg2">
+                      <a:lumMod val="25000"/>
+                    </a:schemeClr>
+                  </a:solidFill>
+                  <a:latin typeface="Poppins" panose="02000000000000000000" pitchFamily="2" charset="0"/>
+                  <a:cs typeface="Poppins" panose="02000000000000000000" pitchFamily="2" charset="0"/>
+                </a:endParaRPr>
+              </a:p>
+            </p:txBody>
+          </p:sp>
+        </p:grpSp>
+        <p:pic>
+          <p:nvPicPr>
+            <p:cNvPr id="8" name="Picture 7"/>
+            <p:cNvPicPr>
+              <a:picLocks noChangeAspect="1"/>
+            </p:cNvPicPr>
+            <p:nvPr/>
+          </p:nvPicPr>
+          <p:blipFill>
+            <a:blip r:embed="rId2">
+              <a:extLst>
+                <a:ext uri="{28A0092B-C50C-407E-A947-70E740481C1C}">
+                  <a14:useLocalDpi xmlns:a14="http://schemas.microsoft.com/office/drawing/2010/main" val="0"/>
+                </a:ext>
+              </a:extLst>
+            </a:blip>
+            <a:stretch>
+              <a:fillRect/>
+            </a:stretch>
+          </p:blipFill>
+          <p:spPr>
+            <a:xfrm>
+              <a:off x="3977207" y="1285651"/>
+              <a:ext cx="1365891" cy="1365891"/>
+            </a:xfrm>
+            <a:prstGeom prst="rect">
+              <a:avLst/>
+            </a:prstGeom>
+          </p:spPr>
+        </p:pic>
+      </p:grpSp>
+      <p:grpSp>
+        <p:nvGrpSpPr>
+          <p:cNvPr id="22" name="Group 21"/>
+          <p:cNvGrpSpPr/>
+          <p:nvPr/>
+        </p:nvGrpSpPr>
+        <p:grpSpPr>
+          <a:xfrm>
+            <a:off x="9124749" y="1178952"/>
+            <a:ext cx="2456599" cy="4466156"/>
+            <a:chOff x="6307102" y="1195922"/>
+            <a:chExt cx="2456599" cy="4466156"/>
+          </a:xfrm>
+        </p:grpSpPr>
+        <p:grpSp>
+          <p:nvGrpSpPr>
+            <p:cNvPr id="10" name="Group 9"/>
+            <p:cNvGrpSpPr/>
+            <p:nvPr/>
+          </p:nvGrpSpPr>
+          <p:grpSpPr>
+            <a:xfrm>
+              <a:off x="6307102" y="1195922"/>
+              <a:ext cx="2456599" cy="4466156"/>
+              <a:chOff x="6307102" y="1195922"/>
+              <a:chExt cx="2456599" cy="4466156"/>
+            </a:xfrm>
+          </p:grpSpPr>
+          <p:sp>
+            <p:nvSpPr>
+              <p:cNvPr id="35" name="Прямоугольник 26"/>
+              <p:cNvSpPr/>
+              <p:nvPr/>
+            </p:nvSpPr>
+            <p:spPr>
+              <a:xfrm>
+                <a:off x="6344351" y="1195922"/>
+                <a:ext cx="2419350" cy="1561380"/>
+              </a:xfrm>
+              <a:prstGeom prst="rect">
+                <a:avLst/>
+              </a:prstGeom>
+              <a:solidFill>
+                <a:schemeClr val="bg2">
+                  <a:lumMod val="25000"/>
+                </a:schemeClr>
+              </a:solidFill>
+              <a:ln>
+                <a:noFill/>
+              </a:ln>
+            </p:spPr>
+            <p:style>
+              <a:lnRef idx="2">
+                <a:schemeClr val="accent1">
+                  <a:shade val="50000"/>
+                </a:schemeClr>
+              </a:lnRef>
+              <a:fillRef idx="1">
+                <a:schemeClr val="accent1"/>
+              </a:fillRef>
+              <a:effectRef idx="0">
+                <a:schemeClr val="accent1"/>
+              </a:effectRef>
+              <a:fontRef idx="minor">
+                <a:schemeClr val="lt1"/>
+              </a:fontRef>
+            </p:style>
+            <p:txBody>
+              <a:bodyPr rtlCol="0" anchor="ctr"/>
+              <a:lstStyle/>
+              <a:p>
+                <a:pPr algn="ctr"/>
+                <a:endParaRPr lang="ru-RU" dirty="0"/>
+              </a:p>
+            </p:txBody>
+          </p:sp>
+          <p:grpSp>
+            <p:nvGrpSpPr>
+              <p:cNvPr id="38" name="Группа 37"/>
+              <p:cNvGrpSpPr/>
+              <p:nvPr/>
+            </p:nvGrpSpPr>
+            <p:grpSpPr>
+              <a:xfrm>
+                <a:off x="6307102" y="2740332"/>
+                <a:ext cx="2456597" cy="2921746"/>
+                <a:chOff x="6307102" y="2754746"/>
+                <a:chExt cx="2456597" cy="2907332"/>
+              </a:xfrm>
+            </p:grpSpPr>
+            <p:sp>
+              <p:nvSpPr>
+                <p:cNvPr id="20" name="Прямоугольник 19"/>
+                <p:cNvSpPr/>
+                <p:nvPr/>
+              </p:nvSpPr>
+              <p:spPr>
+                <a:xfrm>
+                  <a:off x="6325727" y="2754746"/>
+                  <a:ext cx="2419350" cy="2907332"/>
+                </a:xfrm>
+                <a:prstGeom prst="rect">
+                  <a:avLst/>
+                </a:prstGeom>
+                <a:solidFill>
+                  <a:schemeClr val="bg1">
+                    <a:lumMod val="95000"/>
+                  </a:schemeClr>
+                </a:solidFill>
+                <a:ln>
+                  <a:noFill/>
+                </a:ln>
+              </p:spPr>
+              <p:style>
+                <a:lnRef idx="2">
+                  <a:schemeClr val="accent1">
+                    <a:shade val="50000"/>
+                  </a:schemeClr>
+                </a:lnRef>
+                <a:fillRef idx="1">
+                  <a:schemeClr val="accent1"/>
+                </a:fillRef>
+                <a:effectRef idx="0">
+                  <a:schemeClr val="accent1"/>
+                </a:effectRef>
+                <a:fontRef idx="minor">
+                  <a:schemeClr val="lt1"/>
+                </a:fontRef>
+              </p:style>
+              <p:txBody>
+                <a:bodyPr rtlCol="0" anchor="ctr"/>
+                <a:lstStyle/>
+                <a:p>
+                  <a:pPr algn="ctr"/>
+                  <a:endParaRPr lang="ru-RU" dirty="0"/>
+                </a:p>
+              </p:txBody>
+            </p:sp>
+            <p:sp>
+              <p:nvSpPr>
+                <p:cNvPr id="21" name="Заголовок 1"/>
+                <p:cNvSpPr txBox="1">
+                  <a:spLocks/>
+                </p:cNvSpPr>
+                <p:nvPr/>
+              </p:nvSpPr>
+              <p:spPr>
+                <a:xfrm>
+                  <a:off x="6307102" y="3522249"/>
+                  <a:ext cx="2456597" cy="1009326"/>
+                </a:xfrm>
+                <a:prstGeom prst="rect">
+                  <a:avLst/>
+                </a:prstGeom>
+              </p:spPr>
+              <p:txBody>
+                <a:bodyPr>
+                  <a:noAutofit/>
+                </a:bodyPr>
+                <a:lstStyle>
+                  <a:lvl1pPr algn="l" defTabSz="914400" rtl="0" eaLnBrk="1" latinLnBrk="0" hangingPunct="1">
+                    <a:lnSpc>
+                      <a:spcPct val="90000"/>
+                    </a:lnSpc>
+                    <a:spcBef>
+                      <a:spcPct val="0"/>
+                    </a:spcBef>
+                    <a:buNone/>
+                    <a:defRPr sz="4400" kern="1200">
+                      <a:solidFill>
+                        <a:schemeClr val="tx1"/>
+                      </a:solidFill>
+                      <a:latin typeface="+mj-lt"/>
+                      <a:ea typeface="+mj-ea"/>
+                      <a:cs typeface="+mj-cs"/>
+                    </a:defRPr>
+                  </a:lvl1pPr>
+                </a:lstStyle>
+                <a:p>
+                  <a:pPr algn="ctr"/>
+                  <a:endParaRPr lang="ru-RU" sz="1800" b="1" spc="100" dirty="0">
+                    <a:latin typeface="Nixie"/>
+                    <a:ea typeface="Lato" panose="020F0502020204030203" pitchFamily="34" charset="0"/>
+                    <a:cs typeface="Poppins SemiBold" panose="02000000000000000000" pitchFamily="2" charset="0"/>
+                  </a:endParaRPr>
+                </a:p>
+              </p:txBody>
+            </p:sp>
+            <p:sp>
+              <p:nvSpPr>
+                <p:cNvPr id="23" name="Скругленный прямоугольник 22"/>
+                <p:cNvSpPr/>
+                <p:nvPr/>
+              </p:nvSpPr>
+              <p:spPr>
+                <a:xfrm>
+                  <a:off x="6895472" y="5024122"/>
+                  <a:ext cx="1286540" cy="361507"/>
+                </a:xfrm>
+                <a:prstGeom prst="roundRect">
+                  <a:avLst/>
+                </a:prstGeom>
+                <a:noFill/>
+                <a:ln>
+                  <a:solidFill>
+                    <a:schemeClr val="bg1">
+                      <a:lumMod val="50000"/>
+                    </a:schemeClr>
+                  </a:solidFill>
+                </a:ln>
+              </p:spPr>
+              <p:style>
+                <a:lnRef idx="2">
+                  <a:schemeClr val="accent1">
+                    <a:shade val="50000"/>
+                  </a:schemeClr>
+                </a:lnRef>
+                <a:fillRef idx="1">
+                  <a:schemeClr val="accent1"/>
+                </a:fillRef>
+                <a:effectRef idx="0">
+                  <a:schemeClr val="accent1"/>
+                </a:effectRef>
+                <a:fontRef idx="minor">
+                  <a:schemeClr val="lt1"/>
+                </a:fontRef>
+              </p:style>
+              <p:txBody>
+                <a:bodyPr rtlCol="0" anchor="ctr"/>
+                <a:lstStyle/>
+                <a:p>
+                  <a:pPr algn="ctr"/>
+                  <a:endParaRPr lang="ru-RU" dirty="0"/>
+                </a:p>
+              </p:txBody>
+            </p:sp>
+            <p:sp>
+              <p:nvSpPr>
+                <p:cNvPr id="24" name="Текст 11"/>
+                <p:cNvSpPr txBox="1">
+                  <a:spLocks/>
+                </p:cNvSpPr>
+                <p:nvPr/>
+              </p:nvSpPr>
+              <p:spPr>
+                <a:xfrm>
+                  <a:off x="6665754" y="5052951"/>
+                  <a:ext cx="1760561" cy="332678"/>
+                </a:xfrm>
+                <a:prstGeom prst="rect">
+                  <a:avLst/>
+                </a:prstGeom>
+              </p:spPr>
+              <p:txBody>
+                <a:bodyPr>
+                  <a:normAutofit/>
+                </a:bodyPr>
+                <a:lstStyle>
+                  <a:lvl1pPr marL="0" indent="0" algn="l" defTabSz="914400" rtl="0" eaLnBrk="1" latinLnBrk="0" hangingPunct="1">
+                    <a:lnSpc>
+                      <a:spcPct val="90000"/>
+                    </a:lnSpc>
+                    <a:spcBef>
+                      <a:spcPts val="1000"/>
+                    </a:spcBef>
+                    <a:buFont typeface="Arial" panose="020B0604020202020204" pitchFamily="34" charset="0"/>
+                    <a:buNone/>
+                    <a:defRPr sz="2800" kern="1200">
+                      <a:solidFill>
+                        <a:schemeClr val="tx1"/>
+                      </a:solidFill>
+                      <a:latin typeface="+mn-lt"/>
+                      <a:ea typeface="+mn-ea"/>
+                      <a:cs typeface="+mn-cs"/>
+                    </a:defRPr>
+                  </a:lvl1pPr>
+                  <a:lvl2pPr marL="685800" indent="-228600" algn="l" defTabSz="914400" rtl="0" eaLnBrk="1" latinLnBrk="0" hangingPunct="1">
+                    <a:lnSpc>
+                      <a:spcPct val="90000"/>
+                    </a:lnSpc>
+                    <a:spcBef>
+                      <a:spcPts val="500"/>
+                    </a:spcBef>
+                    <a:buFont typeface="Arial" panose="020B0604020202020204" pitchFamily="34" charset="0"/>
+                    <a:buChar char="•"/>
+                    <a:defRPr sz="2400" kern="1200">
+                      <a:solidFill>
+                        <a:schemeClr val="tx1"/>
+                      </a:solidFill>
+                      <a:latin typeface="+mn-lt"/>
+                      <a:ea typeface="+mn-ea"/>
+                      <a:cs typeface="+mn-cs"/>
+                    </a:defRPr>
+                  </a:lvl2pPr>
+                  <a:lvl3pPr marL="1143000" indent="-228600" algn="l" defTabSz="914400" rtl="0" eaLnBrk="1" latinLnBrk="0" hangingPunct="1">
+                    <a:lnSpc>
+                      <a:spcPct val="90000"/>
+                    </a:lnSpc>
+                    <a:spcBef>
+                      <a:spcPts val="500"/>
+                    </a:spcBef>
+                    <a:buFont typeface="Arial" panose="020B0604020202020204" pitchFamily="34" charset="0"/>
+                    <a:buChar char="•"/>
+                    <a:defRPr sz="2000" kern="1200">
+                      <a:solidFill>
+                        <a:schemeClr val="tx1"/>
+                      </a:solidFill>
+                      <a:latin typeface="+mn-lt"/>
+                      <a:ea typeface="+mn-ea"/>
+                      <a:cs typeface="+mn-cs"/>
+                    </a:defRPr>
+                  </a:lvl3pPr>
+                  <a:lvl4pPr marL="1600200" indent="-228600" algn="l" defTabSz="914400" rtl="0" eaLnBrk="1" latinLnBrk="0" hangingPunct="1">
+                    <a:lnSpc>
+                      <a:spcPct val="90000"/>
+                    </a:lnSpc>
+                    <a:spcBef>
+                      <a:spcPts val="500"/>
+                    </a:spcBef>
+                    <a:buFont typeface="Arial" panose="020B0604020202020204" pitchFamily="34" charset="0"/>
+                    <a:buChar char="•"/>
+                    <a:defRPr sz="1800" kern="1200">
+                      <a:solidFill>
+                        <a:schemeClr val="tx1"/>
+                      </a:solidFill>
+                      <a:latin typeface="+mn-lt"/>
+                      <a:ea typeface="+mn-ea"/>
+                      <a:cs typeface="+mn-cs"/>
+                    </a:defRPr>
+                  </a:lvl4pPr>
+                  <a:lvl5pPr marL="2057400" indent="-228600" algn="l" defTabSz="914400" rtl="0" eaLnBrk="1" latinLnBrk="0" hangingPunct="1">
+                    <a:lnSpc>
+                      <a:spcPct val="90000"/>
+                    </a:lnSpc>
+                    <a:spcBef>
+                      <a:spcPts val="500"/>
+                    </a:spcBef>
+                    <a:buFont typeface="Arial" panose="020B0604020202020204" pitchFamily="34" charset="0"/>
+                    <a:buChar char="•"/>
+                    <a:defRPr sz="1800" kern="1200">
+                      <a:solidFill>
+                        <a:schemeClr val="tx1"/>
+                      </a:solidFill>
+                      <a:latin typeface="+mn-lt"/>
+                      <a:ea typeface="+mn-ea"/>
+                      <a:cs typeface="+mn-cs"/>
+                    </a:defRPr>
+                  </a:lvl5pPr>
+                  <a:lvl6pPr marL="2514600" indent="-228600" algn="l" defTabSz="914400" rtl="0" eaLnBrk="1" latinLnBrk="0" hangingPunct="1">
+                    <a:lnSpc>
+                      <a:spcPct val="90000"/>
+                    </a:lnSpc>
+                    <a:spcBef>
+                      <a:spcPts val="500"/>
+                    </a:spcBef>
+                    <a:buFont typeface="Arial" panose="020B0604020202020204" pitchFamily="34" charset="0"/>
+                    <a:buChar char="•"/>
+                    <a:defRPr sz="1800" kern="1200">
+                      <a:solidFill>
+                        <a:schemeClr val="tx1"/>
+                      </a:solidFill>
+                      <a:latin typeface="+mn-lt"/>
+                      <a:ea typeface="+mn-ea"/>
+                      <a:cs typeface="+mn-cs"/>
+                    </a:defRPr>
+                  </a:lvl6pPr>
+                  <a:lvl7pPr marL="2971800" indent="-228600" algn="l" defTabSz="914400" rtl="0" eaLnBrk="1" latinLnBrk="0" hangingPunct="1">
+                    <a:lnSpc>
+                      <a:spcPct val="90000"/>
+                    </a:lnSpc>
+                    <a:spcBef>
+                      <a:spcPts val="500"/>
+                    </a:spcBef>
+                    <a:buFont typeface="Arial" panose="020B0604020202020204" pitchFamily="34" charset="0"/>
+                    <a:buChar char="•"/>
+                    <a:defRPr sz="1800" kern="1200">
+                      <a:solidFill>
+                        <a:schemeClr val="tx1"/>
+                      </a:solidFill>
+                      <a:latin typeface="+mn-lt"/>
+                      <a:ea typeface="+mn-ea"/>
+                      <a:cs typeface="+mn-cs"/>
+                    </a:defRPr>
+                  </a:lvl7pPr>
+                  <a:lvl8pPr marL="3429000" indent="-228600" algn="l" defTabSz="914400" rtl="0" eaLnBrk="1" latinLnBrk="0" hangingPunct="1">
+                    <a:lnSpc>
+                      <a:spcPct val="90000"/>
+                    </a:lnSpc>
+                    <a:spcBef>
+                      <a:spcPts val="500"/>
+                    </a:spcBef>
+                    <a:buFont typeface="Arial" panose="020B0604020202020204" pitchFamily="34" charset="0"/>
+                    <a:buChar char="•"/>
+                    <a:defRPr sz="1800" kern="1200">
+                      <a:solidFill>
+                        <a:schemeClr val="tx1"/>
+                      </a:solidFill>
+                      <a:latin typeface="+mn-lt"/>
+                      <a:ea typeface="+mn-ea"/>
+                      <a:cs typeface="+mn-cs"/>
+                    </a:defRPr>
+                  </a:lvl8pPr>
+                  <a:lvl9pPr marL="3886200" indent="-228600" algn="l" defTabSz="914400" rtl="0" eaLnBrk="1" latinLnBrk="0" hangingPunct="1">
+                    <a:lnSpc>
+                      <a:spcPct val="90000"/>
+                    </a:lnSpc>
+                    <a:spcBef>
+                      <a:spcPts val="500"/>
+                    </a:spcBef>
+                    <a:buFont typeface="Arial" panose="020B0604020202020204" pitchFamily="34" charset="0"/>
+                    <a:buChar char="•"/>
+                    <a:defRPr sz="1800" kern="1200">
+                      <a:solidFill>
+                        <a:schemeClr val="tx1"/>
+                      </a:solidFill>
+                      <a:latin typeface="+mn-lt"/>
+                      <a:ea typeface="+mn-ea"/>
+                      <a:cs typeface="+mn-cs"/>
+                    </a:defRPr>
+                  </a:lvl9pPr>
+                </a:lstStyle>
+                <a:p>
+                  <a:pPr algn="ctr">
+                    <a:lnSpc>
+                      <a:spcPts val="1800"/>
+                    </a:lnSpc>
+                  </a:pPr>
+                  <a:r>
+                    <a:rPr lang="en-US" sz="1000" kern="0" dirty="0">
+                      <a:solidFill>
+                        <a:schemeClr val="bg2">
+                          <a:lumMod val="25000"/>
+                        </a:schemeClr>
+                      </a:solidFill>
+                      <a:latin typeface="Poppins" panose="02000000000000000000" pitchFamily="2" charset="0"/>
+                      <a:ea typeface="Karla" pitchFamily="2" charset="0"/>
+                      <a:cs typeface="Poppins" panose="02000000000000000000" pitchFamily="2" charset="0"/>
+                    </a:rPr>
+                    <a:t>Learn More</a:t>
+                  </a:r>
+                </a:p>
+                <a:p>
+                  <a:pPr algn="ctr">
+                    <a:lnSpc>
+                      <a:spcPts val="1800"/>
+                    </a:lnSpc>
+                  </a:pPr>
+                  <a:endParaRPr lang="en-US" sz="1000" b="1" dirty="0">
+                    <a:solidFill>
+                      <a:schemeClr val="bg2">
+                        <a:lumMod val="25000"/>
+                      </a:schemeClr>
+                    </a:solidFill>
+                    <a:latin typeface="Poppins" panose="02000000000000000000" pitchFamily="2" charset="0"/>
+                    <a:cs typeface="Poppins" panose="02000000000000000000" pitchFamily="2" charset="0"/>
+                  </a:endParaRPr>
+                </a:p>
+              </p:txBody>
+            </p:sp>
+          </p:grpSp>
+        </p:grpSp>
+        <p:pic>
+          <p:nvPicPr>
+            <p:cNvPr id="14" name="Picture 13"/>
+            <p:cNvPicPr>
+              <a:picLocks noChangeAspect="1"/>
+            </p:cNvPicPr>
+            <p:nvPr/>
+          </p:nvPicPr>
+          <p:blipFill>
+            <a:blip r:embed="rId3">
+              <a:extLst>
+                <a:ext uri="{28A0092B-C50C-407E-A947-70E740481C1C}">
+                  <a14:useLocalDpi xmlns:a14="http://schemas.microsoft.com/office/drawing/2010/main" val="0"/>
+                </a:ext>
+              </a:extLst>
+            </a:blip>
+            <a:stretch>
+              <a:fillRect/>
+            </a:stretch>
+          </p:blipFill>
+          <p:spPr>
+            <a:xfrm>
+              <a:off x="6846779" y="1277357"/>
+              <a:ext cx="1398509" cy="1398509"/>
+            </a:xfrm>
+            <a:prstGeom prst="rect">
+              <a:avLst/>
+            </a:prstGeom>
+          </p:spPr>
+        </p:pic>
+      </p:grpSp>
+      <p:pic>
+        <p:nvPicPr>
+          <p:cNvPr id="30" name="Picture 29">
+            <a:extLst>
+              <a:ext uri="{FF2B5EF4-FFF2-40B4-BE49-F238E27FC236}">
+                <a16:creationId xmlns:a16="http://schemas.microsoft.com/office/drawing/2014/main" id="{DC25C618-1C51-6550-36A0-EDB0CF4A5DF6}"/>
+              </a:ext>
+            </a:extLst>
+          </p:cNvPr>
+          <p:cNvPicPr>
+            <a:picLocks noChangeAspect="1"/>
+          </p:cNvPicPr>
+          <p:nvPr/>
+        </p:nvPicPr>
+        <p:blipFill>
+          <a:blip r:embed="rId4">
+            <a:extLst>
+              <a:ext uri="{28A0092B-C50C-407E-A947-70E740481C1C}">
+                <a14:useLocalDpi xmlns:a14="http://schemas.microsoft.com/office/drawing/2010/main" val="0"/>
+              </a:ext>
+            </a:extLst>
+          </a:blip>
+          <a:stretch>
+            <a:fillRect/>
+          </a:stretch>
+        </p:blipFill>
+        <p:spPr>
+          <a:xfrm>
+            <a:off x="1006548" y="1156516"/>
+            <a:ext cx="1673267" cy="1673267"/>
+          </a:xfrm>
+          <a:prstGeom prst="rect">
+            <a:avLst/>
+          </a:prstGeom>
+        </p:spPr>
+      </p:pic>
+    </p:spTree>
+    <p:extLst>
+      <p:ext uri="{BB962C8B-B14F-4D97-AF65-F5344CB8AC3E}">
+        <p14:creationId xmlns:p14="http://schemas.microsoft.com/office/powerpoint/2010/main" val="3280454712"/>
+      </p:ext>
+    </p:extLst>
+  </p:cSld>
+  <p:clrMapOvr>
+    <a:masterClrMapping/>
+  </p:clrMapOvr>
+  <p:transition spd="slow">
+    <p:push dir="u"/>
+  </p:transition>
+  <p:timing>
+    <p:tnLst>
+      <p:par>
+        <p:cTn id="1" dur="indefinite" restart="never" nodeType="tmRoot">
+          <p:childTnLst>
+            <p:seq concurrent="1" nextAc="seek">
+              <p:cTn id="2" dur="indefinite" nodeType="mainSeq">
+                <p:childTnLst>
+                  <p:par>
+                    <p:cTn id="3" fill="hold">
+                      <p:stCondLst>
+                        <p:cond delay="indefinite"/>
+                        <p:cond evt="onBegin" delay="0">
+                          <p:tn val="2"/>
+                        </p:cond>
+                      </p:stCondLst>
+                      <p:childTnLst>
+                        <p:par>
+                          <p:cTn id="4" fill="hold">
+                            <p:stCondLst>
+                              <p:cond delay="0"/>
+                            </p:stCondLst>
+                            <p:childTnLst>
+                              <p:par>
+                                <p:cTn id="5" presetID="53" presetClass="entr" presetSubtype="16" fill="hold" nodeType="withEffect">
+                                  <p:stCondLst>
+                                    <p:cond delay="900"/>
+                                  </p:stCondLst>
+                                  <p:childTnLst>
+                                    <p:set>
+                                      <p:cBhvr>
+                                        <p:cTn id="6" dur="1" fill="hold">
+                                          <p:stCondLst>
+                                            <p:cond delay="0"/>
+                                          </p:stCondLst>
+                                        </p:cTn>
+                                        <p:tgtEl>
+                                          <p:spTgt spid="19"/>
+                                        </p:tgtEl>
+                                        <p:attrNameLst>
+                                          <p:attrName>style.visibility</p:attrName>
+                                        </p:attrNameLst>
+                                      </p:cBhvr>
+                                      <p:to>
+                                        <p:strVal val="visible"/>
+                                      </p:to>
+                                    </p:set>
+                                    <p:anim calcmode="lin" valueType="num">
+                                      <p:cBhvr>
+                                        <p:cTn id="7" dur="500" fill="hold"/>
+                                        <p:tgtEl>
+                                          <p:spTgt spid="19"/>
+                                        </p:tgtEl>
+                                        <p:attrNameLst>
+                                          <p:attrName>ppt_w</p:attrName>
+                                        </p:attrNameLst>
+                                      </p:cBhvr>
+                                      <p:tavLst>
+                                        <p:tav tm="0">
+                                          <p:val>
+                                            <p:fltVal val="0"/>
+                                          </p:val>
+                                        </p:tav>
+                                        <p:tav tm="100000">
+                                          <p:val>
+                                            <p:strVal val="#ppt_w"/>
+                                          </p:val>
+                                        </p:tav>
+                                      </p:tavLst>
+                                    </p:anim>
+                                    <p:anim calcmode="lin" valueType="num">
+                                      <p:cBhvr>
+                                        <p:cTn id="8" dur="500" fill="hold"/>
+                                        <p:tgtEl>
+                                          <p:spTgt spid="19"/>
+                                        </p:tgtEl>
+                                        <p:attrNameLst>
+                                          <p:attrName>ppt_h</p:attrName>
+                                        </p:attrNameLst>
+                                      </p:cBhvr>
+                                      <p:tavLst>
+                                        <p:tav tm="0">
+                                          <p:val>
+                                            <p:fltVal val="0"/>
+                                          </p:val>
+                                        </p:tav>
+                                        <p:tav tm="100000">
+                                          <p:val>
+                                            <p:strVal val="#ppt_h"/>
+                                          </p:val>
+                                        </p:tav>
+                                      </p:tavLst>
+                                    </p:anim>
+                                    <p:animEffect transition="in" filter="fade">
+                                      <p:cBhvr>
+                                        <p:cTn id="9" dur="500"/>
+                                        <p:tgtEl>
+                                          <p:spTgt spid="19"/>
+                                        </p:tgtEl>
+                                      </p:cBhvr>
+                                    </p:animEffect>
+                                  </p:childTnLst>
+                                </p:cTn>
+                              </p:par>
+                              <p:par>
+                                <p:cTn id="10" presetID="53" presetClass="entr" presetSubtype="16" fill="hold" nodeType="withEffect">
+                                  <p:stCondLst>
+                                    <p:cond delay="1700"/>
+                                  </p:stCondLst>
+                                  <p:childTnLst>
+                                    <p:set>
+                                      <p:cBhvr>
+                                        <p:cTn id="11" dur="1" fill="hold">
+                                          <p:stCondLst>
+                                            <p:cond delay="0"/>
+                                          </p:stCondLst>
+                                        </p:cTn>
+                                        <p:tgtEl>
+                                          <p:spTgt spid="22"/>
+                                        </p:tgtEl>
+                                        <p:attrNameLst>
+                                          <p:attrName>style.visibility</p:attrName>
+                                        </p:attrNameLst>
+                                      </p:cBhvr>
+                                      <p:to>
+                                        <p:strVal val="visible"/>
+                                      </p:to>
+                                    </p:set>
+                                    <p:anim calcmode="lin" valueType="num">
+                                      <p:cBhvr>
+                                        <p:cTn id="12" dur="500" fill="hold"/>
+                                        <p:tgtEl>
+                                          <p:spTgt spid="22"/>
+                                        </p:tgtEl>
+                                        <p:attrNameLst>
+                                          <p:attrName>ppt_w</p:attrName>
+                                        </p:attrNameLst>
+                                      </p:cBhvr>
+                                      <p:tavLst>
+                                        <p:tav tm="0">
+                                          <p:val>
+                                            <p:fltVal val="0"/>
+                                          </p:val>
+                                        </p:tav>
+                                        <p:tav tm="100000">
+                                          <p:val>
+                                            <p:strVal val="#ppt_w"/>
+                                          </p:val>
+                                        </p:tav>
+                                      </p:tavLst>
+                                    </p:anim>
+                                    <p:anim calcmode="lin" valueType="num">
+                                      <p:cBhvr>
+                                        <p:cTn id="13" dur="500" fill="hold"/>
+                                        <p:tgtEl>
+                                          <p:spTgt spid="22"/>
+                                        </p:tgtEl>
+                                        <p:attrNameLst>
+                                          <p:attrName>ppt_h</p:attrName>
+                                        </p:attrNameLst>
+                                      </p:cBhvr>
+                                      <p:tavLst>
+                                        <p:tav tm="0">
+                                          <p:val>
+                                            <p:fltVal val="0"/>
+                                          </p:val>
+                                        </p:tav>
+                                        <p:tav tm="100000">
+                                          <p:val>
+                                            <p:strVal val="#ppt_h"/>
+                                          </p:val>
+                                        </p:tav>
+                                      </p:tavLst>
+                                    </p:anim>
+                                    <p:animEffect transition="in" filter="fade">
+                                      <p:cBhvr>
+                                        <p:cTn id="14" dur="500"/>
+                                        <p:tgtEl>
+                                          <p:spTgt spid="22"/>
+                                        </p:tgtEl>
+                                      </p:cBhvr>
+                                    </p:animEffect>
+                                  </p:childTnLst>
+                                </p:cTn>
+                              </p:par>
+                            </p:childTnLst>
+                          </p:cTn>
+                        </p:par>
+                      </p:childTnLst>
+                    </p:cTn>
+                  </p:par>
+                </p:childTnLst>
+              </p:cTn>
+              <p:prevCondLst>
+                <p:cond evt="onPrev" delay="0">
+                  <p:tgtEl>
+                    <p:sldTgt/>
+                  </p:tgtEl>
+                </p:cond>
+              </p:prevCondLst>
+              <p:nextCondLst>
+                <p:cond evt="onNext" delay="0">
+                  <p:tgtEl>
+                    <p:sldTgt/>
+                  </p:tgtEl>
+                </p:cond>
+              </p:nextCondLst>
+            </p:seq>
+          </p:childTnLst>
+        </p:cTn>
+      </p:par>
+    </p:tnLst>
+  </p:timing>
+</p:sld>
+</file>
+
+<file path=ppt/slides/slide12.xml><?xml version="1.0" encoding="utf-8"?>
+<p:sld xmlns:a="http://schemas.openxmlformats.org/drawingml/2006/main" xmlns:r="http://schemas.openxmlformats.org/officeDocument/2006/relationships" xmlns:p="http://schemas.openxmlformats.org/presentationml/2006/main">
+  <p:cSld>
+    <p:spTree>
+      <p:nvGrpSpPr>
+        <p:cNvPr id="1" name=""/>
+        <p:cNvGrpSpPr/>
+        <p:nvPr/>
+      </p:nvGrpSpPr>
+      <p:grpSpPr>
+        <a:xfrm>
+          <a:off x="0" y="0"/>
+          <a:ext cx="0" cy="0"/>
+          <a:chOff x="0" y="0"/>
+          <a:chExt cx="0" cy="0"/>
+        </a:xfrm>
+      </p:grpSpPr>
+      <p:sp>
+        <p:nvSpPr>
+          <p:cNvPr id="5" name="Овал 4"/>
+          <p:cNvSpPr/>
+          <p:nvPr/>
+        </p:nvSpPr>
+        <p:spPr>
+          <a:xfrm>
+            <a:off x="4315325" y="1648326"/>
+            <a:ext cx="3561347" cy="3561347"/>
+          </a:xfrm>
+          <a:prstGeom prst="ellipse">
+            <a:avLst/>
+          </a:prstGeom>
+          <a:solidFill>
+            <a:schemeClr val="bg1"/>
+          </a:solidFill>
+          <a:ln>
+            <a:noFill/>
+          </a:ln>
+        </p:spPr>
+        <p:style>
+          <a:lnRef idx="2">
+            <a:schemeClr val="accent1">
+              <a:shade val="50000"/>
+            </a:schemeClr>
+          </a:lnRef>
+          <a:fillRef idx="1">
+            <a:schemeClr val="accent1"/>
+          </a:fillRef>
+          <a:effectRef idx="0">
+            <a:schemeClr val="accent1"/>
+          </a:effectRef>
+          <a:fontRef idx="minor">
+            <a:schemeClr val="lt1"/>
+          </a:fontRef>
+        </p:style>
+        <p:txBody>
+          <a:bodyPr rtlCol="0" anchor="ctr"/>
+          <a:lstStyle/>
+          <a:p>
+            <a:pPr algn="ctr"/>
+            <a:endParaRPr lang="ru-RU" dirty="0"/>
+          </a:p>
+        </p:txBody>
+      </p:sp>
+      <p:sp>
+        <p:nvSpPr>
+          <p:cNvPr id="6" name="TextBox 5"/>
+          <p:cNvSpPr txBox="1"/>
+          <p:nvPr/>
+        </p:nvSpPr>
+        <p:spPr>
+          <a:xfrm>
+            <a:off x="3061252" y="3198166"/>
+            <a:ext cx="5899868" cy="461665"/>
+          </a:xfrm>
+          <a:prstGeom prst="rect">
+            <a:avLst/>
+          </a:prstGeom>
+          <a:noFill/>
+        </p:spPr>
+        <p:txBody>
+          <a:bodyPr wrap="square" rtlCol="0">
+            <a:spAutoFit/>
+          </a:bodyPr>
+          <a:lstStyle/>
+          <a:p>
+            <a:pPr algn="ctr">
+              <a:spcBef>
+                <a:spcPts val="800"/>
+              </a:spcBef>
+            </a:pPr>
+            <a:r>
+              <a:rPr lang="en-US" sz="2400" spc="150" dirty="0">
+                <a:latin typeface="Montserrat SemiBold" panose="00000700000000000000" pitchFamily="50" charset="0"/>
+              </a:rPr>
+              <a:t>XÂY DỰNG BỘ PHÂN CÚ PHÁP</a:t>
+            </a:r>
+          </a:p>
+        </p:txBody>
+      </p:sp>
+    </p:spTree>
+    <p:extLst>
+      <p:ext uri="{BB962C8B-B14F-4D97-AF65-F5344CB8AC3E}">
+        <p14:creationId xmlns:p14="http://schemas.microsoft.com/office/powerpoint/2010/main" val="868497512"/>
+      </p:ext>
+    </p:extLst>
+  </p:cSld>
+  <p:clrMapOvr>
+    <a:masterClrMapping/>
+  </p:clrMapOvr>
+  <mc:AlternateContent xmlns:mc="http://schemas.openxmlformats.org/markup-compatibility/2006" xmlns:p14="http://schemas.microsoft.com/office/powerpoint/2010/main">
+    <mc:Choice Requires="p14">
+      <p:transition spd="slow" p14:dur="3400">
+        <p14:reveal/>
+      </p:transition>
+    </mc:Choice>
+    <mc:Fallback xmlns="">
+      <p:transition spd="slow">
+        <p:fade/>
+      </p:transition>
+    </mc:Fallback>
+  </mc:AlternateContent>
+  <p:timing>
+    <p:tnLst>
+      <p:par>
+        <p:cTn id="1" dur="indefinite" restart="never" nodeType="tmRoot">
+          <p:childTnLst>
+            <p:seq concurrent="1" nextAc="seek">
+              <p:cTn id="2" dur="indefinite" nodeType="mainSeq">
+                <p:childTnLst>
+                  <p:par>
+                    <p:cTn id="3" fill="hold">
+                      <p:stCondLst>
+                        <p:cond delay="indefinite"/>
+                        <p:cond evt="onBegin" delay="0">
+                          <p:tn val="2"/>
+                        </p:cond>
+                      </p:stCondLst>
+                      <p:childTnLst>
+                        <p:par>
+                          <p:cTn id="4" fill="hold">
+                            <p:stCondLst>
+                              <p:cond delay="0"/>
+                            </p:stCondLst>
+                            <p:childTnLst>
+                              <p:par>
+                                <p:cTn id="5" presetID="42" presetClass="entr" presetSubtype="0" fill="hold" grpId="0" nodeType="afterEffect">
+                                  <p:stCondLst>
+                                    <p:cond delay="0"/>
+                                  </p:stCondLst>
+                                  <p:childTnLst>
+                                    <p:set>
+                                      <p:cBhvr>
+                                        <p:cTn id="6" dur="1" fill="hold">
+                                          <p:stCondLst>
+                                            <p:cond delay="0"/>
+                                          </p:stCondLst>
+                                        </p:cTn>
+                                        <p:tgtEl>
+                                          <p:spTgt spid="5"/>
+                                        </p:tgtEl>
+                                        <p:attrNameLst>
+                                          <p:attrName>style.visibility</p:attrName>
+                                        </p:attrNameLst>
+                                      </p:cBhvr>
+                                      <p:to>
+                                        <p:strVal val="visible"/>
+                                      </p:to>
+                                    </p:set>
+                                    <p:animEffect transition="in" filter="fade">
+                                      <p:cBhvr>
+                                        <p:cTn id="7" dur="250"/>
+                                        <p:tgtEl>
+                                          <p:spTgt spid="5"/>
+                                        </p:tgtEl>
+                                      </p:cBhvr>
+                                    </p:animEffect>
+                                    <p:anim calcmode="lin" valueType="num">
+                                      <p:cBhvr>
+                                        <p:cTn id="8" dur="250" fill="hold"/>
+                                        <p:tgtEl>
+                                          <p:spTgt spid="5"/>
+                                        </p:tgtEl>
+                                        <p:attrNameLst>
+                                          <p:attrName>ppt_x</p:attrName>
+                                        </p:attrNameLst>
+                                      </p:cBhvr>
+                                      <p:tavLst>
+                                        <p:tav tm="0">
+                                          <p:val>
+                                            <p:strVal val="#ppt_x"/>
+                                          </p:val>
+                                        </p:tav>
+                                        <p:tav tm="100000">
+                                          <p:val>
+                                            <p:strVal val="#ppt_x"/>
+                                          </p:val>
+                                        </p:tav>
+                                      </p:tavLst>
+                                    </p:anim>
+                                    <p:anim calcmode="lin" valueType="num">
+                                      <p:cBhvr>
+                                        <p:cTn id="9" dur="250" fill="hold"/>
+                                        <p:tgtEl>
+                                          <p:spTgt spid="5"/>
+                                        </p:tgtEl>
+                                        <p:attrNameLst>
+                                          <p:attrName>ppt_y</p:attrName>
+                                        </p:attrNameLst>
+                                      </p:cBhvr>
+                                      <p:tavLst>
+                                        <p:tav tm="0">
+                                          <p:val>
+                                            <p:strVal val="#ppt_y+.1"/>
+                                          </p:val>
+                                        </p:tav>
+                                        <p:tav tm="100000">
+                                          <p:val>
+                                            <p:strVal val="#ppt_y"/>
+                                          </p:val>
+                                        </p:tav>
+                                      </p:tavLst>
+                                    </p:anim>
+                                  </p:childTnLst>
+                                </p:cTn>
+                              </p:par>
+                            </p:childTnLst>
+                          </p:cTn>
+                        </p:par>
+                        <p:par>
+                          <p:cTn id="10" fill="hold">
+                            <p:stCondLst>
+                              <p:cond delay="250"/>
+                            </p:stCondLst>
+                            <p:childTnLst>
+                              <p:par>
+                                <p:cTn id="11" presetID="22" presetClass="entr" presetSubtype="1" fill="hold" grpId="0" nodeType="afterEffect">
+                                  <p:stCondLst>
+                                    <p:cond delay="0"/>
+                                  </p:stCondLst>
+                                  <p:childTnLst>
+                                    <p:set>
+                                      <p:cBhvr>
+                                        <p:cTn id="12" dur="1" fill="hold">
+                                          <p:stCondLst>
+                                            <p:cond delay="0"/>
+                                          </p:stCondLst>
+                                        </p:cTn>
+                                        <p:tgtEl>
+                                          <p:spTgt spid="6"/>
+                                        </p:tgtEl>
+                                        <p:attrNameLst>
+                                          <p:attrName>style.visibility</p:attrName>
+                                        </p:attrNameLst>
+                                      </p:cBhvr>
+                                      <p:to>
+                                        <p:strVal val="visible"/>
+                                      </p:to>
+                                    </p:set>
+                                    <p:animEffect transition="in" filter="wipe(up)">
+                                      <p:cBhvr>
+                                        <p:cTn id="13" dur="500"/>
+                                        <p:tgtEl>
+                                          <p:spTgt spid="6"/>
+                                        </p:tgtEl>
+                                      </p:cBhvr>
+                                    </p:animEffect>
+                                  </p:childTnLst>
+                                </p:cTn>
+                              </p:par>
+                            </p:childTnLst>
+                          </p:cTn>
+                        </p:par>
+                      </p:childTnLst>
+                    </p:cTn>
+                  </p:par>
+                </p:childTnLst>
+              </p:cTn>
+              <p:prevCondLst>
+                <p:cond evt="onPrev" delay="0">
+                  <p:tgtEl>
+                    <p:sldTgt/>
+                  </p:tgtEl>
+                </p:cond>
+              </p:prevCondLst>
+              <p:nextCondLst>
+                <p:cond evt="onNext" delay="0">
+                  <p:tgtEl>
+                    <p:sldTgt/>
+                  </p:tgtEl>
+                </p:cond>
+              </p:nextCondLst>
+            </p:seq>
+          </p:childTnLst>
+        </p:cTn>
+      </p:par>
+    </p:tnLst>
+    <p:bldLst>
+      <p:bldP spid="5" grpId="0" animBg="1"/>
+      <p:bldP spid="6" grpId="0"/>
+    </p:bldLst>
+  </p:timing>
+</p:sld>
+</file>
+
+<file path=ppt/slides/slide13.xml><?xml version="1.0" encoding="utf-8"?>
 <p:sld xmlns:a="http://schemas.openxmlformats.org/drawingml/2006/main" xmlns:r="http://schemas.openxmlformats.org/officeDocument/2006/relationships" xmlns:p="http://schemas.openxmlformats.org/presentationml/2006/main">
   <p:cSld>
     <p:spTree>
@@ -7896,7 +10119,7 @@
 </p:sld>
 </file>
 
-<file path=ppt/slides/slide12.xml><?xml version="1.0" encoding="utf-8"?>
+<file path=ppt/slides/slide14.xml><?xml version="1.0" encoding="utf-8"?>
 <p:sld xmlns:a="http://schemas.openxmlformats.org/drawingml/2006/main" xmlns:r="http://schemas.openxmlformats.org/officeDocument/2006/relationships" xmlns:p="http://schemas.openxmlformats.org/presentationml/2006/main">
   <p:cSld>
     <p:spTree>
@@ -8570,18 +10793,11 @@
               <a:buChar char="Ø"/>
             </a:pPr>
             <a:r>
-              <a:rPr lang="vi-VN" sz="2000" dirty="0" smtClean="0">
-                <a:latin typeface="Times New Roman" panose="02020603050405020304" pitchFamily="18" charset="0"/>
-                <a:cs typeface="Times New Roman" panose="02020603050405020304" pitchFamily="18" charset="0"/>
-              </a:rPr>
-              <a:t>Nếu </a:t>
-            </a:r>
-            <a:r>
               <a:rPr lang="vi-VN" sz="2000" dirty="0">
                 <a:latin typeface="Times New Roman" panose="02020603050405020304" pitchFamily="18" charset="0"/>
                 <a:cs typeface="Times New Roman" panose="02020603050405020304" pitchFamily="18" charset="0"/>
               </a:rPr>
-              <a:t>tồn tại luật sinh thỏa mãn vế phải giống với token thì lấy đó làm nút hoạt động và lập lại bước 2</a:t>
+              <a:t>Nếu tồn tại luật sinh thỏa mãn vế phải giống với token thì lấy đó làm nút hoạt động và lập lại bước 2</a:t>
             </a:r>
           </a:p>
           <a:p>
@@ -8590,25 +10806,18 @@
               <a:buChar char="Ø"/>
             </a:pPr>
             <a:r>
-              <a:rPr lang="en-US" sz="2000" dirty="0" smtClean="0">
+              <a:rPr lang="en-US" sz="2000" dirty="0">
                 <a:latin typeface="Times New Roman" panose="02020603050405020304" pitchFamily="18" charset="0"/>
                 <a:cs typeface="Times New Roman" panose="02020603050405020304" pitchFamily="18" charset="0"/>
               </a:rPr>
               <a:t>N</a:t>
             </a:r>
             <a:r>
-              <a:rPr lang="vi-VN" sz="2000" dirty="0" smtClean="0">
-                <a:latin typeface="Times New Roman" panose="02020603050405020304" pitchFamily="18" charset="0"/>
-                <a:cs typeface="Times New Roman" panose="02020603050405020304" pitchFamily="18" charset="0"/>
-              </a:rPr>
-              <a:t>ếu </a:t>
-            </a:r>
-            <a:r>
               <a:rPr lang="vi-VN" sz="2000" dirty="0">
                 <a:latin typeface="Times New Roman" panose="02020603050405020304" pitchFamily="18" charset="0"/>
                 <a:cs typeface="Times New Roman" panose="02020603050405020304" pitchFamily="18" charset="0"/>
               </a:rPr>
-              <a:t>không thì sang bước 3</a:t>
+              <a:t>ếu không thì sang bước 3</a:t>
             </a:r>
           </a:p>
           <a:p>
@@ -9686,7 +11895,7 @@
 </p:sld>
 </file>
 
-<file path=ppt/slides/slide13.xml><?xml version="1.0" encoding="utf-8"?>
+<file path=ppt/slides/slide15.xml><?xml version="1.0" encoding="utf-8"?>
 <p:sld xmlns:a="http://schemas.openxmlformats.org/drawingml/2006/main" xmlns:r="http://schemas.openxmlformats.org/officeDocument/2006/relationships" xmlns:p="http://schemas.openxmlformats.org/presentationml/2006/main">
   <p:cSld>
     <p:spTree>
@@ -11891,7 +14100,7 @@
 </p:sld>
 </file>
 
-<file path=ppt/slides/slide14.xml><?xml version="1.0" encoding="utf-8"?>
+<file path=ppt/slides/slide16.xml><?xml version="1.0" encoding="utf-8"?>
 <p:sld xmlns:a="http://schemas.openxmlformats.org/drawingml/2006/main" xmlns:r="http://schemas.openxmlformats.org/officeDocument/2006/relationships" xmlns:p="http://schemas.openxmlformats.org/presentationml/2006/main">
   <p:cSld>
     <p:spTree>
@@ -13213,7 +15422,7 @@
 </p:sld>
 </file>
 
-<file path=ppt/slides/slide15.xml><?xml version="1.0" encoding="utf-8"?>
+<file path=ppt/slides/slide17.xml><?xml version="1.0" encoding="utf-8"?>
 <p:sld xmlns:a="http://schemas.openxmlformats.org/drawingml/2006/main" xmlns:r="http://schemas.openxmlformats.org/officeDocument/2006/relationships" xmlns:p="http://schemas.openxmlformats.org/presentationml/2006/main">
   <p:cSld>
     <p:spTree>
@@ -13487,7 +15696,7 @@
                 <a:buChar char="•"/>
               </a:pPr>
               <a:r>
-                <a:rPr lang="en-US" sz="2400" dirty="0" smtClean="0">
+                <a:rPr lang="en-US" sz="2400" dirty="0">
                   <a:latin typeface="Times New Roman" panose="02020603050405020304" pitchFamily="18" charset="0"/>
                   <a:ea typeface="Karla" pitchFamily="2" charset="0"/>
                   <a:cs typeface="Times New Roman" panose="02020603050405020304" pitchFamily="18" charset="0"/>
@@ -13507,18 +15716,13 @@
                 <a:buChar char="•"/>
               </a:pPr>
               <a:r>
-                <a:rPr lang="en-US" sz="2400" dirty="0" smtClean="0">
+                <a:rPr lang="en-US" sz="2400" dirty="0">
                   <a:latin typeface="Times New Roman" panose="02020603050405020304" pitchFamily="18" charset="0"/>
                   <a:ea typeface="Karla" pitchFamily="2" charset="0"/>
                   <a:cs typeface="Times New Roman" panose="02020603050405020304" pitchFamily="18" charset="0"/>
                 </a:rPr>
                 <a:t>Pandas</a:t>
               </a:r>
-              <a:endParaRPr lang="en-US" sz="2400" dirty="0">
-                <a:latin typeface="Times New Roman" panose="02020603050405020304" pitchFamily="18" charset="0"/>
-                <a:ea typeface="Karla" pitchFamily="2" charset="0"/>
-                <a:cs typeface="Times New Roman" panose="02020603050405020304" pitchFamily="18" charset="0"/>
-              </a:endParaRPr>
             </a:p>
             <a:p>
               <a:pPr marL="342900" indent="-342900">
@@ -13984,7 +16188,7 @@
 </p:sld>
 </file>
 
-<file path=ppt/slides/slide16.xml><?xml version="1.0" encoding="utf-8"?>
+<file path=ppt/slides/slide18.xml><?xml version="1.0" encoding="utf-8"?>
 <p:sld xmlns:a="http://schemas.openxmlformats.org/drawingml/2006/main" xmlns:r="http://schemas.openxmlformats.org/officeDocument/2006/relationships" xmlns:p="http://schemas.openxmlformats.org/presentationml/2006/main">
   <p:cSld>
     <p:spTree>
@@ -14550,7 +16754,7 @@
 </p:sld>
 </file>
 
-<file path=ppt/slides/slide17.xml><?xml version="1.0" encoding="utf-8"?>
+<file path=ppt/slides/slide19.xml><?xml version="1.0" encoding="utf-8"?>
 <p:sld xmlns:a="http://schemas.openxmlformats.org/drawingml/2006/main" xmlns:r="http://schemas.openxmlformats.org/officeDocument/2006/relationships" xmlns:p="http://schemas.openxmlformats.org/presentationml/2006/main">
   <p:cSld>
     <p:spTree>
@@ -15289,2332 +17493,6 @@
   <p:transition spd="slow">
     <p:push dir="u"/>
   </p:transition>
-  <p:timing>
-    <p:tnLst>
-      <p:par>
-        <p:cTn id="1" dur="indefinite" restart="never" nodeType="tmRoot"/>
-      </p:par>
-    </p:tnLst>
-  </p:timing>
-</p:sld>
-</file>
-
-<file path=ppt/slides/slide18.xml><?xml version="1.0" encoding="utf-8"?>
-<p:sld xmlns:a="http://schemas.openxmlformats.org/drawingml/2006/main" xmlns:r="http://schemas.openxmlformats.org/officeDocument/2006/relationships" xmlns:p="http://schemas.openxmlformats.org/presentationml/2006/main">
-  <p:cSld>
-    <p:spTree>
-      <p:nvGrpSpPr>
-        <p:cNvPr id="1" name=""/>
-        <p:cNvGrpSpPr/>
-        <p:nvPr/>
-      </p:nvGrpSpPr>
-      <p:grpSpPr>
-        <a:xfrm>
-          <a:off x="0" y="0"/>
-          <a:ext cx="0" cy="0"/>
-          <a:chOff x="0" y="0"/>
-          <a:chExt cx="0" cy="0"/>
-        </a:xfrm>
-      </p:grpSpPr>
-      <p:sp>
-        <p:nvSpPr>
-          <p:cNvPr id="9" name="TextBox 8">
-            <a:extLst>
-              <a:ext uri="{FF2B5EF4-FFF2-40B4-BE49-F238E27FC236}">
-                <a16:creationId xmlns:a16="http://schemas.microsoft.com/office/drawing/2014/main" id="{872D4B37-A7D4-33AA-1D9D-F06A19D09946}"/>
-              </a:ext>
-            </a:extLst>
-          </p:cNvPr>
-          <p:cNvSpPr txBox="1"/>
-          <p:nvPr/>
-        </p:nvSpPr>
-        <p:spPr>
-          <a:xfrm>
-            <a:off x="0" y="417019"/>
-            <a:ext cx="12192000" cy="6280374"/>
-          </a:xfrm>
-          <a:prstGeom prst="rect">
-            <a:avLst/>
-          </a:prstGeom>
-          <a:noFill/>
-        </p:spPr>
-        <p:txBody>
-          <a:bodyPr wrap="square">
-            <a:spAutoFit/>
-          </a:bodyPr>
-          <a:lstStyle/>
-          <a:p>
-            <a:pPr marL="342900" marR="0" lvl="0" indent="-342900">
-              <a:lnSpc>
-                <a:spcPct val="150000"/>
-              </a:lnSpc>
-              <a:spcBef>
-                <a:spcPts val="0"/>
-              </a:spcBef>
-              <a:spcAft>
-                <a:spcPts val="0"/>
-              </a:spcAft>
-              <a:buFont typeface="+mj-lt"/>
-              <a:buAutoNum type="arabicPeriod"/>
-            </a:pPr>
-            <a:r>
-              <a:rPr lang="en-US" sz="1800" dirty="0">
-                <a:effectLst/>
-                <a:latin typeface="Times New Roman" panose="02020603050405020304" pitchFamily="18" charset="0"/>
-                <a:ea typeface="Times New Roman" panose="02020603050405020304" pitchFamily="18" charset="0"/>
-                <a:cs typeface="Times New Roman" panose="02020603050405020304" pitchFamily="18" charset="0"/>
-              </a:rPr>
-              <a:t>“1. Language Processing and Python.” Accessed April 30, 2022. </a:t>
-            </a:r>
-            <a:r>
-              <a:rPr lang="en-US" sz="1800" dirty="0">
-                <a:solidFill>
-                  <a:srgbClr val="0000FF"/>
-                </a:solidFill>
-                <a:effectLst/>
-                <a:latin typeface="Times New Roman" panose="02020603050405020304" pitchFamily="18" charset="0"/>
-                <a:ea typeface="Times New Roman" panose="02020603050405020304" pitchFamily="18" charset="0"/>
-                <a:cs typeface="Times New Roman" panose="02020603050405020304" pitchFamily="18" charset="0"/>
-                <a:hlinkClick r:id="rId2"/>
-              </a:rPr>
-              <a:t>https://www.nltk.org/book/ch01.html</a:t>
-            </a:r>
-            <a:r>
-              <a:rPr lang="en-US" sz="1800" dirty="0">
-                <a:effectLst/>
-                <a:latin typeface="Times New Roman" panose="02020603050405020304" pitchFamily="18" charset="0"/>
-                <a:ea typeface="Times New Roman" panose="02020603050405020304" pitchFamily="18" charset="0"/>
-                <a:cs typeface="Times New Roman" panose="02020603050405020304" pitchFamily="18" charset="0"/>
-              </a:rPr>
-              <a:t>.</a:t>
-            </a:r>
-            <a:endParaRPr lang="en-US" sz="1600" dirty="0">
-              <a:effectLst/>
-              <a:latin typeface="Calibri" panose="020F0502020204030204" pitchFamily="34" charset="0"/>
-              <a:ea typeface="Calibri" panose="020F0502020204030204" pitchFamily="34" charset="0"/>
-              <a:cs typeface="Times New Roman" panose="02020603050405020304" pitchFamily="18" charset="0"/>
-            </a:endParaRPr>
-          </a:p>
-          <a:p>
-            <a:pPr marL="342900" marR="0" lvl="0" indent="-342900">
-              <a:lnSpc>
-                <a:spcPct val="150000"/>
-              </a:lnSpc>
-              <a:spcBef>
-                <a:spcPts val="0"/>
-              </a:spcBef>
-              <a:spcAft>
-                <a:spcPts val="0"/>
-              </a:spcAft>
-              <a:buFont typeface="+mj-lt"/>
-              <a:buAutoNum type="arabicPeriod"/>
-            </a:pPr>
-            <a:r>
-              <a:rPr lang="en-US" sz="1800" dirty="0">
-                <a:effectLst/>
-                <a:latin typeface="Times New Roman" panose="02020603050405020304" pitchFamily="18" charset="0"/>
-                <a:ea typeface="Times New Roman" panose="02020603050405020304" pitchFamily="18" charset="0"/>
-                <a:cs typeface="Times New Roman" panose="02020603050405020304" pitchFamily="18" charset="0"/>
-              </a:rPr>
-              <a:t>“2. Accessing Text Corpora and Lexical Resources.” Accessed April 30, 2022. </a:t>
-            </a:r>
-            <a:r>
-              <a:rPr lang="en-US" sz="1800" dirty="0">
-                <a:solidFill>
-                  <a:srgbClr val="0000FF"/>
-                </a:solidFill>
-                <a:effectLst/>
-                <a:latin typeface="Times New Roman" panose="02020603050405020304" pitchFamily="18" charset="0"/>
-                <a:ea typeface="Times New Roman" panose="02020603050405020304" pitchFamily="18" charset="0"/>
-                <a:cs typeface="Times New Roman" panose="02020603050405020304" pitchFamily="18" charset="0"/>
-                <a:hlinkClick r:id="rId3"/>
-              </a:rPr>
-              <a:t>https://www.nltk.org/book/ch02.html</a:t>
-            </a:r>
-            <a:r>
-              <a:rPr lang="en-US" sz="1800" dirty="0">
-                <a:effectLst/>
-                <a:latin typeface="Times New Roman" panose="02020603050405020304" pitchFamily="18" charset="0"/>
-                <a:ea typeface="Times New Roman" panose="02020603050405020304" pitchFamily="18" charset="0"/>
-                <a:cs typeface="Times New Roman" panose="02020603050405020304" pitchFamily="18" charset="0"/>
-              </a:rPr>
-              <a:t>.</a:t>
-            </a:r>
-            <a:endParaRPr lang="en-US" sz="1600" dirty="0">
-              <a:effectLst/>
-              <a:latin typeface="Calibri" panose="020F0502020204030204" pitchFamily="34" charset="0"/>
-              <a:ea typeface="Calibri" panose="020F0502020204030204" pitchFamily="34" charset="0"/>
-              <a:cs typeface="Times New Roman" panose="02020603050405020304" pitchFamily="18" charset="0"/>
-            </a:endParaRPr>
-          </a:p>
-          <a:p>
-            <a:pPr marL="342900" marR="0" lvl="0" indent="-342900">
-              <a:lnSpc>
-                <a:spcPct val="150000"/>
-              </a:lnSpc>
-              <a:spcBef>
-                <a:spcPts val="0"/>
-              </a:spcBef>
-              <a:spcAft>
-                <a:spcPts val="0"/>
-              </a:spcAft>
-              <a:buFont typeface="+mj-lt"/>
-              <a:buAutoNum type="arabicPeriod"/>
-            </a:pPr>
-            <a:r>
-              <a:rPr lang="en-US" sz="1800" dirty="0">
-                <a:effectLst/>
-                <a:latin typeface="Times New Roman" panose="02020603050405020304" pitchFamily="18" charset="0"/>
-                <a:ea typeface="Times New Roman" panose="02020603050405020304" pitchFamily="18" charset="0"/>
-                <a:cs typeface="Times New Roman" panose="02020603050405020304" pitchFamily="18" charset="0"/>
-              </a:rPr>
-              <a:t>“8. Analyzing Sentence Structure.” Accessed May 4, 2022. </a:t>
-            </a:r>
-            <a:r>
-              <a:rPr lang="en-US" sz="1800" dirty="0">
-                <a:solidFill>
-                  <a:srgbClr val="0000FF"/>
-                </a:solidFill>
-                <a:effectLst/>
-                <a:latin typeface="Times New Roman" panose="02020603050405020304" pitchFamily="18" charset="0"/>
-                <a:ea typeface="Times New Roman" panose="02020603050405020304" pitchFamily="18" charset="0"/>
-                <a:cs typeface="Times New Roman" panose="02020603050405020304" pitchFamily="18" charset="0"/>
-                <a:hlinkClick r:id="rId4"/>
-              </a:rPr>
-              <a:t>https://www.nltk.org/book/ch08.html</a:t>
-            </a:r>
-            <a:r>
-              <a:rPr lang="en-US" sz="1800" dirty="0">
-                <a:effectLst/>
-                <a:latin typeface="Times New Roman" panose="02020603050405020304" pitchFamily="18" charset="0"/>
-                <a:ea typeface="Times New Roman" panose="02020603050405020304" pitchFamily="18" charset="0"/>
-                <a:cs typeface="Times New Roman" panose="02020603050405020304" pitchFamily="18" charset="0"/>
-              </a:rPr>
-              <a:t>.</a:t>
-            </a:r>
-            <a:endParaRPr lang="en-US" sz="1600" dirty="0">
-              <a:effectLst/>
-              <a:latin typeface="Calibri" panose="020F0502020204030204" pitchFamily="34" charset="0"/>
-              <a:ea typeface="Calibri" panose="020F0502020204030204" pitchFamily="34" charset="0"/>
-              <a:cs typeface="Times New Roman" panose="02020603050405020304" pitchFamily="18" charset="0"/>
-            </a:endParaRPr>
-          </a:p>
-          <a:p>
-            <a:pPr marL="342900" marR="0" lvl="0" indent="-342900">
-              <a:lnSpc>
-                <a:spcPct val="150000"/>
-              </a:lnSpc>
-              <a:spcBef>
-                <a:spcPts val="0"/>
-              </a:spcBef>
-              <a:spcAft>
-                <a:spcPts val="0"/>
-              </a:spcAft>
-              <a:buFont typeface="+mj-lt"/>
-              <a:buAutoNum type="arabicPeriod"/>
-            </a:pPr>
-            <a:r>
-              <a:rPr lang="en-US" sz="1800" dirty="0">
-                <a:effectLst/>
-                <a:latin typeface="Times New Roman" panose="02020603050405020304" pitchFamily="18" charset="0"/>
-                <a:ea typeface="Times New Roman" panose="02020603050405020304" pitchFamily="18" charset="0"/>
-                <a:cs typeface="Times New Roman" panose="02020603050405020304" pitchFamily="18" charset="0"/>
-              </a:rPr>
-              <a:t>“10. Full Grammar Specification — Python 3.10.4 Documentation.” Accessed May 4, 2022. </a:t>
-            </a:r>
-            <a:r>
-              <a:rPr lang="en-US" sz="1800" dirty="0">
-                <a:solidFill>
-                  <a:srgbClr val="0000FF"/>
-                </a:solidFill>
-                <a:effectLst/>
-                <a:latin typeface="Times New Roman" panose="02020603050405020304" pitchFamily="18" charset="0"/>
-                <a:ea typeface="Times New Roman" panose="02020603050405020304" pitchFamily="18" charset="0"/>
-                <a:cs typeface="Times New Roman" panose="02020603050405020304" pitchFamily="18" charset="0"/>
-                <a:hlinkClick r:id="rId5"/>
-              </a:rPr>
-              <a:t>https://docs.python.org/3/reference/grammar.html</a:t>
-            </a:r>
-            <a:r>
-              <a:rPr lang="en-US" sz="1800" dirty="0">
-                <a:effectLst/>
-                <a:latin typeface="Times New Roman" panose="02020603050405020304" pitchFamily="18" charset="0"/>
-                <a:ea typeface="Times New Roman" panose="02020603050405020304" pitchFamily="18" charset="0"/>
-                <a:cs typeface="Times New Roman" panose="02020603050405020304" pitchFamily="18" charset="0"/>
-              </a:rPr>
-              <a:t>.</a:t>
-            </a:r>
-            <a:endParaRPr lang="en-US" sz="1600" dirty="0">
-              <a:effectLst/>
-              <a:latin typeface="Calibri" panose="020F0502020204030204" pitchFamily="34" charset="0"/>
-              <a:ea typeface="Calibri" panose="020F0502020204030204" pitchFamily="34" charset="0"/>
-              <a:cs typeface="Times New Roman" panose="02020603050405020304" pitchFamily="18" charset="0"/>
-            </a:endParaRPr>
-          </a:p>
-          <a:p>
-            <a:pPr marL="342900" marR="0" lvl="0" indent="-342900">
-              <a:lnSpc>
-                <a:spcPct val="150000"/>
-              </a:lnSpc>
-              <a:spcBef>
-                <a:spcPts val="0"/>
-              </a:spcBef>
-              <a:spcAft>
-                <a:spcPts val="0"/>
-              </a:spcAft>
-              <a:buFont typeface="+mj-lt"/>
-              <a:buAutoNum type="arabicPeriod"/>
-            </a:pPr>
-            <a:r>
-              <a:rPr lang="en-US" sz="1800" dirty="0">
-                <a:effectLst/>
-                <a:latin typeface="Times New Roman" panose="02020603050405020304" pitchFamily="18" charset="0"/>
-                <a:ea typeface="Times New Roman" panose="02020603050405020304" pitchFamily="18" charset="0"/>
-                <a:cs typeface="Times New Roman" panose="02020603050405020304" pitchFamily="18" charset="0"/>
-              </a:rPr>
-              <a:t>dzone.com. “A Guide to Parsing: Algorithms and Technology (Part 8) - </a:t>
-            </a:r>
-            <a:r>
-              <a:rPr lang="en-US" sz="1800" dirty="0" err="1">
-                <a:effectLst/>
-                <a:latin typeface="Times New Roman" panose="02020603050405020304" pitchFamily="18" charset="0"/>
-                <a:ea typeface="Times New Roman" panose="02020603050405020304" pitchFamily="18" charset="0"/>
-                <a:cs typeface="Times New Roman" panose="02020603050405020304" pitchFamily="18" charset="0"/>
-              </a:rPr>
-              <a:t>DZone</a:t>
-            </a:r>
-            <a:r>
-              <a:rPr lang="en-US" sz="1800" dirty="0">
-                <a:effectLst/>
-                <a:latin typeface="Times New Roman" panose="02020603050405020304" pitchFamily="18" charset="0"/>
-                <a:ea typeface="Times New Roman" panose="02020603050405020304" pitchFamily="18" charset="0"/>
-                <a:cs typeface="Times New Roman" panose="02020603050405020304" pitchFamily="18" charset="0"/>
-              </a:rPr>
-              <a:t> AI.” Accessed April 30, 2022. </a:t>
-            </a:r>
-            <a:r>
-              <a:rPr lang="en-US" sz="1800" dirty="0">
-                <a:solidFill>
-                  <a:srgbClr val="0000FF"/>
-                </a:solidFill>
-                <a:effectLst/>
-                <a:latin typeface="Times New Roman" panose="02020603050405020304" pitchFamily="18" charset="0"/>
-                <a:ea typeface="Times New Roman" panose="02020603050405020304" pitchFamily="18" charset="0"/>
-                <a:cs typeface="Times New Roman" panose="02020603050405020304" pitchFamily="18" charset="0"/>
-                <a:hlinkClick r:id="rId6"/>
-              </a:rPr>
-              <a:t>https://dzone.com/articles/a-guide-to-parsing-algorithms-and-technology-part-2</a:t>
-            </a:r>
-            <a:r>
-              <a:rPr lang="en-US" sz="1800" dirty="0">
-                <a:effectLst/>
-                <a:latin typeface="Times New Roman" panose="02020603050405020304" pitchFamily="18" charset="0"/>
-                <a:ea typeface="Times New Roman" panose="02020603050405020304" pitchFamily="18" charset="0"/>
-                <a:cs typeface="Times New Roman" panose="02020603050405020304" pitchFamily="18" charset="0"/>
-              </a:rPr>
-              <a:t>.</a:t>
-            </a:r>
-            <a:endParaRPr lang="en-US" sz="1600" dirty="0">
-              <a:effectLst/>
-              <a:latin typeface="Calibri" panose="020F0502020204030204" pitchFamily="34" charset="0"/>
-              <a:ea typeface="Calibri" panose="020F0502020204030204" pitchFamily="34" charset="0"/>
-              <a:cs typeface="Times New Roman" panose="02020603050405020304" pitchFamily="18" charset="0"/>
-            </a:endParaRPr>
-          </a:p>
-          <a:p>
-            <a:pPr marL="342900" marR="0" lvl="0" indent="-342900">
-              <a:lnSpc>
-                <a:spcPct val="150000"/>
-              </a:lnSpc>
-              <a:spcBef>
-                <a:spcPts val="0"/>
-              </a:spcBef>
-              <a:spcAft>
-                <a:spcPts val="0"/>
-              </a:spcAft>
-              <a:buFont typeface="+mj-lt"/>
-              <a:buAutoNum type="arabicPeriod"/>
-            </a:pPr>
-            <a:r>
-              <a:rPr lang="en-US" sz="1800" dirty="0">
-                <a:effectLst/>
-                <a:latin typeface="Times New Roman" panose="02020603050405020304" pitchFamily="18" charset="0"/>
-                <a:ea typeface="Times New Roman" panose="02020603050405020304" pitchFamily="18" charset="0"/>
-                <a:cs typeface="Times New Roman" panose="02020603050405020304" pitchFamily="18" charset="0"/>
-              </a:rPr>
-              <a:t>“</a:t>
-            </a:r>
-            <a:r>
-              <a:rPr lang="en-US" sz="1800" dirty="0" err="1">
-                <a:effectLst/>
-                <a:latin typeface="Times New Roman" panose="02020603050405020304" pitchFamily="18" charset="0"/>
-                <a:ea typeface="Times New Roman" panose="02020603050405020304" pitchFamily="18" charset="0"/>
-                <a:cs typeface="Times New Roman" panose="02020603050405020304" pitchFamily="18" charset="0"/>
-              </a:rPr>
-              <a:t>Bài</a:t>
-            </a:r>
-            <a:r>
-              <a:rPr lang="en-US" sz="1800" dirty="0">
-                <a:effectLst/>
-                <a:latin typeface="Times New Roman" panose="02020603050405020304" pitchFamily="18" charset="0"/>
-                <a:ea typeface="Times New Roman" panose="02020603050405020304" pitchFamily="18" charset="0"/>
-                <a:cs typeface="Times New Roman" panose="02020603050405020304" pitchFamily="18" charset="0"/>
-              </a:rPr>
-              <a:t> 7 : </a:t>
-            </a:r>
-            <a:r>
-              <a:rPr lang="en-US" sz="1800" dirty="0" err="1">
-                <a:effectLst/>
-                <a:latin typeface="Times New Roman" panose="02020603050405020304" pitchFamily="18" charset="0"/>
-                <a:ea typeface="Times New Roman" panose="02020603050405020304" pitchFamily="18" charset="0"/>
-                <a:cs typeface="Times New Roman" panose="02020603050405020304" pitchFamily="18" charset="0"/>
-              </a:rPr>
-              <a:t>Lập</a:t>
-            </a:r>
-            <a:r>
-              <a:rPr lang="en-US" sz="1800" dirty="0">
-                <a:effectLst/>
-                <a:latin typeface="Times New Roman" panose="02020603050405020304" pitchFamily="18" charset="0"/>
-                <a:ea typeface="Times New Roman" panose="02020603050405020304" pitchFamily="18" charset="0"/>
-                <a:cs typeface="Times New Roman" panose="02020603050405020304" pitchFamily="18" charset="0"/>
-              </a:rPr>
-              <a:t> </a:t>
-            </a:r>
-            <a:r>
-              <a:rPr lang="en-US" sz="1800" dirty="0" err="1">
-                <a:effectLst/>
-                <a:latin typeface="Times New Roman" panose="02020603050405020304" pitchFamily="18" charset="0"/>
-                <a:ea typeface="Times New Roman" panose="02020603050405020304" pitchFamily="18" charset="0"/>
-                <a:cs typeface="Times New Roman" panose="02020603050405020304" pitchFamily="18" charset="0"/>
-              </a:rPr>
-              <a:t>Trình</a:t>
-            </a:r>
-            <a:r>
-              <a:rPr lang="en-US" sz="1800" dirty="0">
-                <a:effectLst/>
-                <a:latin typeface="Times New Roman" panose="02020603050405020304" pitchFamily="18" charset="0"/>
-                <a:ea typeface="Times New Roman" panose="02020603050405020304" pitchFamily="18" charset="0"/>
-                <a:cs typeface="Times New Roman" panose="02020603050405020304" pitchFamily="18" charset="0"/>
-              </a:rPr>
-              <a:t> Giao </a:t>
-            </a:r>
-            <a:r>
-              <a:rPr lang="en-US" sz="1800" dirty="0" err="1">
-                <a:effectLst/>
-                <a:latin typeface="Times New Roman" panose="02020603050405020304" pitchFamily="18" charset="0"/>
-                <a:ea typeface="Times New Roman" panose="02020603050405020304" pitchFamily="18" charset="0"/>
-                <a:cs typeface="Times New Roman" panose="02020603050405020304" pitchFamily="18" charset="0"/>
-              </a:rPr>
-              <a:t>Diện</a:t>
-            </a:r>
-            <a:r>
-              <a:rPr lang="en-US" sz="1800" dirty="0">
-                <a:effectLst/>
-                <a:latin typeface="Times New Roman" panose="02020603050405020304" pitchFamily="18" charset="0"/>
-                <a:ea typeface="Times New Roman" panose="02020603050405020304" pitchFamily="18" charset="0"/>
-                <a:cs typeface="Times New Roman" panose="02020603050405020304" pitchFamily="18" charset="0"/>
-              </a:rPr>
-              <a:t> Với PyQt5 Cho </a:t>
-            </a:r>
-            <a:r>
-              <a:rPr lang="en-US" sz="1800" dirty="0" err="1">
-                <a:effectLst/>
-                <a:latin typeface="Times New Roman" panose="02020603050405020304" pitchFamily="18" charset="0"/>
-                <a:ea typeface="Times New Roman" panose="02020603050405020304" pitchFamily="18" charset="0"/>
-                <a:cs typeface="Times New Roman" panose="02020603050405020304" pitchFamily="18" charset="0"/>
-              </a:rPr>
-              <a:t>RaspberryPi</a:t>
-            </a:r>
-            <a:r>
-              <a:rPr lang="en-US" sz="1800" dirty="0">
-                <a:effectLst/>
-                <a:latin typeface="Times New Roman" panose="02020603050405020304" pitchFamily="18" charset="0"/>
-                <a:ea typeface="Times New Roman" panose="02020603050405020304" pitchFamily="18" charset="0"/>
-                <a:cs typeface="Times New Roman" panose="02020603050405020304" pitchFamily="18" charset="0"/>
-              </a:rPr>
-              <a:t> - </a:t>
-            </a:r>
-            <a:r>
-              <a:rPr lang="en-US" sz="1800" dirty="0" err="1">
-                <a:effectLst/>
-                <a:latin typeface="Times New Roman" panose="02020603050405020304" pitchFamily="18" charset="0"/>
-                <a:ea typeface="Times New Roman" panose="02020603050405020304" pitchFamily="18" charset="0"/>
-                <a:cs typeface="Times New Roman" panose="02020603050405020304" pitchFamily="18" charset="0"/>
-              </a:rPr>
-              <a:t>Phần</a:t>
-            </a:r>
-            <a:r>
-              <a:rPr lang="en-US" sz="1800" dirty="0">
-                <a:effectLst/>
-                <a:latin typeface="Times New Roman" panose="02020603050405020304" pitchFamily="18" charset="0"/>
-                <a:ea typeface="Times New Roman" panose="02020603050405020304" pitchFamily="18" charset="0"/>
-                <a:cs typeface="Times New Roman" panose="02020603050405020304" pitchFamily="18" charset="0"/>
-              </a:rPr>
-              <a:t> 1.” Accessed April 30, 2022. </a:t>
-            </a:r>
-            <a:r>
-              <a:rPr lang="en-US" sz="1800" dirty="0">
-                <a:solidFill>
-                  <a:srgbClr val="0000FF"/>
-                </a:solidFill>
-                <a:effectLst/>
-                <a:latin typeface="Times New Roman" panose="02020603050405020304" pitchFamily="18" charset="0"/>
-                <a:ea typeface="Times New Roman" panose="02020603050405020304" pitchFamily="18" charset="0"/>
-                <a:cs typeface="Times New Roman" panose="02020603050405020304" pitchFamily="18" charset="0"/>
-                <a:hlinkClick r:id="rId7"/>
-              </a:rPr>
-              <a:t>https://mlab.vn/index.php?_route_=17161-bai-7-lap-trinh-giao-dien-voi-pyqt5-cho-raspberrypi-phan-1.html</a:t>
-            </a:r>
-            <a:r>
-              <a:rPr lang="en-US" sz="1800" dirty="0">
-                <a:effectLst/>
-                <a:latin typeface="Times New Roman" panose="02020603050405020304" pitchFamily="18" charset="0"/>
-                <a:ea typeface="Times New Roman" panose="02020603050405020304" pitchFamily="18" charset="0"/>
-                <a:cs typeface="Times New Roman" panose="02020603050405020304" pitchFamily="18" charset="0"/>
-              </a:rPr>
-              <a:t>.</a:t>
-            </a:r>
-            <a:endParaRPr lang="en-US" sz="1600" dirty="0">
-              <a:effectLst/>
-              <a:latin typeface="Calibri" panose="020F0502020204030204" pitchFamily="34" charset="0"/>
-              <a:ea typeface="Calibri" panose="020F0502020204030204" pitchFamily="34" charset="0"/>
-              <a:cs typeface="Times New Roman" panose="02020603050405020304" pitchFamily="18" charset="0"/>
-            </a:endParaRPr>
-          </a:p>
-          <a:p>
-            <a:pPr marL="342900" marR="0" lvl="0" indent="-342900">
-              <a:lnSpc>
-                <a:spcPct val="150000"/>
-              </a:lnSpc>
-              <a:spcBef>
-                <a:spcPts val="0"/>
-              </a:spcBef>
-              <a:spcAft>
-                <a:spcPts val="0"/>
-              </a:spcAft>
-              <a:buFont typeface="+mj-lt"/>
-              <a:buAutoNum type="arabicPeriod"/>
-            </a:pPr>
-            <a:r>
-              <a:rPr lang="en-US" sz="1800" dirty="0">
-                <a:effectLst/>
-                <a:latin typeface="Times New Roman" panose="02020603050405020304" pitchFamily="18" charset="0"/>
-                <a:ea typeface="Times New Roman" panose="02020603050405020304" pitchFamily="18" charset="0"/>
-                <a:cs typeface="Times New Roman" panose="02020603050405020304" pitchFamily="18" charset="0"/>
-              </a:rPr>
-              <a:t>“Base of All Parser — </a:t>
-            </a:r>
-            <a:r>
-              <a:rPr lang="en-US" sz="1800" dirty="0" err="1">
-                <a:effectLst/>
-                <a:latin typeface="Times New Roman" panose="02020603050405020304" pitchFamily="18" charset="0"/>
-                <a:ea typeface="Times New Roman" panose="02020603050405020304" pitchFamily="18" charset="0"/>
-                <a:cs typeface="Times New Roman" panose="02020603050405020304" pitchFamily="18" charset="0"/>
-              </a:rPr>
-              <a:t>Pyrser</a:t>
-            </a:r>
-            <a:r>
-              <a:rPr lang="en-US" sz="1800" dirty="0">
-                <a:effectLst/>
-                <a:latin typeface="Times New Roman" panose="02020603050405020304" pitchFamily="18" charset="0"/>
-                <a:ea typeface="Times New Roman" panose="02020603050405020304" pitchFamily="18" charset="0"/>
-                <a:cs typeface="Times New Roman" panose="02020603050405020304" pitchFamily="18" charset="0"/>
-              </a:rPr>
-              <a:t> 0.0.10 Documentation.” Accessed May 4, 2022. </a:t>
-            </a:r>
-            <a:r>
-              <a:rPr lang="en-US" sz="1800" dirty="0">
-                <a:solidFill>
-                  <a:srgbClr val="0000FF"/>
-                </a:solidFill>
-                <a:effectLst/>
-                <a:latin typeface="Times New Roman" panose="02020603050405020304" pitchFamily="18" charset="0"/>
-                <a:ea typeface="Times New Roman" panose="02020603050405020304" pitchFamily="18" charset="0"/>
-                <a:cs typeface="Times New Roman" panose="02020603050405020304" pitchFamily="18" charset="0"/>
-                <a:hlinkClick r:id="rId8"/>
-              </a:rPr>
-              <a:t>https://pythonhosted.org/pyrser/base.html#grammar-composition</a:t>
-            </a:r>
-            <a:r>
-              <a:rPr lang="en-US" sz="1800" dirty="0">
-                <a:effectLst/>
-                <a:latin typeface="Times New Roman" panose="02020603050405020304" pitchFamily="18" charset="0"/>
-                <a:ea typeface="Times New Roman" panose="02020603050405020304" pitchFamily="18" charset="0"/>
-                <a:cs typeface="Times New Roman" panose="02020603050405020304" pitchFamily="18" charset="0"/>
-              </a:rPr>
-              <a:t>.</a:t>
-            </a:r>
-            <a:endParaRPr lang="en-US" sz="1600" dirty="0">
-              <a:effectLst/>
-              <a:latin typeface="Calibri" panose="020F0502020204030204" pitchFamily="34" charset="0"/>
-              <a:ea typeface="Calibri" panose="020F0502020204030204" pitchFamily="34" charset="0"/>
-              <a:cs typeface="Times New Roman" panose="02020603050405020304" pitchFamily="18" charset="0"/>
-            </a:endParaRPr>
-          </a:p>
-          <a:p>
-            <a:pPr marL="342900" marR="0" lvl="0" indent="-342900">
-              <a:lnSpc>
-                <a:spcPct val="150000"/>
-              </a:lnSpc>
-              <a:spcBef>
-                <a:spcPts val="0"/>
-              </a:spcBef>
-              <a:spcAft>
-                <a:spcPts val="0"/>
-              </a:spcAft>
-              <a:buFont typeface="+mj-lt"/>
-              <a:buAutoNum type="arabicPeriod"/>
-            </a:pPr>
-            <a:r>
-              <a:rPr lang="en-US" sz="1800" dirty="0" err="1">
-                <a:effectLst/>
-                <a:latin typeface="Times New Roman" panose="02020603050405020304" pitchFamily="18" charset="0"/>
-                <a:ea typeface="Times New Roman" panose="02020603050405020304" pitchFamily="18" charset="0"/>
-                <a:cs typeface="Times New Roman" panose="02020603050405020304" pitchFamily="18" charset="0"/>
-              </a:rPr>
-              <a:t>Comdy</a:t>
-            </a:r>
-            <a:r>
-              <a:rPr lang="en-US" sz="1800" dirty="0">
-                <a:effectLst/>
-                <a:latin typeface="Times New Roman" panose="02020603050405020304" pitchFamily="18" charset="0"/>
-                <a:ea typeface="Times New Roman" panose="02020603050405020304" pitchFamily="18" charset="0"/>
-                <a:cs typeface="Times New Roman" panose="02020603050405020304" pitchFamily="18" charset="0"/>
-              </a:rPr>
-              <a:t>. “</a:t>
-            </a:r>
-            <a:r>
-              <a:rPr lang="en-US" sz="1800" dirty="0" err="1">
-                <a:effectLst/>
-                <a:latin typeface="Times New Roman" panose="02020603050405020304" pitchFamily="18" charset="0"/>
-                <a:ea typeface="Times New Roman" panose="02020603050405020304" pitchFamily="18" charset="0"/>
-                <a:cs typeface="Times New Roman" panose="02020603050405020304" pitchFamily="18" charset="0"/>
-              </a:rPr>
-              <a:t>Các</a:t>
-            </a:r>
-            <a:r>
-              <a:rPr lang="en-US" sz="1800" dirty="0">
-                <a:effectLst/>
-                <a:latin typeface="Times New Roman" panose="02020603050405020304" pitchFamily="18" charset="0"/>
-                <a:ea typeface="Times New Roman" panose="02020603050405020304" pitchFamily="18" charset="0"/>
-                <a:cs typeface="Times New Roman" panose="02020603050405020304" pitchFamily="18" charset="0"/>
-              </a:rPr>
-              <a:t> </a:t>
-            </a:r>
-            <a:r>
-              <a:rPr lang="en-US" sz="1800" dirty="0" err="1">
-                <a:effectLst/>
-                <a:latin typeface="Times New Roman" panose="02020603050405020304" pitchFamily="18" charset="0"/>
-                <a:ea typeface="Times New Roman" panose="02020603050405020304" pitchFamily="18" charset="0"/>
-                <a:cs typeface="Times New Roman" panose="02020603050405020304" pitchFamily="18" charset="0"/>
-              </a:rPr>
-              <a:t>giai</a:t>
-            </a:r>
-            <a:r>
-              <a:rPr lang="en-US" sz="1800" dirty="0">
-                <a:effectLst/>
-                <a:latin typeface="Times New Roman" panose="02020603050405020304" pitchFamily="18" charset="0"/>
-                <a:ea typeface="Times New Roman" panose="02020603050405020304" pitchFamily="18" charset="0"/>
-                <a:cs typeface="Times New Roman" panose="02020603050405020304" pitchFamily="18" charset="0"/>
-              </a:rPr>
-              <a:t> </a:t>
-            </a:r>
-            <a:r>
-              <a:rPr lang="en-US" sz="1800" dirty="0" err="1">
-                <a:effectLst/>
-                <a:latin typeface="Times New Roman" panose="02020603050405020304" pitchFamily="18" charset="0"/>
-                <a:ea typeface="Times New Roman" panose="02020603050405020304" pitchFamily="18" charset="0"/>
-                <a:cs typeface="Times New Roman" panose="02020603050405020304" pitchFamily="18" charset="0"/>
-              </a:rPr>
-              <a:t>đoạn</a:t>
-            </a:r>
-            <a:r>
-              <a:rPr lang="en-US" sz="1800" dirty="0">
-                <a:effectLst/>
-                <a:latin typeface="Times New Roman" panose="02020603050405020304" pitchFamily="18" charset="0"/>
-                <a:ea typeface="Times New Roman" panose="02020603050405020304" pitchFamily="18" charset="0"/>
-                <a:cs typeface="Times New Roman" panose="02020603050405020304" pitchFamily="18" charset="0"/>
-              </a:rPr>
-              <a:t> </a:t>
-            </a:r>
-            <a:r>
-              <a:rPr lang="en-US" sz="1800" dirty="0" err="1">
-                <a:effectLst/>
-                <a:latin typeface="Times New Roman" panose="02020603050405020304" pitchFamily="18" charset="0"/>
-                <a:ea typeface="Times New Roman" panose="02020603050405020304" pitchFamily="18" charset="0"/>
-                <a:cs typeface="Times New Roman" panose="02020603050405020304" pitchFamily="18" charset="0"/>
-              </a:rPr>
-              <a:t>của</a:t>
-            </a:r>
-            <a:r>
-              <a:rPr lang="en-US" sz="1800" dirty="0">
-                <a:effectLst/>
-                <a:latin typeface="Times New Roman" panose="02020603050405020304" pitchFamily="18" charset="0"/>
-                <a:ea typeface="Times New Roman" panose="02020603050405020304" pitchFamily="18" charset="0"/>
-                <a:cs typeface="Times New Roman" panose="02020603050405020304" pitchFamily="18" charset="0"/>
-              </a:rPr>
-              <a:t> </a:t>
-            </a:r>
-            <a:r>
-              <a:rPr lang="en-US" sz="1800" dirty="0" err="1">
-                <a:effectLst/>
-                <a:latin typeface="Times New Roman" panose="02020603050405020304" pitchFamily="18" charset="0"/>
-                <a:ea typeface="Times New Roman" panose="02020603050405020304" pitchFamily="18" charset="0"/>
-                <a:cs typeface="Times New Roman" panose="02020603050405020304" pitchFamily="18" charset="0"/>
-              </a:rPr>
-              <a:t>trình</a:t>
-            </a:r>
-            <a:r>
-              <a:rPr lang="en-US" sz="1800" dirty="0">
-                <a:effectLst/>
-                <a:latin typeface="Times New Roman" panose="02020603050405020304" pitchFamily="18" charset="0"/>
-                <a:ea typeface="Times New Roman" panose="02020603050405020304" pitchFamily="18" charset="0"/>
-                <a:cs typeface="Times New Roman" panose="02020603050405020304" pitchFamily="18" charset="0"/>
-              </a:rPr>
-              <a:t> </a:t>
-            </a:r>
-            <a:r>
-              <a:rPr lang="en-US" sz="1800" dirty="0" err="1">
-                <a:effectLst/>
-                <a:latin typeface="Times New Roman" panose="02020603050405020304" pitchFamily="18" charset="0"/>
-                <a:ea typeface="Times New Roman" panose="02020603050405020304" pitchFamily="18" charset="0"/>
-                <a:cs typeface="Times New Roman" panose="02020603050405020304" pitchFamily="18" charset="0"/>
-              </a:rPr>
-              <a:t>biên</a:t>
-            </a:r>
-            <a:r>
-              <a:rPr lang="en-US" sz="1800" dirty="0">
-                <a:effectLst/>
-                <a:latin typeface="Times New Roman" panose="02020603050405020304" pitchFamily="18" charset="0"/>
-                <a:ea typeface="Times New Roman" panose="02020603050405020304" pitchFamily="18" charset="0"/>
-                <a:cs typeface="Times New Roman" panose="02020603050405020304" pitchFamily="18" charset="0"/>
-              </a:rPr>
-              <a:t> </a:t>
-            </a:r>
-            <a:r>
-              <a:rPr lang="en-US" sz="1800" dirty="0" err="1">
-                <a:effectLst/>
-                <a:latin typeface="Times New Roman" panose="02020603050405020304" pitchFamily="18" charset="0"/>
-                <a:ea typeface="Times New Roman" panose="02020603050405020304" pitchFamily="18" charset="0"/>
-                <a:cs typeface="Times New Roman" panose="02020603050405020304" pitchFamily="18" charset="0"/>
-              </a:rPr>
-              <a:t>dịch</a:t>
-            </a:r>
-            <a:r>
-              <a:rPr lang="en-US" sz="1800" dirty="0">
-                <a:effectLst/>
-                <a:latin typeface="Times New Roman" panose="02020603050405020304" pitchFamily="18" charset="0"/>
-                <a:ea typeface="Times New Roman" panose="02020603050405020304" pitchFamily="18" charset="0"/>
-                <a:cs typeface="Times New Roman" panose="02020603050405020304" pitchFamily="18" charset="0"/>
-              </a:rPr>
-              <a:t>,” May 24, 2020. </a:t>
-            </a:r>
-            <a:r>
-              <a:rPr lang="en-US" sz="1800" dirty="0">
-                <a:solidFill>
-                  <a:srgbClr val="0000FF"/>
-                </a:solidFill>
-                <a:effectLst/>
-                <a:latin typeface="Times New Roman" panose="02020603050405020304" pitchFamily="18" charset="0"/>
-                <a:ea typeface="Times New Roman" panose="02020603050405020304" pitchFamily="18" charset="0"/>
-                <a:cs typeface="Times New Roman" panose="02020603050405020304" pitchFamily="18" charset="0"/>
-                <a:hlinkClick r:id="rId9"/>
-              </a:rPr>
-              <a:t>https://comdy.vn/trinh-bien-dich/cac-giai-doan-cua-trinh-bien-dich/</a:t>
-            </a:r>
-            <a:r>
-              <a:rPr lang="en-US" sz="1800" dirty="0">
-                <a:effectLst/>
-                <a:latin typeface="Times New Roman" panose="02020603050405020304" pitchFamily="18" charset="0"/>
-                <a:ea typeface="Times New Roman" panose="02020603050405020304" pitchFamily="18" charset="0"/>
-                <a:cs typeface="Times New Roman" panose="02020603050405020304" pitchFamily="18" charset="0"/>
-              </a:rPr>
-              <a:t>.</a:t>
-            </a:r>
-            <a:endParaRPr lang="en-US" sz="1600" dirty="0">
-              <a:effectLst/>
-              <a:latin typeface="Calibri" panose="020F0502020204030204" pitchFamily="34" charset="0"/>
-              <a:ea typeface="Calibri" panose="020F0502020204030204" pitchFamily="34" charset="0"/>
-              <a:cs typeface="Times New Roman" panose="02020603050405020304" pitchFamily="18" charset="0"/>
-            </a:endParaRPr>
-          </a:p>
-          <a:p>
-            <a:pPr marL="342900" marR="0" lvl="0" indent="-342900">
-              <a:lnSpc>
-                <a:spcPct val="150000"/>
-              </a:lnSpc>
-              <a:spcBef>
-                <a:spcPts val="0"/>
-              </a:spcBef>
-              <a:spcAft>
-                <a:spcPts val="0"/>
-              </a:spcAft>
-              <a:buFont typeface="+mj-lt"/>
-              <a:buAutoNum type="arabicPeriod"/>
-            </a:pPr>
-            <a:r>
-              <a:rPr lang="en-US" sz="1800" dirty="0">
-                <a:effectLst/>
-                <a:latin typeface="Times New Roman" panose="02020603050405020304" pitchFamily="18" charset="0"/>
-                <a:ea typeface="Times New Roman" panose="02020603050405020304" pitchFamily="18" charset="0"/>
-                <a:cs typeface="Times New Roman" panose="02020603050405020304" pitchFamily="18" charset="0"/>
-              </a:rPr>
-              <a:t>Computer Science. </a:t>
-            </a:r>
-            <a:r>
-              <a:rPr lang="en-US" sz="1800" i="1" dirty="0">
-                <a:effectLst/>
-                <a:latin typeface="Times New Roman" panose="02020603050405020304" pitchFamily="18" charset="0"/>
-                <a:ea typeface="Times New Roman" panose="02020603050405020304" pitchFamily="18" charset="0"/>
-                <a:cs typeface="Times New Roman" panose="02020603050405020304" pitchFamily="18" charset="0"/>
-              </a:rPr>
-              <a:t>Compilation - Part Two: Lexical Analysis</a:t>
-            </a:r>
-            <a:r>
-              <a:rPr lang="en-US" sz="1800" dirty="0">
-                <a:effectLst/>
-                <a:latin typeface="Times New Roman" panose="02020603050405020304" pitchFamily="18" charset="0"/>
-                <a:ea typeface="Times New Roman" panose="02020603050405020304" pitchFamily="18" charset="0"/>
-                <a:cs typeface="Times New Roman" panose="02020603050405020304" pitchFamily="18" charset="0"/>
-              </a:rPr>
-              <a:t>, 2018. </a:t>
-            </a:r>
-            <a:r>
-              <a:rPr lang="en-US" sz="1800" dirty="0">
-                <a:solidFill>
-                  <a:srgbClr val="0000FF"/>
-                </a:solidFill>
-                <a:effectLst/>
-                <a:latin typeface="Times New Roman" panose="02020603050405020304" pitchFamily="18" charset="0"/>
-                <a:ea typeface="Times New Roman" panose="02020603050405020304" pitchFamily="18" charset="0"/>
-                <a:cs typeface="Times New Roman" panose="02020603050405020304" pitchFamily="18" charset="0"/>
-                <a:hlinkClick r:id="rId10"/>
-              </a:rPr>
-              <a:t>https://www.youtube.com/watch?v=sJKFLcsysVs</a:t>
-            </a:r>
-            <a:r>
-              <a:rPr lang="en-US" sz="1800" dirty="0">
-                <a:effectLst/>
-                <a:latin typeface="Times New Roman" panose="02020603050405020304" pitchFamily="18" charset="0"/>
-                <a:ea typeface="Times New Roman" panose="02020603050405020304" pitchFamily="18" charset="0"/>
-                <a:cs typeface="Times New Roman" panose="02020603050405020304" pitchFamily="18" charset="0"/>
-              </a:rPr>
-              <a:t>.</a:t>
-            </a:r>
-            <a:endParaRPr lang="en-US" sz="1600" dirty="0">
-              <a:effectLst/>
-              <a:latin typeface="Calibri" panose="020F0502020204030204" pitchFamily="34" charset="0"/>
-              <a:ea typeface="Calibri" panose="020F0502020204030204" pitchFamily="34" charset="0"/>
-              <a:cs typeface="Times New Roman" panose="02020603050405020304" pitchFamily="18" charset="0"/>
-            </a:endParaRPr>
-          </a:p>
-          <a:p>
-            <a:pPr marL="342900" marR="0" lvl="0" indent="-342900">
-              <a:lnSpc>
-                <a:spcPct val="150000"/>
-              </a:lnSpc>
-              <a:spcBef>
-                <a:spcPts val="0"/>
-              </a:spcBef>
-              <a:spcAft>
-                <a:spcPts val="0"/>
-              </a:spcAft>
-              <a:buFont typeface="+mj-lt"/>
-              <a:buAutoNum type="arabicPeriod"/>
-            </a:pPr>
-            <a:r>
-              <a:rPr lang="en-US" sz="1800" dirty="0" err="1">
-                <a:effectLst/>
-                <a:latin typeface="Times New Roman" panose="02020603050405020304" pitchFamily="18" charset="0"/>
-                <a:ea typeface="Times New Roman" panose="02020603050405020304" pitchFamily="18" charset="0"/>
-                <a:cs typeface="Times New Roman" panose="02020603050405020304" pitchFamily="18" charset="0"/>
-              </a:rPr>
-              <a:t>Helpex</a:t>
-            </a:r>
-            <a:r>
-              <a:rPr lang="en-US" sz="1800" dirty="0">
-                <a:effectLst/>
-                <a:latin typeface="Times New Roman" panose="02020603050405020304" pitchFamily="18" charset="0"/>
-                <a:ea typeface="Times New Roman" panose="02020603050405020304" pitchFamily="18" charset="0"/>
-                <a:cs typeface="Times New Roman" panose="02020603050405020304" pitchFamily="18" charset="0"/>
-              </a:rPr>
-              <a:t>. “</a:t>
-            </a:r>
-            <a:r>
-              <a:rPr lang="en-US" sz="1800" dirty="0" err="1">
-                <a:effectLst/>
-                <a:latin typeface="Times New Roman" panose="02020603050405020304" pitchFamily="18" charset="0"/>
-                <a:ea typeface="Times New Roman" panose="02020603050405020304" pitchFamily="18" charset="0"/>
-                <a:cs typeface="Times New Roman" panose="02020603050405020304" pitchFamily="18" charset="0"/>
-              </a:rPr>
-              <a:t>Phân</a:t>
-            </a:r>
-            <a:r>
-              <a:rPr lang="en-US" sz="1800" dirty="0">
-                <a:effectLst/>
-                <a:latin typeface="Times New Roman" panose="02020603050405020304" pitchFamily="18" charset="0"/>
-                <a:ea typeface="Times New Roman" panose="02020603050405020304" pitchFamily="18" charset="0"/>
-                <a:cs typeface="Times New Roman" panose="02020603050405020304" pitchFamily="18" charset="0"/>
-              </a:rPr>
-              <a:t> </a:t>
-            </a:r>
-            <a:r>
-              <a:rPr lang="en-US" sz="1800" dirty="0" err="1">
-                <a:effectLst/>
-                <a:latin typeface="Times New Roman" panose="02020603050405020304" pitchFamily="18" charset="0"/>
-                <a:ea typeface="Times New Roman" panose="02020603050405020304" pitchFamily="18" charset="0"/>
-                <a:cs typeface="Times New Roman" panose="02020603050405020304" pitchFamily="18" charset="0"/>
-              </a:rPr>
-              <a:t>tích</a:t>
-            </a:r>
-            <a:r>
-              <a:rPr lang="en-US" sz="1800" dirty="0">
-                <a:effectLst/>
-                <a:latin typeface="Times New Roman" panose="02020603050405020304" pitchFamily="18" charset="0"/>
-                <a:ea typeface="Times New Roman" panose="02020603050405020304" pitchFamily="18" charset="0"/>
-                <a:cs typeface="Times New Roman" panose="02020603050405020304" pitchFamily="18" charset="0"/>
-              </a:rPr>
-              <a:t> </a:t>
-            </a:r>
-            <a:r>
-              <a:rPr lang="en-US" sz="1800" dirty="0" err="1">
-                <a:effectLst/>
-                <a:latin typeface="Times New Roman" panose="02020603050405020304" pitchFamily="18" charset="0"/>
-                <a:ea typeface="Times New Roman" panose="02020603050405020304" pitchFamily="18" charset="0"/>
-                <a:cs typeface="Times New Roman" panose="02020603050405020304" pitchFamily="18" charset="0"/>
-              </a:rPr>
-              <a:t>cú</a:t>
-            </a:r>
-            <a:r>
-              <a:rPr lang="en-US" sz="1800" dirty="0">
-                <a:effectLst/>
-                <a:latin typeface="Times New Roman" panose="02020603050405020304" pitchFamily="18" charset="0"/>
-                <a:ea typeface="Times New Roman" panose="02020603050405020304" pitchFamily="18" charset="0"/>
-                <a:cs typeface="Times New Roman" panose="02020603050405020304" pitchFamily="18" charset="0"/>
-              </a:rPr>
-              <a:t> </a:t>
-            </a:r>
-            <a:r>
-              <a:rPr lang="en-US" sz="1800" dirty="0" err="1">
-                <a:effectLst/>
-                <a:latin typeface="Times New Roman" panose="02020603050405020304" pitchFamily="18" charset="0"/>
-                <a:ea typeface="Times New Roman" panose="02020603050405020304" pitchFamily="18" charset="0"/>
-                <a:cs typeface="Times New Roman" panose="02020603050405020304" pitchFamily="18" charset="0"/>
-              </a:rPr>
-              <a:t>pháp</a:t>
-            </a:r>
-            <a:r>
-              <a:rPr lang="en-US" sz="1800" dirty="0">
-                <a:effectLst/>
-                <a:latin typeface="Times New Roman" panose="02020603050405020304" pitchFamily="18" charset="0"/>
-                <a:ea typeface="Times New Roman" panose="02020603050405020304" pitchFamily="18" charset="0"/>
-                <a:cs typeface="Times New Roman" panose="02020603050405020304" pitchFamily="18" charset="0"/>
-              </a:rPr>
-              <a:t> </a:t>
-            </a:r>
-            <a:r>
-              <a:rPr lang="en-US" sz="1800" dirty="0" err="1">
-                <a:effectLst/>
-                <a:latin typeface="Times New Roman" panose="02020603050405020304" pitchFamily="18" charset="0"/>
-                <a:ea typeface="Times New Roman" panose="02020603050405020304" pitchFamily="18" charset="0"/>
-                <a:cs typeface="Times New Roman" panose="02020603050405020304" pitchFamily="18" charset="0"/>
-              </a:rPr>
-              <a:t>trong</a:t>
-            </a:r>
-            <a:r>
-              <a:rPr lang="en-US" sz="1800" dirty="0">
-                <a:effectLst/>
-                <a:latin typeface="Times New Roman" panose="02020603050405020304" pitchFamily="18" charset="0"/>
-                <a:ea typeface="Times New Roman" panose="02020603050405020304" pitchFamily="18" charset="0"/>
-                <a:cs typeface="Times New Roman" panose="02020603050405020304" pitchFamily="18" charset="0"/>
-              </a:rPr>
-              <a:t> Python </a:t>
-            </a:r>
-            <a:r>
-              <a:rPr lang="en-US" sz="1800" dirty="0" err="1">
-                <a:effectLst/>
-                <a:latin typeface="Times New Roman" panose="02020603050405020304" pitchFamily="18" charset="0"/>
-                <a:ea typeface="Times New Roman" panose="02020603050405020304" pitchFamily="18" charset="0"/>
-                <a:cs typeface="Times New Roman" panose="02020603050405020304" pitchFamily="18" charset="0"/>
-              </a:rPr>
-              <a:t>Công</a:t>
-            </a:r>
-            <a:r>
-              <a:rPr lang="en-US" sz="1800" dirty="0">
-                <a:effectLst/>
-                <a:latin typeface="Times New Roman" panose="02020603050405020304" pitchFamily="18" charset="0"/>
-                <a:ea typeface="Times New Roman" panose="02020603050405020304" pitchFamily="18" charset="0"/>
-                <a:cs typeface="Times New Roman" panose="02020603050405020304" pitchFamily="18" charset="0"/>
-              </a:rPr>
-              <a:t> </a:t>
-            </a:r>
-            <a:r>
-              <a:rPr lang="en-US" sz="1800" dirty="0" err="1">
-                <a:effectLst/>
-                <a:latin typeface="Times New Roman" panose="02020603050405020304" pitchFamily="18" charset="0"/>
-                <a:ea typeface="Times New Roman" panose="02020603050405020304" pitchFamily="18" charset="0"/>
-                <a:cs typeface="Times New Roman" panose="02020603050405020304" pitchFamily="18" charset="0"/>
-              </a:rPr>
-              <a:t>cụ</a:t>
-            </a:r>
-            <a:r>
-              <a:rPr lang="en-US" sz="1800" dirty="0">
-                <a:effectLst/>
-                <a:latin typeface="Times New Roman" panose="02020603050405020304" pitchFamily="18" charset="0"/>
-                <a:ea typeface="Times New Roman" panose="02020603050405020304" pitchFamily="18" charset="0"/>
-                <a:cs typeface="Times New Roman" panose="02020603050405020304" pitchFamily="18" charset="0"/>
-              </a:rPr>
-              <a:t> </a:t>
-            </a:r>
-            <a:r>
-              <a:rPr lang="en-US" sz="1800" dirty="0" err="1">
-                <a:effectLst/>
-                <a:latin typeface="Times New Roman" panose="02020603050405020304" pitchFamily="18" charset="0"/>
-                <a:ea typeface="Times New Roman" panose="02020603050405020304" pitchFamily="18" charset="0"/>
-                <a:cs typeface="Times New Roman" panose="02020603050405020304" pitchFamily="18" charset="0"/>
-              </a:rPr>
-              <a:t>và</a:t>
-            </a:r>
-            <a:r>
-              <a:rPr lang="en-US" sz="1800" dirty="0">
-                <a:effectLst/>
-                <a:latin typeface="Times New Roman" panose="02020603050405020304" pitchFamily="18" charset="0"/>
-                <a:ea typeface="Times New Roman" panose="02020603050405020304" pitchFamily="18" charset="0"/>
-                <a:cs typeface="Times New Roman" panose="02020603050405020304" pitchFamily="18" charset="0"/>
-              </a:rPr>
-              <a:t> </a:t>
-            </a:r>
-            <a:r>
-              <a:rPr lang="en-US" sz="1800" dirty="0" err="1">
-                <a:effectLst/>
-                <a:latin typeface="Times New Roman" panose="02020603050405020304" pitchFamily="18" charset="0"/>
-                <a:ea typeface="Times New Roman" panose="02020603050405020304" pitchFamily="18" charset="0"/>
-                <a:cs typeface="Times New Roman" panose="02020603050405020304" pitchFamily="18" charset="0"/>
-              </a:rPr>
-              <a:t>Thư</a:t>
-            </a:r>
-            <a:r>
-              <a:rPr lang="en-US" sz="1800" dirty="0">
-                <a:effectLst/>
-                <a:latin typeface="Times New Roman" panose="02020603050405020304" pitchFamily="18" charset="0"/>
-                <a:ea typeface="Times New Roman" panose="02020603050405020304" pitchFamily="18" charset="0"/>
-                <a:cs typeface="Times New Roman" panose="02020603050405020304" pitchFamily="18" charset="0"/>
-              </a:rPr>
-              <a:t> </a:t>
-            </a:r>
-            <a:r>
-              <a:rPr lang="en-US" sz="1800" dirty="0" err="1">
-                <a:effectLst/>
-                <a:latin typeface="Times New Roman" panose="02020603050405020304" pitchFamily="18" charset="0"/>
-                <a:ea typeface="Times New Roman" panose="02020603050405020304" pitchFamily="18" charset="0"/>
-                <a:cs typeface="Times New Roman" panose="02020603050405020304" pitchFamily="18" charset="0"/>
-              </a:rPr>
-              <a:t>viện</a:t>
-            </a:r>
-            <a:r>
-              <a:rPr lang="en-US" sz="1800" dirty="0">
-                <a:effectLst/>
-                <a:latin typeface="Times New Roman" panose="02020603050405020304" pitchFamily="18" charset="0"/>
-                <a:ea typeface="Times New Roman" panose="02020603050405020304" pitchFamily="18" charset="0"/>
-                <a:cs typeface="Times New Roman" panose="02020603050405020304" pitchFamily="18" charset="0"/>
-              </a:rPr>
-              <a:t> </a:t>
-            </a:r>
-            <a:r>
-              <a:rPr lang="en-US" sz="1800" dirty="0" err="1">
-                <a:effectLst/>
-                <a:latin typeface="Times New Roman" panose="02020603050405020304" pitchFamily="18" charset="0"/>
-                <a:ea typeface="Times New Roman" panose="02020603050405020304" pitchFamily="18" charset="0"/>
-                <a:cs typeface="Times New Roman" panose="02020603050405020304" pitchFamily="18" charset="0"/>
-              </a:rPr>
-              <a:t>Phần</a:t>
-            </a:r>
-            <a:r>
-              <a:rPr lang="en-US" sz="1800" dirty="0">
-                <a:effectLst/>
-                <a:latin typeface="Times New Roman" panose="02020603050405020304" pitchFamily="18" charset="0"/>
-                <a:ea typeface="Times New Roman" panose="02020603050405020304" pitchFamily="18" charset="0"/>
-                <a:cs typeface="Times New Roman" panose="02020603050405020304" pitchFamily="18" charset="0"/>
-              </a:rPr>
-              <a:t> 1.” helpex.vn, </a:t>
-            </a:r>
-            <a:endParaRPr lang="en-US" sz="1600" dirty="0">
-              <a:effectLst/>
-              <a:latin typeface="Calibri" panose="020F0502020204030204" pitchFamily="34" charset="0"/>
-              <a:ea typeface="Calibri" panose="020F0502020204030204" pitchFamily="34" charset="0"/>
-              <a:cs typeface="Times New Roman" panose="02020603050405020304" pitchFamily="18" charset="0"/>
-            </a:endParaRPr>
-          </a:p>
-        </p:txBody>
-      </p:sp>
-    </p:spTree>
-    <p:extLst>
-      <p:ext uri="{BB962C8B-B14F-4D97-AF65-F5344CB8AC3E}">
-        <p14:creationId xmlns:p14="http://schemas.microsoft.com/office/powerpoint/2010/main" val="317985738"/>
-      </p:ext>
-    </p:extLst>
-  </p:cSld>
-  <p:clrMapOvr>
-    <a:masterClrMapping/>
-  </p:clrMapOvr>
-  <p:transition spd="slow">
-    <p:push dir="u"/>
-  </p:transition>
-  <p:timing>
-    <p:tnLst>
-      <p:par>
-        <p:cTn id="1" dur="indefinite" restart="never" nodeType="tmRoot"/>
-      </p:par>
-    </p:tnLst>
-  </p:timing>
-</p:sld>
-</file>
-
-<file path=ppt/slides/slide19.xml><?xml version="1.0" encoding="utf-8"?>
-<p:sld xmlns:a="http://schemas.openxmlformats.org/drawingml/2006/main" xmlns:r="http://schemas.openxmlformats.org/officeDocument/2006/relationships" xmlns:p="http://schemas.openxmlformats.org/presentationml/2006/main">
-  <p:cSld>
-    <p:spTree>
-      <p:nvGrpSpPr>
-        <p:cNvPr id="1" name=""/>
-        <p:cNvGrpSpPr/>
-        <p:nvPr/>
-      </p:nvGrpSpPr>
-      <p:grpSpPr>
-        <a:xfrm>
-          <a:off x="0" y="0"/>
-          <a:ext cx="0" cy="0"/>
-          <a:chOff x="0" y="0"/>
-          <a:chExt cx="0" cy="0"/>
-        </a:xfrm>
-      </p:grpSpPr>
-      <p:sp>
-        <p:nvSpPr>
-          <p:cNvPr id="9" name="TextBox 8">
-            <a:extLst>
-              <a:ext uri="{FF2B5EF4-FFF2-40B4-BE49-F238E27FC236}">
-                <a16:creationId xmlns:a16="http://schemas.microsoft.com/office/drawing/2014/main" id="{2618CBAD-8EA4-2531-B4F2-E8AA6F8EE543}"/>
-              </a:ext>
-            </a:extLst>
-          </p:cNvPr>
-          <p:cNvSpPr txBox="1"/>
-          <p:nvPr/>
-        </p:nvSpPr>
-        <p:spPr>
-          <a:xfrm>
-            <a:off x="0" y="266088"/>
-            <a:ext cx="12192000" cy="5864875"/>
-          </a:xfrm>
-          <a:prstGeom prst="rect">
-            <a:avLst/>
-          </a:prstGeom>
-          <a:noFill/>
-        </p:spPr>
-        <p:txBody>
-          <a:bodyPr wrap="square" numCol="1">
-            <a:spAutoFit/>
-          </a:bodyPr>
-          <a:lstStyle/>
-          <a:p>
-            <a:pPr marL="342900" marR="0" lvl="0" indent="-342900">
-              <a:lnSpc>
-                <a:spcPct val="150000"/>
-              </a:lnSpc>
-              <a:spcBef>
-                <a:spcPts val="0"/>
-              </a:spcBef>
-              <a:spcAft>
-                <a:spcPts val="0"/>
-              </a:spcAft>
-              <a:buFont typeface="+mj-lt"/>
-              <a:buAutoNum type="arabicPeriod"/>
-            </a:pPr>
-            <a:r>
-              <a:rPr lang="en-US" sz="1800" dirty="0">
-                <a:effectLst/>
-                <a:latin typeface="Times New Roman" panose="02020603050405020304" pitchFamily="18" charset="0"/>
-                <a:ea typeface="Times New Roman" panose="02020603050405020304" pitchFamily="18" charset="0"/>
-                <a:cs typeface="Times New Roman" panose="02020603050405020304" pitchFamily="18" charset="0"/>
-              </a:rPr>
-              <a:t>“NLTK :: Natural Language Toolkit.” Accessed April 30, 2022. </a:t>
-            </a:r>
-            <a:r>
-              <a:rPr lang="en-US" sz="1800" dirty="0">
-                <a:solidFill>
-                  <a:srgbClr val="0000FF"/>
-                </a:solidFill>
-                <a:effectLst/>
-                <a:latin typeface="Times New Roman" panose="02020603050405020304" pitchFamily="18" charset="0"/>
-                <a:ea typeface="Times New Roman" panose="02020603050405020304" pitchFamily="18" charset="0"/>
-                <a:cs typeface="Times New Roman" panose="02020603050405020304" pitchFamily="18" charset="0"/>
-                <a:hlinkClick r:id="rId2"/>
-              </a:rPr>
-              <a:t>https://www.nltk.org/</a:t>
-            </a:r>
-            <a:r>
-              <a:rPr lang="en-US" sz="1800" dirty="0">
-                <a:effectLst/>
-                <a:latin typeface="Times New Roman" panose="02020603050405020304" pitchFamily="18" charset="0"/>
-                <a:ea typeface="Times New Roman" panose="02020603050405020304" pitchFamily="18" charset="0"/>
-                <a:cs typeface="Times New Roman" panose="02020603050405020304" pitchFamily="18" charset="0"/>
-              </a:rPr>
-              <a:t>.</a:t>
-            </a:r>
-            <a:endParaRPr lang="en-US" sz="1600" dirty="0">
-              <a:effectLst/>
-              <a:latin typeface="Calibri" panose="020F0502020204030204" pitchFamily="34" charset="0"/>
-              <a:ea typeface="Calibri" panose="020F0502020204030204" pitchFamily="34" charset="0"/>
-              <a:cs typeface="Times New Roman" panose="02020603050405020304" pitchFamily="18" charset="0"/>
-            </a:endParaRPr>
-          </a:p>
-          <a:p>
-            <a:pPr marL="342900" marR="0" lvl="0" indent="-342900">
-              <a:lnSpc>
-                <a:spcPct val="150000"/>
-              </a:lnSpc>
-              <a:spcBef>
-                <a:spcPts val="0"/>
-              </a:spcBef>
-              <a:spcAft>
-                <a:spcPts val="0"/>
-              </a:spcAft>
-              <a:buFont typeface="+mj-lt"/>
-              <a:buAutoNum type="arabicPeriod"/>
-            </a:pPr>
-            <a:r>
-              <a:rPr lang="en-US" sz="1800" dirty="0">
-                <a:effectLst/>
-                <a:latin typeface="Times New Roman" panose="02020603050405020304" pitchFamily="18" charset="0"/>
-                <a:ea typeface="Times New Roman" panose="02020603050405020304" pitchFamily="18" charset="0"/>
-                <a:cs typeface="Times New Roman" panose="02020603050405020304" pitchFamily="18" charset="0"/>
-              </a:rPr>
-              <a:t>“NLTK :: </a:t>
-            </a:r>
-            <a:r>
-              <a:rPr lang="en-US" sz="1800" dirty="0" err="1">
-                <a:effectLst/>
-                <a:latin typeface="Times New Roman" panose="02020603050405020304" pitchFamily="18" charset="0"/>
-                <a:ea typeface="Times New Roman" panose="02020603050405020304" pitchFamily="18" charset="0"/>
-                <a:cs typeface="Times New Roman" panose="02020603050405020304" pitchFamily="18" charset="0"/>
-              </a:rPr>
-              <a:t>Nltk.Parse.Shiftreduce</a:t>
-            </a:r>
-            <a:r>
-              <a:rPr lang="en-US" sz="1800" dirty="0">
-                <a:effectLst/>
-                <a:latin typeface="Times New Roman" panose="02020603050405020304" pitchFamily="18" charset="0"/>
-                <a:ea typeface="Times New Roman" panose="02020603050405020304" pitchFamily="18" charset="0"/>
-                <a:cs typeface="Times New Roman" panose="02020603050405020304" pitchFamily="18" charset="0"/>
-              </a:rPr>
-              <a:t> Module.” Accessed May 5, 2022. </a:t>
-            </a:r>
-            <a:r>
-              <a:rPr lang="en-US" sz="1800" dirty="0">
-                <a:solidFill>
-                  <a:srgbClr val="0000FF"/>
-                </a:solidFill>
-                <a:effectLst/>
-                <a:latin typeface="Times New Roman" panose="02020603050405020304" pitchFamily="18" charset="0"/>
-                <a:ea typeface="Times New Roman" panose="02020603050405020304" pitchFamily="18" charset="0"/>
-                <a:cs typeface="Times New Roman" panose="02020603050405020304" pitchFamily="18" charset="0"/>
-                <a:hlinkClick r:id="rId3"/>
-              </a:rPr>
-              <a:t>https://www.nltk.org/api/nltk.parse.shiftreduce.html</a:t>
-            </a:r>
-            <a:r>
-              <a:rPr lang="en-US" sz="1800" dirty="0">
-                <a:effectLst/>
-                <a:latin typeface="Times New Roman" panose="02020603050405020304" pitchFamily="18" charset="0"/>
-                <a:ea typeface="Times New Roman" panose="02020603050405020304" pitchFamily="18" charset="0"/>
-                <a:cs typeface="Times New Roman" panose="02020603050405020304" pitchFamily="18" charset="0"/>
-              </a:rPr>
-              <a:t>.</a:t>
-            </a:r>
-            <a:endParaRPr lang="en-US" sz="1600" dirty="0">
-              <a:effectLst/>
-              <a:latin typeface="Calibri" panose="020F0502020204030204" pitchFamily="34" charset="0"/>
-              <a:ea typeface="Calibri" panose="020F0502020204030204" pitchFamily="34" charset="0"/>
-              <a:cs typeface="Times New Roman" panose="02020603050405020304" pitchFamily="18" charset="0"/>
-            </a:endParaRPr>
-          </a:p>
-          <a:p>
-            <a:pPr marL="342900" marR="0" lvl="0" indent="-342900">
-              <a:lnSpc>
-                <a:spcPct val="150000"/>
-              </a:lnSpc>
-              <a:spcBef>
-                <a:spcPts val="0"/>
-              </a:spcBef>
-              <a:spcAft>
-                <a:spcPts val="0"/>
-              </a:spcAft>
-              <a:buFont typeface="+mj-lt"/>
-              <a:buAutoNum type="arabicPeriod"/>
-            </a:pPr>
-            <a:r>
-              <a:rPr lang="en-US" sz="1800" dirty="0">
-                <a:effectLst/>
-                <a:latin typeface="Times New Roman" panose="02020603050405020304" pitchFamily="18" charset="0"/>
-                <a:ea typeface="Times New Roman" panose="02020603050405020304" pitchFamily="18" charset="0"/>
-                <a:cs typeface="Times New Roman" panose="02020603050405020304" pitchFamily="18" charset="0"/>
-              </a:rPr>
-              <a:t>“PEP 617 – New PEG Parser for </a:t>
-            </a:r>
-            <a:r>
-              <a:rPr lang="en-US" sz="1800" dirty="0" err="1">
-                <a:effectLst/>
-                <a:latin typeface="Times New Roman" panose="02020603050405020304" pitchFamily="18" charset="0"/>
-                <a:ea typeface="Times New Roman" panose="02020603050405020304" pitchFamily="18" charset="0"/>
-                <a:cs typeface="Times New Roman" panose="02020603050405020304" pitchFamily="18" charset="0"/>
-              </a:rPr>
-              <a:t>CPython</a:t>
-            </a:r>
-            <a:r>
-              <a:rPr lang="en-US" sz="1800" dirty="0">
-                <a:effectLst/>
-                <a:latin typeface="Times New Roman" panose="02020603050405020304" pitchFamily="18" charset="0"/>
-                <a:ea typeface="Times New Roman" panose="02020603050405020304" pitchFamily="18" charset="0"/>
-                <a:cs typeface="Times New Roman" panose="02020603050405020304" pitchFamily="18" charset="0"/>
-              </a:rPr>
-              <a:t> | </a:t>
-            </a:r>
-            <a:r>
-              <a:rPr lang="en-US" sz="1800" dirty="0" err="1">
-                <a:effectLst/>
-                <a:latin typeface="Times New Roman" panose="02020603050405020304" pitchFamily="18" charset="0"/>
-                <a:ea typeface="Times New Roman" panose="02020603050405020304" pitchFamily="18" charset="0"/>
-                <a:cs typeface="Times New Roman" panose="02020603050405020304" pitchFamily="18" charset="0"/>
-              </a:rPr>
-              <a:t>Peps.Python.Org</a:t>
-            </a:r>
-            <a:r>
-              <a:rPr lang="en-US" sz="1800" dirty="0">
-                <a:effectLst/>
-                <a:latin typeface="Times New Roman" panose="02020603050405020304" pitchFamily="18" charset="0"/>
-                <a:ea typeface="Times New Roman" panose="02020603050405020304" pitchFamily="18" charset="0"/>
-                <a:cs typeface="Times New Roman" panose="02020603050405020304" pitchFamily="18" charset="0"/>
-              </a:rPr>
-              <a:t>.” Accessed May 4, 2022. </a:t>
-            </a:r>
-            <a:r>
-              <a:rPr lang="en-US" sz="1800" dirty="0">
-                <a:solidFill>
-                  <a:srgbClr val="0000FF"/>
-                </a:solidFill>
-                <a:effectLst/>
-                <a:latin typeface="Times New Roman" panose="02020603050405020304" pitchFamily="18" charset="0"/>
-                <a:ea typeface="Times New Roman" panose="02020603050405020304" pitchFamily="18" charset="0"/>
-                <a:cs typeface="Times New Roman" panose="02020603050405020304" pitchFamily="18" charset="0"/>
-                <a:hlinkClick r:id="rId4"/>
-              </a:rPr>
-              <a:t>https://peps.python.org/pep-0617/#s-e</a:t>
-            </a:r>
-            <a:r>
-              <a:rPr lang="en-US" sz="1800" dirty="0">
-                <a:effectLst/>
-                <a:latin typeface="Times New Roman" panose="02020603050405020304" pitchFamily="18" charset="0"/>
-                <a:ea typeface="Times New Roman" panose="02020603050405020304" pitchFamily="18" charset="0"/>
-                <a:cs typeface="Times New Roman" panose="02020603050405020304" pitchFamily="18" charset="0"/>
-              </a:rPr>
-              <a:t>.</a:t>
-            </a:r>
-            <a:endParaRPr lang="en-US" sz="1600" dirty="0">
-              <a:effectLst/>
-              <a:latin typeface="Calibri" panose="020F0502020204030204" pitchFamily="34" charset="0"/>
-              <a:ea typeface="Calibri" panose="020F0502020204030204" pitchFamily="34" charset="0"/>
-              <a:cs typeface="Times New Roman" panose="02020603050405020304" pitchFamily="18" charset="0"/>
-            </a:endParaRPr>
-          </a:p>
-          <a:p>
-            <a:pPr marL="342900" marR="0" lvl="0" indent="-342900">
-              <a:lnSpc>
-                <a:spcPct val="150000"/>
-              </a:lnSpc>
-              <a:spcBef>
-                <a:spcPts val="0"/>
-              </a:spcBef>
-              <a:spcAft>
-                <a:spcPts val="0"/>
-              </a:spcAft>
-              <a:buFont typeface="+mj-lt"/>
-              <a:buAutoNum type="arabicPeriod"/>
-            </a:pPr>
-            <a:r>
-              <a:rPr lang="en-US" sz="1800" dirty="0">
-                <a:effectLst/>
-                <a:latin typeface="Times New Roman" panose="02020603050405020304" pitchFamily="18" charset="0"/>
-                <a:ea typeface="Times New Roman" panose="02020603050405020304" pitchFamily="18" charset="0"/>
-                <a:cs typeface="Times New Roman" panose="02020603050405020304" pitchFamily="18" charset="0"/>
-              </a:rPr>
-              <a:t>“</a:t>
-            </a:r>
-            <a:r>
-              <a:rPr lang="en-US" sz="1800" dirty="0" err="1">
-                <a:effectLst/>
-                <a:latin typeface="Times New Roman" panose="02020603050405020304" pitchFamily="18" charset="0"/>
-                <a:ea typeface="Times New Roman" panose="02020603050405020304" pitchFamily="18" charset="0"/>
-                <a:cs typeface="Times New Roman" panose="02020603050405020304" pitchFamily="18" charset="0"/>
-              </a:rPr>
-              <a:t>PyQt</a:t>
-            </a:r>
-            <a:r>
-              <a:rPr lang="en-US" sz="1800" dirty="0">
-                <a:effectLst/>
-                <a:latin typeface="Times New Roman" panose="02020603050405020304" pitchFamily="18" charset="0"/>
-                <a:ea typeface="Times New Roman" panose="02020603050405020304" pitchFamily="18" charset="0"/>
-                <a:cs typeface="Times New Roman" panose="02020603050405020304" pitchFamily="18" charset="0"/>
-              </a:rPr>
-              <a:t> - Hello World.” Accessed May 5, 2022. </a:t>
-            </a:r>
-            <a:r>
-              <a:rPr lang="en-US" sz="1800" dirty="0">
-                <a:solidFill>
-                  <a:srgbClr val="0000FF"/>
-                </a:solidFill>
-                <a:effectLst/>
-                <a:latin typeface="Times New Roman" panose="02020603050405020304" pitchFamily="18" charset="0"/>
-                <a:ea typeface="Times New Roman" panose="02020603050405020304" pitchFamily="18" charset="0"/>
-                <a:cs typeface="Times New Roman" panose="02020603050405020304" pitchFamily="18" charset="0"/>
-                <a:hlinkClick r:id="rId5"/>
-              </a:rPr>
-              <a:t>https://www.tutorialspoint.com/pyqt/pyqt_hello_world.htm</a:t>
-            </a:r>
-            <a:r>
-              <a:rPr lang="en-US" sz="1800" dirty="0">
-                <a:effectLst/>
-                <a:latin typeface="Times New Roman" panose="02020603050405020304" pitchFamily="18" charset="0"/>
-                <a:ea typeface="Times New Roman" panose="02020603050405020304" pitchFamily="18" charset="0"/>
-                <a:cs typeface="Times New Roman" panose="02020603050405020304" pitchFamily="18" charset="0"/>
-              </a:rPr>
-              <a:t>.</a:t>
-            </a:r>
-            <a:endParaRPr lang="en-US" sz="1600" dirty="0">
-              <a:effectLst/>
-              <a:latin typeface="Calibri" panose="020F0502020204030204" pitchFamily="34" charset="0"/>
-              <a:ea typeface="Calibri" panose="020F0502020204030204" pitchFamily="34" charset="0"/>
-              <a:cs typeface="Times New Roman" panose="02020603050405020304" pitchFamily="18" charset="0"/>
-            </a:endParaRPr>
-          </a:p>
-          <a:p>
-            <a:pPr marL="342900" marR="0" lvl="0" indent="-342900">
-              <a:lnSpc>
-                <a:spcPct val="150000"/>
-              </a:lnSpc>
-              <a:spcBef>
-                <a:spcPts val="0"/>
-              </a:spcBef>
-              <a:spcAft>
-                <a:spcPts val="0"/>
-              </a:spcAft>
-              <a:buFont typeface="+mj-lt"/>
-              <a:buAutoNum type="arabicPeriod"/>
-            </a:pPr>
-            <a:r>
-              <a:rPr lang="en-US" sz="1800" dirty="0">
-                <a:effectLst/>
-                <a:latin typeface="Times New Roman" panose="02020603050405020304" pitchFamily="18" charset="0"/>
-                <a:ea typeface="Times New Roman" panose="02020603050405020304" pitchFamily="18" charset="0"/>
-                <a:cs typeface="Times New Roman" panose="02020603050405020304" pitchFamily="18" charset="0"/>
-              </a:rPr>
-              <a:t>temple. “Lexical and Syntax Analysis Chapter 4.” </a:t>
-            </a:r>
-            <a:r>
-              <a:rPr lang="en-US" sz="1800" dirty="0" err="1">
-                <a:effectLst/>
-                <a:latin typeface="Times New Roman" panose="02020603050405020304" pitchFamily="18" charset="0"/>
-                <a:ea typeface="Times New Roman" panose="02020603050405020304" pitchFamily="18" charset="0"/>
-                <a:cs typeface="Times New Roman" panose="02020603050405020304" pitchFamily="18" charset="0"/>
-              </a:rPr>
-              <a:t>SlideServe</a:t>
-            </a:r>
-            <a:r>
-              <a:rPr lang="en-US" sz="1800" dirty="0">
-                <a:effectLst/>
-                <a:latin typeface="Times New Roman" panose="02020603050405020304" pitchFamily="18" charset="0"/>
-                <a:ea typeface="Times New Roman" panose="02020603050405020304" pitchFamily="18" charset="0"/>
-                <a:cs typeface="Times New Roman" panose="02020603050405020304" pitchFamily="18" charset="0"/>
-              </a:rPr>
-              <a:t>, September 6, 2014. </a:t>
-            </a:r>
-            <a:r>
-              <a:rPr lang="en-US" sz="1800" dirty="0">
-                <a:solidFill>
-                  <a:srgbClr val="0000FF"/>
-                </a:solidFill>
-                <a:effectLst/>
-                <a:latin typeface="Times New Roman" panose="02020603050405020304" pitchFamily="18" charset="0"/>
-                <a:ea typeface="Times New Roman" panose="02020603050405020304" pitchFamily="18" charset="0"/>
-                <a:cs typeface="Times New Roman" panose="02020603050405020304" pitchFamily="18" charset="0"/>
-                <a:hlinkClick r:id="rId6"/>
-              </a:rPr>
-              <a:t>https://www.slideserve.com/temple/lexical-and-syntax-analysis-chapter-4</a:t>
-            </a:r>
-            <a:r>
-              <a:rPr lang="en-US" sz="1800" dirty="0">
-                <a:effectLst/>
-                <a:latin typeface="Times New Roman" panose="02020603050405020304" pitchFamily="18" charset="0"/>
-                <a:ea typeface="Times New Roman" panose="02020603050405020304" pitchFamily="18" charset="0"/>
-                <a:cs typeface="Times New Roman" panose="02020603050405020304" pitchFamily="18" charset="0"/>
-              </a:rPr>
-              <a:t>.</a:t>
-            </a:r>
-            <a:endParaRPr lang="en-US" sz="1600" dirty="0">
-              <a:effectLst/>
-              <a:latin typeface="Calibri" panose="020F0502020204030204" pitchFamily="34" charset="0"/>
-              <a:ea typeface="Calibri" panose="020F0502020204030204" pitchFamily="34" charset="0"/>
-              <a:cs typeface="Times New Roman" panose="02020603050405020304" pitchFamily="18" charset="0"/>
-            </a:endParaRPr>
-          </a:p>
-          <a:p>
-            <a:pPr marL="342900" marR="0" lvl="0" indent="-342900">
-              <a:lnSpc>
-                <a:spcPct val="150000"/>
-              </a:lnSpc>
-              <a:spcBef>
-                <a:spcPts val="0"/>
-              </a:spcBef>
-              <a:spcAft>
-                <a:spcPts val="0"/>
-              </a:spcAft>
-              <a:buFont typeface="+mj-lt"/>
-              <a:buAutoNum type="arabicPeriod"/>
-            </a:pPr>
-            <a:r>
-              <a:rPr lang="en-US" sz="1800" dirty="0" err="1">
-                <a:effectLst/>
-                <a:latin typeface="Times New Roman" panose="02020603050405020304" pitchFamily="18" charset="0"/>
-                <a:ea typeface="Times New Roman" panose="02020603050405020304" pitchFamily="18" charset="0"/>
-                <a:cs typeface="Times New Roman" panose="02020603050405020304" pitchFamily="18" charset="0"/>
-              </a:rPr>
-              <a:t>Comdy</a:t>
-            </a:r>
-            <a:r>
-              <a:rPr lang="en-US" sz="1800" dirty="0">
-                <a:effectLst/>
-                <a:latin typeface="Times New Roman" panose="02020603050405020304" pitchFamily="18" charset="0"/>
-                <a:ea typeface="Times New Roman" panose="02020603050405020304" pitchFamily="18" charset="0"/>
-                <a:cs typeface="Times New Roman" panose="02020603050405020304" pitchFamily="18" charset="0"/>
-              </a:rPr>
-              <a:t>. “</a:t>
-            </a:r>
-            <a:r>
-              <a:rPr lang="en-US" sz="1800" dirty="0" err="1">
-                <a:effectLst/>
-                <a:latin typeface="Times New Roman" panose="02020603050405020304" pitchFamily="18" charset="0"/>
-                <a:ea typeface="Times New Roman" panose="02020603050405020304" pitchFamily="18" charset="0"/>
-                <a:cs typeface="Times New Roman" panose="02020603050405020304" pitchFamily="18" charset="0"/>
-              </a:rPr>
-              <a:t>Thiết</a:t>
-            </a:r>
-            <a:r>
-              <a:rPr lang="en-US" sz="1800" dirty="0">
-                <a:effectLst/>
-                <a:latin typeface="Times New Roman" panose="02020603050405020304" pitchFamily="18" charset="0"/>
-                <a:ea typeface="Times New Roman" panose="02020603050405020304" pitchFamily="18" charset="0"/>
-                <a:cs typeface="Times New Roman" panose="02020603050405020304" pitchFamily="18" charset="0"/>
-              </a:rPr>
-              <a:t> </a:t>
-            </a:r>
-            <a:r>
-              <a:rPr lang="en-US" sz="1800" dirty="0" err="1">
-                <a:effectLst/>
-                <a:latin typeface="Times New Roman" panose="02020603050405020304" pitchFamily="18" charset="0"/>
-                <a:ea typeface="Times New Roman" panose="02020603050405020304" pitchFamily="18" charset="0"/>
-                <a:cs typeface="Times New Roman" panose="02020603050405020304" pitchFamily="18" charset="0"/>
-              </a:rPr>
-              <a:t>kế</a:t>
-            </a:r>
-            <a:r>
-              <a:rPr lang="en-US" sz="1800" dirty="0">
-                <a:effectLst/>
-                <a:latin typeface="Times New Roman" panose="02020603050405020304" pitchFamily="18" charset="0"/>
-                <a:ea typeface="Times New Roman" panose="02020603050405020304" pitchFamily="18" charset="0"/>
-                <a:cs typeface="Times New Roman" panose="02020603050405020304" pitchFamily="18" charset="0"/>
-              </a:rPr>
-              <a:t> </a:t>
-            </a:r>
-            <a:r>
-              <a:rPr lang="en-US" sz="1800" dirty="0" err="1">
-                <a:effectLst/>
-                <a:latin typeface="Times New Roman" panose="02020603050405020304" pitchFamily="18" charset="0"/>
-                <a:ea typeface="Times New Roman" panose="02020603050405020304" pitchFamily="18" charset="0"/>
-                <a:cs typeface="Times New Roman" panose="02020603050405020304" pitchFamily="18" charset="0"/>
-              </a:rPr>
-              <a:t>trình</a:t>
-            </a:r>
-            <a:r>
-              <a:rPr lang="en-US" sz="1800" dirty="0">
-                <a:effectLst/>
-                <a:latin typeface="Times New Roman" panose="02020603050405020304" pitchFamily="18" charset="0"/>
-                <a:ea typeface="Times New Roman" panose="02020603050405020304" pitchFamily="18" charset="0"/>
-                <a:cs typeface="Times New Roman" panose="02020603050405020304" pitchFamily="18" charset="0"/>
-              </a:rPr>
-              <a:t> </a:t>
-            </a:r>
-            <a:r>
-              <a:rPr lang="en-US" sz="1800" dirty="0" err="1">
-                <a:effectLst/>
-                <a:latin typeface="Times New Roman" panose="02020603050405020304" pitchFamily="18" charset="0"/>
-                <a:ea typeface="Times New Roman" panose="02020603050405020304" pitchFamily="18" charset="0"/>
-                <a:cs typeface="Times New Roman" panose="02020603050405020304" pitchFamily="18" charset="0"/>
-              </a:rPr>
-              <a:t>biên</a:t>
-            </a:r>
-            <a:r>
-              <a:rPr lang="en-US" sz="1800" dirty="0">
-                <a:effectLst/>
-                <a:latin typeface="Times New Roman" panose="02020603050405020304" pitchFamily="18" charset="0"/>
-                <a:ea typeface="Times New Roman" panose="02020603050405020304" pitchFamily="18" charset="0"/>
-                <a:cs typeface="Times New Roman" panose="02020603050405020304" pitchFamily="18" charset="0"/>
-              </a:rPr>
-              <a:t> </a:t>
-            </a:r>
-            <a:r>
-              <a:rPr lang="en-US" sz="1800" dirty="0" err="1">
-                <a:effectLst/>
-                <a:latin typeface="Times New Roman" panose="02020603050405020304" pitchFamily="18" charset="0"/>
-                <a:ea typeface="Times New Roman" panose="02020603050405020304" pitchFamily="18" charset="0"/>
-                <a:cs typeface="Times New Roman" panose="02020603050405020304" pitchFamily="18" charset="0"/>
-              </a:rPr>
-              <a:t>dịch</a:t>
-            </a:r>
-            <a:r>
-              <a:rPr lang="en-US" sz="1800" dirty="0">
-                <a:effectLst/>
-                <a:latin typeface="Times New Roman" panose="02020603050405020304" pitchFamily="18" charset="0"/>
-                <a:ea typeface="Times New Roman" panose="02020603050405020304" pitchFamily="18" charset="0"/>
-                <a:cs typeface="Times New Roman" panose="02020603050405020304" pitchFamily="18" charset="0"/>
-              </a:rPr>
-              <a:t>: </a:t>
-            </a:r>
-            <a:r>
-              <a:rPr lang="en-US" sz="1800" dirty="0" err="1">
-                <a:effectLst/>
-                <a:latin typeface="Times New Roman" panose="02020603050405020304" pitchFamily="18" charset="0"/>
-                <a:ea typeface="Times New Roman" panose="02020603050405020304" pitchFamily="18" charset="0"/>
-                <a:cs typeface="Times New Roman" panose="02020603050405020304" pitchFamily="18" charset="0"/>
-              </a:rPr>
-              <a:t>Phân</a:t>
-            </a:r>
-            <a:r>
-              <a:rPr lang="en-US" sz="1800" dirty="0">
-                <a:effectLst/>
-                <a:latin typeface="Times New Roman" panose="02020603050405020304" pitchFamily="18" charset="0"/>
-                <a:ea typeface="Times New Roman" panose="02020603050405020304" pitchFamily="18" charset="0"/>
-                <a:cs typeface="Times New Roman" panose="02020603050405020304" pitchFamily="18" charset="0"/>
-              </a:rPr>
-              <a:t> </a:t>
-            </a:r>
-            <a:r>
-              <a:rPr lang="en-US" sz="1800" dirty="0" err="1">
-                <a:effectLst/>
-                <a:latin typeface="Times New Roman" panose="02020603050405020304" pitchFamily="18" charset="0"/>
-                <a:ea typeface="Times New Roman" panose="02020603050405020304" pitchFamily="18" charset="0"/>
-                <a:cs typeface="Times New Roman" panose="02020603050405020304" pitchFamily="18" charset="0"/>
-              </a:rPr>
-              <a:t>tích</a:t>
-            </a:r>
-            <a:r>
-              <a:rPr lang="en-US" sz="1800" dirty="0">
-                <a:effectLst/>
-                <a:latin typeface="Times New Roman" panose="02020603050405020304" pitchFamily="18" charset="0"/>
-                <a:ea typeface="Times New Roman" panose="02020603050405020304" pitchFamily="18" charset="0"/>
-                <a:cs typeface="Times New Roman" panose="02020603050405020304" pitchFamily="18" charset="0"/>
-              </a:rPr>
-              <a:t> </a:t>
-            </a:r>
-            <a:r>
-              <a:rPr lang="en-US" sz="1800" dirty="0" err="1">
-                <a:effectLst/>
-                <a:latin typeface="Times New Roman" panose="02020603050405020304" pitchFamily="18" charset="0"/>
-                <a:ea typeface="Times New Roman" panose="02020603050405020304" pitchFamily="18" charset="0"/>
-                <a:cs typeface="Times New Roman" panose="02020603050405020304" pitchFamily="18" charset="0"/>
-              </a:rPr>
-              <a:t>cụ</a:t>
-            </a:r>
-            <a:r>
-              <a:rPr lang="en-US" sz="1800" dirty="0">
-                <a:effectLst/>
-                <a:latin typeface="Times New Roman" panose="02020603050405020304" pitchFamily="18" charset="0"/>
-                <a:ea typeface="Times New Roman" panose="02020603050405020304" pitchFamily="18" charset="0"/>
-                <a:cs typeface="Times New Roman" panose="02020603050405020304" pitchFamily="18" charset="0"/>
-              </a:rPr>
-              <a:t> </a:t>
-            </a:r>
-            <a:r>
-              <a:rPr lang="en-US" sz="1800" dirty="0" err="1">
-                <a:effectLst/>
-                <a:latin typeface="Times New Roman" panose="02020603050405020304" pitchFamily="18" charset="0"/>
-                <a:ea typeface="Times New Roman" panose="02020603050405020304" pitchFamily="18" charset="0"/>
-                <a:cs typeface="Times New Roman" panose="02020603050405020304" pitchFamily="18" charset="0"/>
-              </a:rPr>
-              <a:t>pháp</a:t>
-            </a:r>
-            <a:r>
-              <a:rPr lang="en-US" sz="1800" dirty="0">
-                <a:effectLst/>
-                <a:latin typeface="Times New Roman" panose="02020603050405020304" pitchFamily="18" charset="0"/>
-                <a:ea typeface="Times New Roman" panose="02020603050405020304" pitchFamily="18" charset="0"/>
-                <a:cs typeface="Times New Roman" panose="02020603050405020304" pitchFamily="18" charset="0"/>
-              </a:rPr>
-              <a:t>,” April 6, 2021. </a:t>
-            </a:r>
-            <a:r>
-              <a:rPr lang="en-US" sz="1800" dirty="0">
-                <a:solidFill>
-                  <a:srgbClr val="0000FF"/>
-                </a:solidFill>
-                <a:effectLst/>
-                <a:latin typeface="Times New Roman" panose="02020603050405020304" pitchFamily="18" charset="0"/>
-                <a:ea typeface="Times New Roman" panose="02020603050405020304" pitchFamily="18" charset="0"/>
-                <a:cs typeface="Times New Roman" panose="02020603050405020304" pitchFamily="18" charset="0"/>
-                <a:hlinkClick r:id="rId7"/>
-              </a:rPr>
-              <a:t>https://comdy.vn/trinh-bien-dich/phan-tich-cu-phap/</a:t>
-            </a:r>
-            <a:r>
-              <a:rPr lang="en-US" sz="1800" dirty="0">
-                <a:effectLst/>
-                <a:latin typeface="Times New Roman" panose="02020603050405020304" pitchFamily="18" charset="0"/>
-                <a:ea typeface="Times New Roman" panose="02020603050405020304" pitchFamily="18" charset="0"/>
-                <a:cs typeface="Times New Roman" panose="02020603050405020304" pitchFamily="18" charset="0"/>
-              </a:rPr>
-              <a:t>.</a:t>
-            </a:r>
-            <a:endParaRPr lang="en-US" sz="1600" dirty="0">
-              <a:effectLst/>
-              <a:latin typeface="Calibri" panose="020F0502020204030204" pitchFamily="34" charset="0"/>
-              <a:ea typeface="Calibri" panose="020F0502020204030204" pitchFamily="34" charset="0"/>
-              <a:cs typeface="Times New Roman" panose="02020603050405020304" pitchFamily="18" charset="0"/>
-            </a:endParaRPr>
-          </a:p>
-          <a:p>
-            <a:pPr marL="342900" marR="0" lvl="0" indent="-342900">
-              <a:lnSpc>
-                <a:spcPct val="150000"/>
-              </a:lnSpc>
-              <a:spcBef>
-                <a:spcPts val="0"/>
-              </a:spcBef>
-              <a:spcAft>
-                <a:spcPts val="0"/>
-              </a:spcAft>
-              <a:buFont typeface="+mj-lt"/>
-              <a:buAutoNum type="arabicPeriod"/>
-            </a:pPr>
-            <a:r>
-              <a:rPr lang="en-US" sz="1800" dirty="0" err="1">
-                <a:effectLst/>
-                <a:latin typeface="Times New Roman" panose="02020603050405020304" pitchFamily="18" charset="0"/>
-                <a:ea typeface="Times New Roman" panose="02020603050405020304" pitchFamily="18" charset="0"/>
-                <a:cs typeface="Times New Roman" panose="02020603050405020304" pitchFamily="18" charset="0"/>
-              </a:rPr>
-              <a:t>Comdy</a:t>
-            </a:r>
-            <a:r>
-              <a:rPr lang="en-US" sz="1800" dirty="0">
-                <a:effectLst/>
-                <a:latin typeface="Times New Roman" panose="02020603050405020304" pitchFamily="18" charset="0"/>
-                <a:ea typeface="Times New Roman" panose="02020603050405020304" pitchFamily="18" charset="0"/>
-                <a:cs typeface="Times New Roman" panose="02020603050405020304" pitchFamily="18" charset="0"/>
-              </a:rPr>
-              <a:t>. “</a:t>
-            </a:r>
-            <a:r>
-              <a:rPr lang="en-US" sz="1800" dirty="0" err="1">
-                <a:effectLst/>
-                <a:latin typeface="Times New Roman" panose="02020603050405020304" pitchFamily="18" charset="0"/>
-                <a:ea typeface="Times New Roman" panose="02020603050405020304" pitchFamily="18" charset="0"/>
-                <a:cs typeface="Times New Roman" panose="02020603050405020304" pitchFamily="18" charset="0"/>
-              </a:rPr>
-              <a:t>Thiết</a:t>
-            </a:r>
-            <a:r>
-              <a:rPr lang="en-US" sz="1800" dirty="0">
-                <a:effectLst/>
-                <a:latin typeface="Times New Roman" panose="02020603050405020304" pitchFamily="18" charset="0"/>
-                <a:ea typeface="Times New Roman" panose="02020603050405020304" pitchFamily="18" charset="0"/>
-                <a:cs typeface="Times New Roman" panose="02020603050405020304" pitchFamily="18" charset="0"/>
-              </a:rPr>
-              <a:t> </a:t>
-            </a:r>
-            <a:r>
-              <a:rPr lang="en-US" sz="1800" dirty="0" err="1">
-                <a:effectLst/>
-                <a:latin typeface="Times New Roman" panose="02020603050405020304" pitchFamily="18" charset="0"/>
-                <a:ea typeface="Times New Roman" panose="02020603050405020304" pitchFamily="18" charset="0"/>
-                <a:cs typeface="Times New Roman" panose="02020603050405020304" pitchFamily="18" charset="0"/>
-              </a:rPr>
-              <a:t>kế</a:t>
-            </a:r>
-            <a:r>
-              <a:rPr lang="en-US" sz="1800" dirty="0">
-                <a:effectLst/>
-                <a:latin typeface="Times New Roman" panose="02020603050405020304" pitchFamily="18" charset="0"/>
-                <a:ea typeface="Times New Roman" panose="02020603050405020304" pitchFamily="18" charset="0"/>
-                <a:cs typeface="Times New Roman" panose="02020603050405020304" pitchFamily="18" charset="0"/>
-              </a:rPr>
-              <a:t> </a:t>
-            </a:r>
-            <a:r>
-              <a:rPr lang="en-US" sz="1800" dirty="0" err="1">
-                <a:effectLst/>
-                <a:latin typeface="Times New Roman" panose="02020603050405020304" pitchFamily="18" charset="0"/>
-                <a:ea typeface="Times New Roman" panose="02020603050405020304" pitchFamily="18" charset="0"/>
-                <a:cs typeface="Times New Roman" panose="02020603050405020304" pitchFamily="18" charset="0"/>
-              </a:rPr>
-              <a:t>trình</a:t>
-            </a:r>
-            <a:r>
-              <a:rPr lang="en-US" sz="1800" dirty="0">
-                <a:effectLst/>
-                <a:latin typeface="Times New Roman" panose="02020603050405020304" pitchFamily="18" charset="0"/>
-                <a:ea typeface="Times New Roman" panose="02020603050405020304" pitchFamily="18" charset="0"/>
-                <a:cs typeface="Times New Roman" panose="02020603050405020304" pitchFamily="18" charset="0"/>
-              </a:rPr>
-              <a:t> </a:t>
-            </a:r>
-            <a:r>
-              <a:rPr lang="en-US" sz="1800" dirty="0" err="1">
-                <a:effectLst/>
-                <a:latin typeface="Times New Roman" panose="02020603050405020304" pitchFamily="18" charset="0"/>
-                <a:ea typeface="Times New Roman" panose="02020603050405020304" pitchFamily="18" charset="0"/>
-                <a:cs typeface="Times New Roman" panose="02020603050405020304" pitchFamily="18" charset="0"/>
-              </a:rPr>
-              <a:t>biên</a:t>
-            </a:r>
-            <a:r>
-              <a:rPr lang="en-US" sz="1800" dirty="0">
-                <a:effectLst/>
-                <a:latin typeface="Times New Roman" panose="02020603050405020304" pitchFamily="18" charset="0"/>
-                <a:ea typeface="Times New Roman" panose="02020603050405020304" pitchFamily="18" charset="0"/>
-                <a:cs typeface="Times New Roman" panose="02020603050405020304" pitchFamily="18" charset="0"/>
-              </a:rPr>
-              <a:t> </a:t>
-            </a:r>
-            <a:r>
-              <a:rPr lang="en-US" sz="1800" dirty="0" err="1">
-                <a:effectLst/>
-                <a:latin typeface="Times New Roman" panose="02020603050405020304" pitchFamily="18" charset="0"/>
-                <a:ea typeface="Times New Roman" panose="02020603050405020304" pitchFamily="18" charset="0"/>
-                <a:cs typeface="Times New Roman" panose="02020603050405020304" pitchFamily="18" charset="0"/>
-              </a:rPr>
-              <a:t>dịch</a:t>
-            </a:r>
-            <a:r>
-              <a:rPr lang="en-US" sz="1800" dirty="0">
-                <a:effectLst/>
-                <a:latin typeface="Times New Roman" panose="02020603050405020304" pitchFamily="18" charset="0"/>
-                <a:ea typeface="Times New Roman" panose="02020603050405020304" pitchFamily="18" charset="0"/>
-                <a:cs typeface="Times New Roman" panose="02020603050405020304" pitchFamily="18" charset="0"/>
-              </a:rPr>
-              <a:t>: </a:t>
-            </a:r>
-            <a:r>
-              <a:rPr lang="en-US" sz="1800" dirty="0" err="1">
-                <a:effectLst/>
-                <a:latin typeface="Times New Roman" panose="02020603050405020304" pitchFamily="18" charset="0"/>
-                <a:ea typeface="Times New Roman" panose="02020603050405020304" pitchFamily="18" charset="0"/>
-                <a:cs typeface="Times New Roman" panose="02020603050405020304" pitchFamily="18" charset="0"/>
-              </a:rPr>
-              <a:t>Phân</a:t>
-            </a:r>
-            <a:r>
-              <a:rPr lang="en-US" sz="1800" dirty="0">
-                <a:effectLst/>
-                <a:latin typeface="Times New Roman" panose="02020603050405020304" pitchFamily="18" charset="0"/>
-                <a:ea typeface="Times New Roman" panose="02020603050405020304" pitchFamily="18" charset="0"/>
-                <a:cs typeface="Times New Roman" panose="02020603050405020304" pitchFamily="18" charset="0"/>
-              </a:rPr>
-              <a:t> </a:t>
-            </a:r>
-            <a:r>
-              <a:rPr lang="en-US" sz="1800" dirty="0" err="1">
-                <a:effectLst/>
-                <a:latin typeface="Times New Roman" panose="02020603050405020304" pitchFamily="18" charset="0"/>
-                <a:ea typeface="Times New Roman" panose="02020603050405020304" pitchFamily="18" charset="0"/>
-                <a:cs typeface="Times New Roman" panose="02020603050405020304" pitchFamily="18" charset="0"/>
-              </a:rPr>
-              <a:t>tích</a:t>
-            </a:r>
-            <a:r>
-              <a:rPr lang="en-US" sz="1800" dirty="0">
-                <a:effectLst/>
-                <a:latin typeface="Times New Roman" panose="02020603050405020304" pitchFamily="18" charset="0"/>
-                <a:ea typeface="Times New Roman" panose="02020603050405020304" pitchFamily="18" charset="0"/>
-                <a:cs typeface="Times New Roman" panose="02020603050405020304" pitchFamily="18" charset="0"/>
-              </a:rPr>
-              <a:t> </a:t>
-            </a:r>
-            <a:r>
-              <a:rPr lang="en-US" sz="1800" dirty="0" err="1">
-                <a:effectLst/>
-                <a:latin typeface="Times New Roman" panose="02020603050405020304" pitchFamily="18" charset="0"/>
-                <a:ea typeface="Times New Roman" panose="02020603050405020304" pitchFamily="18" charset="0"/>
-                <a:cs typeface="Times New Roman" panose="02020603050405020304" pitchFamily="18" charset="0"/>
-              </a:rPr>
-              <a:t>ngữ</a:t>
-            </a:r>
-            <a:r>
-              <a:rPr lang="en-US" sz="1800" dirty="0">
-                <a:effectLst/>
-                <a:latin typeface="Times New Roman" panose="02020603050405020304" pitchFamily="18" charset="0"/>
-                <a:ea typeface="Times New Roman" panose="02020603050405020304" pitchFamily="18" charset="0"/>
-                <a:cs typeface="Times New Roman" panose="02020603050405020304" pitchFamily="18" charset="0"/>
-              </a:rPr>
-              <a:t> </a:t>
-            </a:r>
-            <a:r>
-              <a:rPr lang="en-US" sz="1800" dirty="0" err="1">
-                <a:effectLst/>
-                <a:latin typeface="Times New Roman" panose="02020603050405020304" pitchFamily="18" charset="0"/>
-                <a:ea typeface="Times New Roman" panose="02020603050405020304" pitchFamily="18" charset="0"/>
-                <a:cs typeface="Times New Roman" panose="02020603050405020304" pitchFamily="18" charset="0"/>
-              </a:rPr>
-              <a:t>nghĩa</a:t>
-            </a:r>
-            <a:r>
-              <a:rPr lang="en-US" sz="1800" dirty="0">
-                <a:effectLst/>
-                <a:latin typeface="Times New Roman" panose="02020603050405020304" pitchFamily="18" charset="0"/>
-                <a:ea typeface="Times New Roman" panose="02020603050405020304" pitchFamily="18" charset="0"/>
-                <a:cs typeface="Times New Roman" panose="02020603050405020304" pitchFamily="18" charset="0"/>
-              </a:rPr>
-              <a:t>,” April 6, 2021. </a:t>
-            </a:r>
-            <a:r>
-              <a:rPr lang="en-US" sz="1800" dirty="0">
-                <a:solidFill>
-                  <a:srgbClr val="0000FF"/>
-                </a:solidFill>
-                <a:effectLst/>
-                <a:latin typeface="Times New Roman" panose="02020603050405020304" pitchFamily="18" charset="0"/>
-                <a:ea typeface="Times New Roman" panose="02020603050405020304" pitchFamily="18" charset="0"/>
-                <a:cs typeface="Times New Roman" panose="02020603050405020304" pitchFamily="18" charset="0"/>
-                <a:hlinkClick r:id="rId8"/>
-              </a:rPr>
-              <a:t>https://comdy.vn/trinh-bien-dich/phan-tich-ngu-nghia/</a:t>
-            </a:r>
-            <a:r>
-              <a:rPr lang="en-US" sz="1800" dirty="0">
-                <a:effectLst/>
-                <a:latin typeface="Times New Roman" panose="02020603050405020304" pitchFamily="18" charset="0"/>
-                <a:ea typeface="Times New Roman" panose="02020603050405020304" pitchFamily="18" charset="0"/>
-                <a:cs typeface="Times New Roman" panose="02020603050405020304" pitchFamily="18" charset="0"/>
-              </a:rPr>
-              <a:t>.</a:t>
-            </a:r>
-            <a:endParaRPr lang="en-US" sz="1600" dirty="0">
-              <a:effectLst/>
-              <a:latin typeface="Calibri" panose="020F0502020204030204" pitchFamily="34" charset="0"/>
-              <a:ea typeface="Calibri" panose="020F0502020204030204" pitchFamily="34" charset="0"/>
-              <a:cs typeface="Times New Roman" panose="02020603050405020304" pitchFamily="18" charset="0"/>
-            </a:endParaRPr>
-          </a:p>
-          <a:p>
-            <a:pPr marL="342900" marR="0" lvl="0" indent="-342900">
-              <a:lnSpc>
-                <a:spcPct val="150000"/>
-              </a:lnSpc>
-              <a:spcBef>
-                <a:spcPts val="0"/>
-              </a:spcBef>
-              <a:spcAft>
-                <a:spcPts val="0"/>
-              </a:spcAft>
-              <a:buFont typeface="+mj-lt"/>
-              <a:buAutoNum type="arabicPeriod"/>
-            </a:pPr>
-            <a:r>
-              <a:rPr lang="en-US" sz="1800" dirty="0" err="1">
-                <a:effectLst/>
-                <a:latin typeface="Times New Roman" panose="02020603050405020304" pitchFamily="18" charset="0"/>
-                <a:ea typeface="Times New Roman" panose="02020603050405020304" pitchFamily="18" charset="0"/>
-                <a:cs typeface="Times New Roman" panose="02020603050405020304" pitchFamily="18" charset="0"/>
-              </a:rPr>
-              <a:t>Comdy</a:t>
-            </a:r>
-            <a:r>
-              <a:rPr lang="en-US" sz="1800" dirty="0">
-                <a:effectLst/>
-                <a:latin typeface="Times New Roman" panose="02020603050405020304" pitchFamily="18" charset="0"/>
-                <a:ea typeface="Times New Roman" panose="02020603050405020304" pitchFamily="18" charset="0"/>
-                <a:cs typeface="Times New Roman" panose="02020603050405020304" pitchFamily="18" charset="0"/>
-              </a:rPr>
-              <a:t>. “</a:t>
-            </a:r>
-            <a:r>
-              <a:rPr lang="en-US" sz="1800" dirty="0" err="1">
-                <a:effectLst/>
-                <a:latin typeface="Times New Roman" panose="02020603050405020304" pitchFamily="18" charset="0"/>
-                <a:ea typeface="Times New Roman" panose="02020603050405020304" pitchFamily="18" charset="0"/>
-                <a:cs typeface="Times New Roman" panose="02020603050405020304" pitchFamily="18" charset="0"/>
-              </a:rPr>
-              <a:t>Thiết</a:t>
-            </a:r>
-            <a:r>
-              <a:rPr lang="en-US" sz="1800" dirty="0">
-                <a:effectLst/>
-                <a:latin typeface="Times New Roman" panose="02020603050405020304" pitchFamily="18" charset="0"/>
-                <a:ea typeface="Times New Roman" panose="02020603050405020304" pitchFamily="18" charset="0"/>
-                <a:cs typeface="Times New Roman" panose="02020603050405020304" pitchFamily="18" charset="0"/>
-              </a:rPr>
-              <a:t> </a:t>
-            </a:r>
-            <a:r>
-              <a:rPr lang="en-US" sz="1800" dirty="0" err="1">
-                <a:effectLst/>
-                <a:latin typeface="Times New Roman" panose="02020603050405020304" pitchFamily="18" charset="0"/>
-                <a:ea typeface="Times New Roman" panose="02020603050405020304" pitchFamily="18" charset="0"/>
-                <a:cs typeface="Times New Roman" panose="02020603050405020304" pitchFamily="18" charset="0"/>
-              </a:rPr>
-              <a:t>kế</a:t>
-            </a:r>
-            <a:r>
-              <a:rPr lang="en-US" sz="1800" dirty="0">
-                <a:effectLst/>
-                <a:latin typeface="Times New Roman" panose="02020603050405020304" pitchFamily="18" charset="0"/>
-                <a:ea typeface="Times New Roman" panose="02020603050405020304" pitchFamily="18" charset="0"/>
-                <a:cs typeface="Times New Roman" panose="02020603050405020304" pitchFamily="18" charset="0"/>
-              </a:rPr>
-              <a:t> </a:t>
-            </a:r>
-            <a:r>
-              <a:rPr lang="en-US" sz="1800" dirty="0" err="1">
-                <a:effectLst/>
-                <a:latin typeface="Times New Roman" panose="02020603050405020304" pitchFamily="18" charset="0"/>
-                <a:ea typeface="Times New Roman" panose="02020603050405020304" pitchFamily="18" charset="0"/>
-                <a:cs typeface="Times New Roman" panose="02020603050405020304" pitchFamily="18" charset="0"/>
-              </a:rPr>
-              <a:t>trình</a:t>
-            </a:r>
-            <a:r>
-              <a:rPr lang="en-US" sz="1800" dirty="0">
-                <a:effectLst/>
-                <a:latin typeface="Times New Roman" panose="02020603050405020304" pitchFamily="18" charset="0"/>
-                <a:ea typeface="Times New Roman" panose="02020603050405020304" pitchFamily="18" charset="0"/>
-                <a:cs typeface="Times New Roman" panose="02020603050405020304" pitchFamily="18" charset="0"/>
-              </a:rPr>
-              <a:t> </a:t>
-            </a:r>
-            <a:r>
-              <a:rPr lang="en-US" sz="1800" dirty="0" err="1">
-                <a:effectLst/>
-                <a:latin typeface="Times New Roman" panose="02020603050405020304" pitchFamily="18" charset="0"/>
-                <a:ea typeface="Times New Roman" panose="02020603050405020304" pitchFamily="18" charset="0"/>
-                <a:cs typeface="Times New Roman" panose="02020603050405020304" pitchFamily="18" charset="0"/>
-              </a:rPr>
-              <a:t>biên</a:t>
-            </a:r>
-            <a:r>
-              <a:rPr lang="en-US" sz="1800" dirty="0">
-                <a:effectLst/>
-                <a:latin typeface="Times New Roman" panose="02020603050405020304" pitchFamily="18" charset="0"/>
-                <a:ea typeface="Times New Roman" panose="02020603050405020304" pitchFamily="18" charset="0"/>
-                <a:cs typeface="Times New Roman" panose="02020603050405020304" pitchFamily="18" charset="0"/>
-              </a:rPr>
-              <a:t> </a:t>
-            </a:r>
-            <a:r>
-              <a:rPr lang="en-US" sz="1800" dirty="0" err="1">
-                <a:effectLst/>
-                <a:latin typeface="Times New Roman" panose="02020603050405020304" pitchFamily="18" charset="0"/>
-                <a:ea typeface="Times New Roman" panose="02020603050405020304" pitchFamily="18" charset="0"/>
-                <a:cs typeface="Times New Roman" panose="02020603050405020304" pitchFamily="18" charset="0"/>
-              </a:rPr>
-              <a:t>dịch</a:t>
-            </a:r>
-            <a:r>
-              <a:rPr lang="en-US" sz="1800" dirty="0">
-                <a:effectLst/>
-                <a:latin typeface="Times New Roman" panose="02020603050405020304" pitchFamily="18" charset="0"/>
-                <a:ea typeface="Times New Roman" panose="02020603050405020304" pitchFamily="18" charset="0"/>
-                <a:cs typeface="Times New Roman" panose="02020603050405020304" pitchFamily="18" charset="0"/>
-              </a:rPr>
-              <a:t>: </a:t>
-            </a:r>
-            <a:r>
-              <a:rPr lang="en-US" sz="1800" dirty="0" err="1">
-                <a:effectLst/>
-                <a:latin typeface="Times New Roman" panose="02020603050405020304" pitchFamily="18" charset="0"/>
-                <a:ea typeface="Times New Roman" panose="02020603050405020304" pitchFamily="18" charset="0"/>
-                <a:cs typeface="Times New Roman" panose="02020603050405020304" pitchFamily="18" charset="0"/>
-              </a:rPr>
-              <a:t>Tổng</a:t>
-            </a:r>
-            <a:r>
-              <a:rPr lang="en-US" sz="1800" dirty="0">
-                <a:effectLst/>
-                <a:latin typeface="Times New Roman" panose="02020603050405020304" pitchFamily="18" charset="0"/>
-                <a:ea typeface="Times New Roman" panose="02020603050405020304" pitchFamily="18" charset="0"/>
-                <a:cs typeface="Times New Roman" panose="02020603050405020304" pitchFamily="18" charset="0"/>
-              </a:rPr>
-              <a:t> </a:t>
-            </a:r>
-            <a:r>
-              <a:rPr lang="en-US" sz="1800" dirty="0" err="1">
-                <a:effectLst/>
-                <a:latin typeface="Times New Roman" panose="02020603050405020304" pitchFamily="18" charset="0"/>
-                <a:ea typeface="Times New Roman" panose="02020603050405020304" pitchFamily="18" charset="0"/>
-                <a:cs typeface="Times New Roman" panose="02020603050405020304" pitchFamily="18" charset="0"/>
-              </a:rPr>
-              <a:t>quan</a:t>
-            </a:r>
-            <a:r>
-              <a:rPr lang="en-US" sz="1800" dirty="0">
-                <a:effectLst/>
-                <a:latin typeface="Times New Roman" panose="02020603050405020304" pitchFamily="18" charset="0"/>
-                <a:ea typeface="Times New Roman" panose="02020603050405020304" pitchFamily="18" charset="0"/>
-                <a:cs typeface="Times New Roman" panose="02020603050405020304" pitchFamily="18" charset="0"/>
-              </a:rPr>
-              <a:t>,” April 5, 2021. </a:t>
-            </a:r>
-            <a:r>
-              <a:rPr lang="en-US" sz="1800" dirty="0">
-                <a:solidFill>
-                  <a:srgbClr val="0000FF"/>
-                </a:solidFill>
-                <a:effectLst/>
-                <a:latin typeface="Times New Roman" panose="02020603050405020304" pitchFamily="18" charset="0"/>
-                <a:ea typeface="Times New Roman" panose="02020603050405020304" pitchFamily="18" charset="0"/>
-                <a:cs typeface="Times New Roman" panose="02020603050405020304" pitchFamily="18" charset="0"/>
-                <a:hlinkClick r:id="rId9"/>
-              </a:rPr>
-              <a:t>https://comdy.vn/trinh-bien-dich/tong-quan-thiet-ke-trinh-bien-dich/</a:t>
-            </a:r>
-            <a:r>
-              <a:rPr lang="en-US" sz="1800" dirty="0">
-                <a:effectLst/>
-                <a:latin typeface="Times New Roman" panose="02020603050405020304" pitchFamily="18" charset="0"/>
-                <a:ea typeface="Times New Roman" panose="02020603050405020304" pitchFamily="18" charset="0"/>
-                <a:cs typeface="Times New Roman" panose="02020603050405020304" pitchFamily="18" charset="0"/>
-              </a:rPr>
-              <a:t>.</a:t>
-            </a:r>
-            <a:endParaRPr lang="en-US" sz="1600" dirty="0">
-              <a:effectLst/>
-              <a:latin typeface="Calibri" panose="020F0502020204030204" pitchFamily="34" charset="0"/>
-              <a:ea typeface="Calibri" panose="020F0502020204030204" pitchFamily="34" charset="0"/>
-              <a:cs typeface="Times New Roman" panose="02020603050405020304" pitchFamily="18" charset="0"/>
-            </a:endParaRPr>
-          </a:p>
-          <a:p>
-            <a:pPr marL="342900" marR="0" lvl="0" indent="-342900">
-              <a:lnSpc>
-                <a:spcPct val="150000"/>
-              </a:lnSpc>
-              <a:spcBef>
-                <a:spcPts val="0"/>
-              </a:spcBef>
-              <a:spcAft>
-                <a:spcPts val="0"/>
-              </a:spcAft>
-              <a:buFont typeface="+mj-lt"/>
-              <a:buAutoNum type="arabicPeriod"/>
-            </a:pPr>
-            <a:r>
-              <a:rPr lang="en-US" sz="1800" dirty="0">
-                <a:effectLst/>
-                <a:latin typeface="Times New Roman" panose="02020603050405020304" pitchFamily="18" charset="0"/>
-                <a:ea typeface="Times New Roman" panose="02020603050405020304" pitchFamily="18" charset="0"/>
-                <a:cs typeface="Times New Roman" panose="02020603050405020304" pitchFamily="18" charset="0"/>
-              </a:rPr>
-              <a:t>“Writing a BNF Grammar — </a:t>
-            </a:r>
-            <a:r>
-              <a:rPr lang="en-US" sz="1800" dirty="0" err="1">
-                <a:effectLst/>
-                <a:latin typeface="Times New Roman" panose="02020603050405020304" pitchFamily="18" charset="0"/>
-                <a:ea typeface="Times New Roman" panose="02020603050405020304" pitchFamily="18" charset="0"/>
-                <a:cs typeface="Times New Roman" panose="02020603050405020304" pitchFamily="18" charset="0"/>
-              </a:rPr>
-              <a:t>Pyrser</a:t>
-            </a:r>
-            <a:r>
-              <a:rPr lang="en-US" sz="1800" dirty="0">
-                <a:effectLst/>
-                <a:latin typeface="Times New Roman" panose="02020603050405020304" pitchFamily="18" charset="0"/>
-                <a:ea typeface="Times New Roman" panose="02020603050405020304" pitchFamily="18" charset="0"/>
-                <a:cs typeface="Times New Roman" panose="02020603050405020304" pitchFamily="18" charset="0"/>
-              </a:rPr>
-              <a:t> 0.0.10 Documentation.” Accessed May 4, 2022. </a:t>
-            </a:r>
-            <a:r>
-              <a:rPr lang="en-US" sz="1800" dirty="0">
-                <a:solidFill>
-                  <a:srgbClr val="0000FF"/>
-                </a:solidFill>
-                <a:effectLst/>
-                <a:latin typeface="Times New Roman" panose="02020603050405020304" pitchFamily="18" charset="0"/>
-                <a:ea typeface="Times New Roman" panose="02020603050405020304" pitchFamily="18" charset="0"/>
-                <a:cs typeface="Times New Roman" panose="02020603050405020304" pitchFamily="18" charset="0"/>
-                <a:hlinkClick r:id="rId10"/>
-              </a:rPr>
-              <a:t>https://pythonhosted.org/pyrser/dsl.html</a:t>
-            </a:r>
-            <a:r>
-              <a:rPr lang="en-US" sz="1800" dirty="0">
-                <a:effectLst/>
-                <a:latin typeface="Times New Roman" panose="02020603050405020304" pitchFamily="18" charset="0"/>
-                <a:ea typeface="Times New Roman" panose="02020603050405020304" pitchFamily="18" charset="0"/>
-                <a:cs typeface="Times New Roman" panose="02020603050405020304" pitchFamily="18" charset="0"/>
-              </a:rPr>
-              <a:t>.</a:t>
-            </a:r>
-            <a:endParaRPr lang="en-US" sz="1600" dirty="0">
-              <a:effectLst/>
-              <a:latin typeface="Calibri" panose="020F0502020204030204" pitchFamily="34" charset="0"/>
-              <a:ea typeface="Calibri" panose="020F0502020204030204" pitchFamily="34" charset="0"/>
-              <a:cs typeface="Times New Roman" panose="02020603050405020304" pitchFamily="18" charset="0"/>
-            </a:endParaRPr>
-          </a:p>
-          <a:p>
-            <a:pPr marL="342900" marR="0" lvl="0" indent="-342900">
-              <a:lnSpc>
-                <a:spcPct val="150000"/>
-              </a:lnSpc>
-              <a:spcBef>
-                <a:spcPts val="0"/>
-              </a:spcBef>
-              <a:spcAft>
-                <a:spcPts val="0"/>
-              </a:spcAft>
-              <a:buFont typeface="+mj-lt"/>
-              <a:buAutoNum type="arabicPeriod"/>
-            </a:pPr>
-            <a:r>
-              <a:rPr lang="en-US" sz="1800" dirty="0" err="1">
-                <a:effectLst/>
-                <a:latin typeface="Times New Roman" panose="02020603050405020304" pitchFamily="18" charset="0"/>
-                <a:ea typeface="Times New Roman" panose="02020603050405020304" pitchFamily="18" charset="0"/>
-                <a:cs typeface="Times New Roman" panose="02020603050405020304" pitchFamily="18" charset="0"/>
-              </a:rPr>
-              <a:t>Yatish</a:t>
-            </a:r>
-            <a:r>
-              <a:rPr lang="en-US" sz="1800" dirty="0">
-                <a:effectLst/>
-                <a:latin typeface="Times New Roman" panose="02020603050405020304" pitchFamily="18" charset="0"/>
-                <a:ea typeface="Times New Roman" panose="02020603050405020304" pitchFamily="18" charset="0"/>
-                <a:cs typeface="Times New Roman" panose="02020603050405020304" pitchFamily="18" charset="0"/>
-              </a:rPr>
-              <a:t> Parmar. </a:t>
-            </a:r>
-            <a:r>
-              <a:rPr lang="en-US" sz="1800" i="1" dirty="0">
-                <a:effectLst/>
-                <a:latin typeface="Times New Roman" panose="02020603050405020304" pitchFamily="18" charset="0"/>
-                <a:ea typeface="Times New Roman" panose="02020603050405020304" pitchFamily="18" charset="0"/>
-                <a:cs typeface="Times New Roman" panose="02020603050405020304" pitchFamily="18" charset="0"/>
-              </a:rPr>
-              <a:t>Lexical and Syntax Analysis - A Level Computer Science</a:t>
-            </a:r>
-            <a:r>
-              <a:rPr lang="en-US" sz="1800" dirty="0">
-                <a:effectLst/>
-                <a:latin typeface="Times New Roman" panose="02020603050405020304" pitchFamily="18" charset="0"/>
-                <a:ea typeface="Times New Roman" panose="02020603050405020304" pitchFamily="18" charset="0"/>
-                <a:cs typeface="Times New Roman" panose="02020603050405020304" pitchFamily="18" charset="0"/>
-              </a:rPr>
-              <a:t>, 2016. </a:t>
-            </a:r>
-            <a:r>
-              <a:rPr lang="en-US" sz="1800" dirty="0">
-                <a:solidFill>
-                  <a:srgbClr val="0000FF"/>
-                </a:solidFill>
-                <a:effectLst/>
-                <a:latin typeface="Times New Roman" panose="02020603050405020304" pitchFamily="18" charset="0"/>
-                <a:ea typeface="Times New Roman" panose="02020603050405020304" pitchFamily="18" charset="0"/>
-                <a:cs typeface="Times New Roman" panose="02020603050405020304" pitchFamily="18" charset="0"/>
-                <a:hlinkClick r:id="rId11"/>
-              </a:rPr>
-              <a:t>https://www.youtube.com/watch?v=LjB7ffXWzD0</a:t>
-            </a:r>
-            <a:r>
-              <a:rPr lang="en-US" sz="1800" dirty="0">
-                <a:effectLst/>
-                <a:latin typeface="Times New Roman" panose="02020603050405020304" pitchFamily="18" charset="0"/>
-                <a:ea typeface="Times New Roman" panose="02020603050405020304" pitchFamily="18" charset="0"/>
-                <a:cs typeface="Times New Roman" panose="02020603050405020304" pitchFamily="18" charset="0"/>
-              </a:rPr>
-              <a:t>.</a:t>
-            </a:r>
-            <a:endParaRPr lang="en-US" sz="1600" dirty="0">
-              <a:effectLst/>
-              <a:latin typeface="Calibri" panose="020F0502020204030204" pitchFamily="34" charset="0"/>
-              <a:ea typeface="Calibri" panose="020F0502020204030204" pitchFamily="34" charset="0"/>
-              <a:cs typeface="Times New Roman" panose="02020603050405020304" pitchFamily="18" charset="0"/>
-            </a:endParaRPr>
-          </a:p>
-          <a:p>
-            <a:pPr marL="342900" marR="0" lvl="0" indent="-342900">
-              <a:lnSpc>
-                <a:spcPct val="150000"/>
-              </a:lnSpc>
-              <a:spcBef>
-                <a:spcPts val="0"/>
-              </a:spcBef>
-              <a:spcAft>
-                <a:spcPts val="0"/>
-              </a:spcAft>
-              <a:buFont typeface="+mj-lt"/>
-              <a:buAutoNum type="arabicPeriod"/>
-            </a:pPr>
-            <a:r>
-              <a:rPr lang="en-US" sz="1800" dirty="0">
-                <a:effectLst/>
-                <a:latin typeface="Times New Roman" panose="02020603050405020304" pitchFamily="18" charset="0"/>
-                <a:ea typeface="Times New Roman" panose="02020603050405020304" pitchFamily="18" charset="0"/>
-                <a:cs typeface="Times New Roman" panose="02020603050405020304" pitchFamily="18" charset="0"/>
-              </a:rPr>
-              <a:t>Accessed May 5, 2022. </a:t>
-            </a:r>
-            <a:r>
-              <a:rPr lang="en-US" sz="1800" dirty="0">
-                <a:solidFill>
-                  <a:srgbClr val="0000FF"/>
-                </a:solidFill>
-                <a:effectLst/>
-                <a:latin typeface="Times New Roman" panose="02020603050405020304" pitchFamily="18" charset="0"/>
-                <a:ea typeface="Times New Roman" panose="02020603050405020304" pitchFamily="18" charset="0"/>
-                <a:cs typeface="Times New Roman" panose="02020603050405020304" pitchFamily="18" charset="0"/>
-                <a:hlinkClick r:id="rId12"/>
-              </a:rPr>
-              <a:t>http://nltk.sourceforge.net/doc/en/ch07.html</a:t>
-            </a:r>
-            <a:r>
-              <a:rPr lang="en-US" sz="1800" dirty="0">
-                <a:effectLst/>
-                <a:latin typeface="Times New Roman" panose="02020603050405020304" pitchFamily="18" charset="0"/>
-                <a:ea typeface="Times New Roman" panose="02020603050405020304" pitchFamily="18" charset="0"/>
-                <a:cs typeface="Times New Roman" panose="02020603050405020304" pitchFamily="18" charset="0"/>
-              </a:rPr>
-              <a:t>.</a:t>
-            </a:r>
-            <a:endParaRPr lang="en-US" dirty="0"/>
-          </a:p>
-        </p:txBody>
-      </p:sp>
-    </p:spTree>
-    <p:extLst>
-      <p:ext uri="{BB962C8B-B14F-4D97-AF65-F5344CB8AC3E}">
-        <p14:creationId xmlns:p14="http://schemas.microsoft.com/office/powerpoint/2010/main" val="2460762264"/>
-      </p:ext>
-    </p:extLst>
-  </p:cSld>
-  <p:clrMapOvr>
-    <a:masterClrMapping/>
-  </p:clrMapOvr>
-  <p:transition spd="slow">
-    <p:push dir="u"/>
-  </p:transition>
-  <p:timing>
-    <p:tnLst>
-      <p:par>
-        <p:cTn id="1" dur="indefinite" restart="never" nodeType="tmRoot"/>
-      </p:par>
-    </p:tnLst>
-  </p:timing>
 </p:sld>
 </file>
 
@@ -18172,6 +18050,2311 @@
           <a:chExt cx="0" cy="0"/>
         </a:xfrm>
       </p:grpSpPr>
+      <p:sp>
+        <p:nvSpPr>
+          <p:cNvPr id="9" name="TextBox 8">
+            <a:extLst>
+              <a:ext uri="{FF2B5EF4-FFF2-40B4-BE49-F238E27FC236}">
+                <a16:creationId xmlns:a16="http://schemas.microsoft.com/office/drawing/2014/main" id="{872D4B37-A7D4-33AA-1D9D-F06A19D09946}"/>
+              </a:ext>
+            </a:extLst>
+          </p:cNvPr>
+          <p:cNvSpPr txBox="1"/>
+          <p:nvPr/>
+        </p:nvSpPr>
+        <p:spPr>
+          <a:xfrm>
+            <a:off x="0" y="417019"/>
+            <a:ext cx="12192000" cy="6280374"/>
+          </a:xfrm>
+          <a:prstGeom prst="rect">
+            <a:avLst/>
+          </a:prstGeom>
+          <a:noFill/>
+        </p:spPr>
+        <p:txBody>
+          <a:bodyPr wrap="square">
+            <a:spAutoFit/>
+          </a:bodyPr>
+          <a:lstStyle/>
+          <a:p>
+            <a:pPr marL="342900" marR="0" lvl="0" indent="-342900">
+              <a:lnSpc>
+                <a:spcPct val="150000"/>
+              </a:lnSpc>
+              <a:spcBef>
+                <a:spcPts val="0"/>
+              </a:spcBef>
+              <a:spcAft>
+                <a:spcPts val="0"/>
+              </a:spcAft>
+              <a:buFont typeface="+mj-lt"/>
+              <a:buAutoNum type="arabicPeriod"/>
+            </a:pPr>
+            <a:r>
+              <a:rPr lang="en-US" sz="1800" dirty="0">
+                <a:effectLst/>
+                <a:latin typeface="Times New Roman" panose="02020603050405020304" pitchFamily="18" charset="0"/>
+                <a:ea typeface="Times New Roman" panose="02020603050405020304" pitchFamily="18" charset="0"/>
+                <a:cs typeface="Times New Roman" panose="02020603050405020304" pitchFamily="18" charset="0"/>
+              </a:rPr>
+              <a:t>“1. Language Processing and Python.” Accessed April 30, 2022. </a:t>
+            </a:r>
+            <a:r>
+              <a:rPr lang="en-US" sz="1800" dirty="0">
+                <a:solidFill>
+                  <a:srgbClr val="0000FF"/>
+                </a:solidFill>
+                <a:effectLst/>
+                <a:latin typeface="Times New Roman" panose="02020603050405020304" pitchFamily="18" charset="0"/>
+                <a:ea typeface="Times New Roman" panose="02020603050405020304" pitchFamily="18" charset="0"/>
+                <a:cs typeface="Times New Roman" panose="02020603050405020304" pitchFamily="18" charset="0"/>
+                <a:hlinkClick r:id="rId2"/>
+              </a:rPr>
+              <a:t>https://www.nltk.org/book/ch01.html</a:t>
+            </a:r>
+            <a:r>
+              <a:rPr lang="en-US" sz="1800" dirty="0">
+                <a:effectLst/>
+                <a:latin typeface="Times New Roman" panose="02020603050405020304" pitchFamily="18" charset="0"/>
+                <a:ea typeface="Times New Roman" panose="02020603050405020304" pitchFamily="18" charset="0"/>
+                <a:cs typeface="Times New Roman" panose="02020603050405020304" pitchFamily="18" charset="0"/>
+              </a:rPr>
+              <a:t>.</a:t>
+            </a:r>
+            <a:endParaRPr lang="en-US" sz="1600" dirty="0">
+              <a:effectLst/>
+              <a:latin typeface="Calibri" panose="020F0502020204030204" pitchFamily="34" charset="0"/>
+              <a:ea typeface="Calibri" panose="020F0502020204030204" pitchFamily="34" charset="0"/>
+              <a:cs typeface="Times New Roman" panose="02020603050405020304" pitchFamily="18" charset="0"/>
+            </a:endParaRPr>
+          </a:p>
+          <a:p>
+            <a:pPr marL="342900" marR="0" lvl="0" indent="-342900">
+              <a:lnSpc>
+                <a:spcPct val="150000"/>
+              </a:lnSpc>
+              <a:spcBef>
+                <a:spcPts val="0"/>
+              </a:spcBef>
+              <a:spcAft>
+                <a:spcPts val="0"/>
+              </a:spcAft>
+              <a:buFont typeface="+mj-lt"/>
+              <a:buAutoNum type="arabicPeriod"/>
+            </a:pPr>
+            <a:r>
+              <a:rPr lang="en-US" sz="1800" dirty="0">
+                <a:effectLst/>
+                <a:latin typeface="Times New Roman" panose="02020603050405020304" pitchFamily="18" charset="0"/>
+                <a:ea typeface="Times New Roman" panose="02020603050405020304" pitchFamily="18" charset="0"/>
+                <a:cs typeface="Times New Roman" panose="02020603050405020304" pitchFamily="18" charset="0"/>
+              </a:rPr>
+              <a:t>“2. Accessing Text Corpora and Lexical Resources.” Accessed April 30, 2022. </a:t>
+            </a:r>
+            <a:r>
+              <a:rPr lang="en-US" sz="1800" dirty="0">
+                <a:solidFill>
+                  <a:srgbClr val="0000FF"/>
+                </a:solidFill>
+                <a:effectLst/>
+                <a:latin typeface="Times New Roman" panose="02020603050405020304" pitchFamily="18" charset="0"/>
+                <a:ea typeface="Times New Roman" panose="02020603050405020304" pitchFamily="18" charset="0"/>
+                <a:cs typeface="Times New Roman" panose="02020603050405020304" pitchFamily="18" charset="0"/>
+                <a:hlinkClick r:id="rId3"/>
+              </a:rPr>
+              <a:t>https://www.nltk.org/book/ch02.html</a:t>
+            </a:r>
+            <a:r>
+              <a:rPr lang="en-US" sz="1800" dirty="0">
+                <a:effectLst/>
+                <a:latin typeface="Times New Roman" panose="02020603050405020304" pitchFamily="18" charset="0"/>
+                <a:ea typeface="Times New Roman" panose="02020603050405020304" pitchFamily="18" charset="0"/>
+                <a:cs typeface="Times New Roman" panose="02020603050405020304" pitchFamily="18" charset="0"/>
+              </a:rPr>
+              <a:t>.</a:t>
+            </a:r>
+            <a:endParaRPr lang="en-US" sz="1600" dirty="0">
+              <a:effectLst/>
+              <a:latin typeface="Calibri" panose="020F0502020204030204" pitchFamily="34" charset="0"/>
+              <a:ea typeface="Calibri" panose="020F0502020204030204" pitchFamily="34" charset="0"/>
+              <a:cs typeface="Times New Roman" panose="02020603050405020304" pitchFamily="18" charset="0"/>
+            </a:endParaRPr>
+          </a:p>
+          <a:p>
+            <a:pPr marL="342900" marR="0" lvl="0" indent="-342900">
+              <a:lnSpc>
+                <a:spcPct val="150000"/>
+              </a:lnSpc>
+              <a:spcBef>
+                <a:spcPts val="0"/>
+              </a:spcBef>
+              <a:spcAft>
+                <a:spcPts val="0"/>
+              </a:spcAft>
+              <a:buFont typeface="+mj-lt"/>
+              <a:buAutoNum type="arabicPeriod"/>
+            </a:pPr>
+            <a:r>
+              <a:rPr lang="en-US" sz="1800" dirty="0">
+                <a:effectLst/>
+                <a:latin typeface="Times New Roman" panose="02020603050405020304" pitchFamily="18" charset="0"/>
+                <a:ea typeface="Times New Roman" panose="02020603050405020304" pitchFamily="18" charset="0"/>
+                <a:cs typeface="Times New Roman" panose="02020603050405020304" pitchFamily="18" charset="0"/>
+              </a:rPr>
+              <a:t>“8. Analyzing Sentence Structure.” Accessed May 4, 2022. </a:t>
+            </a:r>
+            <a:r>
+              <a:rPr lang="en-US" sz="1800" dirty="0">
+                <a:solidFill>
+                  <a:srgbClr val="0000FF"/>
+                </a:solidFill>
+                <a:effectLst/>
+                <a:latin typeface="Times New Roman" panose="02020603050405020304" pitchFamily="18" charset="0"/>
+                <a:ea typeface="Times New Roman" panose="02020603050405020304" pitchFamily="18" charset="0"/>
+                <a:cs typeface="Times New Roman" panose="02020603050405020304" pitchFamily="18" charset="0"/>
+                <a:hlinkClick r:id="rId4"/>
+              </a:rPr>
+              <a:t>https://www.nltk.org/book/ch08.html</a:t>
+            </a:r>
+            <a:r>
+              <a:rPr lang="en-US" sz="1800" dirty="0">
+                <a:effectLst/>
+                <a:latin typeface="Times New Roman" panose="02020603050405020304" pitchFamily="18" charset="0"/>
+                <a:ea typeface="Times New Roman" panose="02020603050405020304" pitchFamily="18" charset="0"/>
+                <a:cs typeface="Times New Roman" panose="02020603050405020304" pitchFamily="18" charset="0"/>
+              </a:rPr>
+              <a:t>.</a:t>
+            </a:r>
+            <a:endParaRPr lang="en-US" sz="1600" dirty="0">
+              <a:effectLst/>
+              <a:latin typeface="Calibri" panose="020F0502020204030204" pitchFamily="34" charset="0"/>
+              <a:ea typeface="Calibri" panose="020F0502020204030204" pitchFamily="34" charset="0"/>
+              <a:cs typeface="Times New Roman" panose="02020603050405020304" pitchFamily="18" charset="0"/>
+            </a:endParaRPr>
+          </a:p>
+          <a:p>
+            <a:pPr marL="342900" marR="0" lvl="0" indent="-342900">
+              <a:lnSpc>
+                <a:spcPct val="150000"/>
+              </a:lnSpc>
+              <a:spcBef>
+                <a:spcPts val="0"/>
+              </a:spcBef>
+              <a:spcAft>
+                <a:spcPts val="0"/>
+              </a:spcAft>
+              <a:buFont typeface="+mj-lt"/>
+              <a:buAutoNum type="arabicPeriod"/>
+            </a:pPr>
+            <a:r>
+              <a:rPr lang="en-US" sz="1800" dirty="0">
+                <a:effectLst/>
+                <a:latin typeface="Times New Roman" panose="02020603050405020304" pitchFamily="18" charset="0"/>
+                <a:ea typeface="Times New Roman" panose="02020603050405020304" pitchFamily="18" charset="0"/>
+                <a:cs typeface="Times New Roman" panose="02020603050405020304" pitchFamily="18" charset="0"/>
+              </a:rPr>
+              <a:t>“10. Full Grammar Specification — Python 3.10.4 Documentation.” Accessed May 4, 2022. </a:t>
+            </a:r>
+            <a:r>
+              <a:rPr lang="en-US" sz="1800" dirty="0">
+                <a:solidFill>
+                  <a:srgbClr val="0000FF"/>
+                </a:solidFill>
+                <a:effectLst/>
+                <a:latin typeface="Times New Roman" panose="02020603050405020304" pitchFamily="18" charset="0"/>
+                <a:ea typeface="Times New Roman" panose="02020603050405020304" pitchFamily="18" charset="0"/>
+                <a:cs typeface="Times New Roman" panose="02020603050405020304" pitchFamily="18" charset="0"/>
+                <a:hlinkClick r:id="rId5"/>
+              </a:rPr>
+              <a:t>https://docs.python.org/3/reference/grammar.html</a:t>
+            </a:r>
+            <a:r>
+              <a:rPr lang="en-US" sz="1800" dirty="0">
+                <a:effectLst/>
+                <a:latin typeface="Times New Roman" panose="02020603050405020304" pitchFamily="18" charset="0"/>
+                <a:ea typeface="Times New Roman" panose="02020603050405020304" pitchFamily="18" charset="0"/>
+                <a:cs typeface="Times New Roman" panose="02020603050405020304" pitchFamily="18" charset="0"/>
+              </a:rPr>
+              <a:t>.</a:t>
+            </a:r>
+            <a:endParaRPr lang="en-US" sz="1600" dirty="0">
+              <a:effectLst/>
+              <a:latin typeface="Calibri" panose="020F0502020204030204" pitchFamily="34" charset="0"/>
+              <a:ea typeface="Calibri" panose="020F0502020204030204" pitchFamily="34" charset="0"/>
+              <a:cs typeface="Times New Roman" panose="02020603050405020304" pitchFamily="18" charset="0"/>
+            </a:endParaRPr>
+          </a:p>
+          <a:p>
+            <a:pPr marL="342900" marR="0" lvl="0" indent="-342900">
+              <a:lnSpc>
+                <a:spcPct val="150000"/>
+              </a:lnSpc>
+              <a:spcBef>
+                <a:spcPts val="0"/>
+              </a:spcBef>
+              <a:spcAft>
+                <a:spcPts val="0"/>
+              </a:spcAft>
+              <a:buFont typeface="+mj-lt"/>
+              <a:buAutoNum type="arabicPeriod"/>
+            </a:pPr>
+            <a:r>
+              <a:rPr lang="en-US" sz="1800" dirty="0">
+                <a:effectLst/>
+                <a:latin typeface="Times New Roman" panose="02020603050405020304" pitchFamily="18" charset="0"/>
+                <a:ea typeface="Times New Roman" panose="02020603050405020304" pitchFamily="18" charset="0"/>
+                <a:cs typeface="Times New Roman" panose="02020603050405020304" pitchFamily="18" charset="0"/>
+              </a:rPr>
+              <a:t>dzone.com. “A Guide to Parsing: Algorithms and Technology (Part 8) - </a:t>
+            </a:r>
+            <a:r>
+              <a:rPr lang="en-US" sz="1800" dirty="0" err="1">
+                <a:effectLst/>
+                <a:latin typeface="Times New Roman" panose="02020603050405020304" pitchFamily="18" charset="0"/>
+                <a:ea typeface="Times New Roman" panose="02020603050405020304" pitchFamily="18" charset="0"/>
+                <a:cs typeface="Times New Roman" panose="02020603050405020304" pitchFamily="18" charset="0"/>
+              </a:rPr>
+              <a:t>DZone</a:t>
+            </a:r>
+            <a:r>
+              <a:rPr lang="en-US" sz="1800" dirty="0">
+                <a:effectLst/>
+                <a:latin typeface="Times New Roman" panose="02020603050405020304" pitchFamily="18" charset="0"/>
+                <a:ea typeface="Times New Roman" panose="02020603050405020304" pitchFamily="18" charset="0"/>
+                <a:cs typeface="Times New Roman" panose="02020603050405020304" pitchFamily="18" charset="0"/>
+              </a:rPr>
+              <a:t> AI.” Accessed April 30, 2022. </a:t>
+            </a:r>
+            <a:r>
+              <a:rPr lang="en-US" sz="1800" dirty="0">
+                <a:solidFill>
+                  <a:srgbClr val="0000FF"/>
+                </a:solidFill>
+                <a:effectLst/>
+                <a:latin typeface="Times New Roman" panose="02020603050405020304" pitchFamily="18" charset="0"/>
+                <a:ea typeface="Times New Roman" panose="02020603050405020304" pitchFamily="18" charset="0"/>
+                <a:cs typeface="Times New Roman" panose="02020603050405020304" pitchFamily="18" charset="0"/>
+                <a:hlinkClick r:id="rId6"/>
+              </a:rPr>
+              <a:t>https://dzone.com/articles/a-guide-to-parsing-algorithms-and-technology-part-2</a:t>
+            </a:r>
+            <a:r>
+              <a:rPr lang="en-US" sz="1800" dirty="0">
+                <a:effectLst/>
+                <a:latin typeface="Times New Roman" panose="02020603050405020304" pitchFamily="18" charset="0"/>
+                <a:ea typeface="Times New Roman" panose="02020603050405020304" pitchFamily="18" charset="0"/>
+                <a:cs typeface="Times New Roman" panose="02020603050405020304" pitchFamily="18" charset="0"/>
+              </a:rPr>
+              <a:t>.</a:t>
+            </a:r>
+            <a:endParaRPr lang="en-US" sz="1600" dirty="0">
+              <a:effectLst/>
+              <a:latin typeface="Calibri" panose="020F0502020204030204" pitchFamily="34" charset="0"/>
+              <a:ea typeface="Calibri" panose="020F0502020204030204" pitchFamily="34" charset="0"/>
+              <a:cs typeface="Times New Roman" panose="02020603050405020304" pitchFamily="18" charset="0"/>
+            </a:endParaRPr>
+          </a:p>
+          <a:p>
+            <a:pPr marL="342900" marR="0" lvl="0" indent="-342900">
+              <a:lnSpc>
+                <a:spcPct val="150000"/>
+              </a:lnSpc>
+              <a:spcBef>
+                <a:spcPts val="0"/>
+              </a:spcBef>
+              <a:spcAft>
+                <a:spcPts val="0"/>
+              </a:spcAft>
+              <a:buFont typeface="+mj-lt"/>
+              <a:buAutoNum type="arabicPeriod"/>
+            </a:pPr>
+            <a:r>
+              <a:rPr lang="en-US" sz="1800" dirty="0">
+                <a:effectLst/>
+                <a:latin typeface="Times New Roman" panose="02020603050405020304" pitchFamily="18" charset="0"/>
+                <a:ea typeface="Times New Roman" panose="02020603050405020304" pitchFamily="18" charset="0"/>
+                <a:cs typeface="Times New Roman" panose="02020603050405020304" pitchFamily="18" charset="0"/>
+              </a:rPr>
+              <a:t>“</a:t>
+            </a:r>
+            <a:r>
+              <a:rPr lang="en-US" sz="1800" dirty="0" err="1">
+                <a:effectLst/>
+                <a:latin typeface="Times New Roman" panose="02020603050405020304" pitchFamily="18" charset="0"/>
+                <a:ea typeface="Times New Roman" panose="02020603050405020304" pitchFamily="18" charset="0"/>
+                <a:cs typeface="Times New Roman" panose="02020603050405020304" pitchFamily="18" charset="0"/>
+              </a:rPr>
+              <a:t>Bài</a:t>
+            </a:r>
+            <a:r>
+              <a:rPr lang="en-US" sz="1800" dirty="0">
+                <a:effectLst/>
+                <a:latin typeface="Times New Roman" panose="02020603050405020304" pitchFamily="18" charset="0"/>
+                <a:ea typeface="Times New Roman" panose="02020603050405020304" pitchFamily="18" charset="0"/>
+                <a:cs typeface="Times New Roman" panose="02020603050405020304" pitchFamily="18" charset="0"/>
+              </a:rPr>
+              <a:t> 7 : </a:t>
+            </a:r>
+            <a:r>
+              <a:rPr lang="en-US" sz="1800" dirty="0" err="1">
+                <a:effectLst/>
+                <a:latin typeface="Times New Roman" panose="02020603050405020304" pitchFamily="18" charset="0"/>
+                <a:ea typeface="Times New Roman" panose="02020603050405020304" pitchFamily="18" charset="0"/>
+                <a:cs typeface="Times New Roman" panose="02020603050405020304" pitchFamily="18" charset="0"/>
+              </a:rPr>
+              <a:t>Lập</a:t>
+            </a:r>
+            <a:r>
+              <a:rPr lang="en-US" sz="1800" dirty="0">
+                <a:effectLst/>
+                <a:latin typeface="Times New Roman" panose="02020603050405020304" pitchFamily="18" charset="0"/>
+                <a:ea typeface="Times New Roman" panose="02020603050405020304" pitchFamily="18" charset="0"/>
+                <a:cs typeface="Times New Roman" panose="02020603050405020304" pitchFamily="18" charset="0"/>
+              </a:rPr>
+              <a:t> </a:t>
+            </a:r>
+            <a:r>
+              <a:rPr lang="en-US" sz="1800" dirty="0" err="1">
+                <a:effectLst/>
+                <a:latin typeface="Times New Roman" panose="02020603050405020304" pitchFamily="18" charset="0"/>
+                <a:ea typeface="Times New Roman" panose="02020603050405020304" pitchFamily="18" charset="0"/>
+                <a:cs typeface="Times New Roman" panose="02020603050405020304" pitchFamily="18" charset="0"/>
+              </a:rPr>
+              <a:t>Trình</a:t>
+            </a:r>
+            <a:r>
+              <a:rPr lang="en-US" sz="1800" dirty="0">
+                <a:effectLst/>
+                <a:latin typeface="Times New Roman" panose="02020603050405020304" pitchFamily="18" charset="0"/>
+                <a:ea typeface="Times New Roman" panose="02020603050405020304" pitchFamily="18" charset="0"/>
+                <a:cs typeface="Times New Roman" panose="02020603050405020304" pitchFamily="18" charset="0"/>
+              </a:rPr>
+              <a:t> Giao </a:t>
+            </a:r>
+            <a:r>
+              <a:rPr lang="en-US" sz="1800" dirty="0" err="1">
+                <a:effectLst/>
+                <a:latin typeface="Times New Roman" panose="02020603050405020304" pitchFamily="18" charset="0"/>
+                <a:ea typeface="Times New Roman" panose="02020603050405020304" pitchFamily="18" charset="0"/>
+                <a:cs typeface="Times New Roman" panose="02020603050405020304" pitchFamily="18" charset="0"/>
+              </a:rPr>
+              <a:t>Diện</a:t>
+            </a:r>
+            <a:r>
+              <a:rPr lang="en-US" sz="1800" dirty="0">
+                <a:effectLst/>
+                <a:latin typeface="Times New Roman" panose="02020603050405020304" pitchFamily="18" charset="0"/>
+                <a:ea typeface="Times New Roman" panose="02020603050405020304" pitchFamily="18" charset="0"/>
+                <a:cs typeface="Times New Roman" panose="02020603050405020304" pitchFamily="18" charset="0"/>
+              </a:rPr>
+              <a:t> Với PyQt5 Cho </a:t>
+            </a:r>
+            <a:r>
+              <a:rPr lang="en-US" sz="1800" dirty="0" err="1">
+                <a:effectLst/>
+                <a:latin typeface="Times New Roman" panose="02020603050405020304" pitchFamily="18" charset="0"/>
+                <a:ea typeface="Times New Roman" panose="02020603050405020304" pitchFamily="18" charset="0"/>
+                <a:cs typeface="Times New Roman" panose="02020603050405020304" pitchFamily="18" charset="0"/>
+              </a:rPr>
+              <a:t>RaspberryPi</a:t>
+            </a:r>
+            <a:r>
+              <a:rPr lang="en-US" sz="1800" dirty="0">
+                <a:effectLst/>
+                <a:latin typeface="Times New Roman" panose="02020603050405020304" pitchFamily="18" charset="0"/>
+                <a:ea typeface="Times New Roman" panose="02020603050405020304" pitchFamily="18" charset="0"/>
+                <a:cs typeface="Times New Roman" panose="02020603050405020304" pitchFamily="18" charset="0"/>
+              </a:rPr>
+              <a:t> - </a:t>
+            </a:r>
+            <a:r>
+              <a:rPr lang="en-US" sz="1800" dirty="0" err="1">
+                <a:effectLst/>
+                <a:latin typeface="Times New Roman" panose="02020603050405020304" pitchFamily="18" charset="0"/>
+                <a:ea typeface="Times New Roman" panose="02020603050405020304" pitchFamily="18" charset="0"/>
+                <a:cs typeface="Times New Roman" panose="02020603050405020304" pitchFamily="18" charset="0"/>
+              </a:rPr>
+              <a:t>Phần</a:t>
+            </a:r>
+            <a:r>
+              <a:rPr lang="en-US" sz="1800" dirty="0">
+                <a:effectLst/>
+                <a:latin typeface="Times New Roman" panose="02020603050405020304" pitchFamily="18" charset="0"/>
+                <a:ea typeface="Times New Roman" panose="02020603050405020304" pitchFamily="18" charset="0"/>
+                <a:cs typeface="Times New Roman" panose="02020603050405020304" pitchFamily="18" charset="0"/>
+              </a:rPr>
+              <a:t> 1.” Accessed April 30, 2022. </a:t>
+            </a:r>
+            <a:r>
+              <a:rPr lang="en-US" sz="1800" dirty="0">
+                <a:solidFill>
+                  <a:srgbClr val="0000FF"/>
+                </a:solidFill>
+                <a:effectLst/>
+                <a:latin typeface="Times New Roman" panose="02020603050405020304" pitchFamily="18" charset="0"/>
+                <a:ea typeface="Times New Roman" panose="02020603050405020304" pitchFamily="18" charset="0"/>
+                <a:cs typeface="Times New Roman" panose="02020603050405020304" pitchFamily="18" charset="0"/>
+                <a:hlinkClick r:id="rId7"/>
+              </a:rPr>
+              <a:t>https://mlab.vn/index.php?_route_=17161-bai-7-lap-trinh-giao-dien-voi-pyqt5-cho-raspberrypi-phan-1.html</a:t>
+            </a:r>
+            <a:r>
+              <a:rPr lang="en-US" sz="1800" dirty="0">
+                <a:effectLst/>
+                <a:latin typeface="Times New Roman" panose="02020603050405020304" pitchFamily="18" charset="0"/>
+                <a:ea typeface="Times New Roman" panose="02020603050405020304" pitchFamily="18" charset="0"/>
+                <a:cs typeface="Times New Roman" panose="02020603050405020304" pitchFamily="18" charset="0"/>
+              </a:rPr>
+              <a:t>.</a:t>
+            </a:r>
+            <a:endParaRPr lang="en-US" sz="1600" dirty="0">
+              <a:effectLst/>
+              <a:latin typeface="Calibri" panose="020F0502020204030204" pitchFamily="34" charset="0"/>
+              <a:ea typeface="Calibri" panose="020F0502020204030204" pitchFamily="34" charset="0"/>
+              <a:cs typeface="Times New Roman" panose="02020603050405020304" pitchFamily="18" charset="0"/>
+            </a:endParaRPr>
+          </a:p>
+          <a:p>
+            <a:pPr marL="342900" marR="0" lvl="0" indent="-342900">
+              <a:lnSpc>
+                <a:spcPct val="150000"/>
+              </a:lnSpc>
+              <a:spcBef>
+                <a:spcPts val="0"/>
+              </a:spcBef>
+              <a:spcAft>
+                <a:spcPts val="0"/>
+              </a:spcAft>
+              <a:buFont typeface="+mj-lt"/>
+              <a:buAutoNum type="arabicPeriod"/>
+            </a:pPr>
+            <a:r>
+              <a:rPr lang="en-US" sz="1800" dirty="0">
+                <a:effectLst/>
+                <a:latin typeface="Times New Roman" panose="02020603050405020304" pitchFamily="18" charset="0"/>
+                <a:ea typeface="Times New Roman" panose="02020603050405020304" pitchFamily="18" charset="0"/>
+                <a:cs typeface="Times New Roman" panose="02020603050405020304" pitchFamily="18" charset="0"/>
+              </a:rPr>
+              <a:t>“Base of All Parser — </a:t>
+            </a:r>
+            <a:r>
+              <a:rPr lang="en-US" sz="1800" dirty="0" err="1">
+                <a:effectLst/>
+                <a:latin typeface="Times New Roman" panose="02020603050405020304" pitchFamily="18" charset="0"/>
+                <a:ea typeface="Times New Roman" panose="02020603050405020304" pitchFamily="18" charset="0"/>
+                <a:cs typeface="Times New Roman" panose="02020603050405020304" pitchFamily="18" charset="0"/>
+              </a:rPr>
+              <a:t>Pyrser</a:t>
+            </a:r>
+            <a:r>
+              <a:rPr lang="en-US" sz="1800" dirty="0">
+                <a:effectLst/>
+                <a:latin typeface="Times New Roman" panose="02020603050405020304" pitchFamily="18" charset="0"/>
+                <a:ea typeface="Times New Roman" panose="02020603050405020304" pitchFamily="18" charset="0"/>
+                <a:cs typeface="Times New Roman" panose="02020603050405020304" pitchFamily="18" charset="0"/>
+              </a:rPr>
+              <a:t> 0.0.10 Documentation.” Accessed May 4, 2022. </a:t>
+            </a:r>
+            <a:r>
+              <a:rPr lang="en-US" sz="1800" dirty="0">
+                <a:solidFill>
+                  <a:srgbClr val="0000FF"/>
+                </a:solidFill>
+                <a:effectLst/>
+                <a:latin typeface="Times New Roman" panose="02020603050405020304" pitchFamily="18" charset="0"/>
+                <a:ea typeface="Times New Roman" panose="02020603050405020304" pitchFamily="18" charset="0"/>
+                <a:cs typeface="Times New Roman" panose="02020603050405020304" pitchFamily="18" charset="0"/>
+                <a:hlinkClick r:id="rId8"/>
+              </a:rPr>
+              <a:t>https://pythonhosted.org/pyrser/base.html#grammar-composition</a:t>
+            </a:r>
+            <a:r>
+              <a:rPr lang="en-US" sz="1800" dirty="0">
+                <a:effectLst/>
+                <a:latin typeface="Times New Roman" panose="02020603050405020304" pitchFamily="18" charset="0"/>
+                <a:ea typeface="Times New Roman" panose="02020603050405020304" pitchFamily="18" charset="0"/>
+                <a:cs typeface="Times New Roman" panose="02020603050405020304" pitchFamily="18" charset="0"/>
+              </a:rPr>
+              <a:t>.</a:t>
+            </a:r>
+            <a:endParaRPr lang="en-US" sz="1600" dirty="0">
+              <a:effectLst/>
+              <a:latin typeface="Calibri" panose="020F0502020204030204" pitchFamily="34" charset="0"/>
+              <a:ea typeface="Calibri" panose="020F0502020204030204" pitchFamily="34" charset="0"/>
+              <a:cs typeface="Times New Roman" panose="02020603050405020304" pitchFamily="18" charset="0"/>
+            </a:endParaRPr>
+          </a:p>
+          <a:p>
+            <a:pPr marL="342900" marR="0" lvl="0" indent="-342900">
+              <a:lnSpc>
+                <a:spcPct val="150000"/>
+              </a:lnSpc>
+              <a:spcBef>
+                <a:spcPts val="0"/>
+              </a:spcBef>
+              <a:spcAft>
+                <a:spcPts val="0"/>
+              </a:spcAft>
+              <a:buFont typeface="+mj-lt"/>
+              <a:buAutoNum type="arabicPeriod"/>
+            </a:pPr>
+            <a:r>
+              <a:rPr lang="en-US" sz="1800" dirty="0" err="1">
+                <a:effectLst/>
+                <a:latin typeface="Times New Roman" panose="02020603050405020304" pitchFamily="18" charset="0"/>
+                <a:ea typeface="Times New Roman" panose="02020603050405020304" pitchFamily="18" charset="0"/>
+                <a:cs typeface="Times New Roman" panose="02020603050405020304" pitchFamily="18" charset="0"/>
+              </a:rPr>
+              <a:t>Comdy</a:t>
+            </a:r>
+            <a:r>
+              <a:rPr lang="en-US" sz="1800" dirty="0">
+                <a:effectLst/>
+                <a:latin typeface="Times New Roman" panose="02020603050405020304" pitchFamily="18" charset="0"/>
+                <a:ea typeface="Times New Roman" panose="02020603050405020304" pitchFamily="18" charset="0"/>
+                <a:cs typeface="Times New Roman" panose="02020603050405020304" pitchFamily="18" charset="0"/>
+              </a:rPr>
+              <a:t>. “</a:t>
+            </a:r>
+            <a:r>
+              <a:rPr lang="en-US" sz="1800" dirty="0" err="1">
+                <a:effectLst/>
+                <a:latin typeface="Times New Roman" panose="02020603050405020304" pitchFamily="18" charset="0"/>
+                <a:ea typeface="Times New Roman" panose="02020603050405020304" pitchFamily="18" charset="0"/>
+                <a:cs typeface="Times New Roman" panose="02020603050405020304" pitchFamily="18" charset="0"/>
+              </a:rPr>
+              <a:t>Các</a:t>
+            </a:r>
+            <a:r>
+              <a:rPr lang="en-US" sz="1800" dirty="0">
+                <a:effectLst/>
+                <a:latin typeface="Times New Roman" panose="02020603050405020304" pitchFamily="18" charset="0"/>
+                <a:ea typeface="Times New Roman" panose="02020603050405020304" pitchFamily="18" charset="0"/>
+                <a:cs typeface="Times New Roman" panose="02020603050405020304" pitchFamily="18" charset="0"/>
+              </a:rPr>
+              <a:t> </a:t>
+            </a:r>
+            <a:r>
+              <a:rPr lang="en-US" sz="1800" dirty="0" err="1">
+                <a:effectLst/>
+                <a:latin typeface="Times New Roman" panose="02020603050405020304" pitchFamily="18" charset="0"/>
+                <a:ea typeface="Times New Roman" panose="02020603050405020304" pitchFamily="18" charset="0"/>
+                <a:cs typeface="Times New Roman" panose="02020603050405020304" pitchFamily="18" charset="0"/>
+              </a:rPr>
+              <a:t>giai</a:t>
+            </a:r>
+            <a:r>
+              <a:rPr lang="en-US" sz="1800" dirty="0">
+                <a:effectLst/>
+                <a:latin typeface="Times New Roman" panose="02020603050405020304" pitchFamily="18" charset="0"/>
+                <a:ea typeface="Times New Roman" panose="02020603050405020304" pitchFamily="18" charset="0"/>
+                <a:cs typeface="Times New Roman" panose="02020603050405020304" pitchFamily="18" charset="0"/>
+              </a:rPr>
+              <a:t> </a:t>
+            </a:r>
+            <a:r>
+              <a:rPr lang="en-US" sz="1800" dirty="0" err="1">
+                <a:effectLst/>
+                <a:latin typeface="Times New Roman" panose="02020603050405020304" pitchFamily="18" charset="0"/>
+                <a:ea typeface="Times New Roman" panose="02020603050405020304" pitchFamily="18" charset="0"/>
+                <a:cs typeface="Times New Roman" panose="02020603050405020304" pitchFamily="18" charset="0"/>
+              </a:rPr>
+              <a:t>đoạn</a:t>
+            </a:r>
+            <a:r>
+              <a:rPr lang="en-US" sz="1800" dirty="0">
+                <a:effectLst/>
+                <a:latin typeface="Times New Roman" panose="02020603050405020304" pitchFamily="18" charset="0"/>
+                <a:ea typeface="Times New Roman" panose="02020603050405020304" pitchFamily="18" charset="0"/>
+                <a:cs typeface="Times New Roman" panose="02020603050405020304" pitchFamily="18" charset="0"/>
+              </a:rPr>
+              <a:t> </a:t>
+            </a:r>
+            <a:r>
+              <a:rPr lang="en-US" sz="1800" dirty="0" err="1">
+                <a:effectLst/>
+                <a:latin typeface="Times New Roman" panose="02020603050405020304" pitchFamily="18" charset="0"/>
+                <a:ea typeface="Times New Roman" panose="02020603050405020304" pitchFamily="18" charset="0"/>
+                <a:cs typeface="Times New Roman" panose="02020603050405020304" pitchFamily="18" charset="0"/>
+              </a:rPr>
+              <a:t>của</a:t>
+            </a:r>
+            <a:r>
+              <a:rPr lang="en-US" sz="1800" dirty="0">
+                <a:effectLst/>
+                <a:latin typeface="Times New Roman" panose="02020603050405020304" pitchFamily="18" charset="0"/>
+                <a:ea typeface="Times New Roman" panose="02020603050405020304" pitchFamily="18" charset="0"/>
+                <a:cs typeface="Times New Roman" panose="02020603050405020304" pitchFamily="18" charset="0"/>
+              </a:rPr>
+              <a:t> </a:t>
+            </a:r>
+            <a:r>
+              <a:rPr lang="en-US" sz="1800" dirty="0" err="1">
+                <a:effectLst/>
+                <a:latin typeface="Times New Roman" panose="02020603050405020304" pitchFamily="18" charset="0"/>
+                <a:ea typeface="Times New Roman" panose="02020603050405020304" pitchFamily="18" charset="0"/>
+                <a:cs typeface="Times New Roman" panose="02020603050405020304" pitchFamily="18" charset="0"/>
+              </a:rPr>
+              <a:t>trình</a:t>
+            </a:r>
+            <a:r>
+              <a:rPr lang="en-US" sz="1800" dirty="0">
+                <a:effectLst/>
+                <a:latin typeface="Times New Roman" panose="02020603050405020304" pitchFamily="18" charset="0"/>
+                <a:ea typeface="Times New Roman" panose="02020603050405020304" pitchFamily="18" charset="0"/>
+                <a:cs typeface="Times New Roman" panose="02020603050405020304" pitchFamily="18" charset="0"/>
+              </a:rPr>
+              <a:t> </a:t>
+            </a:r>
+            <a:r>
+              <a:rPr lang="en-US" sz="1800" dirty="0" err="1">
+                <a:effectLst/>
+                <a:latin typeface="Times New Roman" panose="02020603050405020304" pitchFamily="18" charset="0"/>
+                <a:ea typeface="Times New Roman" panose="02020603050405020304" pitchFamily="18" charset="0"/>
+                <a:cs typeface="Times New Roman" panose="02020603050405020304" pitchFamily="18" charset="0"/>
+              </a:rPr>
+              <a:t>biên</a:t>
+            </a:r>
+            <a:r>
+              <a:rPr lang="en-US" sz="1800" dirty="0">
+                <a:effectLst/>
+                <a:latin typeface="Times New Roman" panose="02020603050405020304" pitchFamily="18" charset="0"/>
+                <a:ea typeface="Times New Roman" panose="02020603050405020304" pitchFamily="18" charset="0"/>
+                <a:cs typeface="Times New Roman" panose="02020603050405020304" pitchFamily="18" charset="0"/>
+              </a:rPr>
+              <a:t> </a:t>
+            </a:r>
+            <a:r>
+              <a:rPr lang="en-US" sz="1800" dirty="0" err="1">
+                <a:effectLst/>
+                <a:latin typeface="Times New Roman" panose="02020603050405020304" pitchFamily="18" charset="0"/>
+                <a:ea typeface="Times New Roman" panose="02020603050405020304" pitchFamily="18" charset="0"/>
+                <a:cs typeface="Times New Roman" panose="02020603050405020304" pitchFamily="18" charset="0"/>
+              </a:rPr>
+              <a:t>dịch</a:t>
+            </a:r>
+            <a:r>
+              <a:rPr lang="en-US" sz="1800" dirty="0">
+                <a:effectLst/>
+                <a:latin typeface="Times New Roman" panose="02020603050405020304" pitchFamily="18" charset="0"/>
+                <a:ea typeface="Times New Roman" panose="02020603050405020304" pitchFamily="18" charset="0"/>
+                <a:cs typeface="Times New Roman" panose="02020603050405020304" pitchFamily="18" charset="0"/>
+              </a:rPr>
+              <a:t>,” May 24, 2020. </a:t>
+            </a:r>
+            <a:r>
+              <a:rPr lang="en-US" sz="1800" dirty="0">
+                <a:solidFill>
+                  <a:srgbClr val="0000FF"/>
+                </a:solidFill>
+                <a:effectLst/>
+                <a:latin typeface="Times New Roman" panose="02020603050405020304" pitchFamily="18" charset="0"/>
+                <a:ea typeface="Times New Roman" panose="02020603050405020304" pitchFamily="18" charset="0"/>
+                <a:cs typeface="Times New Roman" panose="02020603050405020304" pitchFamily="18" charset="0"/>
+                <a:hlinkClick r:id="rId9"/>
+              </a:rPr>
+              <a:t>https://comdy.vn/trinh-bien-dich/cac-giai-doan-cua-trinh-bien-dich/</a:t>
+            </a:r>
+            <a:r>
+              <a:rPr lang="en-US" sz="1800" dirty="0">
+                <a:effectLst/>
+                <a:latin typeface="Times New Roman" panose="02020603050405020304" pitchFamily="18" charset="0"/>
+                <a:ea typeface="Times New Roman" panose="02020603050405020304" pitchFamily="18" charset="0"/>
+                <a:cs typeface="Times New Roman" panose="02020603050405020304" pitchFamily="18" charset="0"/>
+              </a:rPr>
+              <a:t>.</a:t>
+            </a:r>
+            <a:endParaRPr lang="en-US" sz="1600" dirty="0">
+              <a:effectLst/>
+              <a:latin typeface="Calibri" panose="020F0502020204030204" pitchFamily="34" charset="0"/>
+              <a:ea typeface="Calibri" panose="020F0502020204030204" pitchFamily="34" charset="0"/>
+              <a:cs typeface="Times New Roman" panose="02020603050405020304" pitchFamily="18" charset="0"/>
+            </a:endParaRPr>
+          </a:p>
+          <a:p>
+            <a:pPr marL="342900" marR="0" lvl="0" indent="-342900">
+              <a:lnSpc>
+                <a:spcPct val="150000"/>
+              </a:lnSpc>
+              <a:spcBef>
+                <a:spcPts val="0"/>
+              </a:spcBef>
+              <a:spcAft>
+                <a:spcPts val="0"/>
+              </a:spcAft>
+              <a:buFont typeface="+mj-lt"/>
+              <a:buAutoNum type="arabicPeriod"/>
+            </a:pPr>
+            <a:r>
+              <a:rPr lang="en-US" sz="1800" dirty="0">
+                <a:effectLst/>
+                <a:latin typeface="Times New Roman" panose="02020603050405020304" pitchFamily="18" charset="0"/>
+                <a:ea typeface="Times New Roman" panose="02020603050405020304" pitchFamily="18" charset="0"/>
+                <a:cs typeface="Times New Roman" panose="02020603050405020304" pitchFamily="18" charset="0"/>
+              </a:rPr>
+              <a:t>Computer Science. </a:t>
+            </a:r>
+            <a:r>
+              <a:rPr lang="en-US" sz="1800" i="1" dirty="0">
+                <a:effectLst/>
+                <a:latin typeface="Times New Roman" panose="02020603050405020304" pitchFamily="18" charset="0"/>
+                <a:ea typeface="Times New Roman" panose="02020603050405020304" pitchFamily="18" charset="0"/>
+                <a:cs typeface="Times New Roman" panose="02020603050405020304" pitchFamily="18" charset="0"/>
+              </a:rPr>
+              <a:t>Compilation - Part Two: Lexical Analysis</a:t>
+            </a:r>
+            <a:r>
+              <a:rPr lang="en-US" sz="1800" dirty="0">
+                <a:effectLst/>
+                <a:latin typeface="Times New Roman" panose="02020603050405020304" pitchFamily="18" charset="0"/>
+                <a:ea typeface="Times New Roman" panose="02020603050405020304" pitchFamily="18" charset="0"/>
+                <a:cs typeface="Times New Roman" panose="02020603050405020304" pitchFamily="18" charset="0"/>
+              </a:rPr>
+              <a:t>, 2018. </a:t>
+            </a:r>
+            <a:r>
+              <a:rPr lang="en-US" sz="1800" dirty="0">
+                <a:solidFill>
+                  <a:srgbClr val="0000FF"/>
+                </a:solidFill>
+                <a:effectLst/>
+                <a:latin typeface="Times New Roman" panose="02020603050405020304" pitchFamily="18" charset="0"/>
+                <a:ea typeface="Times New Roman" panose="02020603050405020304" pitchFamily="18" charset="0"/>
+                <a:cs typeface="Times New Roman" panose="02020603050405020304" pitchFamily="18" charset="0"/>
+                <a:hlinkClick r:id="rId10"/>
+              </a:rPr>
+              <a:t>https://www.youtube.com/watch?v=sJKFLcsysVs</a:t>
+            </a:r>
+            <a:r>
+              <a:rPr lang="en-US" sz="1800" dirty="0">
+                <a:effectLst/>
+                <a:latin typeface="Times New Roman" panose="02020603050405020304" pitchFamily="18" charset="0"/>
+                <a:ea typeface="Times New Roman" panose="02020603050405020304" pitchFamily="18" charset="0"/>
+                <a:cs typeface="Times New Roman" panose="02020603050405020304" pitchFamily="18" charset="0"/>
+              </a:rPr>
+              <a:t>.</a:t>
+            </a:r>
+            <a:endParaRPr lang="en-US" sz="1600" dirty="0">
+              <a:effectLst/>
+              <a:latin typeface="Calibri" panose="020F0502020204030204" pitchFamily="34" charset="0"/>
+              <a:ea typeface="Calibri" panose="020F0502020204030204" pitchFamily="34" charset="0"/>
+              <a:cs typeface="Times New Roman" panose="02020603050405020304" pitchFamily="18" charset="0"/>
+            </a:endParaRPr>
+          </a:p>
+          <a:p>
+            <a:pPr marL="342900" marR="0" lvl="0" indent="-342900">
+              <a:lnSpc>
+                <a:spcPct val="150000"/>
+              </a:lnSpc>
+              <a:spcBef>
+                <a:spcPts val="0"/>
+              </a:spcBef>
+              <a:spcAft>
+                <a:spcPts val="0"/>
+              </a:spcAft>
+              <a:buFont typeface="+mj-lt"/>
+              <a:buAutoNum type="arabicPeriod"/>
+            </a:pPr>
+            <a:r>
+              <a:rPr lang="en-US" sz="1800" dirty="0" err="1">
+                <a:effectLst/>
+                <a:latin typeface="Times New Roman" panose="02020603050405020304" pitchFamily="18" charset="0"/>
+                <a:ea typeface="Times New Roman" panose="02020603050405020304" pitchFamily="18" charset="0"/>
+                <a:cs typeface="Times New Roman" panose="02020603050405020304" pitchFamily="18" charset="0"/>
+              </a:rPr>
+              <a:t>Helpex</a:t>
+            </a:r>
+            <a:r>
+              <a:rPr lang="en-US" sz="1800" dirty="0">
+                <a:effectLst/>
+                <a:latin typeface="Times New Roman" panose="02020603050405020304" pitchFamily="18" charset="0"/>
+                <a:ea typeface="Times New Roman" panose="02020603050405020304" pitchFamily="18" charset="0"/>
+                <a:cs typeface="Times New Roman" panose="02020603050405020304" pitchFamily="18" charset="0"/>
+              </a:rPr>
+              <a:t>. “</a:t>
+            </a:r>
+            <a:r>
+              <a:rPr lang="en-US" sz="1800" dirty="0" err="1">
+                <a:effectLst/>
+                <a:latin typeface="Times New Roman" panose="02020603050405020304" pitchFamily="18" charset="0"/>
+                <a:ea typeface="Times New Roman" panose="02020603050405020304" pitchFamily="18" charset="0"/>
+                <a:cs typeface="Times New Roman" panose="02020603050405020304" pitchFamily="18" charset="0"/>
+              </a:rPr>
+              <a:t>Phân</a:t>
+            </a:r>
+            <a:r>
+              <a:rPr lang="en-US" sz="1800" dirty="0">
+                <a:effectLst/>
+                <a:latin typeface="Times New Roman" panose="02020603050405020304" pitchFamily="18" charset="0"/>
+                <a:ea typeface="Times New Roman" panose="02020603050405020304" pitchFamily="18" charset="0"/>
+                <a:cs typeface="Times New Roman" panose="02020603050405020304" pitchFamily="18" charset="0"/>
+              </a:rPr>
+              <a:t> </a:t>
+            </a:r>
+            <a:r>
+              <a:rPr lang="en-US" sz="1800" dirty="0" err="1">
+                <a:effectLst/>
+                <a:latin typeface="Times New Roman" panose="02020603050405020304" pitchFamily="18" charset="0"/>
+                <a:ea typeface="Times New Roman" panose="02020603050405020304" pitchFamily="18" charset="0"/>
+                <a:cs typeface="Times New Roman" panose="02020603050405020304" pitchFamily="18" charset="0"/>
+              </a:rPr>
+              <a:t>tích</a:t>
+            </a:r>
+            <a:r>
+              <a:rPr lang="en-US" sz="1800" dirty="0">
+                <a:effectLst/>
+                <a:latin typeface="Times New Roman" panose="02020603050405020304" pitchFamily="18" charset="0"/>
+                <a:ea typeface="Times New Roman" panose="02020603050405020304" pitchFamily="18" charset="0"/>
+                <a:cs typeface="Times New Roman" panose="02020603050405020304" pitchFamily="18" charset="0"/>
+              </a:rPr>
+              <a:t> </a:t>
+            </a:r>
+            <a:r>
+              <a:rPr lang="en-US" sz="1800" dirty="0" err="1">
+                <a:effectLst/>
+                <a:latin typeface="Times New Roman" panose="02020603050405020304" pitchFamily="18" charset="0"/>
+                <a:ea typeface="Times New Roman" panose="02020603050405020304" pitchFamily="18" charset="0"/>
+                <a:cs typeface="Times New Roman" panose="02020603050405020304" pitchFamily="18" charset="0"/>
+              </a:rPr>
+              <a:t>cú</a:t>
+            </a:r>
+            <a:r>
+              <a:rPr lang="en-US" sz="1800" dirty="0">
+                <a:effectLst/>
+                <a:latin typeface="Times New Roman" panose="02020603050405020304" pitchFamily="18" charset="0"/>
+                <a:ea typeface="Times New Roman" panose="02020603050405020304" pitchFamily="18" charset="0"/>
+                <a:cs typeface="Times New Roman" panose="02020603050405020304" pitchFamily="18" charset="0"/>
+              </a:rPr>
+              <a:t> </a:t>
+            </a:r>
+            <a:r>
+              <a:rPr lang="en-US" sz="1800" dirty="0" err="1">
+                <a:effectLst/>
+                <a:latin typeface="Times New Roman" panose="02020603050405020304" pitchFamily="18" charset="0"/>
+                <a:ea typeface="Times New Roman" panose="02020603050405020304" pitchFamily="18" charset="0"/>
+                <a:cs typeface="Times New Roman" panose="02020603050405020304" pitchFamily="18" charset="0"/>
+              </a:rPr>
+              <a:t>pháp</a:t>
+            </a:r>
+            <a:r>
+              <a:rPr lang="en-US" sz="1800" dirty="0">
+                <a:effectLst/>
+                <a:latin typeface="Times New Roman" panose="02020603050405020304" pitchFamily="18" charset="0"/>
+                <a:ea typeface="Times New Roman" panose="02020603050405020304" pitchFamily="18" charset="0"/>
+                <a:cs typeface="Times New Roman" panose="02020603050405020304" pitchFamily="18" charset="0"/>
+              </a:rPr>
+              <a:t> </a:t>
+            </a:r>
+            <a:r>
+              <a:rPr lang="en-US" sz="1800" dirty="0" err="1">
+                <a:effectLst/>
+                <a:latin typeface="Times New Roman" panose="02020603050405020304" pitchFamily="18" charset="0"/>
+                <a:ea typeface="Times New Roman" panose="02020603050405020304" pitchFamily="18" charset="0"/>
+                <a:cs typeface="Times New Roman" panose="02020603050405020304" pitchFamily="18" charset="0"/>
+              </a:rPr>
+              <a:t>trong</a:t>
+            </a:r>
+            <a:r>
+              <a:rPr lang="en-US" sz="1800" dirty="0">
+                <a:effectLst/>
+                <a:latin typeface="Times New Roman" panose="02020603050405020304" pitchFamily="18" charset="0"/>
+                <a:ea typeface="Times New Roman" panose="02020603050405020304" pitchFamily="18" charset="0"/>
+                <a:cs typeface="Times New Roman" panose="02020603050405020304" pitchFamily="18" charset="0"/>
+              </a:rPr>
+              <a:t> Python </a:t>
+            </a:r>
+            <a:r>
+              <a:rPr lang="en-US" sz="1800" dirty="0" err="1">
+                <a:effectLst/>
+                <a:latin typeface="Times New Roman" panose="02020603050405020304" pitchFamily="18" charset="0"/>
+                <a:ea typeface="Times New Roman" panose="02020603050405020304" pitchFamily="18" charset="0"/>
+                <a:cs typeface="Times New Roman" panose="02020603050405020304" pitchFamily="18" charset="0"/>
+              </a:rPr>
+              <a:t>Công</a:t>
+            </a:r>
+            <a:r>
+              <a:rPr lang="en-US" sz="1800" dirty="0">
+                <a:effectLst/>
+                <a:latin typeface="Times New Roman" panose="02020603050405020304" pitchFamily="18" charset="0"/>
+                <a:ea typeface="Times New Roman" panose="02020603050405020304" pitchFamily="18" charset="0"/>
+                <a:cs typeface="Times New Roman" panose="02020603050405020304" pitchFamily="18" charset="0"/>
+              </a:rPr>
+              <a:t> </a:t>
+            </a:r>
+            <a:r>
+              <a:rPr lang="en-US" sz="1800" dirty="0" err="1">
+                <a:effectLst/>
+                <a:latin typeface="Times New Roman" panose="02020603050405020304" pitchFamily="18" charset="0"/>
+                <a:ea typeface="Times New Roman" panose="02020603050405020304" pitchFamily="18" charset="0"/>
+                <a:cs typeface="Times New Roman" panose="02020603050405020304" pitchFamily="18" charset="0"/>
+              </a:rPr>
+              <a:t>cụ</a:t>
+            </a:r>
+            <a:r>
+              <a:rPr lang="en-US" sz="1800" dirty="0">
+                <a:effectLst/>
+                <a:latin typeface="Times New Roman" panose="02020603050405020304" pitchFamily="18" charset="0"/>
+                <a:ea typeface="Times New Roman" panose="02020603050405020304" pitchFamily="18" charset="0"/>
+                <a:cs typeface="Times New Roman" panose="02020603050405020304" pitchFamily="18" charset="0"/>
+              </a:rPr>
+              <a:t> </a:t>
+            </a:r>
+            <a:r>
+              <a:rPr lang="en-US" sz="1800" dirty="0" err="1">
+                <a:effectLst/>
+                <a:latin typeface="Times New Roman" panose="02020603050405020304" pitchFamily="18" charset="0"/>
+                <a:ea typeface="Times New Roman" panose="02020603050405020304" pitchFamily="18" charset="0"/>
+                <a:cs typeface="Times New Roman" panose="02020603050405020304" pitchFamily="18" charset="0"/>
+              </a:rPr>
+              <a:t>và</a:t>
+            </a:r>
+            <a:r>
+              <a:rPr lang="en-US" sz="1800" dirty="0">
+                <a:effectLst/>
+                <a:latin typeface="Times New Roman" panose="02020603050405020304" pitchFamily="18" charset="0"/>
+                <a:ea typeface="Times New Roman" panose="02020603050405020304" pitchFamily="18" charset="0"/>
+                <a:cs typeface="Times New Roman" panose="02020603050405020304" pitchFamily="18" charset="0"/>
+              </a:rPr>
+              <a:t> </a:t>
+            </a:r>
+            <a:r>
+              <a:rPr lang="en-US" sz="1800" dirty="0" err="1">
+                <a:effectLst/>
+                <a:latin typeface="Times New Roman" panose="02020603050405020304" pitchFamily="18" charset="0"/>
+                <a:ea typeface="Times New Roman" panose="02020603050405020304" pitchFamily="18" charset="0"/>
+                <a:cs typeface="Times New Roman" panose="02020603050405020304" pitchFamily="18" charset="0"/>
+              </a:rPr>
+              <a:t>Thư</a:t>
+            </a:r>
+            <a:r>
+              <a:rPr lang="en-US" sz="1800" dirty="0">
+                <a:effectLst/>
+                <a:latin typeface="Times New Roman" panose="02020603050405020304" pitchFamily="18" charset="0"/>
+                <a:ea typeface="Times New Roman" panose="02020603050405020304" pitchFamily="18" charset="0"/>
+                <a:cs typeface="Times New Roman" panose="02020603050405020304" pitchFamily="18" charset="0"/>
+              </a:rPr>
+              <a:t> </a:t>
+            </a:r>
+            <a:r>
+              <a:rPr lang="en-US" sz="1800" dirty="0" err="1">
+                <a:effectLst/>
+                <a:latin typeface="Times New Roman" panose="02020603050405020304" pitchFamily="18" charset="0"/>
+                <a:ea typeface="Times New Roman" panose="02020603050405020304" pitchFamily="18" charset="0"/>
+                <a:cs typeface="Times New Roman" panose="02020603050405020304" pitchFamily="18" charset="0"/>
+              </a:rPr>
+              <a:t>viện</a:t>
+            </a:r>
+            <a:r>
+              <a:rPr lang="en-US" sz="1800" dirty="0">
+                <a:effectLst/>
+                <a:latin typeface="Times New Roman" panose="02020603050405020304" pitchFamily="18" charset="0"/>
+                <a:ea typeface="Times New Roman" panose="02020603050405020304" pitchFamily="18" charset="0"/>
+                <a:cs typeface="Times New Roman" panose="02020603050405020304" pitchFamily="18" charset="0"/>
+              </a:rPr>
+              <a:t> </a:t>
+            </a:r>
+            <a:r>
+              <a:rPr lang="en-US" sz="1800" dirty="0" err="1">
+                <a:effectLst/>
+                <a:latin typeface="Times New Roman" panose="02020603050405020304" pitchFamily="18" charset="0"/>
+                <a:ea typeface="Times New Roman" panose="02020603050405020304" pitchFamily="18" charset="0"/>
+                <a:cs typeface="Times New Roman" panose="02020603050405020304" pitchFamily="18" charset="0"/>
+              </a:rPr>
+              <a:t>Phần</a:t>
+            </a:r>
+            <a:r>
+              <a:rPr lang="en-US" sz="1800" dirty="0">
+                <a:effectLst/>
+                <a:latin typeface="Times New Roman" panose="02020603050405020304" pitchFamily="18" charset="0"/>
+                <a:ea typeface="Times New Roman" panose="02020603050405020304" pitchFamily="18" charset="0"/>
+                <a:cs typeface="Times New Roman" panose="02020603050405020304" pitchFamily="18" charset="0"/>
+              </a:rPr>
+              <a:t> 1.” helpex.vn, </a:t>
+            </a:r>
+            <a:endParaRPr lang="en-US" sz="1600" dirty="0">
+              <a:effectLst/>
+              <a:latin typeface="Calibri" panose="020F0502020204030204" pitchFamily="34" charset="0"/>
+              <a:ea typeface="Calibri" panose="020F0502020204030204" pitchFamily="34" charset="0"/>
+              <a:cs typeface="Times New Roman" panose="02020603050405020304" pitchFamily="18" charset="0"/>
+            </a:endParaRPr>
+          </a:p>
+        </p:txBody>
+      </p:sp>
+    </p:spTree>
+    <p:extLst>
+      <p:ext uri="{BB962C8B-B14F-4D97-AF65-F5344CB8AC3E}">
+        <p14:creationId xmlns:p14="http://schemas.microsoft.com/office/powerpoint/2010/main" val="317985738"/>
+      </p:ext>
+    </p:extLst>
+  </p:cSld>
+  <p:clrMapOvr>
+    <a:masterClrMapping/>
+  </p:clrMapOvr>
+  <p:transition spd="slow">
+    <p:push dir="u"/>
+  </p:transition>
+</p:sld>
+</file>
+
+<file path=ppt/slides/slide21.xml><?xml version="1.0" encoding="utf-8"?>
+<p:sld xmlns:a="http://schemas.openxmlformats.org/drawingml/2006/main" xmlns:r="http://schemas.openxmlformats.org/officeDocument/2006/relationships" xmlns:p="http://schemas.openxmlformats.org/presentationml/2006/main">
+  <p:cSld>
+    <p:spTree>
+      <p:nvGrpSpPr>
+        <p:cNvPr id="1" name=""/>
+        <p:cNvGrpSpPr/>
+        <p:nvPr/>
+      </p:nvGrpSpPr>
+      <p:grpSpPr>
+        <a:xfrm>
+          <a:off x="0" y="0"/>
+          <a:ext cx="0" cy="0"/>
+          <a:chOff x="0" y="0"/>
+          <a:chExt cx="0" cy="0"/>
+        </a:xfrm>
+      </p:grpSpPr>
+      <p:sp>
+        <p:nvSpPr>
+          <p:cNvPr id="9" name="TextBox 8">
+            <a:extLst>
+              <a:ext uri="{FF2B5EF4-FFF2-40B4-BE49-F238E27FC236}">
+                <a16:creationId xmlns:a16="http://schemas.microsoft.com/office/drawing/2014/main" id="{2618CBAD-8EA4-2531-B4F2-E8AA6F8EE543}"/>
+              </a:ext>
+            </a:extLst>
+          </p:cNvPr>
+          <p:cNvSpPr txBox="1"/>
+          <p:nvPr/>
+        </p:nvSpPr>
+        <p:spPr>
+          <a:xfrm>
+            <a:off x="0" y="266088"/>
+            <a:ext cx="12192000" cy="5864875"/>
+          </a:xfrm>
+          <a:prstGeom prst="rect">
+            <a:avLst/>
+          </a:prstGeom>
+          <a:noFill/>
+        </p:spPr>
+        <p:txBody>
+          <a:bodyPr wrap="square" numCol="1">
+            <a:spAutoFit/>
+          </a:bodyPr>
+          <a:lstStyle/>
+          <a:p>
+            <a:pPr marL="342900" marR="0" lvl="0" indent="-342900">
+              <a:lnSpc>
+                <a:spcPct val="150000"/>
+              </a:lnSpc>
+              <a:spcBef>
+                <a:spcPts val="0"/>
+              </a:spcBef>
+              <a:spcAft>
+                <a:spcPts val="0"/>
+              </a:spcAft>
+              <a:buFont typeface="+mj-lt"/>
+              <a:buAutoNum type="arabicPeriod"/>
+            </a:pPr>
+            <a:r>
+              <a:rPr lang="en-US" sz="1800" dirty="0">
+                <a:effectLst/>
+                <a:latin typeface="Times New Roman" panose="02020603050405020304" pitchFamily="18" charset="0"/>
+                <a:ea typeface="Times New Roman" panose="02020603050405020304" pitchFamily="18" charset="0"/>
+                <a:cs typeface="Times New Roman" panose="02020603050405020304" pitchFamily="18" charset="0"/>
+              </a:rPr>
+              <a:t>“NLTK :: Natural Language Toolkit.” Accessed April 30, 2022. </a:t>
+            </a:r>
+            <a:r>
+              <a:rPr lang="en-US" sz="1800" dirty="0">
+                <a:solidFill>
+                  <a:srgbClr val="0000FF"/>
+                </a:solidFill>
+                <a:effectLst/>
+                <a:latin typeface="Times New Roman" panose="02020603050405020304" pitchFamily="18" charset="0"/>
+                <a:ea typeface="Times New Roman" panose="02020603050405020304" pitchFamily="18" charset="0"/>
+                <a:cs typeface="Times New Roman" panose="02020603050405020304" pitchFamily="18" charset="0"/>
+                <a:hlinkClick r:id="rId2"/>
+              </a:rPr>
+              <a:t>https://www.nltk.org/</a:t>
+            </a:r>
+            <a:r>
+              <a:rPr lang="en-US" sz="1800" dirty="0">
+                <a:effectLst/>
+                <a:latin typeface="Times New Roman" panose="02020603050405020304" pitchFamily="18" charset="0"/>
+                <a:ea typeface="Times New Roman" panose="02020603050405020304" pitchFamily="18" charset="0"/>
+                <a:cs typeface="Times New Roman" panose="02020603050405020304" pitchFamily="18" charset="0"/>
+              </a:rPr>
+              <a:t>.</a:t>
+            </a:r>
+            <a:endParaRPr lang="en-US" sz="1600" dirty="0">
+              <a:effectLst/>
+              <a:latin typeface="Calibri" panose="020F0502020204030204" pitchFamily="34" charset="0"/>
+              <a:ea typeface="Calibri" panose="020F0502020204030204" pitchFamily="34" charset="0"/>
+              <a:cs typeface="Times New Roman" panose="02020603050405020304" pitchFamily="18" charset="0"/>
+            </a:endParaRPr>
+          </a:p>
+          <a:p>
+            <a:pPr marL="342900" marR="0" lvl="0" indent="-342900">
+              <a:lnSpc>
+                <a:spcPct val="150000"/>
+              </a:lnSpc>
+              <a:spcBef>
+                <a:spcPts val="0"/>
+              </a:spcBef>
+              <a:spcAft>
+                <a:spcPts val="0"/>
+              </a:spcAft>
+              <a:buFont typeface="+mj-lt"/>
+              <a:buAutoNum type="arabicPeriod"/>
+            </a:pPr>
+            <a:r>
+              <a:rPr lang="en-US" sz="1800" dirty="0">
+                <a:effectLst/>
+                <a:latin typeface="Times New Roman" panose="02020603050405020304" pitchFamily="18" charset="0"/>
+                <a:ea typeface="Times New Roman" panose="02020603050405020304" pitchFamily="18" charset="0"/>
+                <a:cs typeface="Times New Roman" panose="02020603050405020304" pitchFamily="18" charset="0"/>
+              </a:rPr>
+              <a:t>“NLTK :: </a:t>
+            </a:r>
+            <a:r>
+              <a:rPr lang="en-US" sz="1800" dirty="0" err="1">
+                <a:effectLst/>
+                <a:latin typeface="Times New Roman" panose="02020603050405020304" pitchFamily="18" charset="0"/>
+                <a:ea typeface="Times New Roman" panose="02020603050405020304" pitchFamily="18" charset="0"/>
+                <a:cs typeface="Times New Roman" panose="02020603050405020304" pitchFamily="18" charset="0"/>
+              </a:rPr>
+              <a:t>Nltk.Parse.Shiftreduce</a:t>
+            </a:r>
+            <a:r>
+              <a:rPr lang="en-US" sz="1800" dirty="0">
+                <a:effectLst/>
+                <a:latin typeface="Times New Roman" panose="02020603050405020304" pitchFamily="18" charset="0"/>
+                <a:ea typeface="Times New Roman" panose="02020603050405020304" pitchFamily="18" charset="0"/>
+                <a:cs typeface="Times New Roman" panose="02020603050405020304" pitchFamily="18" charset="0"/>
+              </a:rPr>
+              <a:t> Module.” Accessed May 5, 2022. </a:t>
+            </a:r>
+            <a:r>
+              <a:rPr lang="en-US" sz="1800" dirty="0">
+                <a:solidFill>
+                  <a:srgbClr val="0000FF"/>
+                </a:solidFill>
+                <a:effectLst/>
+                <a:latin typeface="Times New Roman" panose="02020603050405020304" pitchFamily="18" charset="0"/>
+                <a:ea typeface="Times New Roman" panose="02020603050405020304" pitchFamily="18" charset="0"/>
+                <a:cs typeface="Times New Roman" panose="02020603050405020304" pitchFamily="18" charset="0"/>
+                <a:hlinkClick r:id="rId3"/>
+              </a:rPr>
+              <a:t>https://www.nltk.org/api/nltk.parse.shiftreduce.html</a:t>
+            </a:r>
+            <a:r>
+              <a:rPr lang="en-US" sz="1800" dirty="0">
+                <a:effectLst/>
+                <a:latin typeface="Times New Roman" panose="02020603050405020304" pitchFamily="18" charset="0"/>
+                <a:ea typeface="Times New Roman" panose="02020603050405020304" pitchFamily="18" charset="0"/>
+                <a:cs typeface="Times New Roman" panose="02020603050405020304" pitchFamily="18" charset="0"/>
+              </a:rPr>
+              <a:t>.</a:t>
+            </a:r>
+            <a:endParaRPr lang="en-US" sz="1600" dirty="0">
+              <a:effectLst/>
+              <a:latin typeface="Calibri" panose="020F0502020204030204" pitchFamily="34" charset="0"/>
+              <a:ea typeface="Calibri" panose="020F0502020204030204" pitchFamily="34" charset="0"/>
+              <a:cs typeface="Times New Roman" panose="02020603050405020304" pitchFamily="18" charset="0"/>
+            </a:endParaRPr>
+          </a:p>
+          <a:p>
+            <a:pPr marL="342900" marR="0" lvl="0" indent="-342900">
+              <a:lnSpc>
+                <a:spcPct val="150000"/>
+              </a:lnSpc>
+              <a:spcBef>
+                <a:spcPts val="0"/>
+              </a:spcBef>
+              <a:spcAft>
+                <a:spcPts val="0"/>
+              </a:spcAft>
+              <a:buFont typeface="+mj-lt"/>
+              <a:buAutoNum type="arabicPeriod"/>
+            </a:pPr>
+            <a:r>
+              <a:rPr lang="en-US" sz="1800" dirty="0">
+                <a:effectLst/>
+                <a:latin typeface="Times New Roman" panose="02020603050405020304" pitchFamily="18" charset="0"/>
+                <a:ea typeface="Times New Roman" panose="02020603050405020304" pitchFamily="18" charset="0"/>
+                <a:cs typeface="Times New Roman" panose="02020603050405020304" pitchFamily="18" charset="0"/>
+              </a:rPr>
+              <a:t>“PEP 617 – New PEG Parser for </a:t>
+            </a:r>
+            <a:r>
+              <a:rPr lang="en-US" sz="1800" dirty="0" err="1">
+                <a:effectLst/>
+                <a:latin typeface="Times New Roman" panose="02020603050405020304" pitchFamily="18" charset="0"/>
+                <a:ea typeface="Times New Roman" panose="02020603050405020304" pitchFamily="18" charset="0"/>
+                <a:cs typeface="Times New Roman" panose="02020603050405020304" pitchFamily="18" charset="0"/>
+              </a:rPr>
+              <a:t>CPython</a:t>
+            </a:r>
+            <a:r>
+              <a:rPr lang="en-US" sz="1800" dirty="0">
+                <a:effectLst/>
+                <a:latin typeface="Times New Roman" panose="02020603050405020304" pitchFamily="18" charset="0"/>
+                <a:ea typeface="Times New Roman" panose="02020603050405020304" pitchFamily="18" charset="0"/>
+                <a:cs typeface="Times New Roman" panose="02020603050405020304" pitchFamily="18" charset="0"/>
+              </a:rPr>
+              <a:t> | </a:t>
+            </a:r>
+            <a:r>
+              <a:rPr lang="en-US" sz="1800" dirty="0" err="1">
+                <a:effectLst/>
+                <a:latin typeface="Times New Roman" panose="02020603050405020304" pitchFamily="18" charset="0"/>
+                <a:ea typeface="Times New Roman" panose="02020603050405020304" pitchFamily="18" charset="0"/>
+                <a:cs typeface="Times New Roman" panose="02020603050405020304" pitchFamily="18" charset="0"/>
+              </a:rPr>
+              <a:t>Peps.Python.Org</a:t>
+            </a:r>
+            <a:r>
+              <a:rPr lang="en-US" sz="1800" dirty="0">
+                <a:effectLst/>
+                <a:latin typeface="Times New Roman" panose="02020603050405020304" pitchFamily="18" charset="0"/>
+                <a:ea typeface="Times New Roman" panose="02020603050405020304" pitchFamily="18" charset="0"/>
+                <a:cs typeface="Times New Roman" panose="02020603050405020304" pitchFamily="18" charset="0"/>
+              </a:rPr>
+              <a:t>.” Accessed May 4, 2022. </a:t>
+            </a:r>
+            <a:r>
+              <a:rPr lang="en-US" sz="1800" dirty="0">
+                <a:solidFill>
+                  <a:srgbClr val="0000FF"/>
+                </a:solidFill>
+                <a:effectLst/>
+                <a:latin typeface="Times New Roman" panose="02020603050405020304" pitchFamily="18" charset="0"/>
+                <a:ea typeface="Times New Roman" panose="02020603050405020304" pitchFamily="18" charset="0"/>
+                <a:cs typeface="Times New Roman" panose="02020603050405020304" pitchFamily="18" charset="0"/>
+                <a:hlinkClick r:id="rId4"/>
+              </a:rPr>
+              <a:t>https://peps.python.org/pep-0617/#s-e</a:t>
+            </a:r>
+            <a:r>
+              <a:rPr lang="en-US" sz="1800" dirty="0">
+                <a:effectLst/>
+                <a:latin typeface="Times New Roman" panose="02020603050405020304" pitchFamily="18" charset="0"/>
+                <a:ea typeface="Times New Roman" panose="02020603050405020304" pitchFamily="18" charset="0"/>
+                <a:cs typeface="Times New Roman" panose="02020603050405020304" pitchFamily="18" charset="0"/>
+              </a:rPr>
+              <a:t>.</a:t>
+            </a:r>
+            <a:endParaRPr lang="en-US" sz="1600" dirty="0">
+              <a:effectLst/>
+              <a:latin typeface="Calibri" panose="020F0502020204030204" pitchFamily="34" charset="0"/>
+              <a:ea typeface="Calibri" panose="020F0502020204030204" pitchFamily="34" charset="0"/>
+              <a:cs typeface="Times New Roman" panose="02020603050405020304" pitchFamily="18" charset="0"/>
+            </a:endParaRPr>
+          </a:p>
+          <a:p>
+            <a:pPr marL="342900" marR="0" lvl="0" indent="-342900">
+              <a:lnSpc>
+                <a:spcPct val="150000"/>
+              </a:lnSpc>
+              <a:spcBef>
+                <a:spcPts val="0"/>
+              </a:spcBef>
+              <a:spcAft>
+                <a:spcPts val="0"/>
+              </a:spcAft>
+              <a:buFont typeface="+mj-lt"/>
+              <a:buAutoNum type="arabicPeriod"/>
+            </a:pPr>
+            <a:r>
+              <a:rPr lang="en-US" sz="1800" dirty="0">
+                <a:effectLst/>
+                <a:latin typeface="Times New Roman" panose="02020603050405020304" pitchFamily="18" charset="0"/>
+                <a:ea typeface="Times New Roman" panose="02020603050405020304" pitchFamily="18" charset="0"/>
+                <a:cs typeface="Times New Roman" panose="02020603050405020304" pitchFamily="18" charset="0"/>
+              </a:rPr>
+              <a:t>“</a:t>
+            </a:r>
+            <a:r>
+              <a:rPr lang="en-US" sz="1800" dirty="0" err="1">
+                <a:effectLst/>
+                <a:latin typeface="Times New Roman" panose="02020603050405020304" pitchFamily="18" charset="0"/>
+                <a:ea typeface="Times New Roman" panose="02020603050405020304" pitchFamily="18" charset="0"/>
+                <a:cs typeface="Times New Roman" panose="02020603050405020304" pitchFamily="18" charset="0"/>
+              </a:rPr>
+              <a:t>PyQt</a:t>
+            </a:r>
+            <a:r>
+              <a:rPr lang="en-US" sz="1800" dirty="0">
+                <a:effectLst/>
+                <a:latin typeface="Times New Roman" panose="02020603050405020304" pitchFamily="18" charset="0"/>
+                <a:ea typeface="Times New Roman" panose="02020603050405020304" pitchFamily="18" charset="0"/>
+                <a:cs typeface="Times New Roman" panose="02020603050405020304" pitchFamily="18" charset="0"/>
+              </a:rPr>
+              <a:t> - Hello World.” Accessed May 5, 2022. </a:t>
+            </a:r>
+            <a:r>
+              <a:rPr lang="en-US" sz="1800" dirty="0">
+                <a:solidFill>
+                  <a:srgbClr val="0000FF"/>
+                </a:solidFill>
+                <a:effectLst/>
+                <a:latin typeface="Times New Roman" panose="02020603050405020304" pitchFamily="18" charset="0"/>
+                <a:ea typeface="Times New Roman" panose="02020603050405020304" pitchFamily="18" charset="0"/>
+                <a:cs typeface="Times New Roman" panose="02020603050405020304" pitchFamily="18" charset="0"/>
+                <a:hlinkClick r:id="rId5"/>
+              </a:rPr>
+              <a:t>https://www.tutorialspoint.com/pyqt/pyqt_hello_world.htm</a:t>
+            </a:r>
+            <a:r>
+              <a:rPr lang="en-US" sz="1800" dirty="0">
+                <a:effectLst/>
+                <a:latin typeface="Times New Roman" panose="02020603050405020304" pitchFamily="18" charset="0"/>
+                <a:ea typeface="Times New Roman" panose="02020603050405020304" pitchFamily="18" charset="0"/>
+                <a:cs typeface="Times New Roman" panose="02020603050405020304" pitchFamily="18" charset="0"/>
+              </a:rPr>
+              <a:t>.</a:t>
+            </a:r>
+            <a:endParaRPr lang="en-US" sz="1600" dirty="0">
+              <a:effectLst/>
+              <a:latin typeface="Calibri" panose="020F0502020204030204" pitchFamily="34" charset="0"/>
+              <a:ea typeface="Calibri" panose="020F0502020204030204" pitchFamily="34" charset="0"/>
+              <a:cs typeface="Times New Roman" panose="02020603050405020304" pitchFamily="18" charset="0"/>
+            </a:endParaRPr>
+          </a:p>
+          <a:p>
+            <a:pPr marL="342900" marR="0" lvl="0" indent="-342900">
+              <a:lnSpc>
+                <a:spcPct val="150000"/>
+              </a:lnSpc>
+              <a:spcBef>
+                <a:spcPts val="0"/>
+              </a:spcBef>
+              <a:spcAft>
+                <a:spcPts val="0"/>
+              </a:spcAft>
+              <a:buFont typeface="+mj-lt"/>
+              <a:buAutoNum type="arabicPeriod"/>
+            </a:pPr>
+            <a:r>
+              <a:rPr lang="en-US" sz="1800" dirty="0">
+                <a:effectLst/>
+                <a:latin typeface="Times New Roman" panose="02020603050405020304" pitchFamily="18" charset="0"/>
+                <a:ea typeface="Times New Roman" panose="02020603050405020304" pitchFamily="18" charset="0"/>
+                <a:cs typeface="Times New Roman" panose="02020603050405020304" pitchFamily="18" charset="0"/>
+              </a:rPr>
+              <a:t>temple. “Lexical and Syntax Analysis Chapter 4.” </a:t>
+            </a:r>
+            <a:r>
+              <a:rPr lang="en-US" sz="1800" dirty="0" err="1">
+                <a:effectLst/>
+                <a:latin typeface="Times New Roman" panose="02020603050405020304" pitchFamily="18" charset="0"/>
+                <a:ea typeface="Times New Roman" panose="02020603050405020304" pitchFamily="18" charset="0"/>
+                <a:cs typeface="Times New Roman" panose="02020603050405020304" pitchFamily="18" charset="0"/>
+              </a:rPr>
+              <a:t>SlideServe</a:t>
+            </a:r>
+            <a:r>
+              <a:rPr lang="en-US" sz="1800" dirty="0">
+                <a:effectLst/>
+                <a:latin typeface="Times New Roman" panose="02020603050405020304" pitchFamily="18" charset="0"/>
+                <a:ea typeface="Times New Roman" panose="02020603050405020304" pitchFamily="18" charset="0"/>
+                <a:cs typeface="Times New Roman" panose="02020603050405020304" pitchFamily="18" charset="0"/>
+              </a:rPr>
+              <a:t>, September 6, 2014. </a:t>
+            </a:r>
+            <a:r>
+              <a:rPr lang="en-US" sz="1800" dirty="0">
+                <a:solidFill>
+                  <a:srgbClr val="0000FF"/>
+                </a:solidFill>
+                <a:effectLst/>
+                <a:latin typeface="Times New Roman" panose="02020603050405020304" pitchFamily="18" charset="0"/>
+                <a:ea typeface="Times New Roman" panose="02020603050405020304" pitchFamily="18" charset="0"/>
+                <a:cs typeface="Times New Roman" panose="02020603050405020304" pitchFamily="18" charset="0"/>
+                <a:hlinkClick r:id="rId6"/>
+              </a:rPr>
+              <a:t>https://www.slideserve.com/temple/lexical-and-syntax-analysis-chapter-4</a:t>
+            </a:r>
+            <a:r>
+              <a:rPr lang="en-US" sz="1800" dirty="0">
+                <a:effectLst/>
+                <a:latin typeface="Times New Roman" panose="02020603050405020304" pitchFamily="18" charset="0"/>
+                <a:ea typeface="Times New Roman" panose="02020603050405020304" pitchFamily="18" charset="0"/>
+                <a:cs typeface="Times New Roman" panose="02020603050405020304" pitchFamily="18" charset="0"/>
+              </a:rPr>
+              <a:t>.</a:t>
+            </a:r>
+            <a:endParaRPr lang="en-US" sz="1600" dirty="0">
+              <a:effectLst/>
+              <a:latin typeface="Calibri" panose="020F0502020204030204" pitchFamily="34" charset="0"/>
+              <a:ea typeface="Calibri" panose="020F0502020204030204" pitchFamily="34" charset="0"/>
+              <a:cs typeface="Times New Roman" panose="02020603050405020304" pitchFamily="18" charset="0"/>
+            </a:endParaRPr>
+          </a:p>
+          <a:p>
+            <a:pPr marL="342900" marR="0" lvl="0" indent="-342900">
+              <a:lnSpc>
+                <a:spcPct val="150000"/>
+              </a:lnSpc>
+              <a:spcBef>
+                <a:spcPts val="0"/>
+              </a:spcBef>
+              <a:spcAft>
+                <a:spcPts val="0"/>
+              </a:spcAft>
+              <a:buFont typeface="+mj-lt"/>
+              <a:buAutoNum type="arabicPeriod"/>
+            </a:pPr>
+            <a:r>
+              <a:rPr lang="en-US" sz="1800" dirty="0" err="1">
+                <a:effectLst/>
+                <a:latin typeface="Times New Roman" panose="02020603050405020304" pitchFamily="18" charset="0"/>
+                <a:ea typeface="Times New Roman" panose="02020603050405020304" pitchFamily="18" charset="0"/>
+                <a:cs typeface="Times New Roman" panose="02020603050405020304" pitchFamily="18" charset="0"/>
+              </a:rPr>
+              <a:t>Comdy</a:t>
+            </a:r>
+            <a:r>
+              <a:rPr lang="en-US" sz="1800" dirty="0">
+                <a:effectLst/>
+                <a:latin typeface="Times New Roman" panose="02020603050405020304" pitchFamily="18" charset="0"/>
+                <a:ea typeface="Times New Roman" panose="02020603050405020304" pitchFamily="18" charset="0"/>
+                <a:cs typeface="Times New Roman" panose="02020603050405020304" pitchFamily="18" charset="0"/>
+              </a:rPr>
+              <a:t>. “</a:t>
+            </a:r>
+            <a:r>
+              <a:rPr lang="en-US" sz="1800" dirty="0" err="1">
+                <a:effectLst/>
+                <a:latin typeface="Times New Roman" panose="02020603050405020304" pitchFamily="18" charset="0"/>
+                <a:ea typeface="Times New Roman" panose="02020603050405020304" pitchFamily="18" charset="0"/>
+                <a:cs typeface="Times New Roman" panose="02020603050405020304" pitchFamily="18" charset="0"/>
+              </a:rPr>
+              <a:t>Thiết</a:t>
+            </a:r>
+            <a:r>
+              <a:rPr lang="en-US" sz="1800" dirty="0">
+                <a:effectLst/>
+                <a:latin typeface="Times New Roman" panose="02020603050405020304" pitchFamily="18" charset="0"/>
+                <a:ea typeface="Times New Roman" panose="02020603050405020304" pitchFamily="18" charset="0"/>
+                <a:cs typeface="Times New Roman" panose="02020603050405020304" pitchFamily="18" charset="0"/>
+              </a:rPr>
+              <a:t> </a:t>
+            </a:r>
+            <a:r>
+              <a:rPr lang="en-US" sz="1800" dirty="0" err="1">
+                <a:effectLst/>
+                <a:latin typeface="Times New Roman" panose="02020603050405020304" pitchFamily="18" charset="0"/>
+                <a:ea typeface="Times New Roman" panose="02020603050405020304" pitchFamily="18" charset="0"/>
+                <a:cs typeface="Times New Roman" panose="02020603050405020304" pitchFamily="18" charset="0"/>
+              </a:rPr>
+              <a:t>kế</a:t>
+            </a:r>
+            <a:r>
+              <a:rPr lang="en-US" sz="1800" dirty="0">
+                <a:effectLst/>
+                <a:latin typeface="Times New Roman" panose="02020603050405020304" pitchFamily="18" charset="0"/>
+                <a:ea typeface="Times New Roman" panose="02020603050405020304" pitchFamily="18" charset="0"/>
+                <a:cs typeface="Times New Roman" panose="02020603050405020304" pitchFamily="18" charset="0"/>
+              </a:rPr>
+              <a:t> </a:t>
+            </a:r>
+            <a:r>
+              <a:rPr lang="en-US" sz="1800" dirty="0" err="1">
+                <a:effectLst/>
+                <a:latin typeface="Times New Roman" panose="02020603050405020304" pitchFamily="18" charset="0"/>
+                <a:ea typeface="Times New Roman" panose="02020603050405020304" pitchFamily="18" charset="0"/>
+                <a:cs typeface="Times New Roman" panose="02020603050405020304" pitchFamily="18" charset="0"/>
+              </a:rPr>
+              <a:t>trình</a:t>
+            </a:r>
+            <a:r>
+              <a:rPr lang="en-US" sz="1800" dirty="0">
+                <a:effectLst/>
+                <a:latin typeface="Times New Roman" panose="02020603050405020304" pitchFamily="18" charset="0"/>
+                <a:ea typeface="Times New Roman" panose="02020603050405020304" pitchFamily="18" charset="0"/>
+                <a:cs typeface="Times New Roman" panose="02020603050405020304" pitchFamily="18" charset="0"/>
+              </a:rPr>
+              <a:t> </a:t>
+            </a:r>
+            <a:r>
+              <a:rPr lang="en-US" sz="1800" dirty="0" err="1">
+                <a:effectLst/>
+                <a:latin typeface="Times New Roman" panose="02020603050405020304" pitchFamily="18" charset="0"/>
+                <a:ea typeface="Times New Roman" panose="02020603050405020304" pitchFamily="18" charset="0"/>
+                <a:cs typeface="Times New Roman" panose="02020603050405020304" pitchFamily="18" charset="0"/>
+              </a:rPr>
+              <a:t>biên</a:t>
+            </a:r>
+            <a:r>
+              <a:rPr lang="en-US" sz="1800" dirty="0">
+                <a:effectLst/>
+                <a:latin typeface="Times New Roman" panose="02020603050405020304" pitchFamily="18" charset="0"/>
+                <a:ea typeface="Times New Roman" panose="02020603050405020304" pitchFamily="18" charset="0"/>
+                <a:cs typeface="Times New Roman" panose="02020603050405020304" pitchFamily="18" charset="0"/>
+              </a:rPr>
+              <a:t> </a:t>
+            </a:r>
+            <a:r>
+              <a:rPr lang="en-US" sz="1800" dirty="0" err="1">
+                <a:effectLst/>
+                <a:latin typeface="Times New Roman" panose="02020603050405020304" pitchFamily="18" charset="0"/>
+                <a:ea typeface="Times New Roman" panose="02020603050405020304" pitchFamily="18" charset="0"/>
+                <a:cs typeface="Times New Roman" panose="02020603050405020304" pitchFamily="18" charset="0"/>
+              </a:rPr>
+              <a:t>dịch</a:t>
+            </a:r>
+            <a:r>
+              <a:rPr lang="en-US" sz="1800" dirty="0">
+                <a:effectLst/>
+                <a:latin typeface="Times New Roman" panose="02020603050405020304" pitchFamily="18" charset="0"/>
+                <a:ea typeface="Times New Roman" panose="02020603050405020304" pitchFamily="18" charset="0"/>
+                <a:cs typeface="Times New Roman" panose="02020603050405020304" pitchFamily="18" charset="0"/>
+              </a:rPr>
+              <a:t>: </a:t>
+            </a:r>
+            <a:r>
+              <a:rPr lang="en-US" sz="1800" dirty="0" err="1">
+                <a:effectLst/>
+                <a:latin typeface="Times New Roman" panose="02020603050405020304" pitchFamily="18" charset="0"/>
+                <a:ea typeface="Times New Roman" panose="02020603050405020304" pitchFamily="18" charset="0"/>
+                <a:cs typeface="Times New Roman" panose="02020603050405020304" pitchFamily="18" charset="0"/>
+              </a:rPr>
+              <a:t>Phân</a:t>
+            </a:r>
+            <a:r>
+              <a:rPr lang="en-US" sz="1800" dirty="0">
+                <a:effectLst/>
+                <a:latin typeface="Times New Roman" panose="02020603050405020304" pitchFamily="18" charset="0"/>
+                <a:ea typeface="Times New Roman" panose="02020603050405020304" pitchFamily="18" charset="0"/>
+                <a:cs typeface="Times New Roman" panose="02020603050405020304" pitchFamily="18" charset="0"/>
+              </a:rPr>
+              <a:t> </a:t>
+            </a:r>
+            <a:r>
+              <a:rPr lang="en-US" sz="1800" dirty="0" err="1">
+                <a:effectLst/>
+                <a:latin typeface="Times New Roman" panose="02020603050405020304" pitchFamily="18" charset="0"/>
+                <a:ea typeface="Times New Roman" panose="02020603050405020304" pitchFamily="18" charset="0"/>
+                <a:cs typeface="Times New Roman" panose="02020603050405020304" pitchFamily="18" charset="0"/>
+              </a:rPr>
+              <a:t>tích</a:t>
+            </a:r>
+            <a:r>
+              <a:rPr lang="en-US" sz="1800" dirty="0">
+                <a:effectLst/>
+                <a:latin typeface="Times New Roman" panose="02020603050405020304" pitchFamily="18" charset="0"/>
+                <a:ea typeface="Times New Roman" panose="02020603050405020304" pitchFamily="18" charset="0"/>
+                <a:cs typeface="Times New Roman" panose="02020603050405020304" pitchFamily="18" charset="0"/>
+              </a:rPr>
+              <a:t> </a:t>
+            </a:r>
+            <a:r>
+              <a:rPr lang="en-US" sz="1800" dirty="0" err="1">
+                <a:effectLst/>
+                <a:latin typeface="Times New Roman" panose="02020603050405020304" pitchFamily="18" charset="0"/>
+                <a:ea typeface="Times New Roman" panose="02020603050405020304" pitchFamily="18" charset="0"/>
+                <a:cs typeface="Times New Roman" panose="02020603050405020304" pitchFamily="18" charset="0"/>
+              </a:rPr>
+              <a:t>cụ</a:t>
+            </a:r>
+            <a:r>
+              <a:rPr lang="en-US" sz="1800" dirty="0">
+                <a:effectLst/>
+                <a:latin typeface="Times New Roman" panose="02020603050405020304" pitchFamily="18" charset="0"/>
+                <a:ea typeface="Times New Roman" panose="02020603050405020304" pitchFamily="18" charset="0"/>
+                <a:cs typeface="Times New Roman" panose="02020603050405020304" pitchFamily="18" charset="0"/>
+              </a:rPr>
+              <a:t> </a:t>
+            </a:r>
+            <a:r>
+              <a:rPr lang="en-US" sz="1800" dirty="0" err="1">
+                <a:effectLst/>
+                <a:latin typeface="Times New Roman" panose="02020603050405020304" pitchFamily="18" charset="0"/>
+                <a:ea typeface="Times New Roman" panose="02020603050405020304" pitchFamily="18" charset="0"/>
+                <a:cs typeface="Times New Roman" panose="02020603050405020304" pitchFamily="18" charset="0"/>
+              </a:rPr>
+              <a:t>pháp</a:t>
+            </a:r>
+            <a:r>
+              <a:rPr lang="en-US" sz="1800" dirty="0">
+                <a:effectLst/>
+                <a:latin typeface="Times New Roman" panose="02020603050405020304" pitchFamily="18" charset="0"/>
+                <a:ea typeface="Times New Roman" panose="02020603050405020304" pitchFamily="18" charset="0"/>
+                <a:cs typeface="Times New Roman" panose="02020603050405020304" pitchFamily="18" charset="0"/>
+              </a:rPr>
+              <a:t>,” April 6, 2021. </a:t>
+            </a:r>
+            <a:r>
+              <a:rPr lang="en-US" sz="1800" dirty="0">
+                <a:solidFill>
+                  <a:srgbClr val="0000FF"/>
+                </a:solidFill>
+                <a:effectLst/>
+                <a:latin typeface="Times New Roman" panose="02020603050405020304" pitchFamily="18" charset="0"/>
+                <a:ea typeface="Times New Roman" panose="02020603050405020304" pitchFamily="18" charset="0"/>
+                <a:cs typeface="Times New Roman" panose="02020603050405020304" pitchFamily="18" charset="0"/>
+                <a:hlinkClick r:id="rId7"/>
+              </a:rPr>
+              <a:t>https://comdy.vn/trinh-bien-dich/phan-tich-cu-phap/</a:t>
+            </a:r>
+            <a:r>
+              <a:rPr lang="en-US" sz="1800" dirty="0">
+                <a:effectLst/>
+                <a:latin typeface="Times New Roman" panose="02020603050405020304" pitchFamily="18" charset="0"/>
+                <a:ea typeface="Times New Roman" panose="02020603050405020304" pitchFamily="18" charset="0"/>
+                <a:cs typeface="Times New Roman" panose="02020603050405020304" pitchFamily="18" charset="0"/>
+              </a:rPr>
+              <a:t>.</a:t>
+            </a:r>
+            <a:endParaRPr lang="en-US" sz="1600" dirty="0">
+              <a:effectLst/>
+              <a:latin typeface="Calibri" panose="020F0502020204030204" pitchFamily="34" charset="0"/>
+              <a:ea typeface="Calibri" panose="020F0502020204030204" pitchFamily="34" charset="0"/>
+              <a:cs typeface="Times New Roman" panose="02020603050405020304" pitchFamily="18" charset="0"/>
+            </a:endParaRPr>
+          </a:p>
+          <a:p>
+            <a:pPr marL="342900" marR="0" lvl="0" indent="-342900">
+              <a:lnSpc>
+                <a:spcPct val="150000"/>
+              </a:lnSpc>
+              <a:spcBef>
+                <a:spcPts val="0"/>
+              </a:spcBef>
+              <a:spcAft>
+                <a:spcPts val="0"/>
+              </a:spcAft>
+              <a:buFont typeface="+mj-lt"/>
+              <a:buAutoNum type="arabicPeriod"/>
+            </a:pPr>
+            <a:r>
+              <a:rPr lang="en-US" sz="1800" dirty="0" err="1">
+                <a:effectLst/>
+                <a:latin typeface="Times New Roman" panose="02020603050405020304" pitchFamily="18" charset="0"/>
+                <a:ea typeface="Times New Roman" panose="02020603050405020304" pitchFamily="18" charset="0"/>
+                <a:cs typeface="Times New Roman" panose="02020603050405020304" pitchFamily="18" charset="0"/>
+              </a:rPr>
+              <a:t>Comdy</a:t>
+            </a:r>
+            <a:r>
+              <a:rPr lang="en-US" sz="1800" dirty="0">
+                <a:effectLst/>
+                <a:latin typeface="Times New Roman" panose="02020603050405020304" pitchFamily="18" charset="0"/>
+                <a:ea typeface="Times New Roman" panose="02020603050405020304" pitchFamily="18" charset="0"/>
+                <a:cs typeface="Times New Roman" panose="02020603050405020304" pitchFamily="18" charset="0"/>
+              </a:rPr>
+              <a:t>. “</a:t>
+            </a:r>
+            <a:r>
+              <a:rPr lang="en-US" sz="1800" dirty="0" err="1">
+                <a:effectLst/>
+                <a:latin typeface="Times New Roman" panose="02020603050405020304" pitchFamily="18" charset="0"/>
+                <a:ea typeface="Times New Roman" panose="02020603050405020304" pitchFamily="18" charset="0"/>
+                <a:cs typeface="Times New Roman" panose="02020603050405020304" pitchFamily="18" charset="0"/>
+              </a:rPr>
+              <a:t>Thiết</a:t>
+            </a:r>
+            <a:r>
+              <a:rPr lang="en-US" sz="1800" dirty="0">
+                <a:effectLst/>
+                <a:latin typeface="Times New Roman" panose="02020603050405020304" pitchFamily="18" charset="0"/>
+                <a:ea typeface="Times New Roman" panose="02020603050405020304" pitchFamily="18" charset="0"/>
+                <a:cs typeface="Times New Roman" panose="02020603050405020304" pitchFamily="18" charset="0"/>
+              </a:rPr>
+              <a:t> </a:t>
+            </a:r>
+            <a:r>
+              <a:rPr lang="en-US" sz="1800" dirty="0" err="1">
+                <a:effectLst/>
+                <a:latin typeface="Times New Roman" panose="02020603050405020304" pitchFamily="18" charset="0"/>
+                <a:ea typeface="Times New Roman" panose="02020603050405020304" pitchFamily="18" charset="0"/>
+                <a:cs typeface="Times New Roman" panose="02020603050405020304" pitchFamily="18" charset="0"/>
+              </a:rPr>
+              <a:t>kế</a:t>
+            </a:r>
+            <a:r>
+              <a:rPr lang="en-US" sz="1800" dirty="0">
+                <a:effectLst/>
+                <a:latin typeface="Times New Roman" panose="02020603050405020304" pitchFamily="18" charset="0"/>
+                <a:ea typeface="Times New Roman" panose="02020603050405020304" pitchFamily="18" charset="0"/>
+                <a:cs typeface="Times New Roman" panose="02020603050405020304" pitchFamily="18" charset="0"/>
+              </a:rPr>
+              <a:t> </a:t>
+            </a:r>
+            <a:r>
+              <a:rPr lang="en-US" sz="1800" dirty="0" err="1">
+                <a:effectLst/>
+                <a:latin typeface="Times New Roman" panose="02020603050405020304" pitchFamily="18" charset="0"/>
+                <a:ea typeface="Times New Roman" panose="02020603050405020304" pitchFamily="18" charset="0"/>
+                <a:cs typeface="Times New Roman" panose="02020603050405020304" pitchFamily="18" charset="0"/>
+              </a:rPr>
+              <a:t>trình</a:t>
+            </a:r>
+            <a:r>
+              <a:rPr lang="en-US" sz="1800" dirty="0">
+                <a:effectLst/>
+                <a:latin typeface="Times New Roman" panose="02020603050405020304" pitchFamily="18" charset="0"/>
+                <a:ea typeface="Times New Roman" panose="02020603050405020304" pitchFamily="18" charset="0"/>
+                <a:cs typeface="Times New Roman" panose="02020603050405020304" pitchFamily="18" charset="0"/>
+              </a:rPr>
+              <a:t> </a:t>
+            </a:r>
+            <a:r>
+              <a:rPr lang="en-US" sz="1800" dirty="0" err="1">
+                <a:effectLst/>
+                <a:latin typeface="Times New Roman" panose="02020603050405020304" pitchFamily="18" charset="0"/>
+                <a:ea typeface="Times New Roman" panose="02020603050405020304" pitchFamily="18" charset="0"/>
+                <a:cs typeface="Times New Roman" panose="02020603050405020304" pitchFamily="18" charset="0"/>
+              </a:rPr>
+              <a:t>biên</a:t>
+            </a:r>
+            <a:r>
+              <a:rPr lang="en-US" sz="1800" dirty="0">
+                <a:effectLst/>
+                <a:latin typeface="Times New Roman" panose="02020603050405020304" pitchFamily="18" charset="0"/>
+                <a:ea typeface="Times New Roman" panose="02020603050405020304" pitchFamily="18" charset="0"/>
+                <a:cs typeface="Times New Roman" panose="02020603050405020304" pitchFamily="18" charset="0"/>
+              </a:rPr>
+              <a:t> </a:t>
+            </a:r>
+            <a:r>
+              <a:rPr lang="en-US" sz="1800" dirty="0" err="1">
+                <a:effectLst/>
+                <a:latin typeface="Times New Roman" panose="02020603050405020304" pitchFamily="18" charset="0"/>
+                <a:ea typeface="Times New Roman" panose="02020603050405020304" pitchFamily="18" charset="0"/>
+                <a:cs typeface="Times New Roman" panose="02020603050405020304" pitchFamily="18" charset="0"/>
+              </a:rPr>
+              <a:t>dịch</a:t>
+            </a:r>
+            <a:r>
+              <a:rPr lang="en-US" sz="1800" dirty="0">
+                <a:effectLst/>
+                <a:latin typeface="Times New Roman" panose="02020603050405020304" pitchFamily="18" charset="0"/>
+                <a:ea typeface="Times New Roman" panose="02020603050405020304" pitchFamily="18" charset="0"/>
+                <a:cs typeface="Times New Roman" panose="02020603050405020304" pitchFamily="18" charset="0"/>
+              </a:rPr>
+              <a:t>: </a:t>
+            </a:r>
+            <a:r>
+              <a:rPr lang="en-US" sz="1800" dirty="0" err="1">
+                <a:effectLst/>
+                <a:latin typeface="Times New Roman" panose="02020603050405020304" pitchFamily="18" charset="0"/>
+                <a:ea typeface="Times New Roman" panose="02020603050405020304" pitchFamily="18" charset="0"/>
+                <a:cs typeface="Times New Roman" panose="02020603050405020304" pitchFamily="18" charset="0"/>
+              </a:rPr>
+              <a:t>Phân</a:t>
+            </a:r>
+            <a:r>
+              <a:rPr lang="en-US" sz="1800" dirty="0">
+                <a:effectLst/>
+                <a:latin typeface="Times New Roman" panose="02020603050405020304" pitchFamily="18" charset="0"/>
+                <a:ea typeface="Times New Roman" panose="02020603050405020304" pitchFamily="18" charset="0"/>
+                <a:cs typeface="Times New Roman" panose="02020603050405020304" pitchFamily="18" charset="0"/>
+              </a:rPr>
+              <a:t> </a:t>
+            </a:r>
+            <a:r>
+              <a:rPr lang="en-US" sz="1800" dirty="0" err="1">
+                <a:effectLst/>
+                <a:latin typeface="Times New Roman" panose="02020603050405020304" pitchFamily="18" charset="0"/>
+                <a:ea typeface="Times New Roman" panose="02020603050405020304" pitchFamily="18" charset="0"/>
+                <a:cs typeface="Times New Roman" panose="02020603050405020304" pitchFamily="18" charset="0"/>
+              </a:rPr>
+              <a:t>tích</a:t>
+            </a:r>
+            <a:r>
+              <a:rPr lang="en-US" sz="1800" dirty="0">
+                <a:effectLst/>
+                <a:latin typeface="Times New Roman" panose="02020603050405020304" pitchFamily="18" charset="0"/>
+                <a:ea typeface="Times New Roman" panose="02020603050405020304" pitchFamily="18" charset="0"/>
+                <a:cs typeface="Times New Roman" panose="02020603050405020304" pitchFamily="18" charset="0"/>
+              </a:rPr>
+              <a:t> </a:t>
+            </a:r>
+            <a:r>
+              <a:rPr lang="en-US" sz="1800" dirty="0" err="1">
+                <a:effectLst/>
+                <a:latin typeface="Times New Roman" panose="02020603050405020304" pitchFamily="18" charset="0"/>
+                <a:ea typeface="Times New Roman" panose="02020603050405020304" pitchFamily="18" charset="0"/>
+                <a:cs typeface="Times New Roman" panose="02020603050405020304" pitchFamily="18" charset="0"/>
+              </a:rPr>
+              <a:t>ngữ</a:t>
+            </a:r>
+            <a:r>
+              <a:rPr lang="en-US" sz="1800" dirty="0">
+                <a:effectLst/>
+                <a:latin typeface="Times New Roman" panose="02020603050405020304" pitchFamily="18" charset="0"/>
+                <a:ea typeface="Times New Roman" panose="02020603050405020304" pitchFamily="18" charset="0"/>
+                <a:cs typeface="Times New Roman" panose="02020603050405020304" pitchFamily="18" charset="0"/>
+              </a:rPr>
+              <a:t> </a:t>
+            </a:r>
+            <a:r>
+              <a:rPr lang="en-US" sz="1800" dirty="0" err="1">
+                <a:effectLst/>
+                <a:latin typeface="Times New Roman" panose="02020603050405020304" pitchFamily="18" charset="0"/>
+                <a:ea typeface="Times New Roman" panose="02020603050405020304" pitchFamily="18" charset="0"/>
+                <a:cs typeface="Times New Roman" panose="02020603050405020304" pitchFamily="18" charset="0"/>
+              </a:rPr>
+              <a:t>nghĩa</a:t>
+            </a:r>
+            <a:r>
+              <a:rPr lang="en-US" sz="1800" dirty="0">
+                <a:effectLst/>
+                <a:latin typeface="Times New Roman" panose="02020603050405020304" pitchFamily="18" charset="0"/>
+                <a:ea typeface="Times New Roman" panose="02020603050405020304" pitchFamily="18" charset="0"/>
+                <a:cs typeface="Times New Roman" panose="02020603050405020304" pitchFamily="18" charset="0"/>
+              </a:rPr>
+              <a:t>,” April 6, 2021. </a:t>
+            </a:r>
+            <a:r>
+              <a:rPr lang="en-US" sz="1800" dirty="0">
+                <a:solidFill>
+                  <a:srgbClr val="0000FF"/>
+                </a:solidFill>
+                <a:effectLst/>
+                <a:latin typeface="Times New Roman" panose="02020603050405020304" pitchFamily="18" charset="0"/>
+                <a:ea typeface="Times New Roman" panose="02020603050405020304" pitchFamily="18" charset="0"/>
+                <a:cs typeface="Times New Roman" panose="02020603050405020304" pitchFamily="18" charset="0"/>
+                <a:hlinkClick r:id="rId8"/>
+              </a:rPr>
+              <a:t>https://comdy.vn/trinh-bien-dich/phan-tich-ngu-nghia/</a:t>
+            </a:r>
+            <a:r>
+              <a:rPr lang="en-US" sz="1800" dirty="0">
+                <a:effectLst/>
+                <a:latin typeface="Times New Roman" panose="02020603050405020304" pitchFamily="18" charset="0"/>
+                <a:ea typeface="Times New Roman" panose="02020603050405020304" pitchFamily="18" charset="0"/>
+                <a:cs typeface="Times New Roman" panose="02020603050405020304" pitchFamily="18" charset="0"/>
+              </a:rPr>
+              <a:t>.</a:t>
+            </a:r>
+            <a:endParaRPr lang="en-US" sz="1600" dirty="0">
+              <a:effectLst/>
+              <a:latin typeface="Calibri" panose="020F0502020204030204" pitchFamily="34" charset="0"/>
+              <a:ea typeface="Calibri" panose="020F0502020204030204" pitchFamily="34" charset="0"/>
+              <a:cs typeface="Times New Roman" panose="02020603050405020304" pitchFamily="18" charset="0"/>
+            </a:endParaRPr>
+          </a:p>
+          <a:p>
+            <a:pPr marL="342900" marR="0" lvl="0" indent="-342900">
+              <a:lnSpc>
+                <a:spcPct val="150000"/>
+              </a:lnSpc>
+              <a:spcBef>
+                <a:spcPts val="0"/>
+              </a:spcBef>
+              <a:spcAft>
+                <a:spcPts val="0"/>
+              </a:spcAft>
+              <a:buFont typeface="+mj-lt"/>
+              <a:buAutoNum type="arabicPeriod"/>
+            </a:pPr>
+            <a:r>
+              <a:rPr lang="en-US" sz="1800" dirty="0" err="1">
+                <a:effectLst/>
+                <a:latin typeface="Times New Roman" panose="02020603050405020304" pitchFamily="18" charset="0"/>
+                <a:ea typeface="Times New Roman" panose="02020603050405020304" pitchFamily="18" charset="0"/>
+                <a:cs typeface="Times New Roman" panose="02020603050405020304" pitchFamily="18" charset="0"/>
+              </a:rPr>
+              <a:t>Comdy</a:t>
+            </a:r>
+            <a:r>
+              <a:rPr lang="en-US" sz="1800" dirty="0">
+                <a:effectLst/>
+                <a:latin typeface="Times New Roman" panose="02020603050405020304" pitchFamily="18" charset="0"/>
+                <a:ea typeface="Times New Roman" panose="02020603050405020304" pitchFamily="18" charset="0"/>
+                <a:cs typeface="Times New Roman" panose="02020603050405020304" pitchFamily="18" charset="0"/>
+              </a:rPr>
+              <a:t>. “</a:t>
+            </a:r>
+            <a:r>
+              <a:rPr lang="en-US" sz="1800" dirty="0" err="1">
+                <a:effectLst/>
+                <a:latin typeface="Times New Roman" panose="02020603050405020304" pitchFamily="18" charset="0"/>
+                <a:ea typeface="Times New Roman" panose="02020603050405020304" pitchFamily="18" charset="0"/>
+                <a:cs typeface="Times New Roman" panose="02020603050405020304" pitchFamily="18" charset="0"/>
+              </a:rPr>
+              <a:t>Thiết</a:t>
+            </a:r>
+            <a:r>
+              <a:rPr lang="en-US" sz="1800" dirty="0">
+                <a:effectLst/>
+                <a:latin typeface="Times New Roman" panose="02020603050405020304" pitchFamily="18" charset="0"/>
+                <a:ea typeface="Times New Roman" panose="02020603050405020304" pitchFamily="18" charset="0"/>
+                <a:cs typeface="Times New Roman" panose="02020603050405020304" pitchFamily="18" charset="0"/>
+              </a:rPr>
+              <a:t> </a:t>
+            </a:r>
+            <a:r>
+              <a:rPr lang="en-US" sz="1800" dirty="0" err="1">
+                <a:effectLst/>
+                <a:latin typeface="Times New Roman" panose="02020603050405020304" pitchFamily="18" charset="0"/>
+                <a:ea typeface="Times New Roman" panose="02020603050405020304" pitchFamily="18" charset="0"/>
+                <a:cs typeface="Times New Roman" panose="02020603050405020304" pitchFamily="18" charset="0"/>
+              </a:rPr>
+              <a:t>kế</a:t>
+            </a:r>
+            <a:r>
+              <a:rPr lang="en-US" sz="1800" dirty="0">
+                <a:effectLst/>
+                <a:latin typeface="Times New Roman" panose="02020603050405020304" pitchFamily="18" charset="0"/>
+                <a:ea typeface="Times New Roman" panose="02020603050405020304" pitchFamily="18" charset="0"/>
+                <a:cs typeface="Times New Roman" panose="02020603050405020304" pitchFamily="18" charset="0"/>
+              </a:rPr>
+              <a:t> </a:t>
+            </a:r>
+            <a:r>
+              <a:rPr lang="en-US" sz="1800" dirty="0" err="1">
+                <a:effectLst/>
+                <a:latin typeface="Times New Roman" panose="02020603050405020304" pitchFamily="18" charset="0"/>
+                <a:ea typeface="Times New Roman" panose="02020603050405020304" pitchFamily="18" charset="0"/>
+                <a:cs typeface="Times New Roman" panose="02020603050405020304" pitchFamily="18" charset="0"/>
+              </a:rPr>
+              <a:t>trình</a:t>
+            </a:r>
+            <a:r>
+              <a:rPr lang="en-US" sz="1800" dirty="0">
+                <a:effectLst/>
+                <a:latin typeface="Times New Roman" panose="02020603050405020304" pitchFamily="18" charset="0"/>
+                <a:ea typeface="Times New Roman" panose="02020603050405020304" pitchFamily="18" charset="0"/>
+                <a:cs typeface="Times New Roman" panose="02020603050405020304" pitchFamily="18" charset="0"/>
+              </a:rPr>
+              <a:t> </a:t>
+            </a:r>
+            <a:r>
+              <a:rPr lang="en-US" sz="1800" dirty="0" err="1">
+                <a:effectLst/>
+                <a:latin typeface="Times New Roman" panose="02020603050405020304" pitchFamily="18" charset="0"/>
+                <a:ea typeface="Times New Roman" panose="02020603050405020304" pitchFamily="18" charset="0"/>
+                <a:cs typeface="Times New Roman" panose="02020603050405020304" pitchFamily="18" charset="0"/>
+              </a:rPr>
+              <a:t>biên</a:t>
+            </a:r>
+            <a:r>
+              <a:rPr lang="en-US" sz="1800" dirty="0">
+                <a:effectLst/>
+                <a:latin typeface="Times New Roman" panose="02020603050405020304" pitchFamily="18" charset="0"/>
+                <a:ea typeface="Times New Roman" panose="02020603050405020304" pitchFamily="18" charset="0"/>
+                <a:cs typeface="Times New Roman" panose="02020603050405020304" pitchFamily="18" charset="0"/>
+              </a:rPr>
+              <a:t> </a:t>
+            </a:r>
+            <a:r>
+              <a:rPr lang="en-US" sz="1800" dirty="0" err="1">
+                <a:effectLst/>
+                <a:latin typeface="Times New Roman" panose="02020603050405020304" pitchFamily="18" charset="0"/>
+                <a:ea typeface="Times New Roman" panose="02020603050405020304" pitchFamily="18" charset="0"/>
+                <a:cs typeface="Times New Roman" panose="02020603050405020304" pitchFamily="18" charset="0"/>
+              </a:rPr>
+              <a:t>dịch</a:t>
+            </a:r>
+            <a:r>
+              <a:rPr lang="en-US" sz="1800" dirty="0">
+                <a:effectLst/>
+                <a:latin typeface="Times New Roman" panose="02020603050405020304" pitchFamily="18" charset="0"/>
+                <a:ea typeface="Times New Roman" panose="02020603050405020304" pitchFamily="18" charset="0"/>
+                <a:cs typeface="Times New Roman" panose="02020603050405020304" pitchFamily="18" charset="0"/>
+              </a:rPr>
+              <a:t>: </a:t>
+            </a:r>
+            <a:r>
+              <a:rPr lang="en-US" sz="1800" dirty="0" err="1">
+                <a:effectLst/>
+                <a:latin typeface="Times New Roman" panose="02020603050405020304" pitchFamily="18" charset="0"/>
+                <a:ea typeface="Times New Roman" panose="02020603050405020304" pitchFamily="18" charset="0"/>
+                <a:cs typeface="Times New Roman" panose="02020603050405020304" pitchFamily="18" charset="0"/>
+              </a:rPr>
+              <a:t>Tổng</a:t>
+            </a:r>
+            <a:r>
+              <a:rPr lang="en-US" sz="1800" dirty="0">
+                <a:effectLst/>
+                <a:latin typeface="Times New Roman" panose="02020603050405020304" pitchFamily="18" charset="0"/>
+                <a:ea typeface="Times New Roman" panose="02020603050405020304" pitchFamily="18" charset="0"/>
+                <a:cs typeface="Times New Roman" panose="02020603050405020304" pitchFamily="18" charset="0"/>
+              </a:rPr>
+              <a:t> </a:t>
+            </a:r>
+            <a:r>
+              <a:rPr lang="en-US" sz="1800" dirty="0" err="1">
+                <a:effectLst/>
+                <a:latin typeface="Times New Roman" panose="02020603050405020304" pitchFamily="18" charset="0"/>
+                <a:ea typeface="Times New Roman" panose="02020603050405020304" pitchFamily="18" charset="0"/>
+                <a:cs typeface="Times New Roman" panose="02020603050405020304" pitchFamily="18" charset="0"/>
+              </a:rPr>
+              <a:t>quan</a:t>
+            </a:r>
+            <a:r>
+              <a:rPr lang="en-US" sz="1800" dirty="0">
+                <a:effectLst/>
+                <a:latin typeface="Times New Roman" panose="02020603050405020304" pitchFamily="18" charset="0"/>
+                <a:ea typeface="Times New Roman" panose="02020603050405020304" pitchFamily="18" charset="0"/>
+                <a:cs typeface="Times New Roman" panose="02020603050405020304" pitchFamily="18" charset="0"/>
+              </a:rPr>
+              <a:t>,” April 5, 2021. </a:t>
+            </a:r>
+            <a:r>
+              <a:rPr lang="en-US" sz="1800" dirty="0">
+                <a:solidFill>
+                  <a:srgbClr val="0000FF"/>
+                </a:solidFill>
+                <a:effectLst/>
+                <a:latin typeface="Times New Roman" panose="02020603050405020304" pitchFamily="18" charset="0"/>
+                <a:ea typeface="Times New Roman" panose="02020603050405020304" pitchFamily="18" charset="0"/>
+                <a:cs typeface="Times New Roman" panose="02020603050405020304" pitchFamily="18" charset="0"/>
+                <a:hlinkClick r:id="rId9"/>
+              </a:rPr>
+              <a:t>https://comdy.vn/trinh-bien-dich/tong-quan-thiet-ke-trinh-bien-dich/</a:t>
+            </a:r>
+            <a:r>
+              <a:rPr lang="en-US" sz="1800" dirty="0">
+                <a:effectLst/>
+                <a:latin typeface="Times New Roman" panose="02020603050405020304" pitchFamily="18" charset="0"/>
+                <a:ea typeface="Times New Roman" panose="02020603050405020304" pitchFamily="18" charset="0"/>
+                <a:cs typeface="Times New Roman" panose="02020603050405020304" pitchFamily="18" charset="0"/>
+              </a:rPr>
+              <a:t>.</a:t>
+            </a:r>
+            <a:endParaRPr lang="en-US" sz="1600" dirty="0">
+              <a:effectLst/>
+              <a:latin typeface="Calibri" panose="020F0502020204030204" pitchFamily="34" charset="0"/>
+              <a:ea typeface="Calibri" panose="020F0502020204030204" pitchFamily="34" charset="0"/>
+              <a:cs typeface="Times New Roman" panose="02020603050405020304" pitchFamily="18" charset="0"/>
+            </a:endParaRPr>
+          </a:p>
+          <a:p>
+            <a:pPr marL="342900" marR="0" lvl="0" indent="-342900">
+              <a:lnSpc>
+                <a:spcPct val="150000"/>
+              </a:lnSpc>
+              <a:spcBef>
+                <a:spcPts val="0"/>
+              </a:spcBef>
+              <a:spcAft>
+                <a:spcPts val="0"/>
+              </a:spcAft>
+              <a:buFont typeface="+mj-lt"/>
+              <a:buAutoNum type="arabicPeriod"/>
+            </a:pPr>
+            <a:r>
+              <a:rPr lang="en-US" sz="1800" dirty="0">
+                <a:effectLst/>
+                <a:latin typeface="Times New Roman" panose="02020603050405020304" pitchFamily="18" charset="0"/>
+                <a:ea typeface="Times New Roman" panose="02020603050405020304" pitchFamily="18" charset="0"/>
+                <a:cs typeface="Times New Roman" panose="02020603050405020304" pitchFamily="18" charset="0"/>
+              </a:rPr>
+              <a:t>“Writing a BNF Grammar — </a:t>
+            </a:r>
+            <a:r>
+              <a:rPr lang="en-US" sz="1800" dirty="0" err="1">
+                <a:effectLst/>
+                <a:latin typeface="Times New Roman" panose="02020603050405020304" pitchFamily="18" charset="0"/>
+                <a:ea typeface="Times New Roman" panose="02020603050405020304" pitchFamily="18" charset="0"/>
+                <a:cs typeface="Times New Roman" panose="02020603050405020304" pitchFamily="18" charset="0"/>
+              </a:rPr>
+              <a:t>Pyrser</a:t>
+            </a:r>
+            <a:r>
+              <a:rPr lang="en-US" sz="1800" dirty="0">
+                <a:effectLst/>
+                <a:latin typeface="Times New Roman" panose="02020603050405020304" pitchFamily="18" charset="0"/>
+                <a:ea typeface="Times New Roman" panose="02020603050405020304" pitchFamily="18" charset="0"/>
+                <a:cs typeface="Times New Roman" panose="02020603050405020304" pitchFamily="18" charset="0"/>
+              </a:rPr>
+              <a:t> 0.0.10 Documentation.” Accessed May 4, 2022. </a:t>
+            </a:r>
+            <a:r>
+              <a:rPr lang="en-US" sz="1800" dirty="0">
+                <a:solidFill>
+                  <a:srgbClr val="0000FF"/>
+                </a:solidFill>
+                <a:effectLst/>
+                <a:latin typeface="Times New Roman" panose="02020603050405020304" pitchFamily="18" charset="0"/>
+                <a:ea typeface="Times New Roman" panose="02020603050405020304" pitchFamily="18" charset="0"/>
+                <a:cs typeface="Times New Roman" panose="02020603050405020304" pitchFamily="18" charset="0"/>
+                <a:hlinkClick r:id="rId10"/>
+              </a:rPr>
+              <a:t>https://pythonhosted.org/pyrser/dsl.html</a:t>
+            </a:r>
+            <a:r>
+              <a:rPr lang="en-US" sz="1800" dirty="0">
+                <a:effectLst/>
+                <a:latin typeface="Times New Roman" panose="02020603050405020304" pitchFamily="18" charset="0"/>
+                <a:ea typeface="Times New Roman" panose="02020603050405020304" pitchFamily="18" charset="0"/>
+                <a:cs typeface="Times New Roman" panose="02020603050405020304" pitchFamily="18" charset="0"/>
+              </a:rPr>
+              <a:t>.</a:t>
+            </a:r>
+            <a:endParaRPr lang="en-US" sz="1600" dirty="0">
+              <a:effectLst/>
+              <a:latin typeface="Calibri" panose="020F0502020204030204" pitchFamily="34" charset="0"/>
+              <a:ea typeface="Calibri" panose="020F0502020204030204" pitchFamily="34" charset="0"/>
+              <a:cs typeface="Times New Roman" panose="02020603050405020304" pitchFamily="18" charset="0"/>
+            </a:endParaRPr>
+          </a:p>
+          <a:p>
+            <a:pPr marL="342900" marR="0" lvl="0" indent="-342900">
+              <a:lnSpc>
+                <a:spcPct val="150000"/>
+              </a:lnSpc>
+              <a:spcBef>
+                <a:spcPts val="0"/>
+              </a:spcBef>
+              <a:spcAft>
+                <a:spcPts val="0"/>
+              </a:spcAft>
+              <a:buFont typeface="+mj-lt"/>
+              <a:buAutoNum type="arabicPeriod"/>
+            </a:pPr>
+            <a:r>
+              <a:rPr lang="en-US" sz="1800" dirty="0" err="1">
+                <a:effectLst/>
+                <a:latin typeface="Times New Roman" panose="02020603050405020304" pitchFamily="18" charset="0"/>
+                <a:ea typeface="Times New Roman" panose="02020603050405020304" pitchFamily="18" charset="0"/>
+                <a:cs typeface="Times New Roman" panose="02020603050405020304" pitchFamily="18" charset="0"/>
+              </a:rPr>
+              <a:t>Yatish</a:t>
+            </a:r>
+            <a:r>
+              <a:rPr lang="en-US" sz="1800" dirty="0">
+                <a:effectLst/>
+                <a:latin typeface="Times New Roman" panose="02020603050405020304" pitchFamily="18" charset="0"/>
+                <a:ea typeface="Times New Roman" panose="02020603050405020304" pitchFamily="18" charset="0"/>
+                <a:cs typeface="Times New Roman" panose="02020603050405020304" pitchFamily="18" charset="0"/>
+              </a:rPr>
+              <a:t> Parmar. </a:t>
+            </a:r>
+            <a:r>
+              <a:rPr lang="en-US" sz="1800" i="1" dirty="0">
+                <a:effectLst/>
+                <a:latin typeface="Times New Roman" panose="02020603050405020304" pitchFamily="18" charset="0"/>
+                <a:ea typeface="Times New Roman" panose="02020603050405020304" pitchFamily="18" charset="0"/>
+                <a:cs typeface="Times New Roman" panose="02020603050405020304" pitchFamily="18" charset="0"/>
+              </a:rPr>
+              <a:t>Lexical and Syntax Analysis - A Level Computer Science</a:t>
+            </a:r>
+            <a:r>
+              <a:rPr lang="en-US" sz="1800" dirty="0">
+                <a:effectLst/>
+                <a:latin typeface="Times New Roman" panose="02020603050405020304" pitchFamily="18" charset="0"/>
+                <a:ea typeface="Times New Roman" panose="02020603050405020304" pitchFamily="18" charset="0"/>
+                <a:cs typeface="Times New Roman" panose="02020603050405020304" pitchFamily="18" charset="0"/>
+              </a:rPr>
+              <a:t>, 2016. </a:t>
+            </a:r>
+            <a:r>
+              <a:rPr lang="en-US" sz="1800" dirty="0">
+                <a:solidFill>
+                  <a:srgbClr val="0000FF"/>
+                </a:solidFill>
+                <a:effectLst/>
+                <a:latin typeface="Times New Roman" panose="02020603050405020304" pitchFamily="18" charset="0"/>
+                <a:ea typeface="Times New Roman" panose="02020603050405020304" pitchFamily="18" charset="0"/>
+                <a:cs typeface="Times New Roman" panose="02020603050405020304" pitchFamily="18" charset="0"/>
+                <a:hlinkClick r:id="rId11"/>
+              </a:rPr>
+              <a:t>https://www.youtube.com/watch?v=LjB7ffXWzD0</a:t>
+            </a:r>
+            <a:r>
+              <a:rPr lang="en-US" sz="1800" dirty="0">
+                <a:effectLst/>
+                <a:latin typeface="Times New Roman" panose="02020603050405020304" pitchFamily="18" charset="0"/>
+                <a:ea typeface="Times New Roman" panose="02020603050405020304" pitchFamily="18" charset="0"/>
+                <a:cs typeface="Times New Roman" panose="02020603050405020304" pitchFamily="18" charset="0"/>
+              </a:rPr>
+              <a:t>.</a:t>
+            </a:r>
+            <a:endParaRPr lang="en-US" sz="1600" dirty="0">
+              <a:effectLst/>
+              <a:latin typeface="Calibri" panose="020F0502020204030204" pitchFamily="34" charset="0"/>
+              <a:ea typeface="Calibri" panose="020F0502020204030204" pitchFamily="34" charset="0"/>
+              <a:cs typeface="Times New Roman" panose="02020603050405020304" pitchFamily="18" charset="0"/>
+            </a:endParaRPr>
+          </a:p>
+          <a:p>
+            <a:pPr marL="342900" marR="0" lvl="0" indent="-342900">
+              <a:lnSpc>
+                <a:spcPct val="150000"/>
+              </a:lnSpc>
+              <a:spcBef>
+                <a:spcPts val="0"/>
+              </a:spcBef>
+              <a:spcAft>
+                <a:spcPts val="0"/>
+              </a:spcAft>
+              <a:buFont typeface="+mj-lt"/>
+              <a:buAutoNum type="arabicPeriod"/>
+            </a:pPr>
+            <a:r>
+              <a:rPr lang="en-US" sz="1800" dirty="0">
+                <a:effectLst/>
+                <a:latin typeface="Times New Roman" panose="02020603050405020304" pitchFamily="18" charset="0"/>
+                <a:ea typeface="Times New Roman" panose="02020603050405020304" pitchFamily="18" charset="0"/>
+                <a:cs typeface="Times New Roman" panose="02020603050405020304" pitchFamily="18" charset="0"/>
+              </a:rPr>
+              <a:t>Accessed May 5, 2022. </a:t>
+            </a:r>
+            <a:r>
+              <a:rPr lang="en-US" sz="1800" dirty="0">
+                <a:solidFill>
+                  <a:srgbClr val="0000FF"/>
+                </a:solidFill>
+                <a:effectLst/>
+                <a:latin typeface="Times New Roman" panose="02020603050405020304" pitchFamily="18" charset="0"/>
+                <a:ea typeface="Times New Roman" panose="02020603050405020304" pitchFamily="18" charset="0"/>
+                <a:cs typeface="Times New Roman" panose="02020603050405020304" pitchFamily="18" charset="0"/>
+                <a:hlinkClick r:id="rId12"/>
+              </a:rPr>
+              <a:t>http://nltk.sourceforge.net/doc/en/ch07.html</a:t>
+            </a:r>
+            <a:r>
+              <a:rPr lang="en-US" sz="1800" dirty="0">
+                <a:effectLst/>
+                <a:latin typeface="Times New Roman" panose="02020603050405020304" pitchFamily="18" charset="0"/>
+                <a:ea typeface="Times New Roman" panose="02020603050405020304" pitchFamily="18" charset="0"/>
+                <a:cs typeface="Times New Roman" panose="02020603050405020304" pitchFamily="18" charset="0"/>
+              </a:rPr>
+              <a:t>.</a:t>
+            </a:r>
+            <a:endParaRPr lang="en-US" dirty="0"/>
+          </a:p>
+        </p:txBody>
+      </p:sp>
+    </p:spTree>
+    <p:extLst>
+      <p:ext uri="{BB962C8B-B14F-4D97-AF65-F5344CB8AC3E}">
+        <p14:creationId xmlns:p14="http://schemas.microsoft.com/office/powerpoint/2010/main" val="2460762264"/>
+      </p:ext>
+    </p:extLst>
+  </p:cSld>
+  <p:clrMapOvr>
+    <a:masterClrMapping/>
+  </p:clrMapOvr>
+  <p:transition spd="slow">
+    <p:push dir="u"/>
+  </p:transition>
+</p:sld>
+</file>
+
+<file path=ppt/slides/slide22.xml><?xml version="1.0" encoding="utf-8"?>
+<p:sld xmlns:a="http://schemas.openxmlformats.org/drawingml/2006/main" xmlns:r="http://schemas.openxmlformats.org/officeDocument/2006/relationships" xmlns:p="http://schemas.openxmlformats.org/presentationml/2006/main">
+  <p:cSld>
+    <p:spTree>
+      <p:nvGrpSpPr>
+        <p:cNvPr id="1" name=""/>
+        <p:cNvGrpSpPr/>
+        <p:nvPr/>
+      </p:nvGrpSpPr>
+      <p:grpSpPr>
+        <a:xfrm>
+          <a:off x="0" y="0"/>
+          <a:ext cx="0" cy="0"/>
+          <a:chOff x="0" y="0"/>
+          <a:chExt cx="0" cy="0"/>
+        </a:xfrm>
+      </p:grpSpPr>
       <p:grpSp>
         <p:nvGrpSpPr>
           <p:cNvPr id="15" name="Группа 14"/>
@@ -18422,7 +20605,7 @@
               </a:lnSpc>
             </a:pPr>
             <a:r>
-              <a:rPr lang="en-US" sz="4000" spc="100" dirty="0" err="1" smtClean="0">
+              <a:rPr lang="en-US" sz="4000" spc="100" dirty="0" err="1">
                 <a:solidFill>
                   <a:schemeClr val="bg1"/>
                 </a:solidFill>
@@ -18433,7 +20616,7 @@
               <a:t>Cảm</a:t>
             </a:r>
             <a:r>
-              <a:rPr lang="en-US" sz="4000" spc="100" dirty="0" smtClean="0">
+              <a:rPr lang="en-US" sz="4000" spc="100" dirty="0">
                 <a:solidFill>
                   <a:schemeClr val="bg1"/>
                 </a:solidFill>
@@ -18444,7 +20627,7 @@
               <a:t> </a:t>
             </a:r>
             <a:r>
-              <a:rPr lang="en-US" sz="4000" spc="100" dirty="0" err="1" smtClean="0">
+              <a:rPr lang="en-US" sz="4000" spc="100" dirty="0" err="1">
                 <a:solidFill>
                   <a:schemeClr val="bg1"/>
                 </a:solidFill>
@@ -18455,7 +20638,7 @@
               <a:t>ơn</a:t>
             </a:r>
             <a:r>
-              <a:rPr lang="en-US" sz="4000" spc="100" dirty="0" smtClean="0">
+              <a:rPr lang="en-US" sz="4000" spc="100" dirty="0">
                 <a:solidFill>
                   <a:schemeClr val="bg1"/>
                 </a:solidFill>
@@ -18466,7 +20649,7 @@
               <a:t> </a:t>
             </a:r>
             <a:r>
-              <a:rPr lang="en-US" sz="4000" spc="100" dirty="0" err="1" smtClean="0">
+              <a:rPr lang="en-US" sz="4000" spc="100" dirty="0" err="1">
                 <a:solidFill>
                   <a:schemeClr val="bg1"/>
                 </a:solidFill>
@@ -18477,7 +20660,7 @@
               <a:t>đã</a:t>
             </a:r>
             <a:r>
-              <a:rPr lang="en-US" sz="4000" spc="100" dirty="0" smtClean="0">
+              <a:rPr lang="en-US" sz="4000" spc="100" dirty="0">
                 <a:solidFill>
                   <a:schemeClr val="bg1"/>
                 </a:solidFill>
@@ -18488,7 +20671,7 @@
               <a:t> </a:t>
             </a:r>
             <a:r>
-              <a:rPr lang="en-US" sz="4000" spc="100" dirty="0" err="1" smtClean="0">
+              <a:rPr lang="en-US" sz="4000" spc="100" dirty="0" err="1">
                 <a:solidFill>
                   <a:schemeClr val="bg1"/>
                 </a:solidFill>
@@ -18499,7 +20682,7 @@
               <a:t>lắng</a:t>
             </a:r>
             <a:r>
-              <a:rPr lang="en-US" sz="4000" spc="100" dirty="0" smtClean="0">
+              <a:rPr lang="en-US" sz="4000" spc="100" dirty="0">
                 <a:solidFill>
                   <a:schemeClr val="bg1"/>
                 </a:solidFill>
@@ -18510,7 +20693,7 @@
               <a:t> </a:t>
             </a:r>
             <a:r>
-              <a:rPr lang="en-US" sz="4000" spc="100" dirty="0" err="1" smtClean="0">
+              <a:rPr lang="en-US" sz="4000" spc="100" dirty="0" err="1">
                 <a:solidFill>
                   <a:schemeClr val="bg1"/>
                 </a:solidFill>
@@ -21177,19 +23360,6 @@
                 <a:spcPts val="0"/>
               </a:spcBef>
             </a:pPr>
-            <a:r>
-              <a:rPr lang="en-US" sz="1800" kern="0" dirty="0">
-                <a:solidFill>
-                  <a:schemeClr val="bg1">
-                    <a:lumMod val="65000"/>
-                  </a:schemeClr>
-                </a:solidFill>
-                <a:latin typeface="Poppins" panose="02000000000000000000" pitchFamily="2" charset="0"/>
-                <a:ea typeface="Karla" pitchFamily="2" charset="0"/>
-                <a:cs typeface="Poppins" panose="02000000000000000000" pitchFamily="2" charset="0"/>
-              </a:rPr>
-              <a:t/>
-            </a:r>
             <a:br>
               <a:rPr lang="en-US" sz="1800" kern="0" dirty="0">
                 <a:solidFill>
@@ -23475,10 +25645,9 @@
           <a:lstStyle/>
           <a:p>
             <a:r>
-              <a:rPr lang="en-US" dirty="0" smtClean="0"/>
+              <a:rPr lang="en-US" dirty="0"/>
               <a:t>“a”, ”b”</a:t>
             </a:r>
-            <a:endParaRPr lang="en-US" dirty="0"/>
           </a:p>
         </p:txBody>
       </p:sp>
@@ -33255,12 +35424,6 @@
 </file>
 
 <file path=customXml/item2.xml><?xml version="1.0" encoding="utf-8"?>
-<p:properties xmlns:p="http://schemas.microsoft.com/office/2006/metadata/properties" xmlns:xsi="http://www.w3.org/2001/XMLSchema-instance" xmlns:pc="http://schemas.microsoft.com/office/infopath/2007/PartnerControls">
-  <documentManagement/>
-</p:properties>
-</file>
-
-<file path=customXml/item3.xml><?xml version="1.0" encoding="utf-8"?>
 <ct:contentTypeSchema xmlns:ct="http://schemas.microsoft.com/office/2006/metadata/contentType" xmlns:ma="http://schemas.microsoft.com/office/2006/metadata/properties/metaAttributes" ct:_="" ma:_="" ma:contentTypeName="Tài liệu" ma:contentTypeID="0x010100EC2D0F278148E942919E5E50B2CE1002" ma:contentTypeVersion="13" ma:contentTypeDescription="Tạo tài liệu mới." ma:contentTypeScope="" ma:versionID="05a54af2a6d1b9493ec78ca56d13993e">
   <xsd:schema xmlns:xsd="http://www.w3.org/2001/XMLSchema" xmlns:xs="http://www.w3.org/2001/XMLSchema" xmlns:p="http://schemas.microsoft.com/office/2006/metadata/properties" xmlns:ns3="b3dd761a-17fa-430a-b3a7-60aede42e57b" xmlns:ns4="191f001b-63df-4d49-aa15-0ce731e78454" targetNamespace="http://schemas.microsoft.com/office/2006/metadata/properties" ma:root="true" ma:fieldsID="f1894cec96baf5982327470f0be0efc4" ns3:_="" ns4:_="">
     <xsd:import namespace="b3dd761a-17fa-430a-b3a7-60aede42e57b"/>
@@ -33483,6 +35646,12 @@
 </ct:contentTypeSchema>
 </file>
 
+<file path=customXml/item3.xml><?xml version="1.0" encoding="utf-8"?>
+<p:properties xmlns:p="http://schemas.microsoft.com/office/2006/metadata/properties" xmlns:xsi="http://www.w3.org/2001/XMLSchema-instance" xmlns:pc="http://schemas.microsoft.com/office/infopath/2007/PartnerControls">
+  <documentManagement/>
+</p:properties>
+</file>
+
 <file path=customXml/itemProps1.xml><?xml version="1.0" encoding="utf-8"?>
 <ds:datastoreItem xmlns:ds="http://schemas.openxmlformats.org/officeDocument/2006/customXml" ds:itemID="{4DBC78AF-8D5F-449F-9C4B-7B4E40B9D768}">
   <ds:schemaRefs>
@@ -33492,23 +35661,6 @@
 </file>
 
 <file path=customXml/itemProps2.xml><?xml version="1.0" encoding="utf-8"?>
-<ds:datastoreItem xmlns:ds="http://schemas.openxmlformats.org/officeDocument/2006/customXml" ds:itemID="{20610878-2683-4048-B88F-503163D654A3}">
-  <ds:schemaRefs>
-    <ds:schemaRef ds:uri="http://schemas.microsoft.com/office/2006/metadata/properties"/>
-    <ds:schemaRef ds:uri="http://schemas.microsoft.com/office/infopath/2007/PartnerControls"/>
-    <ds:schemaRef ds:uri="http://schemas.openxmlformats.org/package/2006/metadata/core-properties"/>
-    <ds:schemaRef ds:uri="http://www.w3.org/XML/1998/namespace"/>
-    <ds:schemaRef ds:uri="http://schemas.microsoft.com/office/2006/documentManagement/types"/>
-    <ds:schemaRef ds:uri="b3dd761a-17fa-430a-b3a7-60aede42e57b"/>
-    <ds:schemaRef ds:uri="http://purl.org/dc/elements/1.1/"/>
-    <ds:schemaRef ds:uri="http://purl.org/dc/dcmitype/"/>
-    <ds:schemaRef ds:uri="http://purl.org/dc/terms/"/>
-    <ds:schemaRef ds:uri="191f001b-63df-4d49-aa15-0ce731e78454"/>
-  </ds:schemaRefs>
-</ds:datastoreItem>
-</file>
-
-<file path=customXml/itemProps3.xml><?xml version="1.0" encoding="utf-8"?>
 <ds:datastoreItem xmlns:ds="http://schemas.openxmlformats.org/officeDocument/2006/customXml" ds:itemID="{00F73E94-2F16-4828-A1A8-0266A556B2B9}">
   <ds:schemaRefs>
     <ds:schemaRef ds:uri="http://schemas.microsoft.com/office/2006/metadata/contentType"/>
@@ -33525,4 +35677,21 @@
     <ds:schemaRef ds:uri="http://schemas.microsoft.com/internal/obd"/>
   </ds:schemaRefs>
 </ds:datastoreItem>
+</file>
+
+<file path=customXml/itemProps3.xml><?xml version="1.0" encoding="utf-8"?>
+<ds:datastoreItem xmlns:ds="http://schemas.openxmlformats.org/officeDocument/2006/customXml" ds:itemID="{20610878-2683-4048-B88F-503163D654A3}">
+  <ds:schemaRefs>
+    <ds:schemaRef ds:uri="http://schemas.microsoft.com/office/2006/metadata/properties"/>
+    <ds:schemaRef ds:uri="http://schemas.microsoft.com/office/infopath/2007/PartnerControls"/>
+    <ds:schemaRef ds:uri="http://schemas.openxmlformats.org/package/2006/metadata/core-properties"/>
+    <ds:schemaRef ds:uri="http://www.w3.org/XML/1998/namespace"/>
+    <ds:schemaRef ds:uri="http://schemas.microsoft.com/office/2006/documentManagement/types"/>
+    <ds:schemaRef ds:uri="b3dd761a-17fa-430a-b3a7-60aede42e57b"/>
+    <ds:schemaRef ds:uri="http://purl.org/dc/elements/1.1/"/>
+    <ds:schemaRef ds:uri="http://purl.org/dc/dcmitype/"/>
+    <ds:schemaRef ds:uri="http://purl.org/dc/terms/"/>
+    <ds:schemaRef ds:uri="191f001b-63df-4d49-aa15-0ce731e78454"/>
+  </ds:schemaRefs>
+</ds:datastoreItem>
 </file>
--- a/Presentation/Shift_Reduce_Parsers_Presentation.pptx
+++ b/Presentation/Shift_Reduce_Parsers_Presentation.pptx
@@ -697,7 +697,7 @@
           <a:p>
             <a:fld id="{6F087016-4366-41E0-84B0-E1E9AB4072CA}" type="datetimeFigureOut">
               <a:rPr lang="en-US" smtClean="0"/>
-              <a:t>5/17/2022</a:t>
+              <a:t>2022-05-18</a:t>
             </a:fld>
             <a:endParaRPr lang="en-US"/>
           </a:p>
@@ -895,7 +895,7 @@
           <a:p>
             <a:fld id="{6F087016-4366-41E0-84B0-E1E9AB4072CA}" type="datetimeFigureOut">
               <a:rPr lang="en-US" smtClean="0"/>
-              <a:t>5/17/2022</a:t>
+              <a:t>2022-05-18</a:t>
             </a:fld>
             <a:endParaRPr lang="en-US"/>
           </a:p>
@@ -1103,7 +1103,7 @@
           <a:p>
             <a:fld id="{6F087016-4366-41E0-84B0-E1E9AB4072CA}" type="datetimeFigureOut">
               <a:rPr lang="en-US" smtClean="0"/>
-              <a:t>5/17/2022</a:t>
+              <a:t>2022-05-18</a:t>
             </a:fld>
             <a:endParaRPr lang="en-US"/>
           </a:p>
@@ -2619,7 +2619,7 @@
           <a:p>
             <a:fld id="{6F087016-4366-41E0-84B0-E1E9AB4072CA}" type="datetimeFigureOut">
               <a:rPr lang="en-US" smtClean="0"/>
-              <a:t>5/17/2022</a:t>
+              <a:t>2022-05-18</a:t>
             </a:fld>
             <a:endParaRPr lang="en-US"/>
           </a:p>
@@ -3656,7 +3656,7 @@
           <a:p>
             <a:fld id="{6F087016-4366-41E0-84B0-E1E9AB4072CA}" type="datetimeFigureOut">
               <a:rPr lang="en-US" smtClean="0"/>
-              <a:t>5/17/2022</a:t>
+              <a:t>2022-05-18</a:t>
             </a:fld>
             <a:endParaRPr lang="en-US"/>
           </a:p>
@@ -3921,7 +3921,7 @@
           <a:p>
             <a:fld id="{6F087016-4366-41E0-84B0-E1E9AB4072CA}" type="datetimeFigureOut">
               <a:rPr lang="en-US" smtClean="0"/>
-              <a:t>5/17/2022</a:t>
+              <a:t>2022-05-18</a:t>
             </a:fld>
             <a:endParaRPr lang="en-US"/>
           </a:p>
@@ -4333,7 +4333,7 @@
           <a:p>
             <a:fld id="{6F087016-4366-41E0-84B0-E1E9AB4072CA}" type="datetimeFigureOut">
               <a:rPr lang="en-US" smtClean="0"/>
-              <a:t>5/17/2022</a:t>
+              <a:t>2022-05-18</a:t>
             </a:fld>
             <a:endParaRPr lang="en-US"/>
           </a:p>
@@ -4474,7 +4474,7 @@
           <a:p>
             <a:fld id="{6F087016-4366-41E0-84B0-E1E9AB4072CA}" type="datetimeFigureOut">
               <a:rPr lang="en-US" smtClean="0"/>
-              <a:t>5/17/2022</a:t>
+              <a:t>2022-05-18</a:t>
             </a:fld>
             <a:endParaRPr lang="en-US"/>
           </a:p>
@@ -4587,7 +4587,7 @@
           <a:p>
             <a:fld id="{6F087016-4366-41E0-84B0-E1E9AB4072CA}" type="datetimeFigureOut">
               <a:rPr lang="en-US" smtClean="0"/>
-              <a:t>5/17/2022</a:t>
+              <a:t>2022-05-18</a:t>
             </a:fld>
             <a:endParaRPr lang="en-US"/>
           </a:p>
@@ -4898,7 +4898,7 @@
           <a:p>
             <a:fld id="{6F087016-4366-41E0-84B0-E1E9AB4072CA}" type="datetimeFigureOut">
               <a:rPr lang="en-US" smtClean="0"/>
-              <a:t>5/17/2022</a:t>
+              <a:t>2022-05-18</a:t>
             </a:fld>
             <a:endParaRPr lang="en-US"/>
           </a:p>
@@ -5186,7 +5186,7 @@
           <a:p>
             <a:fld id="{6F087016-4366-41E0-84B0-E1E9AB4072CA}" type="datetimeFigureOut">
               <a:rPr lang="en-US" smtClean="0"/>
-              <a:t>5/17/2022</a:t>
+              <a:t>2022-05-18</a:t>
             </a:fld>
             <a:endParaRPr lang="en-US"/>
           </a:p>
@@ -5427,7 +5427,7 @@
           <a:p>
             <a:fld id="{6F087016-4366-41E0-84B0-E1E9AB4072CA}" type="datetimeFigureOut">
               <a:rPr lang="en-US" smtClean="0"/>
-              <a:t>5/17/2022</a:t>
+              <a:t>2022-05-18</a:t>
             </a:fld>
             <a:endParaRPr lang="en-US"/>
           </a:p>
@@ -6488,6 +6488,12 @@
               </a:rPr>
               <a:t>Tách</a:t>
             </a:r>
+            <a:r>
+              <a:rPr lang="en-US" sz="2400" spc="150" dirty="0">
+                <a:latin typeface="Montserrat SemiBold" panose="00000700000000000000" pitchFamily="50" charset="0"/>
+              </a:rPr>
+              <a:t/>
+            </a:r>
             <a:br>
               <a:rPr lang="en-US" sz="2400" spc="150" dirty="0">
                 <a:latin typeface="Montserrat SemiBold" panose="00000700000000000000" pitchFamily="50" charset="0"/>
@@ -6546,6 +6552,12 @@
                 <a:latin typeface="Montserrat SemiBold" panose="00000700000000000000" pitchFamily="50" charset="0"/>
               </a:rPr>
               <a:t>Pháp</a:t>
+            </a:r>
+            <a:r>
+              <a:rPr lang="en-US" sz="2400" spc="150" dirty="0">
+                <a:latin typeface="Montserrat SemiBold" panose="00000700000000000000" pitchFamily="50" charset="0"/>
+              </a:rPr>
+              <a:t/>
             </a:r>
             <a:br>
               <a:rPr lang="en-US" sz="2400" spc="150" dirty="0">
@@ -7841,7 +7853,7 @@
       </p:grpSp>
       <p:grpSp>
         <p:nvGrpSpPr>
-          <p:cNvPr id="22" name="Group 21"/>
+          <p:cNvPr id="10" name="Group 9"/>
           <p:cNvGrpSpPr/>
           <p:nvPr/>
         </p:nvGrpSpPr>
@@ -7853,37 +7865,85 @@
             <a:chExt cx="2456599" cy="4466156"/>
           </a:xfrm>
         </p:grpSpPr>
+        <p:sp>
+          <p:nvSpPr>
+            <p:cNvPr id="35" name="Прямоугольник 26"/>
+            <p:cNvSpPr/>
+            <p:nvPr/>
+          </p:nvSpPr>
+          <p:spPr>
+            <a:xfrm>
+              <a:off x="6344351" y="1195922"/>
+              <a:ext cx="2419350" cy="1561380"/>
+            </a:xfrm>
+            <a:prstGeom prst="rect">
+              <a:avLst/>
+            </a:prstGeom>
+            <a:solidFill>
+              <a:schemeClr val="bg2">
+                <a:lumMod val="25000"/>
+              </a:schemeClr>
+            </a:solidFill>
+            <a:ln>
+              <a:noFill/>
+            </a:ln>
+          </p:spPr>
+          <p:style>
+            <a:lnRef idx="2">
+              <a:schemeClr val="accent1">
+                <a:shade val="50000"/>
+              </a:schemeClr>
+            </a:lnRef>
+            <a:fillRef idx="1">
+              <a:schemeClr val="accent1"/>
+            </a:fillRef>
+            <a:effectRef idx="0">
+              <a:schemeClr val="accent1"/>
+            </a:effectRef>
+            <a:fontRef idx="minor">
+              <a:schemeClr val="lt1"/>
+            </a:fontRef>
+          </p:style>
+          <p:txBody>
+            <a:bodyPr rtlCol="0" anchor="ctr"/>
+            <a:lstStyle/>
+            <a:p>
+              <a:pPr algn="ctr"/>
+              <a:endParaRPr lang="ru-RU" dirty="0"/>
+            </a:p>
+          </p:txBody>
+        </p:sp>
         <p:grpSp>
           <p:nvGrpSpPr>
-            <p:cNvPr id="10" name="Group 9"/>
+            <p:cNvPr id="38" name="Группа 37"/>
             <p:cNvGrpSpPr/>
             <p:nvPr/>
           </p:nvGrpSpPr>
           <p:grpSpPr>
             <a:xfrm>
-              <a:off x="6307102" y="1195922"/>
-              <a:ext cx="2456599" cy="4466156"/>
-              <a:chOff x="6307102" y="1195922"/>
-              <a:chExt cx="2456599" cy="4466156"/>
+              <a:off x="6307102" y="2740332"/>
+              <a:ext cx="2456597" cy="2921746"/>
+              <a:chOff x="6307102" y="2754746"/>
+              <a:chExt cx="2456597" cy="2907332"/>
             </a:xfrm>
           </p:grpSpPr>
           <p:sp>
             <p:nvSpPr>
-              <p:cNvPr id="35" name="Прямоугольник 26"/>
+              <p:cNvPr id="20" name="Прямоугольник 19"/>
               <p:cNvSpPr/>
               <p:nvPr/>
             </p:nvSpPr>
             <p:spPr>
               <a:xfrm>
-                <a:off x="6344351" y="1195922"/>
-                <a:ext cx="2419350" cy="1561380"/>
+                <a:off x="6325727" y="2754746"/>
+                <a:ext cx="2419350" cy="2907332"/>
               </a:xfrm>
               <a:prstGeom prst="rect">
                 <a:avLst/>
               </a:prstGeom>
               <a:solidFill>
-                <a:schemeClr val="bg2">
-                  <a:lumMod val="25000"/>
+                <a:schemeClr val="bg1">
+                  <a:lumMod val="95000"/>
                 </a:schemeClr>
               </a:solidFill>
               <a:ln>
@@ -7915,421 +7975,328 @@
               </a:p>
             </p:txBody>
           </p:sp>
-          <p:grpSp>
-            <p:nvGrpSpPr>
-              <p:cNvPr id="38" name="Группа 37"/>
-              <p:cNvGrpSpPr/>
+          <p:sp>
+            <p:nvSpPr>
+              <p:cNvPr id="21" name="Заголовок 1"/>
+              <p:cNvSpPr txBox="1">
+                <a:spLocks/>
+              </p:cNvSpPr>
               <p:nvPr/>
-            </p:nvGrpSpPr>
-            <p:grpSpPr>
+            </p:nvSpPr>
+            <p:spPr>
               <a:xfrm>
-                <a:off x="6307102" y="2740332"/>
-                <a:ext cx="2456597" cy="2921746"/>
-                <a:chOff x="6307102" y="2754746"/>
-                <a:chExt cx="2456597" cy="2907332"/>
+                <a:off x="6307102" y="3522249"/>
+                <a:ext cx="2456597" cy="1009326"/>
               </a:xfrm>
-            </p:grpSpPr>
-            <p:sp>
-              <p:nvSpPr>
-                <p:cNvPr id="20" name="Прямоугольник 19"/>
-                <p:cNvSpPr/>
-                <p:nvPr/>
-              </p:nvSpPr>
-              <p:spPr>
-                <a:xfrm>
-                  <a:off x="6325727" y="2754746"/>
-                  <a:ext cx="2419350" cy="2907332"/>
-                </a:xfrm>
-                <a:prstGeom prst="rect">
-                  <a:avLst/>
-                </a:prstGeom>
+              <a:prstGeom prst="rect">
+                <a:avLst/>
+              </a:prstGeom>
+            </p:spPr>
+            <p:txBody>
+              <a:bodyPr>
+                <a:noAutofit/>
+              </a:bodyPr>
+              <a:lstStyle>
+                <a:lvl1pPr algn="l" defTabSz="914400" rtl="0" eaLnBrk="1" latinLnBrk="0" hangingPunct="1">
+                  <a:lnSpc>
+                    <a:spcPct val="90000"/>
+                  </a:lnSpc>
+                  <a:spcBef>
+                    <a:spcPct val="0"/>
+                  </a:spcBef>
+                  <a:buNone/>
+                  <a:defRPr sz="4400" kern="1200">
+                    <a:solidFill>
+                      <a:schemeClr val="tx1"/>
+                    </a:solidFill>
+                    <a:latin typeface="+mj-lt"/>
+                    <a:ea typeface="+mj-ea"/>
+                    <a:cs typeface="+mj-cs"/>
+                  </a:defRPr>
+                </a:lvl1pPr>
+              </a:lstStyle>
+              <a:p>
+                <a:pPr algn="ctr"/>
+                <a:endParaRPr lang="ru-RU" sz="1800" b="1" spc="100" dirty="0">
+                  <a:latin typeface="Nixie"/>
+                  <a:ea typeface="Lato" panose="020F0502020204030203" pitchFamily="34" charset="0"/>
+                  <a:cs typeface="Poppins SemiBold" panose="02000000000000000000" pitchFamily="2" charset="0"/>
+                </a:endParaRPr>
+              </a:p>
+            </p:txBody>
+          </p:sp>
+          <p:sp>
+            <p:nvSpPr>
+              <p:cNvPr id="23" name="Скругленный прямоугольник 22"/>
+              <p:cNvSpPr/>
+              <p:nvPr/>
+            </p:nvSpPr>
+            <p:spPr>
+              <a:xfrm>
+                <a:off x="6895472" y="5024122"/>
+                <a:ext cx="1286540" cy="361507"/>
+              </a:xfrm>
+              <a:prstGeom prst="roundRect">
+                <a:avLst/>
+              </a:prstGeom>
+              <a:noFill/>
+              <a:ln>
                 <a:solidFill>
                   <a:schemeClr val="bg1">
-                    <a:lumMod val="95000"/>
+                    <a:lumMod val="50000"/>
                   </a:schemeClr>
                 </a:solidFill>
-                <a:ln>
-                  <a:noFill/>
-                </a:ln>
-              </p:spPr>
-              <p:style>
-                <a:lnRef idx="2">
-                  <a:schemeClr val="accent1">
-                    <a:shade val="50000"/>
-                  </a:schemeClr>
-                </a:lnRef>
-                <a:fillRef idx="1">
-                  <a:schemeClr val="accent1"/>
-                </a:fillRef>
-                <a:effectRef idx="0">
-                  <a:schemeClr val="accent1"/>
-                </a:effectRef>
-                <a:fontRef idx="minor">
-                  <a:schemeClr val="lt1"/>
-                </a:fontRef>
-              </p:style>
-              <p:txBody>
-                <a:bodyPr rtlCol="0" anchor="ctr"/>
-                <a:lstStyle/>
-                <a:p>
-                  <a:pPr algn="ctr"/>
-                  <a:endParaRPr lang="ru-RU" dirty="0"/>
-                </a:p>
-              </p:txBody>
-            </p:sp>
-            <p:sp>
-              <p:nvSpPr>
-                <p:cNvPr id="21" name="Заголовок 1"/>
-                <p:cNvSpPr txBox="1">
-                  <a:spLocks/>
-                </p:cNvSpPr>
-                <p:nvPr/>
-              </p:nvSpPr>
-              <p:spPr>
-                <a:xfrm>
-                  <a:off x="6307102" y="3522249"/>
-                  <a:ext cx="2456597" cy="1009326"/>
-                </a:xfrm>
-                <a:prstGeom prst="rect">
-                  <a:avLst/>
-                </a:prstGeom>
-              </p:spPr>
-              <p:txBody>
-                <a:bodyPr>
-                  <a:noAutofit/>
-                </a:bodyPr>
-                <a:lstStyle>
-                  <a:lvl1pPr algn="l" defTabSz="914400" rtl="0" eaLnBrk="1" latinLnBrk="0" hangingPunct="1">
-                    <a:lnSpc>
-                      <a:spcPct val="90000"/>
-                    </a:lnSpc>
-                    <a:spcBef>
-                      <a:spcPct val="0"/>
-                    </a:spcBef>
-                    <a:buNone/>
-                    <a:defRPr sz="4400" kern="1200">
-                      <a:solidFill>
-                        <a:schemeClr val="tx1"/>
-                      </a:solidFill>
-                      <a:latin typeface="+mj-lt"/>
-                      <a:ea typeface="+mj-ea"/>
-                      <a:cs typeface="+mj-cs"/>
-                    </a:defRPr>
-                  </a:lvl1pPr>
-                </a:lstStyle>
-                <a:p>
-                  <a:pPr algn="ctr"/>
-                  <a:endParaRPr lang="ru-RU" sz="1800" b="1" spc="100" dirty="0">
-                    <a:latin typeface="Nixie"/>
-                    <a:ea typeface="Lato" panose="020F0502020204030203" pitchFamily="34" charset="0"/>
-                    <a:cs typeface="Poppins SemiBold" panose="02000000000000000000" pitchFamily="2" charset="0"/>
-                  </a:endParaRPr>
-                </a:p>
-              </p:txBody>
-            </p:sp>
-            <p:sp>
-              <p:nvSpPr>
-                <p:cNvPr id="23" name="Скругленный прямоугольник 22"/>
-                <p:cNvSpPr/>
-                <p:nvPr/>
-              </p:nvSpPr>
-              <p:spPr>
-                <a:xfrm>
-                  <a:off x="6895472" y="5024122"/>
-                  <a:ext cx="1286540" cy="361507"/>
-                </a:xfrm>
-                <a:prstGeom prst="roundRect">
-                  <a:avLst/>
-                </a:prstGeom>
-                <a:noFill/>
-                <a:ln>
-                  <a:solidFill>
-                    <a:schemeClr val="bg1">
-                      <a:lumMod val="50000"/>
-                    </a:schemeClr>
-                  </a:solidFill>
-                </a:ln>
-              </p:spPr>
-              <p:style>
-                <a:lnRef idx="2">
-                  <a:schemeClr val="accent1">
-                    <a:shade val="50000"/>
-                  </a:schemeClr>
-                </a:lnRef>
-                <a:fillRef idx="1">
-                  <a:schemeClr val="accent1"/>
-                </a:fillRef>
-                <a:effectRef idx="0">
-                  <a:schemeClr val="accent1"/>
-                </a:effectRef>
-                <a:fontRef idx="minor">
-                  <a:schemeClr val="lt1"/>
-                </a:fontRef>
-              </p:style>
-              <p:txBody>
-                <a:bodyPr rtlCol="0" anchor="ctr"/>
-                <a:lstStyle/>
-                <a:p>
-                  <a:pPr algn="ctr"/>
-                  <a:endParaRPr lang="ru-RU" dirty="0"/>
-                </a:p>
-              </p:txBody>
-            </p:sp>
-            <p:sp>
-              <p:nvSpPr>
-                <p:cNvPr id="24" name="Текст 11"/>
-                <p:cNvSpPr txBox="1">
-                  <a:spLocks/>
-                </p:cNvSpPr>
-                <p:nvPr/>
-              </p:nvSpPr>
-              <p:spPr>
-                <a:xfrm>
-                  <a:off x="6665754" y="5052951"/>
-                  <a:ext cx="1760561" cy="332678"/>
-                </a:xfrm>
-                <a:prstGeom prst="rect">
-                  <a:avLst/>
-                </a:prstGeom>
-              </p:spPr>
-              <p:txBody>
-                <a:bodyPr>
-                  <a:normAutofit/>
-                </a:bodyPr>
-                <a:lstStyle>
-                  <a:lvl1pPr marL="0" indent="0" algn="l" defTabSz="914400" rtl="0" eaLnBrk="1" latinLnBrk="0" hangingPunct="1">
-                    <a:lnSpc>
-                      <a:spcPct val="90000"/>
-                    </a:lnSpc>
-                    <a:spcBef>
-                      <a:spcPts val="1000"/>
-                    </a:spcBef>
-                    <a:buFont typeface="Arial" panose="020B0604020202020204" pitchFamily="34" charset="0"/>
-                    <a:buNone/>
-                    <a:defRPr sz="2800" kern="1200">
-                      <a:solidFill>
-                        <a:schemeClr val="tx1"/>
-                      </a:solidFill>
-                      <a:latin typeface="+mn-lt"/>
-                      <a:ea typeface="+mn-ea"/>
-                      <a:cs typeface="+mn-cs"/>
-                    </a:defRPr>
-                  </a:lvl1pPr>
-                  <a:lvl2pPr marL="685800" indent="-228600" algn="l" defTabSz="914400" rtl="0" eaLnBrk="1" latinLnBrk="0" hangingPunct="1">
-                    <a:lnSpc>
-                      <a:spcPct val="90000"/>
-                    </a:lnSpc>
-                    <a:spcBef>
-                      <a:spcPts val="500"/>
-                    </a:spcBef>
-                    <a:buFont typeface="Arial" panose="020B0604020202020204" pitchFamily="34" charset="0"/>
-                    <a:buChar char="•"/>
-                    <a:defRPr sz="2400" kern="1200">
-                      <a:solidFill>
-                        <a:schemeClr val="tx1"/>
-                      </a:solidFill>
-                      <a:latin typeface="+mn-lt"/>
-                      <a:ea typeface="+mn-ea"/>
-                      <a:cs typeface="+mn-cs"/>
-                    </a:defRPr>
-                  </a:lvl2pPr>
-                  <a:lvl3pPr marL="1143000" indent="-228600" algn="l" defTabSz="914400" rtl="0" eaLnBrk="1" latinLnBrk="0" hangingPunct="1">
-                    <a:lnSpc>
-                      <a:spcPct val="90000"/>
-                    </a:lnSpc>
-                    <a:spcBef>
-                      <a:spcPts val="500"/>
-                    </a:spcBef>
-                    <a:buFont typeface="Arial" panose="020B0604020202020204" pitchFamily="34" charset="0"/>
-                    <a:buChar char="•"/>
-                    <a:defRPr sz="2000" kern="1200">
-                      <a:solidFill>
-                        <a:schemeClr val="tx1"/>
-                      </a:solidFill>
-                      <a:latin typeface="+mn-lt"/>
-                      <a:ea typeface="+mn-ea"/>
-                      <a:cs typeface="+mn-cs"/>
-                    </a:defRPr>
-                  </a:lvl3pPr>
-                  <a:lvl4pPr marL="1600200" indent="-228600" algn="l" defTabSz="914400" rtl="0" eaLnBrk="1" latinLnBrk="0" hangingPunct="1">
-                    <a:lnSpc>
-                      <a:spcPct val="90000"/>
-                    </a:lnSpc>
-                    <a:spcBef>
-                      <a:spcPts val="500"/>
-                    </a:spcBef>
-                    <a:buFont typeface="Arial" panose="020B0604020202020204" pitchFamily="34" charset="0"/>
-                    <a:buChar char="•"/>
-                    <a:defRPr sz="1800" kern="1200">
-                      <a:solidFill>
-                        <a:schemeClr val="tx1"/>
-                      </a:solidFill>
-                      <a:latin typeface="+mn-lt"/>
-                      <a:ea typeface="+mn-ea"/>
-                      <a:cs typeface="+mn-cs"/>
-                    </a:defRPr>
-                  </a:lvl4pPr>
-                  <a:lvl5pPr marL="2057400" indent="-228600" algn="l" defTabSz="914400" rtl="0" eaLnBrk="1" latinLnBrk="0" hangingPunct="1">
-                    <a:lnSpc>
-                      <a:spcPct val="90000"/>
-                    </a:lnSpc>
-                    <a:spcBef>
-                      <a:spcPts val="500"/>
-                    </a:spcBef>
-                    <a:buFont typeface="Arial" panose="020B0604020202020204" pitchFamily="34" charset="0"/>
-                    <a:buChar char="•"/>
-                    <a:defRPr sz="1800" kern="1200">
-                      <a:solidFill>
-                        <a:schemeClr val="tx1"/>
-                      </a:solidFill>
-                      <a:latin typeface="+mn-lt"/>
-                      <a:ea typeface="+mn-ea"/>
-                      <a:cs typeface="+mn-cs"/>
-                    </a:defRPr>
-                  </a:lvl5pPr>
-                  <a:lvl6pPr marL="2514600" indent="-228600" algn="l" defTabSz="914400" rtl="0" eaLnBrk="1" latinLnBrk="0" hangingPunct="1">
-                    <a:lnSpc>
-                      <a:spcPct val="90000"/>
-                    </a:lnSpc>
-                    <a:spcBef>
-                      <a:spcPts val="500"/>
-                    </a:spcBef>
-                    <a:buFont typeface="Arial" panose="020B0604020202020204" pitchFamily="34" charset="0"/>
-                    <a:buChar char="•"/>
-                    <a:defRPr sz="1800" kern="1200">
-                      <a:solidFill>
-                        <a:schemeClr val="tx1"/>
-                      </a:solidFill>
-                      <a:latin typeface="+mn-lt"/>
-                      <a:ea typeface="+mn-ea"/>
-                      <a:cs typeface="+mn-cs"/>
-                    </a:defRPr>
-                  </a:lvl6pPr>
-                  <a:lvl7pPr marL="2971800" indent="-228600" algn="l" defTabSz="914400" rtl="0" eaLnBrk="1" latinLnBrk="0" hangingPunct="1">
-                    <a:lnSpc>
-                      <a:spcPct val="90000"/>
-                    </a:lnSpc>
-                    <a:spcBef>
-                      <a:spcPts val="500"/>
-                    </a:spcBef>
-                    <a:buFont typeface="Arial" panose="020B0604020202020204" pitchFamily="34" charset="0"/>
-                    <a:buChar char="•"/>
-                    <a:defRPr sz="1800" kern="1200">
-                      <a:solidFill>
-                        <a:schemeClr val="tx1"/>
-                      </a:solidFill>
-                      <a:latin typeface="+mn-lt"/>
-                      <a:ea typeface="+mn-ea"/>
-                      <a:cs typeface="+mn-cs"/>
-                    </a:defRPr>
-                  </a:lvl7pPr>
-                  <a:lvl8pPr marL="3429000" indent="-228600" algn="l" defTabSz="914400" rtl="0" eaLnBrk="1" latinLnBrk="0" hangingPunct="1">
-                    <a:lnSpc>
-                      <a:spcPct val="90000"/>
-                    </a:lnSpc>
-                    <a:spcBef>
-                      <a:spcPts val="500"/>
-                    </a:spcBef>
-                    <a:buFont typeface="Arial" panose="020B0604020202020204" pitchFamily="34" charset="0"/>
-                    <a:buChar char="•"/>
-                    <a:defRPr sz="1800" kern="1200">
-                      <a:solidFill>
-                        <a:schemeClr val="tx1"/>
-                      </a:solidFill>
-                      <a:latin typeface="+mn-lt"/>
-                      <a:ea typeface="+mn-ea"/>
-                      <a:cs typeface="+mn-cs"/>
-                    </a:defRPr>
-                  </a:lvl8pPr>
-                  <a:lvl9pPr marL="3886200" indent="-228600" algn="l" defTabSz="914400" rtl="0" eaLnBrk="1" latinLnBrk="0" hangingPunct="1">
-                    <a:lnSpc>
-                      <a:spcPct val="90000"/>
-                    </a:lnSpc>
-                    <a:spcBef>
-                      <a:spcPts val="500"/>
-                    </a:spcBef>
-                    <a:buFont typeface="Arial" panose="020B0604020202020204" pitchFamily="34" charset="0"/>
-                    <a:buChar char="•"/>
-                    <a:defRPr sz="1800" kern="1200">
-                      <a:solidFill>
-                        <a:schemeClr val="tx1"/>
-                      </a:solidFill>
-                      <a:latin typeface="+mn-lt"/>
-                      <a:ea typeface="+mn-ea"/>
-                      <a:cs typeface="+mn-cs"/>
-                    </a:defRPr>
-                  </a:lvl9pPr>
-                </a:lstStyle>
-                <a:p>
-                  <a:pPr algn="ctr">
-                    <a:lnSpc>
-                      <a:spcPts val="1800"/>
-                    </a:lnSpc>
-                  </a:pPr>
-                  <a:r>
-                    <a:rPr lang="en-US" sz="1000" kern="0" dirty="0">
-                      <a:solidFill>
-                        <a:schemeClr val="bg2">
-                          <a:lumMod val="25000"/>
-                        </a:schemeClr>
-                      </a:solidFill>
-                      <a:latin typeface="Poppins" panose="02000000000000000000" pitchFamily="2" charset="0"/>
-                      <a:ea typeface="Karla" pitchFamily="2" charset="0"/>
-                      <a:cs typeface="Poppins" panose="02000000000000000000" pitchFamily="2" charset="0"/>
-                    </a:rPr>
-                    <a:t>Learn More</a:t>
-                  </a:r>
-                </a:p>
-                <a:p>
-                  <a:pPr algn="ctr">
-                    <a:lnSpc>
-                      <a:spcPts val="1800"/>
-                    </a:lnSpc>
-                  </a:pPr>
-                  <a:endParaRPr lang="en-US" sz="1000" b="1" dirty="0">
+              </a:ln>
+            </p:spPr>
+            <p:style>
+              <a:lnRef idx="2">
+                <a:schemeClr val="accent1">
+                  <a:shade val="50000"/>
+                </a:schemeClr>
+              </a:lnRef>
+              <a:fillRef idx="1">
+                <a:schemeClr val="accent1"/>
+              </a:fillRef>
+              <a:effectRef idx="0">
+                <a:schemeClr val="accent1"/>
+              </a:effectRef>
+              <a:fontRef idx="minor">
+                <a:schemeClr val="lt1"/>
+              </a:fontRef>
+            </p:style>
+            <p:txBody>
+              <a:bodyPr rtlCol="0" anchor="ctr"/>
+              <a:lstStyle/>
+              <a:p>
+                <a:pPr algn="ctr"/>
+                <a:endParaRPr lang="ru-RU" dirty="0"/>
+              </a:p>
+            </p:txBody>
+          </p:sp>
+          <p:sp>
+            <p:nvSpPr>
+              <p:cNvPr id="24" name="Текст 11"/>
+              <p:cNvSpPr txBox="1">
+                <a:spLocks/>
+              </p:cNvSpPr>
+              <p:nvPr/>
+            </p:nvSpPr>
+            <p:spPr>
+              <a:xfrm>
+                <a:off x="6665754" y="5052951"/>
+                <a:ext cx="1760561" cy="332678"/>
+              </a:xfrm>
+              <a:prstGeom prst="rect">
+                <a:avLst/>
+              </a:prstGeom>
+            </p:spPr>
+            <p:txBody>
+              <a:bodyPr>
+                <a:normAutofit/>
+              </a:bodyPr>
+              <a:lstStyle>
+                <a:lvl1pPr marL="0" indent="0" algn="l" defTabSz="914400" rtl="0" eaLnBrk="1" latinLnBrk="0" hangingPunct="1">
+                  <a:lnSpc>
+                    <a:spcPct val="90000"/>
+                  </a:lnSpc>
+                  <a:spcBef>
+                    <a:spcPts val="1000"/>
+                  </a:spcBef>
+                  <a:buFont typeface="Arial" panose="020B0604020202020204" pitchFamily="34" charset="0"/>
+                  <a:buNone/>
+                  <a:defRPr sz="2800" kern="1200">
+                    <a:solidFill>
+                      <a:schemeClr val="tx1"/>
+                    </a:solidFill>
+                    <a:latin typeface="+mn-lt"/>
+                    <a:ea typeface="+mn-ea"/>
+                    <a:cs typeface="+mn-cs"/>
+                  </a:defRPr>
+                </a:lvl1pPr>
+                <a:lvl2pPr marL="685800" indent="-228600" algn="l" defTabSz="914400" rtl="0" eaLnBrk="1" latinLnBrk="0" hangingPunct="1">
+                  <a:lnSpc>
+                    <a:spcPct val="90000"/>
+                  </a:lnSpc>
+                  <a:spcBef>
+                    <a:spcPts val="500"/>
+                  </a:spcBef>
+                  <a:buFont typeface="Arial" panose="020B0604020202020204" pitchFamily="34" charset="0"/>
+                  <a:buChar char="•"/>
+                  <a:defRPr sz="2400" kern="1200">
+                    <a:solidFill>
+                      <a:schemeClr val="tx1"/>
+                    </a:solidFill>
+                    <a:latin typeface="+mn-lt"/>
+                    <a:ea typeface="+mn-ea"/>
+                    <a:cs typeface="+mn-cs"/>
+                  </a:defRPr>
+                </a:lvl2pPr>
+                <a:lvl3pPr marL="1143000" indent="-228600" algn="l" defTabSz="914400" rtl="0" eaLnBrk="1" latinLnBrk="0" hangingPunct="1">
+                  <a:lnSpc>
+                    <a:spcPct val="90000"/>
+                  </a:lnSpc>
+                  <a:spcBef>
+                    <a:spcPts val="500"/>
+                  </a:spcBef>
+                  <a:buFont typeface="Arial" panose="020B0604020202020204" pitchFamily="34" charset="0"/>
+                  <a:buChar char="•"/>
+                  <a:defRPr sz="2000" kern="1200">
+                    <a:solidFill>
+                      <a:schemeClr val="tx1"/>
+                    </a:solidFill>
+                    <a:latin typeface="+mn-lt"/>
+                    <a:ea typeface="+mn-ea"/>
+                    <a:cs typeface="+mn-cs"/>
+                  </a:defRPr>
+                </a:lvl3pPr>
+                <a:lvl4pPr marL="1600200" indent="-228600" algn="l" defTabSz="914400" rtl="0" eaLnBrk="1" latinLnBrk="0" hangingPunct="1">
+                  <a:lnSpc>
+                    <a:spcPct val="90000"/>
+                  </a:lnSpc>
+                  <a:spcBef>
+                    <a:spcPts val="500"/>
+                  </a:spcBef>
+                  <a:buFont typeface="Arial" panose="020B0604020202020204" pitchFamily="34" charset="0"/>
+                  <a:buChar char="•"/>
+                  <a:defRPr sz="1800" kern="1200">
+                    <a:solidFill>
+                      <a:schemeClr val="tx1"/>
+                    </a:solidFill>
+                    <a:latin typeface="+mn-lt"/>
+                    <a:ea typeface="+mn-ea"/>
+                    <a:cs typeface="+mn-cs"/>
+                  </a:defRPr>
+                </a:lvl4pPr>
+                <a:lvl5pPr marL="2057400" indent="-228600" algn="l" defTabSz="914400" rtl="0" eaLnBrk="1" latinLnBrk="0" hangingPunct="1">
+                  <a:lnSpc>
+                    <a:spcPct val="90000"/>
+                  </a:lnSpc>
+                  <a:spcBef>
+                    <a:spcPts val="500"/>
+                  </a:spcBef>
+                  <a:buFont typeface="Arial" panose="020B0604020202020204" pitchFamily="34" charset="0"/>
+                  <a:buChar char="•"/>
+                  <a:defRPr sz="1800" kern="1200">
+                    <a:solidFill>
+                      <a:schemeClr val="tx1"/>
+                    </a:solidFill>
+                    <a:latin typeface="+mn-lt"/>
+                    <a:ea typeface="+mn-ea"/>
+                    <a:cs typeface="+mn-cs"/>
+                  </a:defRPr>
+                </a:lvl5pPr>
+                <a:lvl6pPr marL="2514600" indent="-228600" algn="l" defTabSz="914400" rtl="0" eaLnBrk="1" latinLnBrk="0" hangingPunct="1">
+                  <a:lnSpc>
+                    <a:spcPct val="90000"/>
+                  </a:lnSpc>
+                  <a:spcBef>
+                    <a:spcPts val="500"/>
+                  </a:spcBef>
+                  <a:buFont typeface="Arial" panose="020B0604020202020204" pitchFamily="34" charset="0"/>
+                  <a:buChar char="•"/>
+                  <a:defRPr sz="1800" kern="1200">
+                    <a:solidFill>
+                      <a:schemeClr val="tx1"/>
+                    </a:solidFill>
+                    <a:latin typeface="+mn-lt"/>
+                    <a:ea typeface="+mn-ea"/>
+                    <a:cs typeface="+mn-cs"/>
+                  </a:defRPr>
+                </a:lvl6pPr>
+                <a:lvl7pPr marL="2971800" indent="-228600" algn="l" defTabSz="914400" rtl="0" eaLnBrk="1" latinLnBrk="0" hangingPunct="1">
+                  <a:lnSpc>
+                    <a:spcPct val="90000"/>
+                  </a:lnSpc>
+                  <a:spcBef>
+                    <a:spcPts val="500"/>
+                  </a:spcBef>
+                  <a:buFont typeface="Arial" panose="020B0604020202020204" pitchFamily="34" charset="0"/>
+                  <a:buChar char="•"/>
+                  <a:defRPr sz="1800" kern="1200">
+                    <a:solidFill>
+                      <a:schemeClr val="tx1"/>
+                    </a:solidFill>
+                    <a:latin typeface="+mn-lt"/>
+                    <a:ea typeface="+mn-ea"/>
+                    <a:cs typeface="+mn-cs"/>
+                  </a:defRPr>
+                </a:lvl7pPr>
+                <a:lvl8pPr marL="3429000" indent="-228600" algn="l" defTabSz="914400" rtl="0" eaLnBrk="1" latinLnBrk="0" hangingPunct="1">
+                  <a:lnSpc>
+                    <a:spcPct val="90000"/>
+                  </a:lnSpc>
+                  <a:spcBef>
+                    <a:spcPts val="500"/>
+                  </a:spcBef>
+                  <a:buFont typeface="Arial" panose="020B0604020202020204" pitchFamily="34" charset="0"/>
+                  <a:buChar char="•"/>
+                  <a:defRPr sz="1800" kern="1200">
+                    <a:solidFill>
+                      <a:schemeClr val="tx1"/>
+                    </a:solidFill>
+                    <a:latin typeface="+mn-lt"/>
+                    <a:ea typeface="+mn-ea"/>
+                    <a:cs typeface="+mn-cs"/>
+                  </a:defRPr>
+                </a:lvl8pPr>
+                <a:lvl9pPr marL="3886200" indent="-228600" algn="l" defTabSz="914400" rtl="0" eaLnBrk="1" latinLnBrk="0" hangingPunct="1">
+                  <a:lnSpc>
+                    <a:spcPct val="90000"/>
+                  </a:lnSpc>
+                  <a:spcBef>
+                    <a:spcPts val="500"/>
+                  </a:spcBef>
+                  <a:buFont typeface="Arial" panose="020B0604020202020204" pitchFamily="34" charset="0"/>
+                  <a:buChar char="•"/>
+                  <a:defRPr sz="1800" kern="1200">
+                    <a:solidFill>
+                      <a:schemeClr val="tx1"/>
+                    </a:solidFill>
+                    <a:latin typeface="+mn-lt"/>
+                    <a:ea typeface="+mn-ea"/>
+                    <a:cs typeface="+mn-cs"/>
+                  </a:defRPr>
+                </a:lvl9pPr>
+              </a:lstStyle>
+              <a:p>
+                <a:pPr algn="ctr">
+                  <a:lnSpc>
+                    <a:spcPts val="1800"/>
+                  </a:lnSpc>
+                </a:pPr>
+                <a:r>
+                  <a:rPr lang="en-US" sz="1000" kern="0" dirty="0">
                     <a:solidFill>
                       <a:schemeClr val="bg2">
                         <a:lumMod val="25000"/>
                       </a:schemeClr>
                     </a:solidFill>
                     <a:latin typeface="Poppins" panose="02000000000000000000" pitchFamily="2" charset="0"/>
+                    <a:ea typeface="Karla" pitchFamily="2" charset="0"/>
                     <a:cs typeface="Poppins" panose="02000000000000000000" pitchFamily="2" charset="0"/>
-                  </a:endParaRPr>
-                </a:p>
-              </p:txBody>
-            </p:sp>
-          </p:grpSp>
+                  </a:rPr>
+                  <a:t>Learn More</a:t>
+                </a:r>
+              </a:p>
+              <a:p>
+                <a:pPr algn="ctr">
+                  <a:lnSpc>
+                    <a:spcPts val="1800"/>
+                  </a:lnSpc>
+                </a:pPr>
+                <a:endParaRPr lang="en-US" sz="1000" b="1" dirty="0">
+                  <a:solidFill>
+                    <a:schemeClr val="bg2">
+                      <a:lumMod val="25000"/>
+                    </a:schemeClr>
+                  </a:solidFill>
+                  <a:latin typeface="Poppins" panose="02000000000000000000" pitchFamily="2" charset="0"/>
+                  <a:cs typeface="Poppins" panose="02000000000000000000" pitchFamily="2" charset="0"/>
+                </a:endParaRPr>
+              </a:p>
+            </p:txBody>
+          </p:sp>
         </p:grpSp>
-        <p:pic>
-          <p:nvPicPr>
-            <p:cNvPr id="14" name="Picture 13"/>
-            <p:cNvPicPr>
-              <a:picLocks noChangeAspect="1"/>
-            </p:cNvPicPr>
-            <p:nvPr/>
-          </p:nvPicPr>
-          <p:blipFill>
-            <a:blip r:embed="rId3">
-              <a:extLst>
-                <a:ext uri="{28A0092B-C50C-407E-A947-70E740481C1C}">
-                  <a14:useLocalDpi xmlns:a14="http://schemas.microsoft.com/office/drawing/2010/main" val="0"/>
-                </a:ext>
-              </a:extLst>
-            </a:blip>
-            <a:stretch>
-              <a:fillRect/>
-            </a:stretch>
-          </p:blipFill>
-          <p:spPr>
-            <a:xfrm>
-              <a:off x="6846779" y="1277357"/>
-              <a:ext cx="1398509" cy="1398509"/>
-            </a:xfrm>
-            <a:prstGeom prst="rect">
-              <a:avLst/>
-            </a:prstGeom>
-          </p:spPr>
-        </p:pic>
       </p:grpSp>
       <p:pic>
         <p:nvPicPr>
@@ -8340,6 +8307,119 @@
               </a:ext>
             </a:extLst>
           </p:cNvPr>
+          <p:cNvPicPr>
+            <a:picLocks noChangeAspect="1"/>
+          </p:cNvPicPr>
+          <p:nvPr/>
+        </p:nvPicPr>
+        <p:blipFill>
+          <a:blip r:embed="rId3">
+            <a:extLst>
+              <a:ext uri="{28A0092B-C50C-407E-A947-70E740481C1C}">
+                <a14:useLocalDpi xmlns:a14="http://schemas.microsoft.com/office/drawing/2010/main" val="0"/>
+              </a:ext>
+            </a:extLst>
+          </a:blip>
+          <a:stretch>
+            <a:fillRect/>
+          </a:stretch>
+        </p:blipFill>
+        <p:spPr>
+          <a:xfrm>
+            <a:off x="1006548" y="1156516"/>
+            <a:ext cx="1673267" cy="1673267"/>
+          </a:xfrm>
+          <a:prstGeom prst="rect">
+            <a:avLst/>
+          </a:prstGeom>
+        </p:spPr>
+      </p:pic>
+      <p:sp>
+        <p:nvSpPr>
+          <p:cNvPr id="27" name="Заголовок 1"/>
+          <p:cNvSpPr txBox="1">
+            <a:spLocks/>
+          </p:cNvSpPr>
+          <p:nvPr/>
+        </p:nvSpPr>
+        <p:spPr>
+          <a:xfrm>
+            <a:off x="9068878" y="3527455"/>
+            <a:ext cx="2456597" cy="1009326"/>
+          </a:xfrm>
+          <a:prstGeom prst="rect">
+            <a:avLst/>
+          </a:prstGeom>
+        </p:spPr>
+        <p:txBody>
+          <a:bodyPr>
+            <a:noAutofit/>
+          </a:bodyPr>
+          <a:lstStyle>
+            <a:lvl1pPr algn="l" defTabSz="914400" rtl="0" eaLnBrk="1" latinLnBrk="0" hangingPunct="1">
+              <a:lnSpc>
+                <a:spcPct val="90000"/>
+              </a:lnSpc>
+              <a:spcBef>
+                <a:spcPct val="0"/>
+              </a:spcBef>
+              <a:buNone/>
+              <a:defRPr sz="4400" kern="1200">
+                <a:solidFill>
+                  <a:schemeClr val="tx1"/>
+                </a:solidFill>
+                <a:latin typeface="+mj-lt"/>
+                <a:ea typeface="+mj-ea"/>
+                <a:cs typeface="+mj-cs"/>
+              </a:defRPr>
+            </a:lvl1pPr>
+          </a:lstStyle>
+          <a:p>
+            <a:pPr algn="ctr">
+              <a:lnSpc>
+                <a:spcPts val="3400"/>
+              </a:lnSpc>
+            </a:pPr>
+            <a:r>
+              <a:rPr lang="en-US" sz="2000" kern="0" spc="150" dirty="0" err="1" smtClean="0">
+                <a:latin typeface="Montserrat SemiBold" panose="00000700000000000000" pitchFamily="50" charset="0"/>
+                <a:cs typeface="Poppins SemiBold" panose="02000000000000000000" pitchFamily="2" charset="0"/>
+              </a:rPr>
+              <a:t>Linh</a:t>
+            </a:r>
+            <a:r>
+              <a:rPr lang="en-US" sz="2000" kern="0" spc="150" dirty="0" smtClean="0">
+                <a:latin typeface="Montserrat SemiBold" panose="00000700000000000000" pitchFamily="50" charset="0"/>
+                <a:cs typeface="Poppins SemiBold" panose="02000000000000000000" pitchFamily="2" charset="0"/>
+              </a:rPr>
+              <a:t> </a:t>
+            </a:r>
+            <a:r>
+              <a:rPr lang="en-US" sz="2000" kern="0" spc="150" dirty="0" err="1" smtClean="0">
+                <a:latin typeface="Montserrat SemiBold" panose="00000700000000000000" pitchFamily="50" charset="0"/>
+                <a:cs typeface="Poppins SemiBold" panose="02000000000000000000" pitchFamily="2" charset="0"/>
+              </a:rPr>
+              <a:t>Động</a:t>
+            </a:r>
+            <a:endParaRPr lang="en-US" sz="2000" b="1" spc="100" baseline="30000" dirty="0">
+              <a:latin typeface="Montserrat" panose="02000505000000020004" pitchFamily="2" charset="0"/>
+              <a:ea typeface="Lato" panose="020F0502020204030203" pitchFamily="34" charset="0"/>
+              <a:cs typeface="Poppins SemiBold" panose="02000000000000000000" pitchFamily="2" charset="0"/>
+            </a:endParaRPr>
+          </a:p>
+          <a:p>
+            <a:pPr algn="ctr"/>
+            <a:endParaRPr lang="ru-RU" sz="2000" b="1" spc="100" dirty="0">
+              <a:latin typeface="Nixie"/>
+              <a:ea typeface="Lato" panose="020F0502020204030203" pitchFamily="34" charset="0"/>
+              <a:cs typeface="Poppins SemiBold" panose="02000000000000000000" pitchFamily="2" charset="0"/>
+            </a:endParaRPr>
+          </a:p>
+        </p:txBody>
+      </p:sp>
+      <p:pic>
+        <p:nvPicPr>
+          <p:cNvPr id="4" name="Picture 3"/>
           <p:cNvPicPr>
             <a:picLocks noChangeAspect="1"/>
           </p:cNvPicPr>
@@ -8359,8 +8439,8 @@
         </p:blipFill>
         <p:spPr>
           <a:xfrm>
-            <a:off x="1006548" y="1156516"/>
-            <a:ext cx="1673267" cy="1673267"/>
+            <a:off x="9713119" y="1258895"/>
+            <a:ext cx="1396626" cy="1396626"/>
           </a:xfrm>
           <a:prstGeom prst="rect">
             <a:avLst/>
@@ -8478,87 +8558,6 @@
                                         <p:cTn id="9" dur="500"/>
                                         <p:tgtEl>
                                           <p:spTgt spid="19"/>
-                                        </p:tgtEl>
-                                      </p:cBhvr>
-                                    </p:animEffect>
-                                  </p:childTnLst>
-                                </p:cTn>
-                              </p:par>
-                              <p:par>
-                                <p:cTn id="10" presetID="53" presetClass="entr" presetSubtype="16" fill="hold" nodeType="withEffect">
-                                  <p:stCondLst>
-                                    <p:cond delay="1700"/>
-                                  </p:stCondLst>
-                                  <p:childTnLst>
-                                    <p:set>
-                                      <p:cBhvr>
-                                        <p:cTn id="11" dur="1" fill="hold">
-                                          <p:stCondLst>
-                                            <p:cond delay="0"/>
-                                          </p:stCondLst>
-                                        </p:cTn>
-                                        <p:tgtEl>
-                                          <p:spTgt spid="22"/>
-                                        </p:tgtEl>
-                                        <p:attrNameLst>
-                                          <p:attrName>style.visibility</p:attrName>
-                                        </p:attrNameLst>
-                                      </p:cBhvr>
-                                      <p:to>
-                                        <p:strVal val="visible"/>
-                                      </p:to>
-                                    </p:set>
-                                    <p:anim calcmode="lin" valueType="num">
-                                      <p:cBhvr>
-                                        <p:cTn id="12" dur="500" fill="hold"/>
-                                        <p:tgtEl>
-                                          <p:spTgt spid="22"/>
-                                        </p:tgtEl>
-                                        <p:attrNameLst>
-                                          <p:attrName>ppt_w</p:attrName>
-                                        </p:attrNameLst>
-                                      </p:cBhvr>
-                                      <p:tavLst>
-                                        <p:tav tm="0">
-                                          <p:val>
-                                            <p:fltVal val="0"/>
-                                          </p:val>
-                                        </p:tav>
-                                        <p:tav tm="100000">
-                                          <p:val>
-                                            <p:strVal val="#ppt_w"/>
-                                          </p:val>
-                                        </p:tav>
-                                      </p:tavLst>
-                                    </p:anim>
-                                    <p:anim calcmode="lin" valueType="num">
-                                      <p:cBhvr>
-                                        <p:cTn id="13" dur="500" fill="hold"/>
-                                        <p:tgtEl>
-                                          <p:spTgt spid="22"/>
-                                        </p:tgtEl>
-                                        <p:attrNameLst>
-                                          <p:attrName>ppt_h</p:attrName>
-                                        </p:attrNameLst>
-                                      </p:cBhvr>
-                                      <p:tavLst>
-                                        <p:tav tm="0">
-                                          <p:val>
-                                            <p:fltVal val="0"/>
-                                          </p:val>
-                                        </p:tav>
-                                        <p:tav tm="100000">
-                                          <p:val>
-                                            <p:strVal val="#ppt_h"/>
-                                          </p:val>
-                                        </p:tav>
-                                      </p:tavLst>
-                                    </p:anim>
-                                    <p:animEffect transition="in" filter="fade">
-                                      <p:cBhvr>
-                                        <p:cTn id="14" dur="500"/>
-                                        <p:tgtEl>
-                                          <p:spTgt spid="22"/>
                                         </p:tgtEl>
                                       </p:cBhvr>
                                     </p:animEffect>
@@ -23360,6 +23359,19 @@
                 <a:spcPts val="0"/>
               </a:spcBef>
             </a:pPr>
+            <a:r>
+              <a:rPr lang="en-US" sz="1800" kern="0" dirty="0">
+                <a:solidFill>
+                  <a:schemeClr val="bg1">
+                    <a:lumMod val="65000"/>
+                  </a:schemeClr>
+                </a:solidFill>
+                <a:latin typeface="Poppins" panose="02000000000000000000" pitchFamily="2" charset="0"/>
+                <a:ea typeface="Karla" pitchFamily="2" charset="0"/>
+                <a:cs typeface="Poppins" panose="02000000000000000000" pitchFamily="2" charset="0"/>
+              </a:rPr>
+              <a:t/>
+            </a:r>
             <a:br>
               <a:rPr lang="en-US" sz="1800" kern="0" dirty="0">
                 <a:solidFill>
@@ -35415,15 +35427,6 @@
 </file>
 
 <file path=customXml/item1.xml><?xml version="1.0" encoding="utf-8"?>
-<?mso-contentType ?>
-<FormTemplates xmlns="http://schemas.microsoft.com/sharepoint/v3/contenttype/forms">
-  <Display>DocumentLibraryForm</Display>
-  <Edit>DocumentLibraryForm</Edit>
-  <New>DocumentLibraryForm</New>
-</FormTemplates>
-</file>
-
-<file path=customXml/item2.xml><?xml version="1.0" encoding="utf-8"?>
 <ct:contentTypeSchema xmlns:ct="http://schemas.microsoft.com/office/2006/metadata/contentType" xmlns:ma="http://schemas.microsoft.com/office/2006/metadata/properties/metaAttributes" ct:_="" ma:_="" ma:contentTypeName="Tài liệu" ma:contentTypeID="0x010100EC2D0F278148E942919E5E50B2CE1002" ma:contentTypeVersion="13" ma:contentTypeDescription="Tạo tài liệu mới." ma:contentTypeScope="" ma:versionID="05a54af2a6d1b9493ec78ca56d13993e">
   <xsd:schema xmlns:xsd="http://www.w3.org/2001/XMLSchema" xmlns:xs="http://www.w3.org/2001/XMLSchema" xmlns:p="http://schemas.microsoft.com/office/2006/metadata/properties" xmlns:ns3="b3dd761a-17fa-430a-b3a7-60aede42e57b" xmlns:ns4="191f001b-63df-4d49-aa15-0ce731e78454" targetNamespace="http://schemas.microsoft.com/office/2006/metadata/properties" ma:root="true" ma:fieldsID="f1894cec96baf5982327470f0be0efc4" ns3:_="" ns4:_="">
     <xsd:import namespace="b3dd761a-17fa-430a-b3a7-60aede42e57b"/>
@@ -35646,6 +35649,15 @@
 </ct:contentTypeSchema>
 </file>
 
+<file path=customXml/item2.xml><?xml version="1.0" encoding="utf-8"?>
+<?mso-contentType ?>
+<FormTemplates xmlns="http://schemas.microsoft.com/sharepoint/v3/contenttype/forms">
+  <Display>DocumentLibraryForm</Display>
+  <Edit>DocumentLibraryForm</Edit>
+  <New>DocumentLibraryForm</New>
+</FormTemplates>
+</file>
+
 <file path=customXml/item3.xml><?xml version="1.0" encoding="utf-8"?>
 <p:properties xmlns:p="http://schemas.microsoft.com/office/2006/metadata/properties" xmlns:xsi="http://www.w3.org/2001/XMLSchema-instance" xmlns:pc="http://schemas.microsoft.com/office/infopath/2007/PartnerControls">
   <documentManagement/>
@@ -35653,14 +35665,6 @@
 </file>
 
 <file path=customXml/itemProps1.xml><?xml version="1.0" encoding="utf-8"?>
-<ds:datastoreItem xmlns:ds="http://schemas.openxmlformats.org/officeDocument/2006/customXml" ds:itemID="{4DBC78AF-8D5F-449F-9C4B-7B4E40B9D768}">
-  <ds:schemaRefs>
-    <ds:schemaRef ds:uri="http://schemas.microsoft.com/sharepoint/v3/contenttype/forms"/>
-  </ds:schemaRefs>
-</ds:datastoreItem>
-</file>
-
-<file path=customXml/itemProps2.xml><?xml version="1.0" encoding="utf-8"?>
 <ds:datastoreItem xmlns:ds="http://schemas.openxmlformats.org/officeDocument/2006/customXml" ds:itemID="{00F73E94-2F16-4828-A1A8-0266A556B2B9}">
   <ds:schemaRefs>
     <ds:schemaRef ds:uri="http://schemas.microsoft.com/office/2006/metadata/contentType"/>
@@ -35675,6 +35679,14 @@
     <ds:schemaRef ds:uri="http://purl.org/dc/elements/1.1/"/>
     <ds:schemaRef ds:uri="http://purl.org/dc/terms/"/>
     <ds:schemaRef ds:uri="http://schemas.microsoft.com/internal/obd"/>
+  </ds:schemaRefs>
+</ds:datastoreItem>
+</file>
+
+<file path=customXml/itemProps2.xml><?xml version="1.0" encoding="utf-8"?>
+<ds:datastoreItem xmlns:ds="http://schemas.openxmlformats.org/officeDocument/2006/customXml" ds:itemID="{4DBC78AF-8D5F-449F-9C4B-7B4E40B9D768}">
+  <ds:schemaRefs>
+    <ds:schemaRef ds:uri="http://schemas.microsoft.com/sharepoint/v3/contenttype/forms"/>
   </ds:schemaRefs>
 </ds:datastoreItem>
 </file>
